--- a/grundpraktikum2/Atomphysik/Atomphysik.pptx
+++ b/grundpraktikum2/Atomphysik/Atomphysik.pptx
@@ -5,10 +5,14 @@
     <p:sldMasterId id="2147483648" r:id="rId1"/>
   </p:sldMasterIdLst>
   <p:notesMasterIdLst>
-    <p:notesMasterId r:id="rId3"/>
+    <p:notesMasterId r:id="rId7"/>
   </p:notesMasterIdLst>
   <p:sldIdLst>
     <p:sldId id="256" r:id="rId2"/>
+    <p:sldId id="257" r:id="rId3"/>
+    <p:sldId id="258" r:id="rId4"/>
+    <p:sldId id="259" r:id="rId5"/>
+    <p:sldId id="260" r:id="rId6"/>
   </p:sldIdLst>
   <p:sldSz cx="12192000" cy="6858000"/>
   <p:notesSz cx="6858000" cy="9144000"/>
@@ -3782,6 +3786,1183 @@
     <p:extLst>
       <p:ext uri="{BB962C8B-B14F-4D97-AF65-F5344CB8AC3E}">
         <p14:creationId xmlns:p14="http://schemas.microsoft.com/office/powerpoint/2010/main" val="999058081"/>
+      </p:ext>
+    </p:extLst>
+  </p:cSld>
+  <p:clrMapOvr>
+    <a:masterClrMapping/>
+  </p:clrMapOvr>
+</p:sld>
+</file>
+
+<file path=ppt/slides/slide2.xml><?xml version="1.0" encoding="utf-8"?>
+<p:sld xmlns:a="http://schemas.openxmlformats.org/drawingml/2006/main" xmlns:r="http://schemas.openxmlformats.org/officeDocument/2006/relationships" xmlns:p="http://schemas.openxmlformats.org/presentationml/2006/main">
+  <p:cSld>
+    <p:spTree>
+      <p:nvGrpSpPr>
+        <p:cNvPr id="1" name=""/>
+        <p:cNvGrpSpPr/>
+        <p:nvPr/>
+      </p:nvGrpSpPr>
+      <p:grpSpPr>
+        <a:xfrm>
+          <a:off x="0" y="0"/>
+          <a:ext cx="0" cy="0"/>
+          <a:chOff x="0" y="0"/>
+          <a:chExt cx="0" cy="0"/>
+        </a:xfrm>
+      </p:grpSpPr>
+      <p:sp>
+        <p:nvSpPr>
+          <p:cNvPr id="2" name="Titel 1">
+            <a:extLst>
+              <a:ext uri="{FF2B5EF4-FFF2-40B4-BE49-F238E27FC236}">
+                <a16:creationId xmlns:a16="http://schemas.microsoft.com/office/drawing/2014/main" id="{1F2C5EB4-C141-4608-85E6-FCBD33673404}"/>
+              </a:ext>
+            </a:extLst>
+          </p:cNvPr>
+          <p:cNvSpPr>
+            <a:spLocks noGrp="1"/>
+          </p:cNvSpPr>
+          <p:nvPr>
+            <p:ph type="title"/>
+          </p:nvPr>
+        </p:nvSpPr>
+        <p:spPr/>
+        <p:txBody>
+          <a:bodyPr/>
+          <a:lstStyle/>
+          <a:p>
+            <a:r>
+              <a:rPr lang="de-DE" dirty="0"/>
+              <a:t>Gliederung</a:t>
+            </a:r>
+          </a:p>
+        </p:txBody>
+      </p:sp>
+      <p:sp>
+        <p:nvSpPr>
+          <p:cNvPr id="3" name="Inhaltsplatzhalter 2">
+            <a:extLst>
+              <a:ext uri="{FF2B5EF4-FFF2-40B4-BE49-F238E27FC236}">
+                <a16:creationId xmlns:a16="http://schemas.microsoft.com/office/drawing/2014/main" id="{0645E814-8E68-4013-A49E-719D763329EB}"/>
+              </a:ext>
+            </a:extLst>
+          </p:cNvPr>
+          <p:cNvSpPr>
+            <a:spLocks noGrp="1"/>
+          </p:cNvSpPr>
+          <p:nvPr>
+            <p:ph idx="1"/>
+          </p:nvPr>
+        </p:nvSpPr>
+        <p:spPr/>
+        <p:txBody>
+          <a:bodyPr/>
+          <a:lstStyle/>
+          <a:p>
+            <a:r>
+              <a:rPr lang="de-DE" dirty="0"/>
+              <a:t>Versuchsziele</a:t>
+            </a:r>
+          </a:p>
+          <a:p>
+            <a:r>
+              <a:rPr lang="de-DE" dirty="0"/>
+              <a:t>Aufbau und Durchführung</a:t>
+            </a:r>
+          </a:p>
+          <a:p>
+            <a:r>
+              <a:rPr lang="de-DE" dirty="0"/>
+              <a:t>Auswertung</a:t>
+            </a:r>
+          </a:p>
+          <a:p>
+            <a:pPr lvl="1"/>
+            <a:r>
+              <a:rPr lang="de-DE" dirty="0"/>
+              <a:t>Bestätigung Stefan-Boltzmann Gesetz</a:t>
+            </a:r>
+          </a:p>
+          <a:p>
+            <a:pPr lvl="1"/>
+            <a:r>
+              <a:rPr lang="de-DE" dirty="0"/>
+              <a:t>Berechnung </a:t>
+            </a:r>
+            <a:r>
+              <a:rPr lang="de-DE" dirty="0" err="1"/>
+              <a:t>Emissivität</a:t>
+            </a:r>
+            <a:endParaRPr lang="de-DE" dirty="0"/>
+          </a:p>
+          <a:p>
+            <a:pPr lvl="1"/>
+            <a:r>
+              <a:rPr lang="de-DE" dirty="0"/>
+              <a:t>Nicht-linearer Fit</a:t>
+            </a:r>
+          </a:p>
+          <a:p>
+            <a:r>
+              <a:rPr lang="de-DE" dirty="0"/>
+              <a:t>Zusammenfassung</a:t>
+            </a:r>
+          </a:p>
+        </p:txBody>
+      </p:sp>
+      <p:sp>
+        <p:nvSpPr>
+          <p:cNvPr id="4" name="Foliennummernplatzhalter 3">
+            <a:extLst>
+              <a:ext uri="{FF2B5EF4-FFF2-40B4-BE49-F238E27FC236}">
+                <a16:creationId xmlns:a16="http://schemas.microsoft.com/office/drawing/2014/main" id="{86D455E3-0F74-479C-BD2D-071DF6D56B1E}"/>
+              </a:ext>
+            </a:extLst>
+          </p:cNvPr>
+          <p:cNvSpPr>
+            <a:spLocks noGrp="1"/>
+          </p:cNvSpPr>
+          <p:nvPr>
+            <p:ph type="sldNum" sz="quarter" idx="12"/>
+          </p:nvPr>
+        </p:nvSpPr>
+        <p:spPr/>
+        <p:txBody>
+          <a:bodyPr/>
+          <a:lstStyle/>
+          <a:p>
+            <a:fld id="{E276D0E3-8A91-4195-9D97-D4903B6F688B}" type="slidenum">
+              <a:rPr lang="de-DE" smtClean="0"/>
+              <a:t>2</a:t>
+            </a:fld>
+            <a:endParaRPr lang="de-DE"/>
+          </a:p>
+        </p:txBody>
+      </p:sp>
+    </p:spTree>
+    <p:extLst>
+      <p:ext uri="{BB962C8B-B14F-4D97-AF65-F5344CB8AC3E}">
+        <p14:creationId xmlns:p14="http://schemas.microsoft.com/office/powerpoint/2010/main" val="3877558362"/>
+      </p:ext>
+    </p:extLst>
+  </p:cSld>
+  <p:clrMapOvr>
+    <a:masterClrMapping/>
+  </p:clrMapOvr>
+</p:sld>
+</file>
+
+<file path=ppt/slides/slide3.xml><?xml version="1.0" encoding="utf-8"?>
+<p:sld xmlns:a="http://schemas.openxmlformats.org/drawingml/2006/main" xmlns:r="http://schemas.openxmlformats.org/officeDocument/2006/relationships" xmlns:p="http://schemas.openxmlformats.org/presentationml/2006/main">
+  <p:cSld>
+    <p:spTree>
+      <p:nvGrpSpPr>
+        <p:cNvPr id="1" name=""/>
+        <p:cNvGrpSpPr/>
+        <p:nvPr/>
+      </p:nvGrpSpPr>
+      <p:grpSpPr>
+        <a:xfrm>
+          <a:off x="0" y="0"/>
+          <a:ext cx="0" cy="0"/>
+          <a:chOff x="0" y="0"/>
+          <a:chExt cx="0" cy="0"/>
+        </a:xfrm>
+      </p:grpSpPr>
+      <p:sp>
+        <p:nvSpPr>
+          <p:cNvPr id="2" name="Titel 1">
+            <a:extLst>
+              <a:ext uri="{FF2B5EF4-FFF2-40B4-BE49-F238E27FC236}">
+                <a16:creationId xmlns:a16="http://schemas.microsoft.com/office/drawing/2014/main" id="{1EDF7C38-0ACD-4CB5-87EC-1316382C631C}"/>
+              </a:ext>
+            </a:extLst>
+          </p:cNvPr>
+          <p:cNvSpPr>
+            <a:spLocks noGrp="1"/>
+          </p:cNvSpPr>
+          <p:nvPr>
+            <p:ph type="title"/>
+          </p:nvPr>
+        </p:nvSpPr>
+        <p:spPr/>
+        <p:txBody>
+          <a:bodyPr/>
+          <a:lstStyle/>
+          <a:p>
+            <a:r>
+              <a:rPr lang="de-DE" dirty="0"/>
+              <a:t>Versuchsziel</a:t>
+            </a:r>
+          </a:p>
+        </p:txBody>
+      </p:sp>
+      <mc:AlternateContent xmlns:mc="http://schemas.openxmlformats.org/markup-compatibility/2006">
+        <mc:Choice xmlns:a14="http://schemas.microsoft.com/office/drawing/2010/main" Requires="a14">
+          <p:sp>
+            <p:nvSpPr>
+              <p:cNvPr id="3" name="Inhaltsplatzhalter 2">
+                <a:extLst>
+                  <a:ext uri="{FF2B5EF4-FFF2-40B4-BE49-F238E27FC236}">
+                    <a16:creationId xmlns:a16="http://schemas.microsoft.com/office/drawing/2014/main" id="{85066659-BE42-4505-8043-BFCC56D18933}"/>
+                  </a:ext>
+                </a:extLst>
+              </p:cNvPr>
+              <p:cNvSpPr>
+                <a:spLocks noGrp="1"/>
+              </p:cNvSpPr>
+              <p:nvPr>
+                <p:ph idx="1"/>
+              </p:nvPr>
+            </p:nvSpPr>
+            <p:spPr/>
+            <p:txBody>
+              <a:bodyPr/>
+              <a:lstStyle/>
+              <a:p>
+                <a:r>
+                  <a:rPr lang="de-DE" dirty="0"/>
+                  <a:t>Bestätigung des Stefan-Boltzmann Gesetzes:</a:t>
+                </a:r>
+              </a:p>
+              <a:p>
+                <a:pPr marL="457200" lvl="1" indent="0">
+                  <a:buNone/>
+                </a:pPr>
+                <a14:m>
+                  <m:oMath xmlns:m="http://schemas.openxmlformats.org/officeDocument/2006/math">
+                    <m:r>
+                      <a:rPr lang="de-DE" b="0" i="1" smtClean="0">
+                        <a:latin typeface="Cambria Math" panose="02040503050406030204" pitchFamily="18" charset="0"/>
+                      </a:rPr>
+                      <m:t>𝑃</m:t>
+                    </m:r>
+                    <m:r>
+                      <a:rPr lang="de-DE" b="0" i="1" smtClean="0">
+                        <a:latin typeface="Cambria Math" panose="02040503050406030204" pitchFamily="18" charset="0"/>
+                      </a:rPr>
+                      <m:t>=</m:t>
+                    </m:r>
+                    <m:r>
+                      <a:rPr lang="de-DE" b="0" i="1" smtClean="0">
+                        <a:latin typeface="Cambria Math" panose="02040503050406030204" pitchFamily="18" charset="0"/>
+                      </a:rPr>
+                      <m:t>𝜀</m:t>
+                    </m:r>
+                    <m:r>
+                      <a:rPr lang="de-DE" b="0" i="1" smtClean="0">
+                        <a:latin typeface="Cambria Math" panose="02040503050406030204" pitchFamily="18" charset="0"/>
+                      </a:rPr>
+                      <m:t>⋅</m:t>
+                    </m:r>
+                    <m:r>
+                      <a:rPr lang="de-DE" b="0" i="1" smtClean="0">
+                        <a:latin typeface="Cambria Math" panose="02040503050406030204" pitchFamily="18" charset="0"/>
+                      </a:rPr>
+                      <m:t>𝜎</m:t>
+                    </m:r>
+                    <m:r>
+                      <a:rPr lang="de-DE" b="0" i="1" smtClean="0">
+                        <a:latin typeface="Cambria Math" panose="02040503050406030204" pitchFamily="18" charset="0"/>
+                      </a:rPr>
+                      <m:t>⋅</m:t>
+                    </m:r>
+                    <m:sSup>
+                      <m:sSupPr>
+                        <m:ctrlPr>
+                          <a:rPr lang="de-DE" b="0" i="1" smtClean="0">
+                            <a:latin typeface="Cambria Math" panose="02040503050406030204" pitchFamily="18" charset="0"/>
+                          </a:rPr>
+                        </m:ctrlPr>
+                      </m:sSupPr>
+                      <m:e>
+                        <m:r>
+                          <a:rPr lang="de-DE" b="0" i="1" smtClean="0">
+                            <a:latin typeface="Cambria Math" panose="02040503050406030204" pitchFamily="18" charset="0"/>
+                          </a:rPr>
+                          <m:t>𝑇</m:t>
+                        </m:r>
+                      </m:e>
+                      <m:sup>
+                        <m:r>
+                          <a:rPr lang="de-DE" b="0" i="1" smtClean="0">
+                            <a:latin typeface="Cambria Math" panose="02040503050406030204" pitchFamily="18" charset="0"/>
+                          </a:rPr>
+                          <m:t>4</m:t>
+                        </m:r>
+                      </m:sup>
+                    </m:sSup>
+                  </m:oMath>
+                </a14:m>
+                <a:r>
+                  <a:rPr lang="de-DE" dirty="0"/>
+                  <a:t> 	mit 	</a:t>
+                </a:r>
+                <a14:m>
+                  <m:oMath xmlns:m="http://schemas.openxmlformats.org/officeDocument/2006/math">
+                    <m:r>
+                      <a:rPr lang="de-DE" b="0" i="1" smtClean="0">
+                        <a:latin typeface="Cambria Math" panose="02040503050406030204" pitchFamily="18" charset="0"/>
+                      </a:rPr>
+                      <m:t>𝜎</m:t>
+                    </m:r>
+                    <m:r>
+                      <a:rPr lang="de-DE" b="0" i="1" smtClean="0">
+                        <a:latin typeface="Cambria Math" panose="02040503050406030204" pitchFamily="18" charset="0"/>
+                      </a:rPr>
+                      <m:t>= </m:t>
+                    </m:r>
+                    <m:f>
+                      <m:fPr>
+                        <m:ctrlPr>
+                          <a:rPr lang="de-DE" b="0" i="1" smtClean="0">
+                            <a:latin typeface="Cambria Math" panose="02040503050406030204" pitchFamily="18" charset="0"/>
+                          </a:rPr>
+                        </m:ctrlPr>
+                      </m:fPr>
+                      <m:num>
+                        <m:r>
+                          <a:rPr lang="de-DE" b="0" i="1" smtClean="0">
+                            <a:latin typeface="Cambria Math" panose="02040503050406030204" pitchFamily="18" charset="0"/>
+                          </a:rPr>
+                          <m:t>2 </m:t>
+                        </m:r>
+                        <m:sSup>
+                          <m:sSupPr>
+                            <m:ctrlPr>
+                              <a:rPr lang="de-DE" b="0" i="1" smtClean="0">
+                                <a:latin typeface="Cambria Math" panose="02040503050406030204" pitchFamily="18" charset="0"/>
+                              </a:rPr>
+                            </m:ctrlPr>
+                          </m:sSupPr>
+                          <m:e>
+                            <m:r>
+                              <a:rPr lang="de-DE" b="0" i="1" smtClean="0">
+                                <a:latin typeface="Cambria Math" panose="02040503050406030204" pitchFamily="18" charset="0"/>
+                              </a:rPr>
+                              <m:t>𝜋</m:t>
+                            </m:r>
+                          </m:e>
+                          <m:sup>
+                            <m:r>
+                              <a:rPr lang="de-DE" b="0" i="1" smtClean="0">
+                                <a:latin typeface="Cambria Math" panose="02040503050406030204" pitchFamily="18" charset="0"/>
+                              </a:rPr>
+                              <m:t>5</m:t>
+                            </m:r>
+                          </m:sup>
+                        </m:sSup>
+                        <m:sSup>
+                          <m:sSupPr>
+                            <m:ctrlPr>
+                              <a:rPr lang="de-DE" b="0" i="1" smtClean="0">
+                                <a:latin typeface="Cambria Math" panose="02040503050406030204" pitchFamily="18" charset="0"/>
+                              </a:rPr>
+                            </m:ctrlPr>
+                          </m:sSupPr>
+                          <m:e>
+                            <m:r>
+                              <a:rPr lang="de-DE" b="0" i="1" smtClean="0">
+                                <a:latin typeface="Cambria Math" panose="02040503050406030204" pitchFamily="18" charset="0"/>
+                              </a:rPr>
+                              <m:t>𝑘</m:t>
+                            </m:r>
+                          </m:e>
+                          <m:sup>
+                            <m:r>
+                              <a:rPr lang="de-DE" b="0" i="1" smtClean="0">
+                                <a:latin typeface="Cambria Math" panose="02040503050406030204" pitchFamily="18" charset="0"/>
+                              </a:rPr>
+                              <m:t>4</m:t>
+                            </m:r>
+                          </m:sup>
+                        </m:sSup>
+                      </m:num>
+                      <m:den>
+                        <m:r>
+                          <a:rPr lang="de-DE" b="0" i="1" smtClean="0">
+                            <a:latin typeface="Cambria Math" panose="02040503050406030204" pitchFamily="18" charset="0"/>
+                          </a:rPr>
+                          <m:t>15 </m:t>
+                        </m:r>
+                        <m:sSup>
+                          <m:sSupPr>
+                            <m:ctrlPr>
+                              <a:rPr lang="de-DE" b="0" i="1" smtClean="0">
+                                <a:latin typeface="Cambria Math" panose="02040503050406030204" pitchFamily="18" charset="0"/>
+                              </a:rPr>
+                            </m:ctrlPr>
+                          </m:sSupPr>
+                          <m:e>
+                            <m:r>
+                              <a:rPr lang="de-DE" b="0" i="1" smtClean="0">
+                                <a:latin typeface="Cambria Math" panose="02040503050406030204" pitchFamily="18" charset="0"/>
+                              </a:rPr>
+                              <m:t>h</m:t>
+                            </m:r>
+                          </m:e>
+                          <m:sup>
+                            <m:r>
+                              <a:rPr lang="de-DE" b="0" i="1" smtClean="0">
+                                <a:latin typeface="Cambria Math" panose="02040503050406030204" pitchFamily="18" charset="0"/>
+                              </a:rPr>
+                              <m:t>3</m:t>
+                            </m:r>
+                          </m:sup>
+                        </m:sSup>
+                        <m:sSup>
+                          <m:sSupPr>
+                            <m:ctrlPr>
+                              <a:rPr lang="de-DE" b="0" i="1" smtClean="0">
+                                <a:latin typeface="Cambria Math" panose="02040503050406030204" pitchFamily="18" charset="0"/>
+                              </a:rPr>
+                            </m:ctrlPr>
+                          </m:sSupPr>
+                          <m:e>
+                            <m:r>
+                              <a:rPr lang="de-DE" b="0" i="1" smtClean="0">
+                                <a:latin typeface="Cambria Math" panose="02040503050406030204" pitchFamily="18" charset="0"/>
+                              </a:rPr>
+                              <m:t>𝑐</m:t>
+                            </m:r>
+                          </m:e>
+                          <m:sup>
+                            <m:r>
+                              <a:rPr lang="de-DE" b="0" i="1" smtClean="0">
+                                <a:latin typeface="Cambria Math" panose="02040503050406030204" pitchFamily="18" charset="0"/>
+                              </a:rPr>
+                              <m:t>2</m:t>
+                            </m:r>
+                          </m:sup>
+                        </m:sSup>
+                      </m:den>
+                    </m:f>
+                  </m:oMath>
+                </a14:m>
+                <a:endParaRPr lang="de-DE" dirty="0"/>
+              </a:p>
+              <a:p>
+                <a:pPr marL="457200" lvl="1" indent="0">
+                  <a:buNone/>
+                </a:pPr>
+                <a:r>
+                  <a:rPr lang="de-DE" dirty="0"/>
+                  <a:t>Bzw. </a:t>
+                </a:r>
+                <a14:m>
+                  <m:oMath xmlns:m="http://schemas.openxmlformats.org/officeDocument/2006/math">
+                    <m:r>
+                      <a:rPr lang="de-DE" b="0" i="1" smtClean="0">
+                        <a:latin typeface="Cambria Math" panose="02040503050406030204" pitchFamily="18" charset="0"/>
+                      </a:rPr>
+                      <m:t>𝑃</m:t>
+                    </m:r>
+                    <m:r>
+                      <a:rPr lang="de-DE" b="0" i="1" smtClean="0">
+                        <a:latin typeface="Cambria Math" panose="02040503050406030204" pitchFamily="18" charset="0"/>
+                      </a:rPr>
+                      <m:t>=</m:t>
+                    </m:r>
+                    <m:r>
+                      <a:rPr lang="de-DE" b="0" i="1" smtClean="0">
+                        <a:latin typeface="Cambria Math" panose="02040503050406030204" pitchFamily="18" charset="0"/>
+                      </a:rPr>
+                      <m:t>𝜀</m:t>
+                    </m:r>
+                    <m:r>
+                      <a:rPr lang="de-DE" b="0" i="1" smtClean="0">
+                        <a:latin typeface="Cambria Math" panose="02040503050406030204" pitchFamily="18" charset="0"/>
+                      </a:rPr>
+                      <m:t>⋅</m:t>
+                    </m:r>
+                    <m:r>
+                      <a:rPr lang="de-DE" b="0" i="1" smtClean="0">
+                        <a:latin typeface="Cambria Math" panose="02040503050406030204" pitchFamily="18" charset="0"/>
+                      </a:rPr>
+                      <m:t>𝜎</m:t>
+                    </m:r>
+                    <m:r>
+                      <a:rPr lang="de-DE" b="0" i="1" smtClean="0">
+                        <a:latin typeface="Cambria Math" panose="02040503050406030204" pitchFamily="18" charset="0"/>
+                      </a:rPr>
+                      <m:t>⋅(</m:t>
+                    </m:r>
+                    <m:sSup>
+                      <m:sSupPr>
+                        <m:ctrlPr>
+                          <a:rPr lang="de-DE" b="0" i="1" smtClean="0">
+                            <a:latin typeface="Cambria Math" panose="02040503050406030204" pitchFamily="18" charset="0"/>
+                          </a:rPr>
+                        </m:ctrlPr>
+                      </m:sSupPr>
+                      <m:e>
+                        <m:r>
+                          <a:rPr lang="de-DE" b="0" i="1" smtClean="0">
+                            <a:latin typeface="Cambria Math" panose="02040503050406030204" pitchFamily="18" charset="0"/>
+                          </a:rPr>
+                          <m:t>𝑇</m:t>
+                        </m:r>
+                      </m:e>
+                      <m:sup>
+                        <m:r>
+                          <a:rPr lang="de-DE" b="0" i="1" smtClean="0">
+                            <a:latin typeface="Cambria Math" panose="02040503050406030204" pitchFamily="18" charset="0"/>
+                          </a:rPr>
+                          <m:t>4</m:t>
+                        </m:r>
+                      </m:sup>
+                    </m:sSup>
+                    <m:r>
+                      <a:rPr lang="de-DE" b="0" i="1" smtClean="0">
+                        <a:latin typeface="Cambria Math" panose="02040503050406030204" pitchFamily="18" charset="0"/>
+                      </a:rPr>
+                      <m:t>−</m:t>
+                    </m:r>
+                    <m:sSubSup>
+                      <m:sSubSupPr>
+                        <m:ctrlPr>
+                          <a:rPr lang="de-DE" b="0" i="1" smtClean="0">
+                            <a:latin typeface="Cambria Math" panose="02040503050406030204" pitchFamily="18" charset="0"/>
+                          </a:rPr>
+                        </m:ctrlPr>
+                      </m:sSubSupPr>
+                      <m:e>
+                        <m:r>
+                          <a:rPr lang="de-DE" b="0" i="1" smtClean="0">
+                            <a:latin typeface="Cambria Math" panose="02040503050406030204" pitchFamily="18" charset="0"/>
+                          </a:rPr>
+                          <m:t>𝑇</m:t>
+                        </m:r>
+                      </m:e>
+                      <m:sub>
+                        <m:r>
+                          <a:rPr lang="de-DE" b="0" i="1" smtClean="0">
+                            <a:latin typeface="Cambria Math" panose="02040503050406030204" pitchFamily="18" charset="0"/>
+                          </a:rPr>
+                          <m:t>0</m:t>
+                        </m:r>
+                      </m:sub>
+                      <m:sup>
+                        <m:r>
+                          <a:rPr lang="de-DE" b="0" i="1" smtClean="0">
+                            <a:latin typeface="Cambria Math" panose="02040503050406030204" pitchFamily="18" charset="0"/>
+                          </a:rPr>
+                          <m:t>4</m:t>
+                        </m:r>
+                      </m:sup>
+                    </m:sSubSup>
+                    <m:r>
+                      <a:rPr lang="de-DE" b="0" i="1" smtClean="0">
+                        <a:latin typeface="Cambria Math" panose="02040503050406030204" pitchFamily="18" charset="0"/>
+                      </a:rPr>
+                      <m:t>)</m:t>
+                    </m:r>
+                  </m:oMath>
+                </a14:m>
+                <a:endParaRPr lang="de-DE" dirty="0"/>
+              </a:p>
+              <a:p>
+                <a:endParaRPr lang="de-DE" dirty="0"/>
+              </a:p>
+              <a:p>
+                <a:r>
+                  <a:rPr lang="de-DE" dirty="0"/>
+                  <a:t>Bestimmung der </a:t>
+                </a:r>
+                <a:r>
+                  <a:rPr lang="de-DE" dirty="0" err="1"/>
+                  <a:t>Emissivität</a:t>
+                </a:r>
+                <a:r>
+                  <a:rPr lang="de-DE" dirty="0"/>
+                  <a:t> </a:t>
+                </a:r>
+                <a14:m>
+                  <m:oMath xmlns:m="http://schemas.openxmlformats.org/officeDocument/2006/math">
+                    <m:r>
+                      <a:rPr lang="de-DE" b="0" i="1" smtClean="0">
+                        <a:latin typeface="Cambria Math" panose="02040503050406030204" pitchFamily="18" charset="0"/>
+                      </a:rPr>
+                      <m:t>𝜀</m:t>
+                    </m:r>
+                  </m:oMath>
+                </a14:m>
+                <a:r>
+                  <a:rPr lang="de-DE" dirty="0"/>
+                  <a:t> </a:t>
+                </a:r>
+              </a:p>
+            </p:txBody>
+          </p:sp>
+        </mc:Choice>
+        <mc:Fallback>
+          <p:sp>
+            <p:nvSpPr>
+              <p:cNvPr id="3" name="Inhaltsplatzhalter 2">
+                <a:extLst>
+                  <a:ext uri="{FF2B5EF4-FFF2-40B4-BE49-F238E27FC236}">
+                    <a16:creationId xmlns:a16="http://schemas.microsoft.com/office/drawing/2014/main" id="{85066659-BE42-4505-8043-BFCC56D18933}"/>
+                  </a:ext>
+                </a:extLst>
+              </p:cNvPr>
+              <p:cNvSpPr>
+                <a:spLocks noGrp="1" noRot="1" noChangeAspect="1" noMove="1" noResize="1" noEditPoints="1" noAdjustHandles="1" noChangeArrowheads="1" noChangeShapeType="1" noTextEdit="1"/>
+              </p:cNvSpPr>
+              <p:nvPr>
+                <p:ph idx="1"/>
+              </p:nvPr>
+            </p:nvSpPr>
+            <p:spPr>
+              <a:blipFill>
+                <a:blip r:embed="rId2"/>
+                <a:stretch>
+                  <a:fillRect l="-1043" t="-2241"/>
+                </a:stretch>
+              </a:blipFill>
+            </p:spPr>
+            <p:txBody>
+              <a:bodyPr/>
+              <a:lstStyle/>
+              <a:p>
+                <a:r>
+                  <a:rPr lang="de-DE">
+                    <a:noFill/>
+                  </a:rPr>
+                  <a:t> </a:t>
+                </a:r>
+              </a:p>
+            </p:txBody>
+          </p:sp>
+        </mc:Fallback>
+      </mc:AlternateContent>
+      <p:sp>
+        <p:nvSpPr>
+          <p:cNvPr id="4" name="Foliennummernplatzhalter 3">
+            <a:extLst>
+              <a:ext uri="{FF2B5EF4-FFF2-40B4-BE49-F238E27FC236}">
+                <a16:creationId xmlns:a16="http://schemas.microsoft.com/office/drawing/2014/main" id="{37281A17-15BB-476F-A301-488CE97A550C}"/>
+              </a:ext>
+            </a:extLst>
+          </p:cNvPr>
+          <p:cNvSpPr>
+            <a:spLocks noGrp="1"/>
+          </p:cNvSpPr>
+          <p:nvPr>
+            <p:ph type="sldNum" sz="quarter" idx="12"/>
+          </p:nvPr>
+        </p:nvSpPr>
+        <p:spPr/>
+        <p:txBody>
+          <a:bodyPr/>
+          <a:lstStyle/>
+          <a:p>
+            <a:fld id="{E276D0E3-8A91-4195-9D97-D4903B6F688B}" type="slidenum">
+              <a:rPr lang="de-DE" smtClean="0"/>
+              <a:t>3</a:t>
+            </a:fld>
+            <a:endParaRPr lang="de-DE"/>
+          </a:p>
+        </p:txBody>
+      </p:sp>
+    </p:spTree>
+    <p:extLst>
+      <p:ext uri="{BB962C8B-B14F-4D97-AF65-F5344CB8AC3E}">
+        <p14:creationId xmlns:p14="http://schemas.microsoft.com/office/powerpoint/2010/main" val="3718338746"/>
+      </p:ext>
+    </p:extLst>
+  </p:cSld>
+  <p:clrMapOvr>
+    <a:masterClrMapping/>
+  </p:clrMapOvr>
+</p:sld>
+</file>
+
+<file path=ppt/slides/slide4.xml><?xml version="1.0" encoding="utf-8"?>
+<p:sld xmlns:a="http://schemas.openxmlformats.org/drawingml/2006/main" xmlns:r="http://schemas.openxmlformats.org/officeDocument/2006/relationships" xmlns:p="http://schemas.openxmlformats.org/presentationml/2006/main">
+  <p:cSld>
+    <p:spTree>
+      <p:nvGrpSpPr>
+        <p:cNvPr id="1" name=""/>
+        <p:cNvGrpSpPr/>
+        <p:nvPr/>
+      </p:nvGrpSpPr>
+      <p:grpSpPr>
+        <a:xfrm>
+          <a:off x="0" y="0"/>
+          <a:ext cx="0" cy="0"/>
+          <a:chOff x="0" y="0"/>
+          <a:chExt cx="0" cy="0"/>
+        </a:xfrm>
+      </p:grpSpPr>
+      <p:sp>
+        <p:nvSpPr>
+          <p:cNvPr id="2" name="Titel 1">
+            <a:extLst>
+              <a:ext uri="{FF2B5EF4-FFF2-40B4-BE49-F238E27FC236}">
+                <a16:creationId xmlns:a16="http://schemas.microsoft.com/office/drawing/2014/main" id="{AF0DB553-C56D-4EA4-9246-7686E26CDC75}"/>
+              </a:ext>
+            </a:extLst>
+          </p:cNvPr>
+          <p:cNvSpPr>
+            <a:spLocks noGrp="1"/>
+          </p:cNvSpPr>
+          <p:nvPr>
+            <p:ph type="title"/>
+          </p:nvPr>
+        </p:nvSpPr>
+        <p:spPr/>
+        <p:txBody>
+          <a:bodyPr/>
+          <a:lstStyle/>
+          <a:p>
+            <a:r>
+              <a:rPr lang="de-DE" dirty="0"/>
+              <a:t>Aufbau</a:t>
+            </a:r>
+          </a:p>
+        </p:txBody>
+      </p:sp>
+      <p:sp>
+        <p:nvSpPr>
+          <p:cNvPr id="3" name="Inhaltsplatzhalter 2">
+            <a:extLst>
+              <a:ext uri="{FF2B5EF4-FFF2-40B4-BE49-F238E27FC236}">
+                <a16:creationId xmlns:a16="http://schemas.microsoft.com/office/drawing/2014/main" id="{689ED54F-B09C-4A4E-AE04-F9B9724E6E42}"/>
+              </a:ext>
+            </a:extLst>
+          </p:cNvPr>
+          <p:cNvSpPr>
+            <a:spLocks noGrp="1"/>
+          </p:cNvSpPr>
+          <p:nvPr>
+            <p:ph idx="1"/>
+          </p:nvPr>
+        </p:nvSpPr>
+        <p:spPr>
+          <a:xfrm>
+            <a:off x="838200" y="1825625"/>
+            <a:ext cx="969335" cy="4351338"/>
+          </a:xfrm>
+        </p:spPr>
+        <p:txBody>
+          <a:bodyPr/>
+          <a:lstStyle/>
+          <a:p>
+            <a:r>
+              <a:rPr lang="de-DE" dirty="0" err="1"/>
+              <a:t>bla</a:t>
+            </a:r>
+            <a:endParaRPr lang="de-DE" dirty="0"/>
+          </a:p>
+        </p:txBody>
+      </p:sp>
+      <p:sp>
+        <p:nvSpPr>
+          <p:cNvPr id="4" name="Foliennummernplatzhalter 3">
+            <a:extLst>
+              <a:ext uri="{FF2B5EF4-FFF2-40B4-BE49-F238E27FC236}">
+                <a16:creationId xmlns:a16="http://schemas.microsoft.com/office/drawing/2014/main" id="{C56A4070-D903-484D-A309-5420D59A0C58}"/>
+              </a:ext>
+            </a:extLst>
+          </p:cNvPr>
+          <p:cNvSpPr>
+            <a:spLocks noGrp="1"/>
+          </p:cNvSpPr>
+          <p:nvPr>
+            <p:ph type="sldNum" sz="quarter" idx="12"/>
+          </p:nvPr>
+        </p:nvSpPr>
+        <p:spPr/>
+        <p:txBody>
+          <a:bodyPr/>
+          <a:lstStyle/>
+          <a:p>
+            <a:fld id="{E276D0E3-8A91-4195-9D97-D4903B6F688B}" type="slidenum">
+              <a:rPr lang="de-DE" smtClean="0"/>
+              <a:t>4</a:t>
+            </a:fld>
+            <a:endParaRPr lang="de-DE"/>
+          </a:p>
+        </p:txBody>
+      </p:sp>
+      <p:pic>
+        <p:nvPicPr>
+          <p:cNvPr id="6" name="Grafik 5">
+            <a:extLst>
+              <a:ext uri="{FF2B5EF4-FFF2-40B4-BE49-F238E27FC236}">
+                <a16:creationId xmlns:a16="http://schemas.microsoft.com/office/drawing/2014/main" id="{29B2522E-915E-4402-A7FF-51D2B4D0C299}"/>
+              </a:ext>
+            </a:extLst>
+          </p:cNvPr>
+          <p:cNvPicPr>
+            <a:picLocks noChangeAspect="1"/>
+          </p:cNvPicPr>
+          <p:nvPr/>
+        </p:nvPicPr>
+        <p:blipFill>
+          <a:blip r:embed="rId2">
+            <a:extLst>
+              <a:ext uri="{28A0092B-C50C-407E-A947-70E740481C1C}">
+                <a14:useLocalDpi xmlns:a14="http://schemas.microsoft.com/office/drawing/2010/main" val="0"/>
+              </a:ext>
+            </a:extLst>
+          </a:blip>
+          <a:stretch>
+            <a:fillRect/>
+          </a:stretch>
+        </p:blipFill>
+        <p:spPr>
+          <a:xfrm>
+            <a:off x="4499585" y="365124"/>
+            <a:ext cx="7270885" cy="4878207"/>
+          </a:xfrm>
+          <a:prstGeom prst="rect">
+            <a:avLst/>
+          </a:prstGeom>
+        </p:spPr>
+      </p:pic>
+    </p:spTree>
+    <p:extLst>
+      <p:ext uri="{BB962C8B-B14F-4D97-AF65-F5344CB8AC3E}">
+        <p14:creationId xmlns:p14="http://schemas.microsoft.com/office/powerpoint/2010/main" val="2552659447"/>
+      </p:ext>
+    </p:extLst>
+  </p:cSld>
+  <p:clrMapOvr>
+    <a:masterClrMapping/>
+  </p:clrMapOvr>
+</p:sld>
+</file>
+
+<file path=ppt/slides/slide5.xml><?xml version="1.0" encoding="utf-8"?>
+<p:sld xmlns:a="http://schemas.openxmlformats.org/drawingml/2006/main" xmlns:r="http://schemas.openxmlformats.org/officeDocument/2006/relationships" xmlns:p="http://schemas.openxmlformats.org/presentationml/2006/main">
+  <p:cSld>
+    <p:spTree>
+      <p:nvGrpSpPr>
+        <p:cNvPr id="1" name=""/>
+        <p:cNvGrpSpPr/>
+        <p:nvPr/>
+      </p:nvGrpSpPr>
+      <p:grpSpPr>
+        <a:xfrm>
+          <a:off x="0" y="0"/>
+          <a:ext cx="0" cy="0"/>
+          <a:chOff x="0" y="0"/>
+          <a:chExt cx="0" cy="0"/>
+        </a:xfrm>
+      </p:grpSpPr>
+      <p:sp>
+        <p:nvSpPr>
+          <p:cNvPr id="2" name="Titel 1">
+            <a:extLst>
+              <a:ext uri="{FF2B5EF4-FFF2-40B4-BE49-F238E27FC236}">
+                <a16:creationId xmlns:a16="http://schemas.microsoft.com/office/drawing/2014/main" id="{B9BCED54-C55D-4B08-AD3C-80847E405B74}"/>
+              </a:ext>
+            </a:extLst>
+          </p:cNvPr>
+          <p:cNvSpPr>
+            <a:spLocks noGrp="1"/>
+          </p:cNvSpPr>
+          <p:nvPr>
+            <p:ph type="title"/>
+          </p:nvPr>
+        </p:nvSpPr>
+        <p:spPr/>
+        <p:txBody>
+          <a:bodyPr/>
+          <a:lstStyle/>
+          <a:p>
+            <a:r>
+              <a:rPr lang="de-DE" dirty="0"/>
+              <a:t>Auswertung - Stefan Boltzmann Gesetz</a:t>
+            </a:r>
+          </a:p>
+        </p:txBody>
+      </p:sp>
+      <mc:AlternateContent xmlns:mc="http://schemas.openxmlformats.org/markup-compatibility/2006">
+        <mc:Choice xmlns:a14="http://schemas.microsoft.com/office/drawing/2010/main" Requires="a14">
+          <p:sp>
+            <p:nvSpPr>
+              <p:cNvPr id="3" name="Inhaltsplatzhalter 2">
+                <a:extLst>
+                  <a:ext uri="{FF2B5EF4-FFF2-40B4-BE49-F238E27FC236}">
+                    <a16:creationId xmlns:a16="http://schemas.microsoft.com/office/drawing/2014/main" id="{1C0A0B1E-E88E-47E4-BB62-B4292F25FC11}"/>
+                  </a:ext>
+                </a:extLst>
+              </p:cNvPr>
+              <p:cNvSpPr>
+                <a:spLocks noGrp="1"/>
+              </p:cNvSpPr>
+              <p:nvPr>
+                <p:ph idx="1"/>
+              </p:nvPr>
+            </p:nvSpPr>
+            <p:spPr>
+              <a:xfrm>
+                <a:off x="838199" y="1825625"/>
+                <a:ext cx="3797596" cy="4245566"/>
+              </a:xfrm>
+            </p:spPr>
+            <p:txBody>
+              <a:bodyPr>
+                <a:normAutofit/>
+              </a:bodyPr>
+              <a:lstStyle/>
+              <a:p>
+                <a:r>
+                  <a:rPr lang="de-DE" dirty="0"/>
+                  <a:t>Linearer Fit:</a:t>
+                </a:r>
+              </a:p>
+              <a:p>
+                <a:pPr marL="0" indent="0">
+                  <a:buNone/>
+                </a:pPr>
+                <a14:m>
+                  <m:oMathPara xmlns:m="http://schemas.openxmlformats.org/officeDocument/2006/math">
+                    <m:oMathParaPr>
+                      <m:jc m:val="centerGroup"/>
+                    </m:oMathParaPr>
+                    <m:oMath xmlns:m="http://schemas.openxmlformats.org/officeDocument/2006/math">
+                      <m:r>
+                        <a:rPr lang="de-DE" b="0" i="1" smtClean="0">
+                          <a:latin typeface="Cambria Math" panose="02040503050406030204" pitchFamily="18" charset="0"/>
+                        </a:rPr>
+                        <m:t>𝑈</m:t>
+                      </m:r>
+                      <m:r>
+                        <a:rPr lang="de-DE" b="0" i="1" smtClean="0">
+                          <a:latin typeface="Cambria Math" panose="02040503050406030204" pitchFamily="18" charset="0"/>
+                        </a:rPr>
+                        <m:t>=</m:t>
+                      </m:r>
+                      <m:r>
+                        <a:rPr lang="de-DE" b="0" i="1" smtClean="0">
+                          <a:latin typeface="Cambria Math" panose="02040503050406030204" pitchFamily="18" charset="0"/>
+                        </a:rPr>
+                        <m:t>𝑎</m:t>
+                      </m:r>
+                      <m:r>
+                        <a:rPr lang="de-DE" b="0" i="1" smtClean="0">
+                          <a:latin typeface="Cambria Math" panose="02040503050406030204" pitchFamily="18" charset="0"/>
+                        </a:rPr>
+                        <m:t>⋅</m:t>
+                      </m:r>
+                      <m:sSup>
+                        <m:sSupPr>
+                          <m:ctrlPr>
+                            <a:rPr lang="de-DE" b="0" i="1" smtClean="0">
+                              <a:latin typeface="Cambria Math" panose="02040503050406030204" pitchFamily="18" charset="0"/>
+                            </a:rPr>
+                          </m:ctrlPr>
+                        </m:sSupPr>
+                        <m:e>
+                          <m:r>
+                            <a:rPr lang="de-DE" b="0" i="1" smtClean="0">
+                              <a:latin typeface="Cambria Math" panose="02040503050406030204" pitchFamily="18" charset="0"/>
+                            </a:rPr>
+                            <m:t>(</m:t>
+                          </m:r>
+                          <m:r>
+                            <a:rPr lang="de-DE" b="0" i="1" smtClean="0">
+                              <a:latin typeface="Cambria Math" panose="02040503050406030204" pitchFamily="18" charset="0"/>
+                            </a:rPr>
+                            <m:t>𝑇</m:t>
+                          </m:r>
+                        </m:e>
+                        <m:sup>
+                          <m:r>
+                            <a:rPr lang="de-DE" b="0" i="1" smtClean="0">
+                              <a:latin typeface="Cambria Math" panose="02040503050406030204" pitchFamily="18" charset="0"/>
+                            </a:rPr>
+                            <m:t>4</m:t>
+                          </m:r>
+                        </m:sup>
+                      </m:sSup>
+                      <m:r>
+                        <a:rPr lang="de-DE" b="0" i="1" smtClean="0">
+                          <a:latin typeface="Cambria Math" panose="02040503050406030204" pitchFamily="18" charset="0"/>
+                        </a:rPr>
+                        <m:t> −</m:t>
+                      </m:r>
+                      <m:sSubSup>
+                        <m:sSubSupPr>
+                          <m:ctrlPr>
+                            <a:rPr lang="de-DE" b="0" i="1" smtClean="0">
+                              <a:latin typeface="Cambria Math" panose="02040503050406030204" pitchFamily="18" charset="0"/>
+                            </a:rPr>
+                          </m:ctrlPr>
+                        </m:sSubSupPr>
+                        <m:e>
+                          <m:r>
+                            <a:rPr lang="de-DE" b="0" i="1" smtClean="0">
+                              <a:latin typeface="Cambria Math" panose="02040503050406030204" pitchFamily="18" charset="0"/>
+                            </a:rPr>
+                            <m:t>𝑇</m:t>
+                          </m:r>
+                        </m:e>
+                        <m:sub>
+                          <m:r>
+                            <a:rPr lang="de-DE" b="0" i="1" smtClean="0">
+                              <a:latin typeface="Cambria Math" panose="02040503050406030204" pitchFamily="18" charset="0"/>
+                            </a:rPr>
+                            <m:t>0</m:t>
+                          </m:r>
+                        </m:sub>
+                        <m:sup>
+                          <m:r>
+                            <a:rPr lang="de-DE" b="0" i="1" smtClean="0">
+                              <a:latin typeface="Cambria Math" panose="02040503050406030204" pitchFamily="18" charset="0"/>
+                            </a:rPr>
+                            <m:t>4</m:t>
+                          </m:r>
+                        </m:sup>
+                      </m:sSubSup>
+                      <m:r>
+                        <a:rPr lang="de-DE" b="0" i="1" smtClean="0">
+                          <a:latin typeface="Cambria Math" panose="02040503050406030204" pitchFamily="18" charset="0"/>
+                        </a:rPr>
+                        <m:t>)+</m:t>
+                      </m:r>
+                      <m:r>
+                        <a:rPr lang="de-DE" b="0" i="1" smtClean="0">
+                          <a:latin typeface="Cambria Math" panose="02040503050406030204" pitchFamily="18" charset="0"/>
+                        </a:rPr>
+                        <m:t>𝑏</m:t>
+                      </m:r>
+                    </m:oMath>
+                  </m:oMathPara>
+                </a14:m>
+                <a:endParaRPr lang="de-DE" dirty="0"/>
+              </a:p>
+              <a:p>
+                <a:endParaRPr lang="de-DE" dirty="0"/>
+              </a:p>
+              <a:p>
+                <a:r>
+                  <a:rPr lang="de-DE" dirty="0" err="1"/>
+                  <a:t>bla</a:t>
+                </a:r>
+                <a:endParaRPr lang="de-DE" dirty="0"/>
+              </a:p>
+            </p:txBody>
+          </p:sp>
+        </mc:Choice>
+        <mc:Fallback>
+          <p:sp>
+            <p:nvSpPr>
+              <p:cNvPr id="3" name="Inhaltsplatzhalter 2">
+                <a:extLst>
+                  <a:ext uri="{FF2B5EF4-FFF2-40B4-BE49-F238E27FC236}">
+                    <a16:creationId xmlns:a16="http://schemas.microsoft.com/office/drawing/2014/main" id="{1C0A0B1E-E88E-47E4-BB62-B4292F25FC11}"/>
+                  </a:ext>
+                </a:extLst>
+              </p:cNvPr>
+              <p:cNvSpPr>
+                <a:spLocks noGrp="1" noRot="1" noChangeAspect="1" noMove="1" noResize="1" noEditPoints="1" noAdjustHandles="1" noChangeArrowheads="1" noChangeShapeType="1" noTextEdit="1"/>
+              </p:cNvSpPr>
+              <p:nvPr>
+                <p:ph idx="1"/>
+              </p:nvPr>
+            </p:nvSpPr>
+            <p:spPr>
+              <a:xfrm>
+                <a:off x="838199" y="1825625"/>
+                <a:ext cx="3797596" cy="4245566"/>
+              </a:xfrm>
+              <a:blipFill>
+                <a:blip r:embed="rId2"/>
+                <a:stretch>
+                  <a:fillRect l="-2729" t="-2296"/>
+                </a:stretch>
+              </a:blipFill>
+            </p:spPr>
+            <p:txBody>
+              <a:bodyPr/>
+              <a:lstStyle/>
+              <a:p>
+                <a:r>
+                  <a:rPr lang="de-DE">
+                    <a:noFill/>
+                  </a:rPr>
+                  <a:t> </a:t>
+                </a:r>
+              </a:p>
+            </p:txBody>
+          </p:sp>
+        </mc:Fallback>
+      </mc:AlternateContent>
+      <p:sp>
+        <p:nvSpPr>
+          <p:cNvPr id="4" name="Foliennummernplatzhalter 3">
+            <a:extLst>
+              <a:ext uri="{FF2B5EF4-FFF2-40B4-BE49-F238E27FC236}">
+                <a16:creationId xmlns:a16="http://schemas.microsoft.com/office/drawing/2014/main" id="{22D4BA6B-13D1-4253-A55E-87C91EA2F51E}"/>
+              </a:ext>
+            </a:extLst>
+          </p:cNvPr>
+          <p:cNvSpPr>
+            <a:spLocks noGrp="1"/>
+          </p:cNvSpPr>
+          <p:nvPr>
+            <p:ph type="sldNum" sz="quarter" idx="12"/>
+          </p:nvPr>
+        </p:nvSpPr>
+        <p:spPr/>
+        <p:txBody>
+          <a:bodyPr/>
+          <a:lstStyle/>
+          <a:p>
+            <a:fld id="{E276D0E3-8A91-4195-9D97-D4903B6F688B}" type="slidenum">
+              <a:rPr lang="de-DE" smtClean="0"/>
+              <a:t>5</a:t>
+            </a:fld>
+            <a:endParaRPr lang="de-DE"/>
+          </a:p>
+        </p:txBody>
+      </p:sp>
+      <p:pic>
+        <p:nvPicPr>
+          <p:cNvPr id="6" name="Grafik 5">
+            <a:extLst>
+              <a:ext uri="{FF2B5EF4-FFF2-40B4-BE49-F238E27FC236}">
+                <a16:creationId xmlns:a16="http://schemas.microsoft.com/office/drawing/2014/main" id="{0DB897D0-66FD-4982-9C77-4774C9B1E983}"/>
+              </a:ext>
+            </a:extLst>
+          </p:cNvPr>
+          <p:cNvPicPr>
+            <a:picLocks noChangeAspect="1"/>
+          </p:cNvPicPr>
+          <p:nvPr/>
+        </p:nvPicPr>
+        <p:blipFill>
+          <a:blip r:embed="rId3">
+            <a:extLst>
+              <a:ext uri="{28A0092B-C50C-407E-A947-70E740481C1C}">
+                <a14:useLocalDpi xmlns:a14="http://schemas.microsoft.com/office/drawing/2010/main" val="0"/>
+              </a:ext>
+            </a:extLst>
+          </a:blip>
+          <a:stretch>
+            <a:fillRect/>
+          </a:stretch>
+        </p:blipFill>
+        <p:spPr>
+          <a:xfrm>
+            <a:off x="5796156" y="1445597"/>
+            <a:ext cx="5852172" cy="4370841"/>
+          </a:xfrm>
+          <a:prstGeom prst="rect">
+            <a:avLst/>
+          </a:prstGeom>
+        </p:spPr>
+      </p:pic>
+    </p:spTree>
+    <p:extLst>
+      <p:ext uri="{BB962C8B-B14F-4D97-AF65-F5344CB8AC3E}">
+        <p14:creationId xmlns:p14="http://schemas.microsoft.com/office/powerpoint/2010/main" val="721222774"/>
       </p:ext>
     </p:extLst>
   </p:cSld>

--- a/grundpraktikum2/Atomphysik/Atomphysik.pptx
+++ b/grundpraktikum2/Atomphysik/Atomphysik.pptx
@@ -5,14 +5,22 @@
     <p:sldMasterId id="2147483648" r:id="rId1"/>
   </p:sldMasterIdLst>
   <p:notesMasterIdLst>
-    <p:notesMasterId r:id="rId7"/>
+    <p:notesMasterId r:id="rId15"/>
   </p:notesMasterIdLst>
   <p:sldIdLst>
     <p:sldId id="256" r:id="rId2"/>
     <p:sldId id="257" r:id="rId3"/>
     <p:sldId id="258" r:id="rId4"/>
     <p:sldId id="259" r:id="rId5"/>
-    <p:sldId id="260" r:id="rId6"/>
+    <p:sldId id="266" r:id="rId6"/>
+    <p:sldId id="267" r:id="rId7"/>
+    <p:sldId id="268" r:id="rId8"/>
+    <p:sldId id="260" r:id="rId9"/>
+    <p:sldId id="265" r:id="rId10"/>
+    <p:sldId id="261" r:id="rId11"/>
+    <p:sldId id="262" r:id="rId12"/>
+    <p:sldId id="263" r:id="rId13"/>
+    <p:sldId id="264" r:id="rId14"/>
   </p:sldIdLst>
   <p:sldSz cx="12192000" cy="6858000"/>
   <p:notesSz cx="6858000" cy="9144000"/>
@@ -617,11 +625,10 @@
           <a:bodyPr/>
           <a:lstStyle/>
           <a:p>
-            <a:fld id="{C7614AAD-E6A5-40A6-8D48-281802A962DD}" type="datetime1">
-              <a:rPr lang="de-DE" smtClean="0"/>
-              <a:t>21.09.2017</a:t>
-            </a:fld>
-            <a:endParaRPr lang="de-DE"/>
+            <a:r>
+              <a:rPr lang="de-DE"/>
+              <a:t>22.09.2017</a:t>
+            </a:r>
           </a:p>
         </p:txBody>
       </p:sp>
@@ -646,7 +653,10 @@
           <a:bodyPr/>
           <a:lstStyle/>
           <a:p>
-            <a:endParaRPr lang="de-DE"/>
+            <a:r>
+              <a:rPr lang="de-DE"/>
+              <a:t>Sebastian Siebert</a:t>
+            </a:r>
           </a:p>
         </p:txBody>
       </p:sp>
@@ -815,11 +825,10 @@
           <a:bodyPr/>
           <a:lstStyle/>
           <a:p>
-            <a:fld id="{151A89D3-BD56-473E-B53D-BBA4F4DE41B9}" type="datetime1">
-              <a:rPr lang="de-DE" smtClean="0"/>
-              <a:t>21.09.2017</a:t>
-            </a:fld>
-            <a:endParaRPr lang="de-DE"/>
+            <a:r>
+              <a:rPr lang="de-DE"/>
+              <a:t>22.09.2017</a:t>
+            </a:r>
           </a:p>
         </p:txBody>
       </p:sp>
@@ -844,7 +853,10 @@
           <a:bodyPr/>
           <a:lstStyle/>
           <a:p>
-            <a:endParaRPr lang="de-DE"/>
+            <a:r>
+              <a:rPr lang="de-DE"/>
+              <a:t>Sebastian Siebert</a:t>
+            </a:r>
           </a:p>
         </p:txBody>
       </p:sp>
@@ -1023,11 +1035,10 @@
           <a:bodyPr/>
           <a:lstStyle/>
           <a:p>
-            <a:fld id="{D465E7CF-B6C6-46F2-872A-1ECC6948CD97}" type="datetime1">
-              <a:rPr lang="de-DE" smtClean="0"/>
-              <a:t>21.09.2017</a:t>
-            </a:fld>
-            <a:endParaRPr lang="de-DE"/>
+            <a:r>
+              <a:rPr lang="de-DE"/>
+              <a:t>22.09.2017</a:t>
+            </a:r>
           </a:p>
         </p:txBody>
       </p:sp>
@@ -1052,7 +1063,10 @@
           <a:bodyPr/>
           <a:lstStyle/>
           <a:p>
-            <a:endParaRPr lang="de-DE"/>
+            <a:r>
+              <a:rPr lang="de-DE"/>
+              <a:t>Sebastian Siebert</a:t>
+            </a:r>
           </a:p>
         </p:txBody>
       </p:sp>
@@ -1221,11 +1235,10 @@
           <a:bodyPr/>
           <a:lstStyle/>
           <a:p>
-            <a:fld id="{110678BF-9E91-41E5-988A-EA6403801EFB}" type="datetime1">
-              <a:rPr lang="de-DE" smtClean="0"/>
-              <a:t>21.09.2017</a:t>
-            </a:fld>
-            <a:endParaRPr lang="de-DE"/>
+            <a:r>
+              <a:rPr lang="de-DE"/>
+              <a:t>22.09.2017</a:t>
+            </a:r>
           </a:p>
         </p:txBody>
       </p:sp>
@@ -1250,7 +1263,10 @@
           <a:bodyPr/>
           <a:lstStyle/>
           <a:p>
-            <a:endParaRPr lang="de-DE"/>
+            <a:r>
+              <a:rPr lang="de-DE"/>
+              <a:t>Sebastian Siebert</a:t>
+            </a:r>
           </a:p>
         </p:txBody>
       </p:sp>
@@ -1496,11 +1512,10 @@
           <a:bodyPr/>
           <a:lstStyle/>
           <a:p>
-            <a:fld id="{38F01F9E-A3C4-4E67-B90A-0DAB68B8E8DB}" type="datetime1">
-              <a:rPr lang="de-DE" smtClean="0"/>
-              <a:t>21.09.2017</a:t>
-            </a:fld>
-            <a:endParaRPr lang="de-DE"/>
+            <a:r>
+              <a:rPr lang="de-DE"/>
+              <a:t>22.09.2017</a:t>
+            </a:r>
           </a:p>
         </p:txBody>
       </p:sp>
@@ -1525,7 +1540,10 @@
           <a:bodyPr/>
           <a:lstStyle/>
           <a:p>
-            <a:endParaRPr lang="de-DE"/>
+            <a:r>
+              <a:rPr lang="de-DE"/>
+              <a:t>Sebastian Siebert</a:t>
+            </a:r>
           </a:p>
         </p:txBody>
       </p:sp>
@@ -1761,11 +1779,10 @@
           <a:bodyPr/>
           <a:lstStyle/>
           <a:p>
-            <a:fld id="{6132A174-EB99-46D5-80EB-39C6B924FBC7}" type="datetime1">
-              <a:rPr lang="de-DE" smtClean="0"/>
-              <a:t>21.09.2017</a:t>
-            </a:fld>
-            <a:endParaRPr lang="de-DE"/>
+            <a:r>
+              <a:rPr lang="de-DE"/>
+              <a:t>22.09.2017</a:t>
+            </a:r>
           </a:p>
         </p:txBody>
       </p:sp>
@@ -1790,7 +1807,10 @@
           <a:bodyPr/>
           <a:lstStyle/>
           <a:p>
-            <a:endParaRPr lang="de-DE"/>
+            <a:r>
+              <a:rPr lang="de-DE"/>
+              <a:t>Sebastian Siebert</a:t>
+            </a:r>
           </a:p>
         </p:txBody>
       </p:sp>
@@ -2173,11 +2193,10 @@
           <a:bodyPr/>
           <a:lstStyle/>
           <a:p>
-            <a:fld id="{1E5ED934-C283-4544-BCA6-058DFCAF6543}" type="datetime1">
-              <a:rPr lang="de-DE" smtClean="0"/>
-              <a:t>21.09.2017</a:t>
-            </a:fld>
-            <a:endParaRPr lang="de-DE"/>
+            <a:r>
+              <a:rPr lang="de-DE"/>
+              <a:t>22.09.2017</a:t>
+            </a:r>
           </a:p>
         </p:txBody>
       </p:sp>
@@ -2202,7 +2221,10 @@
           <a:bodyPr/>
           <a:lstStyle/>
           <a:p>
-            <a:endParaRPr lang="de-DE"/>
+            <a:r>
+              <a:rPr lang="de-DE"/>
+              <a:t>Sebastian Siebert</a:t>
+            </a:r>
           </a:p>
         </p:txBody>
       </p:sp>
@@ -2314,11 +2336,10 @@
           <a:bodyPr/>
           <a:lstStyle/>
           <a:p>
-            <a:fld id="{E154E9F1-A874-4DEE-AD9A-79257DAC690F}" type="datetime1">
-              <a:rPr lang="de-DE" smtClean="0"/>
-              <a:t>21.09.2017</a:t>
-            </a:fld>
-            <a:endParaRPr lang="de-DE"/>
+            <a:r>
+              <a:rPr lang="de-DE"/>
+              <a:t>22.09.2017</a:t>
+            </a:r>
           </a:p>
         </p:txBody>
       </p:sp>
@@ -2343,7 +2364,10 @@
           <a:bodyPr/>
           <a:lstStyle/>
           <a:p>
-            <a:endParaRPr lang="de-DE"/>
+            <a:r>
+              <a:rPr lang="de-DE"/>
+              <a:t>Sebastian Siebert</a:t>
+            </a:r>
           </a:p>
         </p:txBody>
       </p:sp>
@@ -2427,11 +2451,10 @@
           <a:bodyPr/>
           <a:lstStyle/>
           <a:p>
-            <a:fld id="{DC87A9B5-3B68-47A3-B12F-1990355644A3}" type="datetime1">
-              <a:rPr lang="de-DE" smtClean="0"/>
-              <a:t>21.09.2017</a:t>
-            </a:fld>
-            <a:endParaRPr lang="de-DE"/>
+            <a:r>
+              <a:rPr lang="de-DE"/>
+              <a:t>22.09.2017</a:t>
+            </a:r>
           </a:p>
         </p:txBody>
       </p:sp>
@@ -2456,7 +2479,10 @@
           <a:bodyPr/>
           <a:lstStyle/>
           <a:p>
-            <a:endParaRPr lang="de-DE"/>
+            <a:r>
+              <a:rPr lang="de-DE"/>
+              <a:t>Sebastian Siebert</a:t>
+            </a:r>
           </a:p>
         </p:txBody>
       </p:sp>
@@ -2738,11 +2764,10 @@
           <a:bodyPr/>
           <a:lstStyle/>
           <a:p>
-            <a:fld id="{7E45B7FC-29E1-4FF8-A0C2-46668312564A}" type="datetime1">
-              <a:rPr lang="de-DE" smtClean="0"/>
-              <a:t>21.09.2017</a:t>
-            </a:fld>
-            <a:endParaRPr lang="de-DE"/>
+            <a:r>
+              <a:rPr lang="de-DE"/>
+              <a:t>22.09.2017</a:t>
+            </a:r>
           </a:p>
         </p:txBody>
       </p:sp>
@@ -2767,7 +2792,10 @@
           <a:bodyPr/>
           <a:lstStyle/>
           <a:p>
-            <a:endParaRPr lang="de-DE"/>
+            <a:r>
+              <a:rPr lang="de-DE"/>
+              <a:t>Sebastian Siebert</a:t>
+            </a:r>
           </a:p>
         </p:txBody>
       </p:sp>
@@ -3026,11 +3054,10 @@
           <a:bodyPr/>
           <a:lstStyle/>
           <a:p>
-            <a:fld id="{11A9E73C-40A7-4703-B716-7B576A964D7A}" type="datetime1">
-              <a:rPr lang="de-DE" smtClean="0"/>
-              <a:t>21.09.2017</a:t>
-            </a:fld>
-            <a:endParaRPr lang="de-DE"/>
+            <a:r>
+              <a:rPr lang="de-DE"/>
+              <a:t>22.09.2017</a:t>
+            </a:r>
           </a:p>
         </p:txBody>
       </p:sp>
@@ -3055,7 +3082,10 @@
           <a:bodyPr/>
           <a:lstStyle/>
           <a:p>
-            <a:endParaRPr lang="de-DE"/>
+            <a:r>
+              <a:rPr lang="de-DE"/>
+              <a:t>Sebastian Siebert</a:t>
+            </a:r>
           </a:p>
         </p:txBody>
       </p:sp>
@@ -3267,11 +3297,10 @@
             </a:lvl1pPr>
           </a:lstStyle>
           <a:p>
-            <a:fld id="{5CF8F44E-BC2F-4F55-B300-4E56F21D885C}" type="datetime1">
-              <a:rPr lang="de-DE" smtClean="0"/>
-              <a:t>21.09.2017</a:t>
-            </a:fld>
-            <a:endParaRPr lang="de-DE"/>
+            <a:r>
+              <a:rPr lang="de-DE"/>
+              <a:t>22.09.2017</a:t>
+            </a:r>
           </a:p>
         </p:txBody>
       </p:sp>
@@ -3314,7 +3343,10 @@
             </a:lvl1pPr>
           </a:lstStyle>
           <a:p>
-            <a:endParaRPr lang="de-DE"/>
+            <a:r>
+              <a:rPr lang="de-DE"/>
+              <a:t>Sebastian Siebert</a:t>
+            </a:r>
           </a:p>
         </p:txBody>
       </p:sp>
@@ -3386,7 +3418,7 @@
     <p:sldLayoutId id="2147483658" r:id="rId10"/>
     <p:sldLayoutId id="2147483659" r:id="rId11"/>
   </p:sldLayoutIdLst>
-  <p:hf hdr="0" ftr="0" dt="0"/>
+  <p:hf hdr="0"/>
   <p:txStyles>
     <p:titleStyle>
       <a:lvl1pPr algn="l" defTabSz="914400" rtl="0" eaLnBrk="1" latinLnBrk="0" hangingPunct="1">
@@ -3715,7 +3747,7 @@
           <a:p>
             <a:r>
               <a:rPr lang="de-DE" dirty="0"/>
-              <a:t>Atomphysik</a:t>
+              <a:t>Wärmestrahlung</a:t>
             </a:r>
           </a:p>
         </p:txBody>
@@ -3786,6 +3818,690 @@
     <p:extLst>
       <p:ext uri="{BB962C8B-B14F-4D97-AF65-F5344CB8AC3E}">
         <p14:creationId xmlns:p14="http://schemas.microsoft.com/office/powerpoint/2010/main" val="999058081"/>
+      </p:ext>
+    </p:extLst>
+  </p:cSld>
+  <p:clrMapOvr>
+    <a:masterClrMapping/>
+  </p:clrMapOvr>
+</p:sld>
+</file>
+
+<file path=ppt/slides/slide10.xml><?xml version="1.0" encoding="utf-8"?>
+<p:sld xmlns:a="http://schemas.openxmlformats.org/drawingml/2006/main" xmlns:r="http://schemas.openxmlformats.org/officeDocument/2006/relationships" xmlns:p="http://schemas.openxmlformats.org/presentationml/2006/main">
+  <p:cSld>
+    <p:spTree>
+      <p:nvGrpSpPr>
+        <p:cNvPr id="1" name=""/>
+        <p:cNvGrpSpPr/>
+        <p:nvPr/>
+      </p:nvGrpSpPr>
+      <p:grpSpPr>
+        <a:xfrm>
+          <a:off x="0" y="0"/>
+          <a:ext cx="0" cy="0"/>
+          <a:chOff x="0" y="0"/>
+          <a:chExt cx="0" cy="0"/>
+        </a:xfrm>
+      </p:grpSpPr>
+      <p:sp>
+        <p:nvSpPr>
+          <p:cNvPr id="2" name="Titel 1">
+            <a:extLst>
+              <a:ext uri="{FF2B5EF4-FFF2-40B4-BE49-F238E27FC236}">
+                <a16:creationId xmlns:a16="http://schemas.microsoft.com/office/drawing/2014/main" id="{4D356C73-9CEE-48D2-B536-8F6945E87875}"/>
+              </a:ext>
+            </a:extLst>
+          </p:cNvPr>
+          <p:cNvSpPr>
+            <a:spLocks noGrp="1"/>
+          </p:cNvSpPr>
+          <p:nvPr>
+            <p:ph type="title"/>
+          </p:nvPr>
+        </p:nvSpPr>
+        <p:spPr/>
+        <p:txBody>
+          <a:bodyPr/>
+          <a:lstStyle/>
+          <a:p>
+            <a:r>
+              <a:rPr lang="de-DE" dirty="0"/>
+              <a:t>Stefan-Boltzmann  - nichtlinear</a:t>
+            </a:r>
+          </a:p>
+        </p:txBody>
+      </p:sp>
+      <p:sp>
+        <p:nvSpPr>
+          <p:cNvPr id="3" name="Inhaltsplatzhalter 2">
+            <a:extLst>
+              <a:ext uri="{FF2B5EF4-FFF2-40B4-BE49-F238E27FC236}">
+                <a16:creationId xmlns:a16="http://schemas.microsoft.com/office/drawing/2014/main" id="{C1318A13-67CC-440E-BBAC-1271143EC504}"/>
+              </a:ext>
+            </a:extLst>
+          </p:cNvPr>
+          <p:cNvSpPr>
+            <a:spLocks noGrp="1"/>
+          </p:cNvSpPr>
+          <p:nvPr>
+            <p:ph idx="1"/>
+          </p:nvPr>
+        </p:nvSpPr>
+        <p:spPr/>
+        <p:txBody>
+          <a:bodyPr/>
+          <a:lstStyle/>
+          <a:p>
+            <a:endParaRPr lang="de-DE"/>
+          </a:p>
+        </p:txBody>
+      </p:sp>
+      <p:sp>
+        <p:nvSpPr>
+          <p:cNvPr id="4" name="Foliennummernplatzhalter 3">
+            <a:extLst>
+              <a:ext uri="{FF2B5EF4-FFF2-40B4-BE49-F238E27FC236}">
+                <a16:creationId xmlns:a16="http://schemas.microsoft.com/office/drawing/2014/main" id="{DF33E22C-432C-47B1-A208-AAA0AD6DE947}"/>
+              </a:ext>
+            </a:extLst>
+          </p:cNvPr>
+          <p:cNvSpPr>
+            <a:spLocks noGrp="1"/>
+          </p:cNvSpPr>
+          <p:nvPr>
+            <p:ph type="sldNum" sz="quarter" idx="12"/>
+          </p:nvPr>
+        </p:nvSpPr>
+        <p:spPr/>
+        <p:txBody>
+          <a:bodyPr/>
+          <a:lstStyle/>
+          <a:p>
+            <a:fld id="{E276D0E3-8A91-4195-9D97-D4903B6F688B}" type="slidenum">
+              <a:rPr lang="de-DE" smtClean="0"/>
+              <a:t>10</a:t>
+            </a:fld>
+            <a:endParaRPr lang="de-DE"/>
+          </a:p>
+        </p:txBody>
+      </p:sp>
+      <p:sp>
+        <p:nvSpPr>
+          <p:cNvPr id="5" name="Datumsplatzhalter 4">
+            <a:extLst>
+              <a:ext uri="{FF2B5EF4-FFF2-40B4-BE49-F238E27FC236}">
+                <a16:creationId xmlns:a16="http://schemas.microsoft.com/office/drawing/2014/main" id="{53F5F9D6-A852-4955-94EA-65B6DFA67CF6}"/>
+              </a:ext>
+            </a:extLst>
+          </p:cNvPr>
+          <p:cNvSpPr>
+            <a:spLocks noGrp="1"/>
+          </p:cNvSpPr>
+          <p:nvPr>
+            <p:ph type="dt" sz="half" idx="10"/>
+          </p:nvPr>
+        </p:nvSpPr>
+        <p:spPr/>
+        <p:txBody>
+          <a:bodyPr/>
+          <a:lstStyle/>
+          <a:p>
+            <a:r>
+              <a:rPr lang="de-DE"/>
+              <a:t>22.09.2017</a:t>
+            </a:r>
+          </a:p>
+        </p:txBody>
+      </p:sp>
+      <p:sp>
+        <p:nvSpPr>
+          <p:cNvPr id="6" name="Fußzeilenplatzhalter 5">
+            <a:extLst>
+              <a:ext uri="{FF2B5EF4-FFF2-40B4-BE49-F238E27FC236}">
+                <a16:creationId xmlns:a16="http://schemas.microsoft.com/office/drawing/2014/main" id="{9651C237-87D8-46F9-8E68-02182758E4D5}"/>
+              </a:ext>
+            </a:extLst>
+          </p:cNvPr>
+          <p:cNvSpPr>
+            <a:spLocks noGrp="1"/>
+          </p:cNvSpPr>
+          <p:nvPr>
+            <p:ph type="ftr" sz="quarter" idx="11"/>
+          </p:nvPr>
+        </p:nvSpPr>
+        <p:spPr/>
+        <p:txBody>
+          <a:bodyPr/>
+          <a:lstStyle/>
+          <a:p>
+            <a:r>
+              <a:rPr lang="de-DE"/>
+              <a:t>Sebastian Siebert</a:t>
+            </a:r>
+          </a:p>
+        </p:txBody>
+      </p:sp>
+    </p:spTree>
+    <p:extLst>
+      <p:ext uri="{BB962C8B-B14F-4D97-AF65-F5344CB8AC3E}">
+        <p14:creationId xmlns:p14="http://schemas.microsoft.com/office/powerpoint/2010/main" val="3464732112"/>
+      </p:ext>
+    </p:extLst>
+  </p:cSld>
+  <p:clrMapOvr>
+    <a:masterClrMapping/>
+  </p:clrMapOvr>
+</p:sld>
+</file>
+
+<file path=ppt/slides/slide11.xml><?xml version="1.0" encoding="utf-8"?>
+<p:sld xmlns:a="http://schemas.openxmlformats.org/drawingml/2006/main" xmlns:r="http://schemas.openxmlformats.org/officeDocument/2006/relationships" xmlns:p="http://schemas.openxmlformats.org/presentationml/2006/main">
+  <p:cSld>
+    <p:spTree>
+      <p:nvGrpSpPr>
+        <p:cNvPr id="1" name=""/>
+        <p:cNvGrpSpPr/>
+        <p:nvPr/>
+      </p:nvGrpSpPr>
+      <p:grpSpPr>
+        <a:xfrm>
+          <a:off x="0" y="0"/>
+          <a:ext cx="0" cy="0"/>
+          <a:chOff x="0" y="0"/>
+          <a:chExt cx="0" cy="0"/>
+        </a:xfrm>
+      </p:grpSpPr>
+      <p:sp>
+        <p:nvSpPr>
+          <p:cNvPr id="2" name="Titel 1">
+            <a:extLst>
+              <a:ext uri="{FF2B5EF4-FFF2-40B4-BE49-F238E27FC236}">
+                <a16:creationId xmlns:a16="http://schemas.microsoft.com/office/drawing/2014/main" id="{29D70E79-C288-4B86-9D78-AE3FBEC41899}"/>
+              </a:ext>
+            </a:extLst>
+          </p:cNvPr>
+          <p:cNvSpPr>
+            <a:spLocks noGrp="1"/>
+          </p:cNvSpPr>
+          <p:nvPr>
+            <p:ph type="title"/>
+          </p:nvPr>
+        </p:nvSpPr>
+        <p:spPr/>
+        <p:txBody>
+          <a:bodyPr/>
+          <a:lstStyle/>
+          <a:p>
+            <a:r>
+              <a:rPr lang="de-DE" dirty="0"/>
+              <a:t>Emissionsgrad</a:t>
+            </a:r>
+          </a:p>
+        </p:txBody>
+      </p:sp>
+      <p:sp>
+        <p:nvSpPr>
+          <p:cNvPr id="3" name="Inhaltsplatzhalter 2">
+            <a:extLst>
+              <a:ext uri="{FF2B5EF4-FFF2-40B4-BE49-F238E27FC236}">
+                <a16:creationId xmlns:a16="http://schemas.microsoft.com/office/drawing/2014/main" id="{CB07CF9B-C9B2-4961-8969-E9D66BB171E4}"/>
+              </a:ext>
+            </a:extLst>
+          </p:cNvPr>
+          <p:cNvSpPr>
+            <a:spLocks noGrp="1"/>
+          </p:cNvSpPr>
+          <p:nvPr>
+            <p:ph idx="1"/>
+          </p:nvPr>
+        </p:nvSpPr>
+        <p:spPr/>
+        <p:txBody>
+          <a:bodyPr/>
+          <a:lstStyle/>
+          <a:p>
+            <a:endParaRPr lang="de-DE"/>
+          </a:p>
+        </p:txBody>
+      </p:sp>
+      <p:sp>
+        <p:nvSpPr>
+          <p:cNvPr id="4" name="Foliennummernplatzhalter 3">
+            <a:extLst>
+              <a:ext uri="{FF2B5EF4-FFF2-40B4-BE49-F238E27FC236}">
+                <a16:creationId xmlns:a16="http://schemas.microsoft.com/office/drawing/2014/main" id="{B12636BC-D11A-4AC9-A768-21D9914CF42C}"/>
+              </a:ext>
+            </a:extLst>
+          </p:cNvPr>
+          <p:cNvSpPr>
+            <a:spLocks noGrp="1"/>
+          </p:cNvSpPr>
+          <p:nvPr>
+            <p:ph type="sldNum" sz="quarter" idx="12"/>
+          </p:nvPr>
+        </p:nvSpPr>
+        <p:spPr/>
+        <p:txBody>
+          <a:bodyPr/>
+          <a:lstStyle/>
+          <a:p>
+            <a:fld id="{E276D0E3-8A91-4195-9D97-D4903B6F688B}" type="slidenum">
+              <a:rPr lang="de-DE" smtClean="0"/>
+              <a:t>11</a:t>
+            </a:fld>
+            <a:endParaRPr lang="de-DE"/>
+          </a:p>
+        </p:txBody>
+      </p:sp>
+      <p:sp>
+        <p:nvSpPr>
+          <p:cNvPr id="5" name="Datumsplatzhalter 4">
+            <a:extLst>
+              <a:ext uri="{FF2B5EF4-FFF2-40B4-BE49-F238E27FC236}">
+                <a16:creationId xmlns:a16="http://schemas.microsoft.com/office/drawing/2014/main" id="{D2803811-14B3-4A0A-B3D2-9C91933F8AC5}"/>
+              </a:ext>
+            </a:extLst>
+          </p:cNvPr>
+          <p:cNvSpPr>
+            <a:spLocks noGrp="1"/>
+          </p:cNvSpPr>
+          <p:nvPr>
+            <p:ph type="dt" sz="half" idx="10"/>
+          </p:nvPr>
+        </p:nvSpPr>
+        <p:spPr/>
+        <p:txBody>
+          <a:bodyPr/>
+          <a:lstStyle/>
+          <a:p>
+            <a:r>
+              <a:rPr lang="de-DE"/>
+              <a:t>22.09.2017</a:t>
+            </a:r>
+          </a:p>
+        </p:txBody>
+      </p:sp>
+      <p:sp>
+        <p:nvSpPr>
+          <p:cNvPr id="6" name="Fußzeilenplatzhalter 5">
+            <a:extLst>
+              <a:ext uri="{FF2B5EF4-FFF2-40B4-BE49-F238E27FC236}">
+                <a16:creationId xmlns:a16="http://schemas.microsoft.com/office/drawing/2014/main" id="{EB43C465-31C1-4CB6-8D47-C4AFB5F55EBA}"/>
+              </a:ext>
+            </a:extLst>
+          </p:cNvPr>
+          <p:cNvSpPr>
+            <a:spLocks noGrp="1"/>
+          </p:cNvSpPr>
+          <p:nvPr>
+            <p:ph type="ftr" sz="quarter" idx="11"/>
+          </p:nvPr>
+        </p:nvSpPr>
+        <p:spPr/>
+        <p:txBody>
+          <a:bodyPr/>
+          <a:lstStyle/>
+          <a:p>
+            <a:r>
+              <a:rPr lang="de-DE"/>
+              <a:t>Sebastian Siebert</a:t>
+            </a:r>
+          </a:p>
+        </p:txBody>
+      </p:sp>
+    </p:spTree>
+    <p:extLst>
+      <p:ext uri="{BB962C8B-B14F-4D97-AF65-F5344CB8AC3E}">
+        <p14:creationId xmlns:p14="http://schemas.microsoft.com/office/powerpoint/2010/main" val="541445421"/>
+      </p:ext>
+    </p:extLst>
+  </p:cSld>
+  <p:clrMapOvr>
+    <a:masterClrMapping/>
+  </p:clrMapOvr>
+</p:sld>
+</file>
+
+<file path=ppt/slides/slide12.xml><?xml version="1.0" encoding="utf-8"?>
+<p:sld xmlns:a="http://schemas.openxmlformats.org/drawingml/2006/main" xmlns:r="http://schemas.openxmlformats.org/officeDocument/2006/relationships" xmlns:p="http://schemas.openxmlformats.org/presentationml/2006/main">
+  <p:cSld>
+    <p:spTree>
+      <p:nvGrpSpPr>
+        <p:cNvPr id="1" name=""/>
+        <p:cNvGrpSpPr/>
+        <p:nvPr/>
+      </p:nvGrpSpPr>
+      <p:grpSpPr>
+        <a:xfrm>
+          <a:off x="0" y="0"/>
+          <a:ext cx="0" cy="0"/>
+          <a:chOff x="0" y="0"/>
+          <a:chExt cx="0" cy="0"/>
+        </a:xfrm>
+      </p:grpSpPr>
+      <p:sp>
+        <p:nvSpPr>
+          <p:cNvPr id="2" name="Titel 1">
+            <a:extLst>
+              <a:ext uri="{FF2B5EF4-FFF2-40B4-BE49-F238E27FC236}">
+                <a16:creationId xmlns:a16="http://schemas.microsoft.com/office/drawing/2014/main" id="{B12D9C21-BA51-4632-9912-A59537B83A58}"/>
+              </a:ext>
+            </a:extLst>
+          </p:cNvPr>
+          <p:cNvSpPr>
+            <a:spLocks noGrp="1"/>
+          </p:cNvSpPr>
+          <p:nvPr>
+            <p:ph type="title"/>
+          </p:nvPr>
+        </p:nvSpPr>
+        <p:spPr/>
+        <p:txBody>
+          <a:bodyPr/>
+          <a:lstStyle/>
+          <a:p>
+            <a:r>
+              <a:rPr lang="de-DE" dirty="0"/>
+              <a:t>Vergleich der Gruppen</a:t>
+            </a:r>
+          </a:p>
+        </p:txBody>
+      </p:sp>
+      <p:sp>
+        <p:nvSpPr>
+          <p:cNvPr id="3" name="Inhaltsplatzhalter 2">
+            <a:extLst>
+              <a:ext uri="{FF2B5EF4-FFF2-40B4-BE49-F238E27FC236}">
+                <a16:creationId xmlns:a16="http://schemas.microsoft.com/office/drawing/2014/main" id="{D1A0BAFD-BF2B-4219-A183-4B7BC670E94E}"/>
+              </a:ext>
+            </a:extLst>
+          </p:cNvPr>
+          <p:cNvSpPr>
+            <a:spLocks noGrp="1"/>
+          </p:cNvSpPr>
+          <p:nvPr>
+            <p:ph idx="1"/>
+          </p:nvPr>
+        </p:nvSpPr>
+        <p:spPr/>
+        <p:txBody>
+          <a:bodyPr/>
+          <a:lstStyle/>
+          <a:p>
+            <a:endParaRPr lang="de-DE" dirty="0"/>
+          </a:p>
+        </p:txBody>
+      </p:sp>
+      <p:sp>
+        <p:nvSpPr>
+          <p:cNvPr id="4" name="Foliennummernplatzhalter 3">
+            <a:extLst>
+              <a:ext uri="{FF2B5EF4-FFF2-40B4-BE49-F238E27FC236}">
+                <a16:creationId xmlns:a16="http://schemas.microsoft.com/office/drawing/2014/main" id="{AA54DED0-C7BF-420E-92E8-CD2F18A4EDD8}"/>
+              </a:ext>
+            </a:extLst>
+          </p:cNvPr>
+          <p:cNvSpPr>
+            <a:spLocks noGrp="1"/>
+          </p:cNvSpPr>
+          <p:nvPr>
+            <p:ph type="sldNum" sz="quarter" idx="12"/>
+          </p:nvPr>
+        </p:nvSpPr>
+        <p:spPr/>
+        <p:txBody>
+          <a:bodyPr/>
+          <a:lstStyle/>
+          <a:p>
+            <a:fld id="{E276D0E3-8A91-4195-9D97-D4903B6F688B}" type="slidenum">
+              <a:rPr lang="de-DE" smtClean="0"/>
+              <a:t>12</a:t>
+            </a:fld>
+            <a:endParaRPr lang="de-DE"/>
+          </a:p>
+        </p:txBody>
+      </p:sp>
+      <p:sp>
+        <p:nvSpPr>
+          <p:cNvPr id="5" name="Datumsplatzhalter 4">
+            <a:extLst>
+              <a:ext uri="{FF2B5EF4-FFF2-40B4-BE49-F238E27FC236}">
+                <a16:creationId xmlns:a16="http://schemas.microsoft.com/office/drawing/2014/main" id="{73A4C512-2052-4737-8035-C02E02826CC6}"/>
+              </a:ext>
+            </a:extLst>
+          </p:cNvPr>
+          <p:cNvSpPr>
+            <a:spLocks noGrp="1"/>
+          </p:cNvSpPr>
+          <p:nvPr>
+            <p:ph type="dt" sz="half" idx="10"/>
+          </p:nvPr>
+        </p:nvSpPr>
+        <p:spPr/>
+        <p:txBody>
+          <a:bodyPr/>
+          <a:lstStyle/>
+          <a:p>
+            <a:r>
+              <a:rPr lang="de-DE"/>
+              <a:t>22.09.2017</a:t>
+            </a:r>
+          </a:p>
+        </p:txBody>
+      </p:sp>
+      <p:sp>
+        <p:nvSpPr>
+          <p:cNvPr id="6" name="Fußzeilenplatzhalter 5">
+            <a:extLst>
+              <a:ext uri="{FF2B5EF4-FFF2-40B4-BE49-F238E27FC236}">
+                <a16:creationId xmlns:a16="http://schemas.microsoft.com/office/drawing/2014/main" id="{B8A9B09A-3ECF-4009-945D-C1B15888F73A}"/>
+              </a:ext>
+            </a:extLst>
+          </p:cNvPr>
+          <p:cNvSpPr>
+            <a:spLocks noGrp="1"/>
+          </p:cNvSpPr>
+          <p:nvPr>
+            <p:ph type="ftr" sz="quarter" idx="11"/>
+          </p:nvPr>
+        </p:nvSpPr>
+        <p:spPr/>
+        <p:txBody>
+          <a:bodyPr/>
+          <a:lstStyle/>
+          <a:p>
+            <a:r>
+              <a:rPr lang="de-DE"/>
+              <a:t>Sebastian Siebert</a:t>
+            </a:r>
+          </a:p>
+        </p:txBody>
+      </p:sp>
+    </p:spTree>
+    <p:extLst>
+      <p:ext uri="{BB962C8B-B14F-4D97-AF65-F5344CB8AC3E}">
+        <p14:creationId xmlns:p14="http://schemas.microsoft.com/office/powerpoint/2010/main" val="999872157"/>
+      </p:ext>
+    </p:extLst>
+  </p:cSld>
+  <p:clrMapOvr>
+    <a:masterClrMapping/>
+  </p:clrMapOvr>
+</p:sld>
+</file>
+
+<file path=ppt/slides/slide13.xml><?xml version="1.0" encoding="utf-8"?>
+<p:sld xmlns:a="http://schemas.openxmlformats.org/drawingml/2006/main" xmlns:r="http://schemas.openxmlformats.org/officeDocument/2006/relationships" xmlns:p="http://schemas.openxmlformats.org/presentationml/2006/main">
+  <p:cSld>
+    <p:spTree>
+      <p:nvGrpSpPr>
+        <p:cNvPr id="1" name=""/>
+        <p:cNvGrpSpPr/>
+        <p:nvPr/>
+      </p:nvGrpSpPr>
+      <p:grpSpPr>
+        <a:xfrm>
+          <a:off x="0" y="0"/>
+          <a:ext cx="0" cy="0"/>
+          <a:chOff x="0" y="0"/>
+          <a:chExt cx="0" cy="0"/>
+        </a:xfrm>
+      </p:grpSpPr>
+      <p:sp>
+        <p:nvSpPr>
+          <p:cNvPr id="2" name="Titel 1">
+            <a:extLst>
+              <a:ext uri="{FF2B5EF4-FFF2-40B4-BE49-F238E27FC236}">
+                <a16:creationId xmlns:a16="http://schemas.microsoft.com/office/drawing/2014/main" id="{67FDD3D5-37BC-4EF8-93D7-CC849A08507F}"/>
+              </a:ext>
+            </a:extLst>
+          </p:cNvPr>
+          <p:cNvSpPr>
+            <a:spLocks noGrp="1"/>
+          </p:cNvSpPr>
+          <p:nvPr>
+            <p:ph type="title"/>
+          </p:nvPr>
+        </p:nvSpPr>
+        <p:spPr/>
+        <p:txBody>
+          <a:bodyPr/>
+          <a:lstStyle/>
+          <a:p>
+            <a:r>
+              <a:rPr lang="de-DE" dirty="0"/>
+              <a:t>Zusammenfassung</a:t>
+            </a:r>
+          </a:p>
+        </p:txBody>
+      </p:sp>
+      <p:sp>
+        <p:nvSpPr>
+          <p:cNvPr id="3" name="Inhaltsplatzhalter 2">
+            <a:extLst>
+              <a:ext uri="{FF2B5EF4-FFF2-40B4-BE49-F238E27FC236}">
+                <a16:creationId xmlns:a16="http://schemas.microsoft.com/office/drawing/2014/main" id="{5F61FA29-199C-4FD1-8074-7342C33146FC}"/>
+              </a:ext>
+            </a:extLst>
+          </p:cNvPr>
+          <p:cNvSpPr>
+            <a:spLocks noGrp="1"/>
+          </p:cNvSpPr>
+          <p:nvPr>
+            <p:ph idx="1"/>
+          </p:nvPr>
+        </p:nvSpPr>
+        <p:spPr/>
+        <p:txBody>
+          <a:bodyPr/>
+          <a:lstStyle/>
+          <a:p>
+            <a:r>
+              <a:rPr lang="de-DE" dirty="0"/>
+              <a:t>Stefan-Boltzmann Gesetz wurde bestätigt</a:t>
+            </a:r>
+          </a:p>
+          <a:p>
+            <a:endParaRPr lang="de-DE" dirty="0"/>
+          </a:p>
+          <a:p>
+            <a:r>
+              <a:rPr lang="de-DE" dirty="0"/>
+              <a:t>Bestimmung der Emissionsgrade</a:t>
+            </a:r>
+          </a:p>
+        </p:txBody>
+      </p:sp>
+      <p:sp>
+        <p:nvSpPr>
+          <p:cNvPr id="4" name="Foliennummernplatzhalter 3">
+            <a:extLst>
+              <a:ext uri="{FF2B5EF4-FFF2-40B4-BE49-F238E27FC236}">
+                <a16:creationId xmlns:a16="http://schemas.microsoft.com/office/drawing/2014/main" id="{232B375C-5702-4AA8-9D9F-D1C550C3E514}"/>
+              </a:ext>
+            </a:extLst>
+          </p:cNvPr>
+          <p:cNvSpPr>
+            <a:spLocks noGrp="1"/>
+          </p:cNvSpPr>
+          <p:nvPr>
+            <p:ph type="sldNum" sz="quarter" idx="12"/>
+          </p:nvPr>
+        </p:nvSpPr>
+        <p:spPr/>
+        <p:txBody>
+          <a:bodyPr/>
+          <a:lstStyle/>
+          <a:p>
+            <a:fld id="{E276D0E3-8A91-4195-9D97-D4903B6F688B}" type="slidenum">
+              <a:rPr lang="de-DE" smtClean="0"/>
+              <a:t>13</a:t>
+            </a:fld>
+            <a:endParaRPr lang="de-DE"/>
+          </a:p>
+        </p:txBody>
+      </p:sp>
+      <p:sp>
+        <p:nvSpPr>
+          <p:cNvPr id="5" name="Datumsplatzhalter 4">
+            <a:extLst>
+              <a:ext uri="{FF2B5EF4-FFF2-40B4-BE49-F238E27FC236}">
+                <a16:creationId xmlns:a16="http://schemas.microsoft.com/office/drawing/2014/main" id="{1850A31B-265A-4E9F-88A7-F58C48A0ADAD}"/>
+              </a:ext>
+            </a:extLst>
+          </p:cNvPr>
+          <p:cNvSpPr>
+            <a:spLocks noGrp="1"/>
+          </p:cNvSpPr>
+          <p:nvPr>
+            <p:ph type="dt" sz="half" idx="10"/>
+          </p:nvPr>
+        </p:nvSpPr>
+        <p:spPr/>
+        <p:txBody>
+          <a:bodyPr/>
+          <a:lstStyle/>
+          <a:p>
+            <a:r>
+              <a:rPr lang="de-DE"/>
+              <a:t>22.09.2017</a:t>
+            </a:r>
+          </a:p>
+        </p:txBody>
+      </p:sp>
+      <p:sp>
+        <p:nvSpPr>
+          <p:cNvPr id="6" name="Fußzeilenplatzhalter 5">
+            <a:extLst>
+              <a:ext uri="{FF2B5EF4-FFF2-40B4-BE49-F238E27FC236}">
+                <a16:creationId xmlns:a16="http://schemas.microsoft.com/office/drawing/2014/main" id="{1907065A-F565-4465-A86B-6BB2F877729E}"/>
+              </a:ext>
+            </a:extLst>
+          </p:cNvPr>
+          <p:cNvSpPr>
+            <a:spLocks noGrp="1"/>
+          </p:cNvSpPr>
+          <p:nvPr>
+            <p:ph type="ftr" sz="quarter" idx="11"/>
+          </p:nvPr>
+        </p:nvSpPr>
+        <p:spPr/>
+        <p:txBody>
+          <a:bodyPr/>
+          <a:lstStyle/>
+          <a:p>
+            <a:r>
+              <a:rPr lang="de-DE"/>
+              <a:t>Sebastian Siebert</a:t>
+            </a:r>
+          </a:p>
+        </p:txBody>
+      </p:sp>
+    </p:spTree>
+    <p:extLst>
+      <p:ext uri="{BB962C8B-B14F-4D97-AF65-F5344CB8AC3E}">
+        <p14:creationId xmlns:p14="http://schemas.microsoft.com/office/powerpoint/2010/main" val="2069757474"/>
       </p:ext>
     </p:extLst>
   </p:cSld>
@@ -3882,6 +4598,13 @@
             <a:pPr lvl="1"/>
             <a:r>
               <a:rPr lang="de-DE" dirty="0"/>
+              <a:t>Kalibration Thermometer</a:t>
+            </a:r>
+          </a:p>
+          <a:p>
+            <a:pPr lvl="1"/>
+            <a:r>
+              <a:rPr lang="de-DE" dirty="0"/>
               <a:t>Bestätigung Stefan-Boltzmann Gesetz</a:t>
             </a:r>
           </a:p>
@@ -3889,13 +4612,8 @@
             <a:pPr lvl="1"/>
             <a:r>
               <a:rPr lang="de-DE" dirty="0"/>
-              <a:t>Berechnung </a:t>
-            </a:r>
-            <a:r>
-              <a:rPr lang="de-DE" dirty="0" err="1"/>
-              <a:t>Emissivität</a:t>
-            </a:r>
-            <a:endParaRPr lang="de-DE" dirty="0"/>
+              <a:t>Berechnung Emissionsgrad</a:t>
+            </a:r>
           </a:p>
           <a:p>
             <a:pPr lvl="1"/>
@@ -3938,6 +4656,62 @@
               <a:t>2</a:t>
             </a:fld>
             <a:endParaRPr lang="de-DE"/>
+          </a:p>
+        </p:txBody>
+      </p:sp>
+      <p:sp>
+        <p:nvSpPr>
+          <p:cNvPr id="5" name="Datumsplatzhalter 4">
+            <a:extLst>
+              <a:ext uri="{FF2B5EF4-FFF2-40B4-BE49-F238E27FC236}">
+                <a16:creationId xmlns:a16="http://schemas.microsoft.com/office/drawing/2014/main" id="{2602ECB1-6F25-4076-A996-309A73DB9A7F}"/>
+              </a:ext>
+            </a:extLst>
+          </p:cNvPr>
+          <p:cNvSpPr>
+            <a:spLocks noGrp="1"/>
+          </p:cNvSpPr>
+          <p:nvPr>
+            <p:ph type="dt" sz="half" idx="10"/>
+          </p:nvPr>
+        </p:nvSpPr>
+        <p:spPr/>
+        <p:txBody>
+          <a:bodyPr/>
+          <a:lstStyle/>
+          <a:p>
+            <a:r>
+              <a:rPr lang="de-DE"/>
+              <a:t>22.09.2017</a:t>
+            </a:r>
+          </a:p>
+        </p:txBody>
+      </p:sp>
+      <p:sp>
+        <p:nvSpPr>
+          <p:cNvPr id="6" name="Fußzeilenplatzhalter 5">
+            <a:extLst>
+              <a:ext uri="{FF2B5EF4-FFF2-40B4-BE49-F238E27FC236}">
+                <a16:creationId xmlns:a16="http://schemas.microsoft.com/office/drawing/2014/main" id="{9D61D413-7CD9-4D00-AAAF-89D21D13390C}"/>
+              </a:ext>
+            </a:extLst>
+          </p:cNvPr>
+          <p:cNvSpPr>
+            <a:spLocks noGrp="1"/>
+          </p:cNvSpPr>
+          <p:nvPr>
+            <p:ph type="ftr" sz="quarter" idx="11"/>
+          </p:nvPr>
+        </p:nvSpPr>
+        <p:spPr/>
+        <p:txBody>
+          <a:bodyPr/>
+          <a:lstStyle/>
+          <a:p>
+            <a:r>
+              <a:rPr lang="de-DE"/>
+              <a:t>Sebastian Siebert</a:t>
+            </a:r>
           </a:p>
         </p:txBody>
       </p:sp>
@@ -3994,7 +4768,7 @@
           <a:p>
             <a:r>
               <a:rPr lang="de-DE" dirty="0"/>
-              <a:t>Versuchsziel</a:t>
+              <a:t>Versuchsziele</a:t>
             </a:r>
           </a:p>
         </p:txBody>
@@ -4369,15 +5143,7 @@
               <a:p>
                 <a:r>
                   <a:rPr lang="de-DE" dirty="0"/>
-                  <a:t>Bestimmung der </a:t>
-                </a:r>
-                <a:r>
-                  <a:rPr lang="de-DE" dirty="0" err="1"/>
-                  <a:t>Emissivität</a:t>
-                </a:r>
-                <a:r>
-                  <a:rPr lang="de-DE" dirty="0"/>
-                  <a:t> </a:t>
+                  <a:t>Bestimmung des Emissionsgrads </a:t>
                 </a:r>
                 <a14:m>
                   <m:oMath xmlns:m="http://schemas.openxmlformats.org/officeDocument/2006/math">
@@ -4393,6 +5159,339 @@
                   <a:rPr lang="de-DE" dirty="0"/>
                   <a:t> </a:t>
                 </a:r>
+              </a:p>
+              <a:p>
+                <a:pPr marL="457200" lvl="1" indent="0">
+                  <a:buNone/>
+                </a:pPr>
+                <a14:m>
+                  <m:oMathPara xmlns:m="http://schemas.openxmlformats.org/officeDocument/2006/math">
+                    <m:oMathParaPr>
+                      <m:jc m:val="centerGroup"/>
+                    </m:oMathParaPr>
+                    <m:oMath xmlns:m="http://schemas.openxmlformats.org/officeDocument/2006/math">
+                      <m:sSub>
+                        <m:sSubPr>
+                          <m:ctrlPr>
+                            <a:rPr lang="de-DE" b="0" i="1" smtClean="0">
+                              <a:latin typeface="Cambria Math" panose="02040503050406030204" pitchFamily="18" charset="0"/>
+                            </a:rPr>
+                          </m:ctrlPr>
+                        </m:sSubPr>
+                        <m:e>
+                          <m:r>
+                            <a:rPr lang="de-DE" b="0" i="1" smtClean="0">
+                              <a:latin typeface="Cambria Math" panose="02040503050406030204" pitchFamily="18" charset="0"/>
+                            </a:rPr>
+                            <m:t>𝑃</m:t>
+                          </m:r>
+                        </m:e>
+                        <m:sub>
+                          <m:r>
+                            <a:rPr lang="de-DE" b="0" i="1" smtClean="0">
+                              <a:latin typeface="Cambria Math" panose="02040503050406030204" pitchFamily="18" charset="0"/>
+                            </a:rPr>
+                            <m:t>𝑖𝑑𝑒𝑎𝑙</m:t>
+                          </m:r>
+                        </m:sub>
+                      </m:sSub>
+                      <m:r>
+                        <a:rPr lang="de-DE" b="0" i="1" smtClean="0">
+                          <a:latin typeface="Cambria Math" panose="02040503050406030204" pitchFamily="18" charset="0"/>
+                        </a:rPr>
+                        <m:t>=</m:t>
+                      </m:r>
+                      <m:f>
+                        <m:fPr>
+                          <m:ctrlPr>
+                            <a:rPr lang="de-DE" b="0" i="1" smtClean="0">
+                              <a:latin typeface="Cambria Math" panose="02040503050406030204" pitchFamily="18" charset="0"/>
+                            </a:rPr>
+                          </m:ctrlPr>
+                        </m:fPr>
+                        <m:num>
+                          <m:sSub>
+                            <m:sSubPr>
+                              <m:ctrlPr>
+                                <a:rPr lang="de-DE" i="1">
+                                  <a:latin typeface="Cambria Math" panose="02040503050406030204" pitchFamily="18" charset="0"/>
+                                </a:rPr>
+                              </m:ctrlPr>
+                            </m:sSubPr>
+                            <m:e>
+                              <m:r>
+                                <a:rPr lang="de-DE" i="1">
+                                  <a:latin typeface="Cambria Math" panose="02040503050406030204" pitchFamily="18" charset="0"/>
+                                </a:rPr>
+                                <m:t>𝐴</m:t>
+                              </m:r>
+                            </m:e>
+                            <m:sub>
+                              <m:r>
+                                <a:rPr lang="de-DE" i="1">
+                                  <a:latin typeface="Cambria Math" panose="02040503050406030204" pitchFamily="18" charset="0"/>
+                                </a:rPr>
+                                <m:t>𝑠</m:t>
+                              </m:r>
+                            </m:sub>
+                          </m:sSub>
+                          <m:sSub>
+                            <m:sSubPr>
+                              <m:ctrlPr>
+                                <a:rPr lang="de-DE" i="1">
+                                  <a:latin typeface="Cambria Math" panose="02040503050406030204" pitchFamily="18" charset="0"/>
+                                </a:rPr>
+                              </m:ctrlPr>
+                            </m:sSubPr>
+                            <m:e>
+                              <m:r>
+                                <a:rPr lang="de-DE" i="1">
+                                  <a:latin typeface="Cambria Math" panose="02040503050406030204" pitchFamily="18" charset="0"/>
+                                </a:rPr>
+                                <m:t>𝐴</m:t>
+                              </m:r>
+                            </m:e>
+                            <m:sub>
+                              <m:r>
+                                <a:rPr lang="de-DE" i="1">
+                                  <a:latin typeface="Cambria Math" panose="02040503050406030204" pitchFamily="18" charset="0"/>
+                                </a:rPr>
+                                <m:t>𝑒</m:t>
+                              </m:r>
+                              <m:r>
+                                <a:rPr lang="de-DE" b="0" i="1" smtClean="0">
+                                  <a:latin typeface="Cambria Math" panose="02040503050406030204" pitchFamily="18" charset="0"/>
+                                </a:rPr>
+                                <m:t> </m:t>
+                              </m:r>
+                            </m:sub>
+                          </m:sSub>
+                        </m:num>
+                        <m:den>
+                          <m:sSup>
+                            <m:sSupPr>
+                              <m:ctrlPr>
+                                <a:rPr lang="de-DE" b="0" i="1" smtClean="0">
+                                  <a:latin typeface="Cambria Math" panose="02040503050406030204" pitchFamily="18" charset="0"/>
+                                </a:rPr>
+                              </m:ctrlPr>
+                            </m:sSupPr>
+                            <m:e>
+                              <m:r>
+                                <a:rPr lang="de-DE" b="0" i="1" smtClean="0">
+                                  <a:latin typeface="Cambria Math" panose="02040503050406030204" pitchFamily="18" charset="0"/>
+                                </a:rPr>
+                                <m:t>𝑟</m:t>
+                              </m:r>
+                            </m:e>
+                            <m:sup>
+                              <m:r>
+                                <a:rPr lang="de-DE" b="0" i="1" smtClean="0">
+                                  <a:latin typeface="Cambria Math" panose="02040503050406030204" pitchFamily="18" charset="0"/>
+                                </a:rPr>
+                                <m:t>2</m:t>
+                              </m:r>
+                            </m:sup>
+                          </m:sSup>
+                        </m:den>
+                      </m:f>
+                      <m:r>
+                        <a:rPr lang="de-DE" b="0" i="1" smtClean="0">
+                          <a:latin typeface="Cambria Math" panose="02040503050406030204" pitchFamily="18" charset="0"/>
+                        </a:rPr>
+                        <m:t> </m:t>
+                      </m:r>
+                      <m:f>
+                        <m:fPr>
+                          <m:ctrlPr>
+                            <a:rPr lang="de-DE" b="0" i="1" smtClean="0">
+                              <a:latin typeface="Cambria Math" panose="02040503050406030204" pitchFamily="18" charset="0"/>
+                            </a:rPr>
+                          </m:ctrlPr>
+                        </m:fPr>
+                        <m:num>
+                          <m:r>
+                            <a:rPr lang="de-DE" b="0" i="1" smtClean="0">
+                              <a:latin typeface="Cambria Math" panose="02040503050406030204" pitchFamily="18" charset="0"/>
+                            </a:rPr>
+                            <m:t>𝜎</m:t>
+                          </m:r>
+                        </m:num>
+                        <m:den>
+                          <m:r>
+                            <a:rPr lang="de-DE" b="0" i="1" smtClean="0">
+                              <a:latin typeface="Cambria Math" panose="02040503050406030204" pitchFamily="18" charset="0"/>
+                            </a:rPr>
+                            <m:t>𝜋</m:t>
+                          </m:r>
+                        </m:den>
+                      </m:f>
+                      <m:d>
+                        <m:dPr>
+                          <m:ctrlPr>
+                            <a:rPr lang="de-DE" b="0" i="1" smtClean="0">
+                              <a:latin typeface="Cambria Math" panose="02040503050406030204" pitchFamily="18" charset="0"/>
+                            </a:rPr>
+                          </m:ctrlPr>
+                        </m:dPr>
+                        <m:e>
+                          <m:sSup>
+                            <m:sSupPr>
+                              <m:ctrlPr>
+                                <a:rPr lang="de-DE" b="0" i="1" smtClean="0">
+                                  <a:latin typeface="Cambria Math" panose="02040503050406030204" pitchFamily="18" charset="0"/>
+                                </a:rPr>
+                              </m:ctrlPr>
+                            </m:sSupPr>
+                            <m:e>
+                              <m:r>
+                                <a:rPr lang="de-DE" b="0" i="1" smtClean="0">
+                                  <a:latin typeface="Cambria Math" panose="02040503050406030204" pitchFamily="18" charset="0"/>
+                                </a:rPr>
+                                <m:t>𝑇</m:t>
+                              </m:r>
+                            </m:e>
+                            <m:sup>
+                              <m:r>
+                                <a:rPr lang="de-DE" b="0" i="1" smtClean="0">
+                                  <a:latin typeface="Cambria Math" panose="02040503050406030204" pitchFamily="18" charset="0"/>
+                                </a:rPr>
+                                <m:t>4</m:t>
+                              </m:r>
+                            </m:sup>
+                          </m:sSup>
+                          <m:r>
+                            <a:rPr lang="de-DE" b="0" i="1" smtClean="0">
+                              <a:latin typeface="Cambria Math" panose="02040503050406030204" pitchFamily="18" charset="0"/>
+                            </a:rPr>
+                            <m:t>−</m:t>
+                          </m:r>
+                          <m:sSubSup>
+                            <m:sSubSupPr>
+                              <m:ctrlPr>
+                                <a:rPr lang="de-DE" b="0" i="1" smtClean="0">
+                                  <a:latin typeface="Cambria Math" panose="02040503050406030204" pitchFamily="18" charset="0"/>
+                                </a:rPr>
+                              </m:ctrlPr>
+                            </m:sSubSupPr>
+                            <m:e>
+                              <m:r>
+                                <a:rPr lang="de-DE" b="0" i="1" smtClean="0">
+                                  <a:latin typeface="Cambria Math" panose="02040503050406030204" pitchFamily="18" charset="0"/>
+                                </a:rPr>
+                                <m:t>𝑇</m:t>
+                              </m:r>
+                            </m:e>
+                            <m:sub>
+                              <m:r>
+                                <a:rPr lang="de-DE" b="0" i="1" smtClean="0">
+                                  <a:latin typeface="Cambria Math" panose="02040503050406030204" pitchFamily="18" charset="0"/>
+                                </a:rPr>
+                                <m:t>0</m:t>
+                              </m:r>
+                            </m:sub>
+                            <m:sup>
+                              <m:r>
+                                <a:rPr lang="de-DE" b="0" i="1" smtClean="0">
+                                  <a:latin typeface="Cambria Math" panose="02040503050406030204" pitchFamily="18" charset="0"/>
+                                </a:rPr>
+                                <m:t>4</m:t>
+                              </m:r>
+                            </m:sup>
+                          </m:sSubSup>
+                        </m:e>
+                      </m:d>
+                      <m:r>
+                        <a:rPr lang="de-DE" b="0" i="1" smtClean="0">
+                          <a:latin typeface="Cambria Math" panose="02040503050406030204" pitchFamily="18" charset="0"/>
+                        </a:rPr>
+                        <m:t>          ⇒         </m:t>
+                      </m:r>
+                      <m:r>
+                        <a:rPr lang="de-DE" b="0" i="1" smtClean="0">
+                          <a:latin typeface="Cambria Math" panose="02040503050406030204" pitchFamily="18" charset="0"/>
+                        </a:rPr>
+                        <m:t>𝜖</m:t>
+                      </m:r>
+                      <m:r>
+                        <a:rPr lang="de-DE" b="0" i="1" smtClean="0">
+                          <a:latin typeface="Cambria Math" panose="02040503050406030204" pitchFamily="18" charset="0"/>
+                        </a:rPr>
+                        <m:t>= </m:t>
+                      </m:r>
+                      <m:f>
+                        <m:fPr>
+                          <m:ctrlPr>
+                            <a:rPr lang="de-DE" b="0" i="1" smtClean="0">
+                              <a:latin typeface="Cambria Math" panose="02040503050406030204" pitchFamily="18" charset="0"/>
+                            </a:rPr>
+                          </m:ctrlPr>
+                        </m:fPr>
+                        <m:num>
+                          <m:sSub>
+                            <m:sSubPr>
+                              <m:ctrlPr>
+                                <a:rPr lang="de-DE" b="0" i="1" smtClean="0">
+                                  <a:latin typeface="Cambria Math" panose="02040503050406030204" pitchFamily="18" charset="0"/>
+                                </a:rPr>
+                              </m:ctrlPr>
+                            </m:sSubPr>
+                            <m:e>
+                              <m:r>
+                                <a:rPr lang="de-DE" b="0" i="1" smtClean="0">
+                                  <a:latin typeface="Cambria Math" panose="02040503050406030204" pitchFamily="18" charset="0"/>
+                                </a:rPr>
+                                <m:t>𝑃</m:t>
+                              </m:r>
+                            </m:e>
+                            <m:sub>
+                              <m:r>
+                                <a:rPr lang="de-DE" b="0" i="1" smtClean="0">
+                                  <a:latin typeface="Cambria Math" panose="02040503050406030204" pitchFamily="18" charset="0"/>
+                                </a:rPr>
+                                <m:t>𝑔𝑒𝑚𝑒𝑠𝑠𝑒𝑛</m:t>
+                              </m:r>
+                            </m:sub>
+                          </m:sSub>
+                        </m:num>
+                        <m:den>
+                          <m:sSub>
+                            <m:sSubPr>
+                              <m:ctrlPr>
+                                <a:rPr lang="de-DE" b="0" i="1" smtClean="0">
+                                  <a:latin typeface="Cambria Math" panose="02040503050406030204" pitchFamily="18" charset="0"/>
+                                </a:rPr>
+                              </m:ctrlPr>
+                            </m:sSubPr>
+                            <m:e>
+                              <m:r>
+                                <a:rPr lang="de-DE" b="0" i="1" smtClean="0">
+                                  <a:latin typeface="Cambria Math" panose="02040503050406030204" pitchFamily="18" charset="0"/>
+                                </a:rPr>
+                                <m:t>𝑃</m:t>
+                              </m:r>
+                            </m:e>
+                            <m:sub>
+                              <m:r>
+                                <a:rPr lang="de-DE" b="0" i="1" smtClean="0">
+                                  <a:latin typeface="Cambria Math" panose="02040503050406030204" pitchFamily="18" charset="0"/>
+                                </a:rPr>
+                                <m:t>𝑖𝑑𝑒𝑎𝑙</m:t>
+                              </m:r>
+                            </m:sub>
+                          </m:sSub>
+                        </m:den>
+                      </m:f>
+                      <m:r>
+                        <a:rPr lang="de-DE" b="0" i="1" smtClean="0">
+                          <a:latin typeface="Cambria Math" panose="02040503050406030204" pitchFamily="18" charset="0"/>
+                        </a:rPr>
+                        <m:t> </m:t>
+                      </m:r>
+                    </m:oMath>
+                  </m:oMathPara>
+                </a14:m>
+                <a:endParaRPr lang="de-DE" dirty="0"/>
               </a:p>
             </p:txBody>
           </p:sp>
@@ -4466,6 +5565,62 @@
           </a:p>
         </p:txBody>
       </p:sp>
+      <p:sp>
+        <p:nvSpPr>
+          <p:cNvPr id="5" name="Datumsplatzhalter 4">
+            <a:extLst>
+              <a:ext uri="{FF2B5EF4-FFF2-40B4-BE49-F238E27FC236}">
+                <a16:creationId xmlns:a16="http://schemas.microsoft.com/office/drawing/2014/main" id="{312F8940-6C45-4F86-9C2A-37C75F3E5BAD}"/>
+              </a:ext>
+            </a:extLst>
+          </p:cNvPr>
+          <p:cNvSpPr>
+            <a:spLocks noGrp="1"/>
+          </p:cNvSpPr>
+          <p:nvPr>
+            <p:ph type="dt" sz="half" idx="10"/>
+          </p:nvPr>
+        </p:nvSpPr>
+        <p:spPr/>
+        <p:txBody>
+          <a:bodyPr/>
+          <a:lstStyle/>
+          <a:p>
+            <a:r>
+              <a:rPr lang="de-DE"/>
+              <a:t>22.09.2017</a:t>
+            </a:r>
+          </a:p>
+        </p:txBody>
+      </p:sp>
+      <p:sp>
+        <p:nvSpPr>
+          <p:cNvPr id="6" name="Fußzeilenplatzhalter 5">
+            <a:extLst>
+              <a:ext uri="{FF2B5EF4-FFF2-40B4-BE49-F238E27FC236}">
+                <a16:creationId xmlns:a16="http://schemas.microsoft.com/office/drawing/2014/main" id="{F31BBECC-4133-4E0F-BEEF-1D5CCBB2C8E6}"/>
+              </a:ext>
+            </a:extLst>
+          </p:cNvPr>
+          <p:cNvSpPr>
+            <a:spLocks noGrp="1"/>
+          </p:cNvSpPr>
+          <p:nvPr>
+            <p:ph type="ftr" sz="quarter" idx="11"/>
+          </p:nvPr>
+        </p:nvSpPr>
+        <p:spPr/>
+        <p:txBody>
+          <a:bodyPr/>
+          <a:lstStyle/>
+          <a:p>
+            <a:r>
+              <a:rPr lang="de-DE"/>
+              <a:t>Sebastian Siebert</a:t>
+            </a:r>
+          </a:p>
+        </p:txBody>
+      </p:sp>
     </p:spTree>
     <p:extLst>
       <p:ext uri="{BB962C8B-B14F-4D97-AF65-F5344CB8AC3E}">
@@ -4524,40 +5679,291 @@
           </a:p>
         </p:txBody>
       </p:sp>
-      <p:sp>
-        <p:nvSpPr>
-          <p:cNvPr id="3" name="Inhaltsplatzhalter 2">
-            <a:extLst>
-              <a:ext uri="{FF2B5EF4-FFF2-40B4-BE49-F238E27FC236}">
-                <a16:creationId xmlns:a16="http://schemas.microsoft.com/office/drawing/2014/main" id="{689ED54F-B09C-4A4E-AE04-F9B9724E6E42}"/>
-              </a:ext>
-            </a:extLst>
-          </p:cNvPr>
-          <p:cNvSpPr>
-            <a:spLocks noGrp="1"/>
-          </p:cNvSpPr>
-          <p:nvPr>
-            <p:ph idx="1"/>
-          </p:nvPr>
-        </p:nvSpPr>
-        <p:spPr>
-          <a:xfrm>
-            <a:off x="838200" y="1825625"/>
-            <a:ext cx="969335" cy="4351338"/>
-          </a:xfrm>
-        </p:spPr>
-        <p:txBody>
-          <a:bodyPr/>
-          <a:lstStyle/>
-          <a:p>
-            <a:r>
-              <a:rPr lang="de-DE" dirty="0" err="1"/>
-              <a:t>bla</a:t>
-            </a:r>
-            <a:endParaRPr lang="de-DE" dirty="0"/>
-          </a:p>
-        </p:txBody>
-      </p:sp>
+      <mc:AlternateContent xmlns:mc="http://schemas.openxmlformats.org/markup-compatibility/2006">
+        <mc:Choice xmlns:a14="http://schemas.microsoft.com/office/drawing/2010/main" Requires="a14">
+          <p:sp>
+            <p:nvSpPr>
+              <p:cNvPr id="3" name="Inhaltsplatzhalter 2">
+                <a:extLst>
+                  <a:ext uri="{FF2B5EF4-FFF2-40B4-BE49-F238E27FC236}">
+                    <a16:creationId xmlns:a16="http://schemas.microsoft.com/office/drawing/2014/main" id="{689ED54F-B09C-4A4E-AE04-F9B9724E6E42}"/>
+                  </a:ext>
+                </a:extLst>
+              </p:cNvPr>
+              <p:cNvSpPr>
+                <a:spLocks noGrp="1"/>
+              </p:cNvSpPr>
+              <p:nvPr>
+                <p:ph idx="1"/>
+              </p:nvPr>
+            </p:nvSpPr>
+            <p:spPr>
+              <a:xfrm>
+                <a:off x="636104" y="1825625"/>
+                <a:ext cx="3670853" cy="4351338"/>
+              </a:xfrm>
+            </p:spPr>
+            <p:txBody>
+              <a:bodyPr/>
+              <a:lstStyle/>
+              <a:p>
+                <a:pPr marL="0" indent="0">
+                  <a:buNone/>
+                </a:pPr>
+                <a:r>
+                  <a:rPr lang="de-DE" dirty="0">
+                    <a:latin typeface="Cambria Math" panose="02040503050406030204" pitchFamily="18" charset="0"/>
+                  </a:rPr>
+                  <a:t>Gemessene Spannung</a:t>
+                </a:r>
+              </a:p>
+              <a:p>
+                <a14:m>
+                  <m:oMath xmlns:m="http://schemas.openxmlformats.org/officeDocument/2006/math">
+                    <m:r>
+                      <a:rPr lang="de-DE" b="0" i="1" smtClean="0">
+                        <a:latin typeface="Cambria Math" panose="02040503050406030204" pitchFamily="18" charset="0"/>
+                      </a:rPr>
+                      <m:t>𝑈</m:t>
+                    </m:r>
+                    <m:r>
+                      <a:rPr lang="de-DE" b="0" i="1" smtClean="0">
+                        <a:latin typeface="Cambria Math" panose="02040503050406030204" pitchFamily="18" charset="0"/>
+                      </a:rPr>
+                      <m:t>=</m:t>
+                    </m:r>
+                    <m:r>
+                      <a:rPr lang="de-DE" b="0" i="1" smtClean="0">
+                        <a:latin typeface="Cambria Math" panose="02040503050406030204" pitchFamily="18" charset="0"/>
+                      </a:rPr>
+                      <m:t>𝑃</m:t>
+                    </m:r>
+                    <m:r>
+                      <a:rPr lang="de-DE" i="1">
+                        <a:latin typeface="Cambria Math" panose="02040503050406030204" pitchFamily="18" charset="0"/>
+                        <a:ea typeface="Cambria Math" panose="02040503050406030204" pitchFamily="18" charset="0"/>
+                      </a:rPr>
+                      <m:t>∙</m:t>
+                    </m:r>
+                    <m:r>
+                      <a:rPr lang="de-DE" i="1">
+                        <a:latin typeface="Cambria Math" panose="02040503050406030204" pitchFamily="18" charset="0"/>
+                        <a:ea typeface="Cambria Math" panose="02040503050406030204" pitchFamily="18" charset="0"/>
+                      </a:rPr>
+                      <m:t>𝑐𝑜𝑛𝑠𝑡</m:t>
+                    </m:r>
+                    <m:r>
+                      <a:rPr lang="de-DE" i="1">
+                        <a:latin typeface="Cambria Math" panose="02040503050406030204" pitchFamily="18" charset="0"/>
+                        <a:ea typeface="Cambria Math" panose="02040503050406030204" pitchFamily="18" charset="0"/>
+                      </a:rPr>
+                      <m:t>∙</m:t>
+                    </m:r>
+                    <m:r>
+                      <a:rPr lang="de-DE" i="1">
+                        <a:latin typeface="Cambria Math" panose="02040503050406030204" pitchFamily="18" charset="0"/>
+                        <a:ea typeface="Cambria Math" panose="02040503050406030204" pitchFamily="18" charset="0"/>
+                      </a:rPr>
+                      <m:t>𝑣</m:t>
+                    </m:r>
+                  </m:oMath>
+                </a14:m>
+                <a:endParaRPr lang="de-DE" dirty="0"/>
+              </a:p>
+              <a:p>
+                <a:pPr lvl="1"/>
+                <a14:m>
+                  <m:oMath xmlns:m="http://schemas.openxmlformats.org/officeDocument/2006/math">
+                    <m:r>
+                      <a:rPr lang="de-DE" b="0" i="1" smtClean="0">
+                        <a:latin typeface="Cambria Math" panose="02040503050406030204" pitchFamily="18" charset="0"/>
+                      </a:rPr>
+                      <m:t>𝑐𝑜𝑛𝑠</m:t>
+                    </m:r>
+                    <m:sSub>
+                      <m:sSubPr>
+                        <m:ctrlPr>
+                          <a:rPr lang="de-DE" b="0" i="1" smtClean="0">
+                            <a:latin typeface="Cambria Math" panose="02040503050406030204" pitchFamily="18" charset="0"/>
+                          </a:rPr>
+                        </m:ctrlPr>
+                      </m:sSubPr>
+                      <m:e>
+                        <m:r>
+                          <a:rPr lang="de-DE" b="0" i="1" smtClean="0">
+                            <a:latin typeface="Cambria Math" panose="02040503050406030204" pitchFamily="18" charset="0"/>
+                          </a:rPr>
+                          <m:t>𝑡</m:t>
+                        </m:r>
+                      </m:e>
+                      <m:sub>
+                        <m:r>
+                          <a:rPr lang="de-DE" b="0" i="1" smtClean="0">
+                            <a:latin typeface="Cambria Math" panose="02040503050406030204" pitchFamily="18" charset="0"/>
+                          </a:rPr>
+                          <m:t>𝐴</m:t>
+                        </m:r>
+                      </m:sub>
+                    </m:sSub>
+                    <m:r>
+                      <a:rPr lang="de-DE" b="0" i="1" smtClean="0">
+                        <a:latin typeface="Cambria Math" panose="02040503050406030204" pitchFamily="18" charset="0"/>
+                      </a:rPr>
+                      <m:t>=0.2</m:t>
+                    </m:r>
+                  </m:oMath>
+                </a14:m>
+                <a:endParaRPr lang="de-DE" b="0" dirty="0"/>
+              </a:p>
+              <a:p>
+                <a:pPr lvl="1"/>
+                <a14:m>
+                  <m:oMath xmlns:m="http://schemas.openxmlformats.org/officeDocument/2006/math">
+                    <m:r>
+                      <a:rPr lang="de-DE" b="0" i="1" smtClean="0">
+                        <a:latin typeface="Cambria Math" panose="02040503050406030204" pitchFamily="18" charset="0"/>
+                      </a:rPr>
+                      <m:t>𝑐𝑜𝑛𝑠</m:t>
+                    </m:r>
+                    <m:sSub>
+                      <m:sSubPr>
+                        <m:ctrlPr>
+                          <a:rPr lang="de-DE" b="0" i="1" smtClean="0">
+                            <a:latin typeface="Cambria Math" panose="02040503050406030204" pitchFamily="18" charset="0"/>
+                          </a:rPr>
+                        </m:ctrlPr>
+                      </m:sSubPr>
+                      <m:e>
+                        <m:r>
+                          <a:rPr lang="de-DE" b="0" i="1" smtClean="0">
+                            <a:latin typeface="Cambria Math" panose="02040503050406030204" pitchFamily="18" charset="0"/>
+                          </a:rPr>
+                          <m:t>𝑡</m:t>
+                        </m:r>
+                      </m:e>
+                      <m:sub>
+                        <m:r>
+                          <a:rPr lang="de-DE" b="0" i="1" smtClean="0">
+                            <a:latin typeface="Cambria Math" panose="02040503050406030204" pitchFamily="18" charset="0"/>
+                          </a:rPr>
+                          <m:t>𝐵</m:t>
+                        </m:r>
+                      </m:sub>
+                    </m:sSub>
+                    <m:r>
+                      <a:rPr lang="de-DE" b="0" i="1" smtClean="0">
+                        <a:latin typeface="Cambria Math" panose="02040503050406030204" pitchFamily="18" charset="0"/>
+                      </a:rPr>
+                      <m:t>=0.276</m:t>
+                    </m:r>
+                  </m:oMath>
+                </a14:m>
+                <a:endParaRPr lang="de-DE" b="0" dirty="0"/>
+              </a:p>
+              <a:p>
+                <a:pPr lvl="1"/>
+                <a14:m>
+                  <m:oMath xmlns:m="http://schemas.openxmlformats.org/officeDocument/2006/math">
+                    <m:r>
+                      <a:rPr lang="de-DE" i="1">
+                        <a:latin typeface="Cambria Math" panose="02040503050406030204" pitchFamily="18" charset="0"/>
+                      </a:rPr>
+                      <m:t>𝑣</m:t>
+                    </m:r>
+                    <m:r>
+                      <a:rPr lang="de-DE" i="1">
+                        <a:latin typeface="Cambria Math" panose="02040503050406030204" pitchFamily="18" charset="0"/>
+                      </a:rPr>
+                      <m:t>=</m:t>
+                    </m:r>
+                    <m:sSup>
+                      <m:sSupPr>
+                        <m:ctrlPr>
+                          <a:rPr lang="de-DE" i="1">
+                            <a:latin typeface="Cambria Math" panose="02040503050406030204" pitchFamily="18" charset="0"/>
+                          </a:rPr>
+                        </m:ctrlPr>
+                      </m:sSupPr>
+                      <m:e>
+                        <m:r>
+                          <a:rPr lang="de-DE" i="1">
+                            <a:latin typeface="Cambria Math" panose="02040503050406030204" pitchFamily="18" charset="0"/>
+                          </a:rPr>
+                          <m:t>10</m:t>
+                        </m:r>
+                      </m:e>
+                      <m:sup>
+                        <m:r>
+                          <a:rPr lang="de-DE" i="1">
+                            <a:latin typeface="Cambria Math" panose="02040503050406030204" pitchFamily="18" charset="0"/>
+                          </a:rPr>
+                          <m:t>4</m:t>
+                        </m:r>
+                      </m:sup>
+                    </m:sSup>
+                  </m:oMath>
+                </a14:m>
+                <a:endParaRPr lang="de-DE" dirty="0"/>
+              </a:p>
+              <a:p>
+                <a:pPr marL="0" indent="0">
+                  <a:buNone/>
+                </a:pPr>
+                <a:endParaRPr lang="de-DE" dirty="0"/>
+              </a:p>
+              <a:p>
+                <a:pPr marL="457200" lvl="1" indent="0">
+                  <a:buNone/>
+                </a:pPr>
+                <a:endParaRPr lang="de-DE" dirty="0"/>
+              </a:p>
+            </p:txBody>
+          </p:sp>
+        </mc:Choice>
+        <mc:Fallback>
+          <p:sp>
+            <p:nvSpPr>
+              <p:cNvPr id="3" name="Inhaltsplatzhalter 2">
+                <a:extLst>
+                  <a:ext uri="{FF2B5EF4-FFF2-40B4-BE49-F238E27FC236}">
+                    <a16:creationId xmlns:a16="http://schemas.microsoft.com/office/drawing/2014/main" id="{689ED54F-B09C-4A4E-AE04-F9B9724E6E42}"/>
+                  </a:ext>
+                </a:extLst>
+              </p:cNvPr>
+              <p:cNvSpPr>
+                <a:spLocks noGrp="1" noRot="1" noChangeAspect="1" noMove="1" noResize="1" noEditPoints="1" noAdjustHandles="1" noChangeArrowheads="1" noChangeShapeType="1" noTextEdit="1"/>
+              </p:cNvSpPr>
+              <p:nvPr>
+                <p:ph idx="1"/>
+              </p:nvPr>
+            </p:nvSpPr>
+            <p:spPr>
+              <a:xfrm>
+                <a:off x="636104" y="1825625"/>
+                <a:ext cx="3670853" cy="4351338"/>
+              </a:xfrm>
+              <a:blipFill>
+                <a:blip r:embed="rId2"/>
+                <a:stretch>
+                  <a:fillRect l="-3317" t="-2381"/>
+                </a:stretch>
+              </a:blipFill>
+            </p:spPr>
+            <p:txBody>
+              <a:bodyPr/>
+              <a:lstStyle/>
+              <a:p>
+                <a:r>
+                  <a:rPr lang="de-DE">
+                    <a:noFill/>
+                  </a:rPr>
+                  <a:t> </a:t>
+                </a:r>
+              </a:p>
+            </p:txBody>
+          </p:sp>
+        </mc:Fallback>
+      </mc:AlternateContent>
       <p:sp>
         <p:nvSpPr>
           <p:cNvPr id="4" name="Foliennummernplatzhalter 3">
@@ -4589,10 +5995,10 @@
       </p:sp>
       <p:pic>
         <p:nvPicPr>
-          <p:cNvPr id="6" name="Grafik 5">
-            <a:extLst>
-              <a:ext uri="{FF2B5EF4-FFF2-40B4-BE49-F238E27FC236}">
-                <a16:creationId xmlns:a16="http://schemas.microsoft.com/office/drawing/2014/main" id="{29B2522E-915E-4402-A7FF-51D2B4D0C299}"/>
+          <p:cNvPr id="7" name="Grafik 6">
+            <a:extLst>
+              <a:ext uri="{FF2B5EF4-FFF2-40B4-BE49-F238E27FC236}">
+                <a16:creationId xmlns:a16="http://schemas.microsoft.com/office/drawing/2014/main" id="{E7F1AF5C-B139-44D3-BFBB-B2D7D5E979B4}"/>
               </a:ext>
             </a:extLst>
           </p:cNvPr>
@@ -4602,7 +6008,7 @@
           <p:nvPr/>
         </p:nvPicPr>
         <p:blipFill>
-          <a:blip r:embed="rId2">
+          <a:blip r:embed="rId3">
             <a:extLst>
               <a:ext uri="{28A0092B-C50C-407E-A947-70E740481C1C}">
                 <a14:useLocalDpi xmlns:a14="http://schemas.microsoft.com/office/drawing/2010/main" val="0"/>
@@ -4615,14 +6021,70 @@
         </p:blipFill>
         <p:spPr>
           <a:xfrm>
-            <a:off x="4499585" y="365124"/>
-            <a:ext cx="7270885" cy="4878207"/>
+            <a:off x="4486345" y="1127886"/>
+            <a:ext cx="7197287" cy="5049077"/>
           </a:xfrm>
           <a:prstGeom prst="rect">
             <a:avLst/>
           </a:prstGeom>
         </p:spPr>
       </p:pic>
+      <p:sp>
+        <p:nvSpPr>
+          <p:cNvPr id="8" name="Datumsplatzhalter 7">
+            <a:extLst>
+              <a:ext uri="{FF2B5EF4-FFF2-40B4-BE49-F238E27FC236}">
+                <a16:creationId xmlns:a16="http://schemas.microsoft.com/office/drawing/2014/main" id="{B785495E-E22B-4F03-801F-DBFB23C2035D}"/>
+              </a:ext>
+            </a:extLst>
+          </p:cNvPr>
+          <p:cNvSpPr>
+            <a:spLocks noGrp="1"/>
+          </p:cNvSpPr>
+          <p:nvPr>
+            <p:ph type="dt" sz="half" idx="10"/>
+          </p:nvPr>
+        </p:nvSpPr>
+        <p:spPr/>
+        <p:txBody>
+          <a:bodyPr/>
+          <a:lstStyle/>
+          <a:p>
+            <a:r>
+              <a:rPr lang="de-DE"/>
+              <a:t>22.09.2017</a:t>
+            </a:r>
+          </a:p>
+        </p:txBody>
+      </p:sp>
+      <p:sp>
+        <p:nvSpPr>
+          <p:cNvPr id="9" name="Fußzeilenplatzhalter 8">
+            <a:extLst>
+              <a:ext uri="{FF2B5EF4-FFF2-40B4-BE49-F238E27FC236}">
+                <a16:creationId xmlns:a16="http://schemas.microsoft.com/office/drawing/2014/main" id="{78443EDD-11E7-4191-AE46-B6308B4A234A}"/>
+              </a:ext>
+            </a:extLst>
+          </p:cNvPr>
+          <p:cNvSpPr>
+            <a:spLocks noGrp="1"/>
+          </p:cNvSpPr>
+          <p:nvPr>
+            <p:ph type="ftr" sz="quarter" idx="11"/>
+          </p:nvPr>
+        </p:nvSpPr>
+        <p:spPr/>
+        <p:txBody>
+          <a:bodyPr/>
+          <a:lstStyle/>
+          <a:p>
+            <a:r>
+              <a:rPr lang="de-DE"/>
+              <a:t>Sebastian Siebert</a:t>
+            </a:r>
+          </a:p>
+        </p:txBody>
+      </p:sp>
     </p:spTree>
     <p:extLst>
       <p:ext uri="{BB962C8B-B14F-4D97-AF65-F5344CB8AC3E}">
@@ -4658,7 +6120,7 @@
           <p:cNvPr id="2" name="Titel 1">
             <a:extLst>
               <a:ext uri="{FF2B5EF4-FFF2-40B4-BE49-F238E27FC236}">
-                <a16:creationId xmlns:a16="http://schemas.microsoft.com/office/drawing/2014/main" id="{B9BCED54-C55D-4B08-AD3C-80847E405B74}"/>
+                <a16:creationId xmlns:a16="http://schemas.microsoft.com/office/drawing/2014/main" id="{603D1A70-70D4-4DF6-B59A-B4CB9D7F520F}"/>
               </a:ext>
             </a:extLst>
           </p:cNvPr>
@@ -4676,13 +6138,761 @@
           <a:p>
             <a:r>
               <a:rPr lang="de-DE" dirty="0"/>
-              <a:t>Auswertung - Stefan Boltzmann Gesetz</a:t>
+              <a:t>Auswertung Spannung</a:t>
+            </a:r>
+          </a:p>
+        </p:txBody>
+      </p:sp>
+      <p:sp>
+        <p:nvSpPr>
+          <p:cNvPr id="3" name="Inhaltsplatzhalter 2">
+            <a:extLst>
+              <a:ext uri="{FF2B5EF4-FFF2-40B4-BE49-F238E27FC236}">
+                <a16:creationId xmlns:a16="http://schemas.microsoft.com/office/drawing/2014/main" id="{FB1CD3A5-C8CF-486D-9F71-7321469C93B4}"/>
+              </a:ext>
+            </a:extLst>
+          </p:cNvPr>
+          <p:cNvSpPr>
+            <a:spLocks noGrp="1"/>
+          </p:cNvSpPr>
+          <p:nvPr>
+            <p:ph idx="1"/>
+          </p:nvPr>
+        </p:nvSpPr>
+        <p:spPr/>
+        <p:txBody>
+          <a:bodyPr/>
+          <a:lstStyle/>
+          <a:p>
+            <a:endParaRPr lang="de-DE" dirty="0"/>
+          </a:p>
+        </p:txBody>
+      </p:sp>
+      <p:sp>
+        <p:nvSpPr>
+          <p:cNvPr id="4" name="Datumsplatzhalter 3">
+            <a:extLst>
+              <a:ext uri="{FF2B5EF4-FFF2-40B4-BE49-F238E27FC236}">
+                <a16:creationId xmlns:a16="http://schemas.microsoft.com/office/drawing/2014/main" id="{2E1AB41B-CD00-4284-A3D0-7CC12FD80C04}"/>
+              </a:ext>
+            </a:extLst>
+          </p:cNvPr>
+          <p:cNvSpPr>
+            <a:spLocks noGrp="1"/>
+          </p:cNvSpPr>
+          <p:nvPr>
+            <p:ph type="dt" sz="half" idx="10"/>
+          </p:nvPr>
+        </p:nvSpPr>
+        <p:spPr/>
+        <p:txBody>
+          <a:bodyPr/>
+          <a:lstStyle/>
+          <a:p>
+            <a:r>
+              <a:rPr lang="de-DE"/>
+              <a:t>22.09.2017</a:t>
+            </a:r>
+          </a:p>
+        </p:txBody>
+      </p:sp>
+      <p:sp>
+        <p:nvSpPr>
+          <p:cNvPr id="5" name="Fußzeilenplatzhalter 4">
+            <a:extLst>
+              <a:ext uri="{FF2B5EF4-FFF2-40B4-BE49-F238E27FC236}">
+                <a16:creationId xmlns:a16="http://schemas.microsoft.com/office/drawing/2014/main" id="{8B59F121-D9F6-40B4-920F-54B04B7A214F}"/>
+              </a:ext>
+            </a:extLst>
+          </p:cNvPr>
+          <p:cNvSpPr>
+            <a:spLocks noGrp="1"/>
+          </p:cNvSpPr>
+          <p:nvPr>
+            <p:ph type="ftr" sz="quarter" idx="11"/>
+          </p:nvPr>
+        </p:nvSpPr>
+        <p:spPr/>
+        <p:txBody>
+          <a:bodyPr/>
+          <a:lstStyle/>
+          <a:p>
+            <a:r>
+              <a:rPr lang="de-DE"/>
+              <a:t>Sebastian Siebert</a:t>
+            </a:r>
+          </a:p>
+        </p:txBody>
+      </p:sp>
+      <p:sp>
+        <p:nvSpPr>
+          <p:cNvPr id="6" name="Foliennummernplatzhalter 5">
+            <a:extLst>
+              <a:ext uri="{FF2B5EF4-FFF2-40B4-BE49-F238E27FC236}">
+                <a16:creationId xmlns:a16="http://schemas.microsoft.com/office/drawing/2014/main" id="{64CF98A4-F3BD-49D0-A766-2FEC6CF09A9F}"/>
+              </a:ext>
+            </a:extLst>
+          </p:cNvPr>
+          <p:cNvSpPr>
+            <a:spLocks noGrp="1"/>
+          </p:cNvSpPr>
+          <p:nvPr>
+            <p:ph type="sldNum" sz="quarter" idx="12"/>
+          </p:nvPr>
+        </p:nvSpPr>
+        <p:spPr/>
+        <p:txBody>
+          <a:bodyPr/>
+          <a:lstStyle/>
+          <a:p>
+            <a:fld id="{E276D0E3-8A91-4195-9D97-D4903B6F688B}" type="slidenum">
+              <a:rPr lang="de-DE" smtClean="0"/>
+              <a:t>5</a:t>
+            </a:fld>
+            <a:endParaRPr lang="de-DE"/>
+          </a:p>
+        </p:txBody>
+      </p:sp>
+    </p:spTree>
+    <p:extLst>
+      <p:ext uri="{BB962C8B-B14F-4D97-AF65-F5344CB8AC3E}">
+        <p14:creationId xmlns:p14="http://schemas.microsoft.com/office/powerpoint/2010/main" val="910922511"/>
+      </p:ext>
+    </p:extLst>
+  </p:cSld>
+  <p:clrMapOvr>
+    <a:masterClrMapping/>
+  </p:clrMapOvr>
+</p:sld>
+</file>
+
+<file path=ppt/slides/slide6.xml><?xml version="1.0" encoding="utf-8"?>
+<p:sld xmlns:a="http://schemas.openxmlformats.org/drawingml/2006/main" xmlns:r="http://schemas.openxmlformats.org/officeDocument/2006/relationships" xmlns:p="http://schemas.openxmlformats.org/presentationml/2006/main">
+  <p:cSld>
+    <p:spTree>
+      <p:nvGrpSpPr>
+        <p:cNvPr id="1" name=""/>
+        <p:cNvGrpSpPr/>
+        <p:nvPr/>
+      </p:nvGrpSpPr>
+      <p:grpSpPr>
+        <a:xfrm>
+          <a:off x="0" y="0"/>
+          <a:ext cx="0" cy="0"/>
+          <a:chOff x="0" y="0"/>
+          <a:chExt cx="0" cy="0"/>
+        </a:xfrm>
+      </p:grpSpPr>
+      <p:sp>
+        <p:nvSpPr>
+          <p:cNvPr id="2" name="Titel 1">
+            <a:extLst>
+              <a:ext uri="{FF2B5EF4-FFF2-40B4-BE49-F238E27FC236}">
+                <a16:creationId xmlns:a16="http://schemas.microsoft.com/office/drawing/2014/main" id="{7370A914-A923-4493-8EA8-0FEB18324F55}"/>
+              </a:ext>
+            </a:extLst>
+          </p:cNvPr>
+          <p:cNvSpPr>
+            <a:spLocks noGrp="1"/>
+          </p:cNvSpPr>
+          <p:nvPr>
+            <p:ph type="title"/>
+          </p:nvPr>
+        </p:nvSpPr>
+        <p:spPr/>
+        <p:txBody>
+          <a:bodyPr/>
+          <a:lstStyle/>
+          <a:p>
+            <a:r>
+              <a:rPr lang="de-DE" dirty="0"/>
+              <a:t>Auswertung Temperatur</a:t>
+            </a:r>
+          </a:p>
+        </p:txBody>
+      </p:sp>
+      <p:sp>
+        <p:nvSpPr>
+          <p:cNvPr id="3" name="Inhaltsplatzhalter 2">
+            <a:extLst>
+              <a:ext uri="{FF2B5EF4-FFF2-40B4-BE49-F238E27FC236}">
+                <a16:creationId xmlns:a16="http://schemas.microsoft.com/office/drawing/2014/main" id="{883F059D-1A12-4E8F-859F-5516BC04BBC9}"/>
+              </a:ext>
+            </a:extLst>
+          </p:cNvPr>
+          <p:cNvSpPr>
+            <a:spLocks noGrp="1"/>
+          </p:cNvSpPr>
+          <p:nvPr>
+            <p:ph idx="1"/>
+          </p:nvPr>
+        </p:nvSpPr>
+        <p:spPr/>
+        <p:txBody>
+          <a:bodyPr/>
+          <a:lstStyle/>
+          <a:p>
+            <a:endParaRPr lang="de-DE"/>
+          </a:p>
+        </p:txBody>
+      </p:sp>
+      <p:sp>
+        <p:nvSpPr>
+          <p:cNvPr id="4" name="Datumsplatzhalter 3">
+            <a:extLst>
+              <a:ext uri="{FF2B5EF4-FFF2-40B4-BE49-F238E27FC236}">
+                <a16:creationId xmlns:a16="http://schemas.microsoft.com/office/drawing/2014/main" id="{3E09CC28-4447-496D-A230-377FBD7F84AE}"/>
+              </a:ext>
+            </a:extLst>
+          </p:cNvPr>
+          <p:cNvSpPr>
+            <a:spLocks noGrp="1"/>
+          </p:cNvSpPr>
+          <p:nvPr>
+            <p:ph type="dt" sz="half" idx="10"/>
+          </p:nvPr>
+        </p:nvSpPr>
+        <p:spPr/>
+        <p:txBody>
+          <a:bodyPr/>
+          <a:lstStyle/>
+          <a:p>
+            <a:r>
+              <a:rPr lang="de-DE"/>
+              <a:t>22.09.2017</a:t>
+            </a:r>
+          </a:p>
+        </p:txBody>
+      </p:sp>
+      <p:sp>
+        <p:nvSpPr>
+          <p:cNvPr id="5" name="Fußzeilenplatzhalter 4">
+            <a:extLst>
+              <a:ext uri="{FF2B5EF4-FFF2-40B4-BE49-F238E27FC236}">
+                <a16:creationId xmlns:a16="http://schemas.microsoft.com/office/drawing/2014/main" id="{B9D263D6-408D-4AD8-87B0-96B24AE22433}"/>
+              </a:ext>
+            </a:extLst>
+          </p:cNvPr>
+          <p:cNvSpPr>
+            <a:spLocks noGrp="1"/>
+          </p:cNvSpPr>
+          <p:nvPr>
+            <p:ph type="ftr" sz="quarter" idx="11"/>
+          </p:nvPr>
+        </p:nvSpPr>
+        <p:spPr/>
+        <p:txBody>
+          <a:bodyPr/>
+          <a:lstStyle/>
+          <a:p>
+            <a:r>
+              <a:rPr lang="de-DE"/>
+              <a:t>Sebastian Siebert</a:t>
+            </a:r>
+          </a:p>
+        </p:txBody>
+      </p:sp>
+      <p:sp>
+        <p:nvSpPr>
+          <p:cNvPr id="6" name="Foliennummernplatzhalter 5">
+            <a:extLst>
+              <a:ext uri="{FF2B5EF4-FFF2-40B4-BE49-F238E27FC236}">
+                <a16:creationId xmlns:a16="http://schemas.microsoft.com/office/drawing/2014/main" id="{E5323E5A-3CB8-4BBC-AF6C-B7DD6579DD6B}"/>
+              </a:ext>
+            </a:extLst>
+          </p:cNvPr>
+          <p:cNvSpPr>
+            <a:spLocks noGrp="1"/>
+          </p:cNvSpPr>
+          <p:nvPr>
+            <p:ph type="sldNum" sz="quarter" idx="12"/>
+          </p:nvPr>
+        </p:nvSpPr>
+        <p:spPr/>
+        <p:txBody>
+          <a:bodyPr/>
+          <a:lstStyle/>
+          <a:p>
+            <a:fld id="{E276D0E3-8A91-4195-9D97-D4903B6F688B}" type="slidenum">
+              <a:rPr lang="de-DE" smtClean="0"/>
+              <a:t>6</a:t>
+            </a:fld>
+            <a:endParaRPr lang="de-DE"/>
+          </a:p>
+        </p:txBody>
+      </p:sp>
+    </p:spTree>
+    <p:extLst>
+      <p:ext uri="{BB962C8B-B14F-4D97-AF65-F5344CB8AC3E}">
+        <p14:creationId xmlns:p14="http://schemas.microsoft.com/office/powerpoint/2010/main" val="1209544875"/>
+      </p:ext>
+    </p:extLst>
+  </p:cSld>
+  <p:clrMapOvr>
+    <a:masterClrMapping/>
+  </p:clrMapOvr>
+</p:sld>
+</file>
+
+<file path=ppt/slides/slide7.xml><?xml version="1.0" encoding="utf-8"?>
+<p:sld xmlns:a="http://schemas.openxmlformats.org/drawingml/2006/main" xmlns:r="http://schemas.openxmlformats.org/officeDocument/2006/relationships" xmlns:p="http://schemas.openxmlformats.org/presentationml/2006/main">
+  <p:cSld>
+    <p:spTree>
+      <p:nvGrpSpPr>
+        <p:cNvPr id="1" name=""/>
+        <p:cNvGrpSpPr/>
+        <p:nvPr/>
+      </p:nvGrpSpPr>
+      <p:grpSpPr>
+        <a:xfrm>
+          <a:off x="0" y="0"/>
+          <a:ext cx="0" cy="0"/>
+          <a:chOff x="0" y="0"/>
+          <a:chExt cx="0" cy="0"/>
+        </a:xfrm>
+      </p:grpSpPr>
+      <p:sp>
+        <p:nvSpPr>
+          <p:cNvPr id="2" name="Titel 1">
+            <a:extLst>
+              <a:ext uri="{FF2B5EF4-FFF2-40B4-BE49-F238E27FC236}">
+                <a16:creationId xmlns:a16="http://schemas.microsoft.com/office/drawing/2014/main" id="{E60920BB-5001-4CF1-B72C-BB65D66C6CD1}"/>
+              </a:ext>
+            </a:extLst>
+          </p:cNvPr>
+          <p:cNvSpPr>
+            <a:spLocks noGrp="1"/>
+          </p:cNvSpPr>
+          <p:nvPr>
+            <p:ph type="title"/>
+          </p:nvPr>
+        </p:nvSpPr>
+        <p:spPr/>
+        <p:txBody>
+          <a:bodyPr/>
+          <a:lstStyle/>
+          <a:p>
+            <a:r>
+              <a:rPr lang="de-DE" dirty="0"/>
+              <a:t>Kalibration</a:t>
             </a:r>
           </a:p>
         </p:txBody>
       </p:sp>
       <mc:AlternateContent xmlns:mc="http://schemas.openxmlformats.org/markup-compatibility/2006">
         <mc:Choice xmlns:a14="http://schemas.microsoft.com/office/drawing/2010/main" Requires="a14">
+          <p:sp>
+            <p:nvSpPr>
+              <p:cNvPr id="3" name="Inhaltsplatzhalter 2">
+                <a:extLst>
+                  <a:ext uri="{FF2B5EF4-FFF2-40B4-BE49-F238E27FC236}">
+                    <a16:creationId xmlns:a16="http://schemas.microsoft.com/office/drawing/2014/main" id="{CA52A2CF-74C3-4629-A9BE-C56470ECBBD1}"/>
+                  </a:ext>
+                </a:extLst>
+              </p:cNvPr>
+              <p:cNvSpPr>
+                <a:spLocks noGrp="1"/>
+              </p:cNvSpPr>
+              <p:nvPr>
+                <p:ph idx="1"/>
+              </p:nvPr>
+            </p:nvSpPr>
+            <p:spPr>
+              <a:xfrm>
+                <a:off x="838200" y="1825625"/>
+                <a:ext cx="5602357" cy="4351338"/>
+              </a:xfrm>
+            </p:spPr>
+            <p:txBody>
+              <a:bodyPr/>
+              <a:lstStyle/>
+              <a:p>
+                <a14:m>
+                  <m:oMath xmlns:m="http://schemas.openxmlformats.org/officeDocument/2006/math">
+                    <m:r>
+                      <a:rPr lang="de-DE" b="0" i="1" smtClean="0">
+                        <a:latin typeface="Cambria Math" panose="02040503050406030204" pitchFamily="18" charset="0"/>
+                      </a:rPr>
+                      <m:t>𝑎</m:t>
+                    </m:r>
+                    <m:r>
+                      <a:rPr lang="de-DE" b="0" i="1" smtClean="0">
+                        <a:latin typeface="Cambria Math" panose="02040503050406030204" pitchFamily="18" charset="0"/>
+                      </a:rPr>
+                      <m:t>= </m:t>
+                    </m:r>
+                    <m:f>
+                      <m:fPr>
+                        <m:ctrlPr>
+                          <a:rPr lang="de-DE" b="0" i="1" smtClean="0">
+                            <a:latin typeface="Cambria Math" panose="02040503050406030204" pitchFamily="18" charset="0"/>
+                          </a:rPr>
+                        </m:ctrlPr>
+                      </m:fPr>
+                      <m:num>
+                        <m:r>
+                          <m:rPr>
+                            <m:sty m:val="p"/>
+                          </m:rPr>
+                          <a:rPr lang="de-DE" b="0" i="0" smtClean="0">
+                            <a:latin typeface="Cambria Math" panose="02040503050406030204" pitchFamily="18" charset="0"/>
+                          </a:rPr>
+                          <m:t>Δ</m:t>
+                        </m:r>
+                        <m:sSub>
+                          <m:sSubPr>
+                            <m:ctrlPr>
+                              <a:rPr lang="de-DE" b="0" i="1" smtClean="0">
+                                <a:latin typeface="Cambria Math" panose="02040503050406030204" pitchFamily="18" charset="0"/>
+                              </a:rPr>
+                            </m:ctrlPr>
+                          </m:sSubPr>
+                          <m:e>
+                            <m:r>
+                              <a:rPr lang="de-DE" b="0" i="1" smtClean="0">
+                                <a:latin typeface="Cambria Math" panose="02040503050406030204" pitchFamily="18" charset="0"/>
+                              </a:rPr>
+                              <m:t>𝑇</m:t>
+                            </m:r>
+                          </m:e>
+                          <m:sub>
+                            <m:r>
+                              <a:rPr lang="de-DE" b="0" i="1" smtClean="0">
+                                <a:latin typeface="Cambria Math" panose="02040503050406030204" pitchFamily="18" charset="0"/>
+                              </a:rPr>
+                              <m:t>𝑟𝑒𝑎𝑙</m:t>
+                            </m:r>
+                          </m:sub>
+                        </m:sSub>
+                      </m:num>
+                      <m:den>
+                        <m:r>
+                          <m:rPr>
+                            <m:sty m:val="p"/>
+                          </m:rPr>
+                          <a:rPr lang="de-DE" b="0" i="0" smtClean="0">
+                            <a:latin typeface="Cambria Math" panose="02040503050406030204" pitchFamily="18" charset="0"/>
+                          </a:rPr>
+                          <m:t>Δ</m:t>
+                        </m:r>
+                        <m:sSub>
+                          <m:sSubPr>
+                            <m:ctrlPr>
+                              <a:rPr lang="de-DE" b="0" i="1" smtClean="0">
+                                <a:latin typeface="Cambria Math" panose="02040503050406030204" pitchFamily="18" charset="0"/>
+                              </a:rPr>
+                            </m:ctrlPr>
+                          </m:sSubPr>
+                          <m:e>
+                            <m:r>
+                              <a:rPr lang="de-DE" b="0" i="1" smtClean="0">
+                                <a:latin typeface="Cambria Math" panose="02040503050406030204" pitchFamily="18" charset="0"/>
+                              </a:rPr>
+                              <m:t>𝑇</m:t>
+                            </m:r>
+                          </m:e>
+                          <m:sub>
+                            <m:r>
+                              <a:rPr lang="de-DE" b="0" i="1" smtClean="0">
+                                <a:latin typeface="Cambria Math" panose="02040503050406030204" pitchFamily="18" charset="0"/>
+                              </a:rPr>
+                              <m:t>𝐶𝐴𝑆𝑆𝑌</m:t>
+                            </m:r>
+                            <m:r>
+                              <a:rPr lang="de-DE" b="0" i="1" smtClean="0">
+                                <a:latin typeface="Cambria Math" panose="02040503050406030204" pitchFamily="18" charset="0"/>
+                              </a:rPr>
+                              <m:t> </m:t>
+                            </m:r>
+                          </m:sub>
+                        </m:sSub>
+                      </m:den>
+                    </m:f>
+                    <m:r>
+                      <a:rPr lang="de-DE" b="0" i="1" smtClean="0">
+                        <a:latin typeface="Cambria Math" panose="02040503050406030204" pitchFamily="18" charset="0"/>
+                      </a:rPr>
+                      <m:t>,  </m:t>
+                    </m:r>
+                    <m:r>
+                      <a:rPr lang="de-DE" b="0" i="1" smtClean="0">
+                        <a:latin typeface="Cambria Math" panose="02040503050406030204" pitchFamily="18" charset="0"/>
+                      </a:rPr>
+                      <m:t>𝑏</m:t>
+                    </m:r>
+                    <m:r>
+                      <a:rPr lang="de-DE" b="0" i="1" smtClean="0">
+                        <a:latin typeface="Cambria Math" panose="02040503050406030204" pitchFamily="18" charset="0"/>
+                      </a:rPr>
+                      <m:t>=</m:t>
+                    </m:r>
+                    <m:sSub>
+                      <m:sSubPr>
+                        <m:ctrlPr>
+                          <a:rPr lang="de-DE" b="0" i="1" smtClean="0">
+                            <a:latin typeface="Cambria Math" panose="02040503050406030204" pitchFamily="18" charset="0"/>
+                          </a:rPr>
+                        </m:ctrlPr>
+                      </m:sSubPr>
+                      <m:e>
+                        <m:r>
+                          <a:rPr lang="de-DE" b="0" i="1" smtClean="0">
+                            <a:latin typeface="Cambria Math" panose="02040503050406030204" pitchFamily="18" charset="0"/>
+                          </a:rPr>
+                          <m:t>𝑇</m:t>
+                        </m:r>
+                      </m:e>
+                      <m:sub>
+                        <m:r>
+                          <a:rPr lang="de-DE" b="0" i="1" smtClean="0">
+                            <a:latin typeface="Cambria Math" panose="02040503050406030204" pitchFamily="18" charset="0"/>
+                          </a:rPr>
+                          <m:t>𝑟𝑒𝑎𝑙</m:t>
+                        </m:r>
+                      </m:sub>
+                    </m:sSub>
+                    <m:r>
+                      <a:rPr lang="de-DE" b="0" i="1" smtClean="0">
+                        <a:latin typeface="Cambria Math" panose="02040503050406030204" pitchFamily="18" charset="0"/>
+                      </a:rPr>
+                      <m:t>−</m:t>
+                    </m:r>
+                    <m:r>
+                      <a:rPr lang="de-DE" b="0" i="1" smtClean="0">
+                        <a:latin typeface="Cambria Math" panose="02040503050406030204" pitchFamily="18" charset="0"/>
+                      </a:rPr>
+                      <m:t>𝑎</m:t>
+                    </m:r>
+                    <m:sSub>
+                      <m:sSubPr>
+                        <m:ctrlPr>
+                          <a:rPr lang="de-DE" b="0" i="1" smtClean="0">
+                            <a:latin typeface="Cambria Math" panose="02040503050406030204" pitchFamily="18" charset="0"/>
+                          </a:rPr>
+                        </m:ctrlPr>
+                      </m:sSubPr>
+                      <m:e>
+                        <m:r>
+                          <a:rPr lang="de-DE" b="0" i="1" smtClean="0">
+                            <a:latin typeface="Cambria Math" panose="02040503050406030204" pitchFamily="18" charset="0"/>
+                          </a:rPr>
+                          <m:t>𝑇</m:t>
+                        </m:r>
+                      </m:e>
+                      <m:sub>
+                        <m:r>
+                          <a:rPr lang="de-DE" b="0" i="1" smtClean="0">
+                            <a:latin typeface="Cambria Math" panose="02040503050406030204" pitchFamily="18" charset="0"/>
+                          </a:rPr>
+                          <m:t>𝐶𝐴𝑆𝑆𝑌</m:t>
+                        </m:r>
+                      </m:sub>
+                    </m:sSub>
+                  </m:oMath>
+                </a14:m>
+                <a:endParaRPr lang="de-DE" b="0" dirty="0"/>
+              </a:p>
+              <a:p>
+                <a:endParaRPr lang="de-DE" dirty="0"/>
+              </a:p>
+              <a:p>
+                <a:pPr marL="0" indent="0">
+                  <a:buNone/>
+                </a:pPr>
+                <a:endParaRPr lang="de-DE" dirty="0"/>
+              </a:p>
+            </p:txBody>
+          </p:sp>
+        </mc:Choice>
+        <mc:Fallback>
+          <p:sp>
+            <p:nvSpPr>
+              <p:cNvPr id="3" name="Inhaltsplatzhalter 2">
+                <a:extLst>
+                  <a:ext uri="{FF2B5EF4-FFF2-40B4-BE49-F238E27FC236}">
+                    <a16:creationId xmlns:a16="http://schemas.microsoft.com/office/drawing/2014/main" id="{CA52A2CF-74C3-4629-A9BE-C56470ECBBD1}"/>
+                  </a:ext>
+                </a:extLst>
+              </p:cNvPr>
+              <p:cNvSpPr>
+                <a:spLocks noGrp="1" noRot="1" noChangeAspect="1" noMove="1" noResize="1" noEditPoints="1" noAdjustHandles="1" noChangeArrowheads="1" noChangeShapeType="1" noTextEdit="1"/>
+              </p:cNvSpPr>
+              <p:nvPr>
+                <p:ph idx="1"/>
+              </p:nvPr>
+            </p:nvSpPr>
+            <p:spPr>
+              <a:xfrm>
+                <a:off x="838200" y="1825625"/>
+                <a:ext cx="5602357" cy="4351338"/>
+              </a:xfrm>
+              <a:blipFill>
+                <a:blip r:embed="rId2"/>
+                <a:stretch>
+                  <a:fillRect/>
+                </a:stretch>
+              </a:blipFill>
+            </p:spPr>
+            <p:txBody>
+              <a:bodyPr/>
+              <a:lstStyle/>
+              <a:p>
+                <a:r>
+                  <a:rPr lang="de-DE">
+                    <a:noFill/>
+                  </a:rPr>
+                  <a:t> </a:t>
+                </a:r>
+              </a:p>
+            </p:txBody>
+          </p:sp>
+        </mc:Fallback>
+      </mc:AlternateContent>
+      <p:sp>
+        <p:nvSpPr>
+          <p:cNvPr id="4" name="Datumsplatzhalter 3">
+            <a:extLst>
+              <a:ext uri="{FF2B5EF4-FFF2-40B4-BE49-F238E27FC236}">
+                <a16:creationId xmlns:a16="http://schemas.microsoft.com/office/drawing/2014/main" id="{5E59AE0F-854D-4F05-A727-D7F4AF14AC1C}"/>
+              </a:ext>
+            </a:extLst>
+          </p:cNvPr>
+          <p:cNvSpPr>
+            <a:spLocks noGrp="1"/>
+          </p:cNvSpPr>
+          <p:nvPr>
+            <p:ph type="dt" sz="half" idx="10"/>
+          </p:nvPr>
+        </p:nvSpPr>
+        <p:spPr/>
+        <p:txBody>
+          <a:bodyPr/>
+          <a:lstStyle/>
+          <a:p>
+            <a:r>
+              <a:rPr lang="de-DE"/>
+              <a:t>22.09.2017</a:t>
+            </a:r>
+          </a:p>
+        </p:txBody>
+      </p:sp>
+      <p:sp>
+        <p:nvSpPr>
+          <p:cNvPr id="5" name="Fußzeilenplatzhalter 4">
+            <a:extLst>
+              <a:ext uri="{FF2B5EF4-FFF2-40B4-BE49-F238E27FC236}">
+                <a16:creationId xmlns:a16="http://schemas.microsoft.com/office/drawing/2014/main" id="{ECABA79A-012F-42D1-B75D-80803CDE85FB}"/>
+              </a:ext>
+            </a:extLst>
+          </p:cNvPr>
+          <p:cNvSpPr>
+            <a:spLocks noGrp="1"/>
+          </p:cNvSpPr>
+          <p:nvPr>
+            <p:ph type="ftr" sz="quarter" idx="11"/>
+          </p:nvPr>
+        </p:nvSpPr>
+        <p:spPr/>
+        <p:txBody>
+          <a:bodyPr/>
+          <a:lstStyle/>
+          <a:p>
+            <a:r>
+              <a:rPr lang="de-DE"/>
+              <a:t>Sebastian Siebert</a:t>
+            </a:r>
+          </a:p>
+        </p:txBody>
+      </p:sp>
+      <p:sp>
+        <p:nvSpPr>
+          <p:cNvPr id="6" name="Foliennummernplatzhalter 5">
+            <a:extLst>
+              <a:ext uri="{FF2B5EF4-FFF2-40B4-BE49-F238E27FC236}">
+                <a16:creationId xmlns:a16="http://schemas.microsoft.com/office/drawing/2014/main" id="{C73DCAE9-7A80-4A67-80E2-3116D578ACED}"/>
+              </a:ext>
+            </a:extLst>
+          </p:cNvPr>
+          <p:cNvSpPr>
+            <a:spLocks noGrp="1"/>
+          </p:cNvSpPr>
+          <p:nvPr>
+            <p:ph type="sldNum" sz="quarter" idx="12"/>
+          </p:nvPr>
+        </p:nvSpPr>
+        <p:spPr/>
+        <p:txBody>
+          <a:bodyPr/>
+          <a:lstStyle/>
+          <a:p>
+            <a:fld id="{E276D0E3-8A91-4195-9D97-D4903B6F688B}" type="slidenum">
+              <a:rPr lang="de-DE" smtClean="0"/>
+              <a:t>7</a:t>
+            </a:fld>
+            <a:endParaRPr lang="de-DE"/>
+          </a:p>
+        </p:txBody>
+      </p:sp>
+    </p:spTree>
+    <p:extLst>
+      <p:ext uri="{BB962C8B-B14F-4D97-AF65-F5344CB8AC3E}">
+        <p14:creationId xmlns:p14="http://schemas.microsoft.com/office/powerpoint/2010/main" val="438948349"/>
+      </p:ext>
+    </p:extLst>
+  </p:cSld>
+  <p:clrMapOvr>
+    <a:masterClrMapping/>
+  </p:clrMapOvr>
+</p:sld>
+</file>
+
+<file path=ppt/slides/slide8.xml><?xml version="1.0" encoding="utf-8"?>
+<p:sld xmlns:a="http://schemas.openxmlformats.org/drawingml/2006/main" xmlns:r="http://schemas.openxmlformats.org/officeDocument/2006/relationships" xmlns:p="http://schemas.openxmlformats.org/presentationml/2006/main">
+  <p:cSld>
+    <p:spTree>
+      <p:nvGrpSpPr>
+        <p:cNvPr id="1" name=""/>
+        <p:cNvGrpSpPr/>
+        <p:nvPr/>
+      </p:nvGrpSpPr>
+      <p:grpSpPr>
+        <a:xfrm>
+          <a:off x="0" y="0"/>
+          <a:ext cx="0" cy="0"/>
+          <a:chOff x="0" y="0"/>
+          <a:chExt cx="0" cy="0"/>
+        </a:xfrm>
+      </p:grpSpPr>
+      <p:sp>
+        <p:nvSpPr>
+          <p:cNvPr id="2" name="Titel 1">
+            <a:extLst>
+              <a:ext uri="{FF2B5EF4-FFF2-40B4-BE49-F238E27FC236}">
+                <a16:creationId xmlns:a16="http://schemas.microsoft.com/office/drawing/2014/main" id="{B9BCED54-C55D-4B08-AD3C-80847E405B74}"/>
+              </a:ext>
+            </a:extLst>
+          </p:cNvPr>
+          <p:cNvSpPr>
+            <a:spLocks noGrp="1"/>
+          </p:cNvSpPr>
+          <p:nvPr>
+            <p:ph type="title"/>
+          </p:nvPr>
+        </p:nvSpPr>
+        <p:spPr/>
+        <p:txBody>
+          <a:bodyPr/>
+          <a:lstStyle/>
+          <a:p>
+            <a:r>
+              <a:rPr lang="de-DE" dirty="0"/>
+              <a:t>Auswertung - Stefan-Boltzmann Gesetz</a:t>
+            </a:r>
+          </a:p>
+        </p:txBody>
+      </p:sp>
+      <mc:AlternateContent xmlns:mc="http://schemas.openxmlformats.org/markup-compatibility/2006" xmlns:a14="http://schemas.microsoft.com/office/drawing/2010/main">
+        <mc:Choice Requires="a14">
           <p:sp>
             <p:nvSpPr>
               <p:cNvPr id="3" name="Inhaltsplatzhalter 2">
@@ -4850,7 +7060,7 @@
             </p:txBody>
           </p:sp>
         </mc:Choice>
-        <mc:Fallback>
+        <mc:Fallback xmlns="">
           <p:sp>
             <p:nvSpPr>
               <p:cNvPr id="3" name="Inhaltsplatzhalter 2">
@@ -4917,7 +7127,7 @@
           <a:p>
             <a:fld id="{E276D0E3-8A91-4195-9D97-D4903B6F688B}" type="slidenum">
               <a:rPr lang="de-DE" smtClean="0"/>
-              <a:t>5</a:t>
+              <a:t>8</a:t>
             </a:fld>
             <a:endParaRPr lang="de-DE"/>
           </a:p>
@@ -4959,10 +7169,231 @@
           </a:prstGeom>
         </p:spPr>
       </p:pic>
+      <p:sp>
+        <p:nvSpPr>
+          <p:cNvPr id="5" name="Datumsplatzhalter 4">
+            <a:extLst>
+              <a:ext uri="{FF2B5EF4-FFF2-40B4-BE49-F238E27FC236}">
+                <a16:creationId xmlns:a16="http://schemas.microsoft.com/office/drawing/2014/main" id="{4E1D1659-FD2F-437A-852A-88943470CD5F}"/>
+              </a:ext>
+            </a:extLst>
+          </p:cNvPr>
+          <p:cNvSpPr>
+            <a:spLocks noGrp="1"/>
+          </p:cNvSpPr>
+          <p:nvPr>
+            <p:ph type="dt" sz="half" idx="10"/>
+          </p:nvPr>
+        </p:nvSpPr>
+        <p:spPr/>
+        <p:txBody>
+          <a:bodyPr/>
+          <a:lstStyle/>
+          <a:p>
+            <a:r>
+              <a:rPr lang="de-DE"/>
+              <a:t>22.09.2017</a:t>
+            </a:r>
+          </a:p>
+        </p:txBody>
+      </p:sp>
+      <p:sp>
+        <p:nvSpPr>
+          <p:cNvPr id="7" name="Fußzeilenplatzhalter 6">
+            <a:extLst>
+              <a:ext uri="{FF2B5EF4-FFF2-40B4-BE49-F238E27FC236}">
+                <a16:creationId xmlns:a16="http://schemas.microsoft.com/office/drawing/2014/main" id="{86EBE65C-3C72-4D02-823B-DF2C0DB9505C}"/>
+              </a:ext>
+            </a:extLst>
+          </p:cNvPr>
+          <p:cNvSpPr>
+            <a:spLocks noGrp="1"/>
+          </p:cNvSpPr>
+          <p:nvPr>
+            <p:ph type="ftr" sz="quarter" idx="11"/>
+          </p:nvPr>
+        </p:nvSpPr>
+        <p:spPr/>
+        <p:txBody>
+          <a:bodyPr/>
+          <a:lstStyle/>
+          <a:p>
+            <a:r>
+              <a:rPr lang="de-DE"/>
+              <a:t>Sebastian Siebert</a:t>
+            </a:r>
+          </a:p>
+        </p:txBody>
+      </p:sp>
     </p:spTree>
     <p:extLst>
       <p:ext uri="{BB962C8B-B14F-4D97-AF65-F5344CB8AC3E}">
         <p14:creationId xmlns:p14="http://schemas.microsoft.com/office/powerpoint/2010/main" val="721222774"/>
+      </p:ext>
+    </p:extLst>
+  </p:cSld>
+  <p:clrMapOvr>
+    <a:masterClrMapping/>
+  </p:clrMapOvr>
+</p:sld>
+</file>
+
+<file path=ppt/slides/slide9.xml><?xml version="1.0" encoding="utf-8"?>
+<p:sld xmlns:a="http://schemas.openxmlformats.org/drawingml/2006/main" xmlns:r="http://schemas.openxmlformats.org/officeDocument/2006/relationships" xmlns:p="http://schemas.openxmlformats.org/presentationml/2006/main">
+  <p:cSld>
+    <p:spTree>
+      <p:nvGrpSpPr>
+        <p:cNvPr id="1" name=""/>
+        <p:cNvGrpSpPr/>
+        <p:nvPr/>
+      </p:nvGrpSpPr>
+      <p:grpSpPr>
+        <a:xfrm>
+          <a:off x="0" y="0"/>
+          <a:ext cx="0" cy="0"/>
+          <a:chOff x="0" y="0"/>
+          <a:chExt cx="0" cy="0"/>
+        </a:xfrm>
+      </p:grpSpPr>
+      <p:sp>
+        <p:nvSpPr>
+          <p:cNvPr id="2" name="Titel 1">
+            <a:extLst>
+              <a:ext uri="{FF2B5EF4-FFF2-40B4-BE49-F238E27FC236}">
+                <a16:creationId xmlns:a16="http://schemas.microsoft.com/office/drawing/2014/main" id="{5E737D48-0D7E-4E4F-BDB7-2DA48562B6F3}"/>
+              </a:ext>
+            </a:extLst>
+          </p:cNvPr>
+          <p:cNvSpPr>
+            <a:spLocks noGrp="1"/>
+          </p:cNvSpPr>
+          <p:nvPr>
+            <p:ph type="title"/>
+          </p:nvPr>
+        </p:nvSpPr>
+        <p:spPr/>
+        <p:txBody>
+          <a:bodyPr/>
+          <a:lstStyle/>
+          <a:p>
+            <a:endParaRPr lang="de-DE"/>
+          </a:p>
+        </p:txBody>
+      </p:sp>
+      <p:sp>
+        <p:nvSpPr>
+          <p:cNvPr id="3" name="Inhaltsplatzhalter 2">
+            <a:extLst>
+              <a:ext uri="{FF2B5EF4-FFF2-40B4-BE49-F238E27FC236}">
+                <a16:creationId xmlns:a16="http://schemas.microsoft.com/office/drawing/2014/main" id="{DAA7DBC6-D843-424C-AC18-D9B84DFF5CE1}"/>
+              </a:ext>
+            </a:extLst>
+          </p:cNvPr>
+          <p:cNvSpPr>
+            <a:spLocks noGrp="1"/>
+          </p:cNvSpPr>
+          <p:nvPr>
+            <p:ph idx="1"/>
+          </p:nvPr>
+        </p:nvSpPr>
+        <p:spPr/>
+        <p:txBody>
+          <a:bodyPr/>
+          <a:lstStyle/>
+          <a:p>
+            <a:endParaRPr lang="de-DE"/>
+          </a:p>
+        </p:txBody>
+      </p:sp>
+      <p:sp>
+        <p:nvSpPr>
+          <p:cNvPr id="4" name="Foliennummernplatzhalter 3">
+            <a:extLst>
+              <a:ext uri="{FF2B5EF4-FFF2-40B4-BE49-F238E27FC236}">
+                <a16:creationId xmlns:a16="http://schemas.microsoft.com/office/drawing/2014/main" id="{A56ED1DA-7D57-48C7-96DF-E4AB87CDD950}"/>
+              </a:ext>
+            </a:extLst>
+          </p:cNvPr>
+          <p:cNvSpPr>
+            <a:spLocks noGrp="1"/>
+          </p:cNvSpPr>
+          <p:nvPr>
+            <p:ph type="sldNum" sz="quarter" idx="12"/>
+          </p:nvPr>
+        </p:nvSpPr>
+        <p:spPr/>
+        <p:txBody>
+          <a:bodyPr/>
+          <a:lstStyle/>
+          <a:p>
+            <a:fld id="{E276D0E3-8A91-4195-9D97-D4903B6F688B}" type="slidenum">
+              <a:rPr lang="de-DE" smtClean="0"/>
+              <a:t>9</a:t>
+            </a:fld>
+            <a:endParaRPr lang="de-DE"/>
+          </a:p>
+        </p:txBody>
+      </p:sp>
+      <p:sp>
+        <p:nvSpPr>
+          <p:cNvPr id="5" name="Datumsplatzhalter 4">
+            <a:extLst>
+              <a:ext uri="{FF2B5EF4-FFF2-40B4-BE49-F238E27FC236}">
+                <a16:creationId xmlns:a16="http://schemas.microsoft.com/office/drawing/2014/main" id="{4E1D767A-4D7D-421C-99F9-4A748E06180B}"/>
+              </a:ext>
+            </a:extLst>
+          </p:cNvPr>
+          <p:cNvSpPr>
+            <a:spLocks noGrp="1"/>
+          </p:cNvSpPr>
+          <p:nvPr>
+            <p:ph type="dt" sz="half" idx="10"/>
+          </p:nvPr>
+        </p:nvSpPr>
+        <p:spPr/>
+        <p:txBody>
+          <a:bodyPr/>
+          <a:lstStyle/>
+          <a:p>
+            <a:r>
+              <a:rPr lang="de-DE"/>
+              <a:t>22.09.2017</a:t>
+            </a:r>
+          </a:p>
+        </p:txBody>
+      </p:sp>
+      <p:sp>
+        <p:nvSpPr>
+          <p:cNvPr id="6" name="Fußzeilenplatzhalter 5">
+            <a:extLst>
+              <a:ext uri="{FF2B5EF4-FFF2-40B4-BE49-F238E27FC236}">
+                <a16:creationId xmlns:a16="http://schemas.microsoft.com/office/drawing/2014/main" id="{A3713344-4BFE-4431-B6D6-1CB72C4336CA}"/>
+              </a:ext>
+            </a:extLst>
+          </p:cNvPr>
+          <p:cNvSpPr>
+            <a:spLocks noGrp="1"/>
+          </p:cNvSpPr>
+          <p:nvPr>
+            <p:ph type="ftr" sz="quarter" idx="11"/>
+          </p:nvPr>
+        </p:nvSpPr>
+        <p:spPr/>
+        <p:txBody>
+          <a:bodyPr/>
+          <a:lstStyle/>
+          <a:p>
+            <a:r>
+              <a:rPr lang="de-DE"/>
+              <a:t>Sebastian Siebert</a:t>
+            </a:r>
+          </a:p>
+        </p:txBody>
+      </p:sp>
+    </p:spTree>
+    <p:extLst>
+      <p:ext uri="{BB962C8B-B14F-4D97-AF65-F5344CB8AC3E}">
+        <p14:creationId xmlns:p14="http://schemas.microsoft.com/office/powerpoint/2010/main" val="332908792"/>
       </p:ext>
     </p:extLst>
   </p:cSld>

--- a/grundpraktikum2/Atomphysik/Atomphysik.pptx
+++ b/grundpraktikum2/Atomphysik/Atomphysik.pptx
@@ -213,7 +213,7 @@
           <a:p>
             <a:fld id="{FBB1428B-50CF-4524-87E6-ADC769EA5EB8}" type="datetimeFigureOut">
               <a:rPr lang="de-DE" smtClean="0"/>
-              <a:t>21.09.2017</a:t>
+              <a:t>22.09.2017</a:t>
             </a:fld>
             <a:endParaRPr lang="de-DE"/>
           </a:p>
@@ -3860,7 +3860,12 @@
             <p:ph type="title"/>
           </p:nvPr>
         </p:nvSpPr>
-        <p:spPr/>
+        <p:spPr>
+          <a:xfrm>
+            <a:off x="991275" y="377901"/>
+            <a:ext cx="10515600" cy="1325563"/>
+          </a:xfrm>
+        </p:spPr>
         <p:txBody>
           <a:bodyPr/>
           <a:lstStyle/>
@@ -3872,31 +3877,41 @@
           </a:p>
         </p:txBody>
       </p:sp>
-      <p:sp>
-        <p:nvSpPr>
-          <p:cNvPr id="3" name="Inhaltsplatzhalter 2">
-            <a:extLst>
-              <a:ext uri="{FF2B5EF4-FFF2-40B4-BE49-F238E27FC236}">
-                <a16:creationId xmlns:a16="http://schemas.microsoft.com/office/drawing/2014/main" id="{C1318A13-67CC-440E-BBAC-1271143EC504}"/>
-              </a:ext>
-            </a:extLst>
-          </p:cNvPr>
-          <p:cNvSpPr>
-            <a:spLocks noGrp="1"/>
-          </p:cNvSpPr>
+      <p:pic>
+        <p:nvPicPr>
+          <p:cNvPr id="8" name="Inhaltsplatzhalter 7">
+            <a:extLst>
+              <a:ext uri="{FF2B5EF4-FFF2-40B4-BE49-F238E27FC236}">
+                <a16:creationId xmlns:a16="http://schemas.microsoft.com/office/drawing/2014/main" id="{B00546EF-3E60-4C49-B203-4647A6A73265}"/>
+              </a:ext>
+            </a:extLst>
+          </p:cNvPr>
+          <p:cNvPicPr>
+            <a:picLocks noGrp="1" noChangeAspect="1"/>
+          </p:cNvPicPr>
           <p:nvPr>
             <p:ph idx="1"/>
           </p:nvPr>
-        </p:nvSpPr>
-        <p:spPr/>
-        <p:txBody>
-          <a:bodyPr/>
-          <a:lstStyle/>
-          <a:p>
-            <a:endParaRPr lang="de-DE"/>
-          </a:p>
-        </p:txBody>
-      </p:sp>
+        </p:nvPicPr>
+        <p:blipFill>
+          <a:blip r:embed="rId2">
+            <a:extLst>
+              <a:ext uri="{28A0092B-C50C-407E-A947-70E740481C1C}">
+                <a14:useLocalDpi xmlns:a14="http://schemas.microsoft.com/office/drawing/2010/main" val="0"/>
+              </a:ext>
+            </a:extLst>
+          </a:blip>
+          <a:stretch>
+            <a:fillRect/>
+          </a:stretch>
+        </p:blipFill>
+        <p:spPr>
+          <a:xfrm>
+            <a:off x="958792" y="2105507"/>
+            <a:ext cx="5218712" cy="3848800"/>
+          </a:xfrm>
+        </p:spPr>
+      </p:pic>
       <p:sp>
         <p:nvSpPr>
           <p:cNvPr id="4" name="Foliennummernplatzhalter 3">
@@ -3982,6 +3997,185 @@
           </a:p>
         </p:txBody>
       </p:sp>
+      <p:pic>
+        <p:nvPicPr>
+          <p:cNvPr id="10" name="Grafik 9">
+            <a:extLst>
+              <a:ext uri="{FF2B5EF4-FFF2-40B4-BE49-F238E27FC236}">
+                <a16:creationId xmlns:a16="http://schemas.microsoft.com/office/drawing/2014/main" id="{DD93BE7F-FE08-4E13-997A-DCA6DFAFF669}"/>
+              </a:ext>
+            </a:extLst>
+          </p:cNvPr>
+          <p:cNvPicPr>
+            <a:picLocks noChangeAspect="1"/>
+          </p:cNvPicPr>
+          <p:nvPr/>
+        </p:nvPicPr>
+        <p:blipFill>
+          <a:blip r:embed="rId3">
+            <a:extLst>
+              <a:ext uri="{28A0092B-C50C-407E-A947-70E740481C1C}">
+                <a14:useLocalDpi xmlns:a14="http://schemas.microsoft.com/office/drawing/2010/main" val="0"/>
+              </a:ext>
+            </a:extLst>
+          </a:blip>
+          <a:stretch>
+            <a:fillRect/>
+          </a:stretch>
+        </p:blipFill>
+        <p:spPr>
+          <a:xfrm>
+            <a:off x="6056912" y="2105507"/>
+            <a:ext cx="5449963" cy="3756282"/>
+          </a:xfrm>
+          <a:prstGeom prst="rect">
+            <a:avLst/>
+          </a:prstGeom>
+        </p:spPr>
+      </p:pic>
+      <mc:AlternateContent xmlns:mc="http://schemas.openxmlformats.org/markup-compatibility/2006">
+        <mc:Choice xmlns:a14="http://schemas.microsoft.com/office/drawing/2010/main" Requires="a14">
+          <p:sp>
+            <p:nvSpPr>
+              <p:cNvPr id="12" name="Textfeld 11">
+                <a:extLst>
+                  <a:ext uri="{FF2B5EF4-FFF2-40B4-BE49-F238E27FC236}">
+                    <a16:creationId xmlns:a16="http://schemas.microsoft.com/office/drawing/2014/main" id="{19CCBA0C-F878-4762-B4E1-A93414119D9B}"/>
+                  </a:ext>
+                </a:extLst>
+              </p:cNvPr>
+              <p:cNvSpPr txBox="1"/>
+              <p:nvPr/>
+            </p:nvSpPr>
+            <p:spPr>
+              <a:xfrm>
+                <a:off x="1537252" y="1817709"/>
+                <a:ext cx="2743200" cy="461665"/>
+              </a:xfrm>
+              <a:prstGeom prst="rect">
+                <a:avLst/>
+              </a:prstGeom>
+              <a:noFill/>
+            </p:spPr>
+            <p:txBody>
+              <a:bodyPr wrap="square" rtlCol="0">
+                <a:spAutoFit/>
+              </a:bodyPr>
+              <a:lstStyle/>
+              <a:p>
+                <a:pPr marL="342900" indent="-342900">
+                  <a:buFont typeface="Arial" panose="020B0604020202020204" pitchFamily="34" charset="0"/>
+                  <a:buChar char="•"/>
+                </a:pPr>
+                <a14:m>
+                  <m:oMath xmlns:m="http://schemas.openxmlformats.org/officeDocument/2006/math">
+                    <m:r>
+                      <a:rPr lang="de-DE" sz="2400" b="0" i="1" smtClean="0">
+                        <a:latin typeface="Cambria Math" panose="02040503050406030204" pitchFamily="18" charset="0"/>
+                      </a:rPr>
+                      <m:t>𝑈</m:t>
+                    </m:r>
+                    <m:r>
+                      <a:rPr lang="de-DE" sz="2400" b="0" i="1" smtClean="0">
+                        <a:latin typeface="Cambria Math" panose="02040503050406030204" pitchFamily="18" charset="0"/>
+                      </a:rPr>
+                      <m:t>=</m:t>
+                    </m:r>
+                    <m:r>
+                      <a:rPr lang="de-DE" sz="2400" b="0" i="1" smtClean="0">
+                        <a:latin typeface="Cambria Math" panose="02040503050406030204" pitchFamily="18" charset="0"/>
+                      </a:rPr>
+                      <m:t>𝑎</m:t>
+                    </m:r>
+                    <m:r>
+                      <a:rPr lang="de-DE" sz="2400" b="0" i="1" smtClean="0">
+                        <a:latin typeface="Cambria Math" panose="02040503050406030204" pitchFamily="18" charset="0"/>
+                      </a:rPr>
+                      <m:t>+</m:t>
+                    </m:r>
+                    <m:r>
+                      <a:rPr lang="de-DE" sz="2400" b="0" i="1" smtClean="0">
+                        <a:latin typeface="Cambria Math" panose="02040503050406030204" pitchFamily="18" charset="0"/>
+                      </a:rPr>
+                      <m:t>𝑏</m:t>
+                    </m:r>
+                    <m:sSup>
+                      <m:sSupPr>
+                        <m:ctrlPr>
+                          <a:rPr lang="de-DE" sz="2400" b="0" i="1" smtClean="0">
+                            <a:latin typeface="Cambria Math" panose="02040503050406030204" pitchFamily="18" charset="0"/>
+                          </a:rPr>
+                        </m:ctrlPr>
+                      </m:sSupPr>
+                      <m:e>
+                        <m:r>
+                          <a:rPr lang="de-DE" sz="2400" b="0" i="1" smtClean="0">
+                            <a:latin typeface="Cambria Math" panose="02040503050406030204" pitchFamily="18" charset="0"/>
+                          </a:rPr>
+                          <m:t>𝑇</m:t>
+                        </m:r>
+                      </m:e>
+                      <m:sup>
+                        <m:r>
+                          <a:rPr lang="de-DE" sz="2400" b="0" i="1" smtClean="0">
+                            <a:latin typeface="Cambria Math" panose="02040503050406030204" pitchFamily="18" charset="0"/>
+                          </a:rPr>
+                          <m:t>𝑐</m:t>
+                        </m:r>
+                      </m:sup>
+                    </m:sSup>
+                  </m:oMath>
+                </a14:m>
+                <a:endParaRPr lang="de-DE" sz="2400" dirty="0"/>
+              </a:p>
+            </p:txBody>
+          </p:sp>
+        </mc:Choice>
+        <mc:Fallback>
+          <p:sp>
+            <p:nvSpPr>
+              <p:cNvPr id="12" name="Textfeld 11">
+                <a:extLst>
+                  <a:ext uri="{FF2B5EF4-FFF2-40B4-BE49-F238E27FC236}">
+                    <a16:creationId xmlns:a16="http://schemas.microsoft.com/office/drawing/2014/main" id="{19CCBA0C-F878-4762-B4E1-A93414119D9B}"/>
+                  </a:ext>
+                </a:extLst>
+              </p:cNvPr>
+              <p:cNvSpPr txBox="1">
+                <a:spLocks noRot="1" noChangeAspect="1" noMove="1" noResize="1" noEditPoints="1" noAdjustHandles="1" noChangeArrowheads="1" noChangeShapeType="1" noTextEdit="1"/>
+              </p:cNvSpPr>
+              <p:nvPr/>
+            </p:nvSpPr>
+            <p:spPr>
+              <a:xfrm>
+                <a:off x="1537252" y="1817709"/>
+                <a:ext cx="2743200" cy="461665"/>
+              </a:xfrm>
+              <a:prstGeom prst="rect">
+                <a:avLst/>
+              </a:prstGeom>
+              <a:blipFill>
+                <a:blip r:embed="rId4"/>
+                <a:stretch>
+                  <a:fillRect l="-2889" t="-6579" b="-23684"/>
+                </a:stretch>
+              </a:blipFill>
+            </p:spPr>
+            <p:txBody>
+              <a:bodyPr/>
+              <a:lstStyle/>
+              <a:p>
+                <a:r>
+                  <a:rPr lang="de-DE">
+                    <a:noFill/>
+                  </a:rPr>
+                  <a:t> </a:t>
+                </a:r>
+              </a:p>
+            </p:txBody>
+          </p:sp>
+        </mc:Fallback>
+      </mc:AlternateContent>
     </p:spTree>
     <p:extLst>
       <p:ext uri="{BB962C8B-B14F-4D97-AF65-F5344CB8AC3E}">
@@ -4208,31 +4402,422 @@
           </a:p>
         </p:txBody>
       </p:sp>
-      <p:sp>
-        <p:nvSpPr>
-          <p:cNvPr id="3" name="Inhaltsplatzhalter 2">
-            <a:extLst>
-              <a:ext uri="{FF2B5EF4-FFF2-40B4-BE49-F238E27FC236}">
-                <a16:creationId xmlns:a16="http://schemas.microsoft.com/office/drawing/2014/main" id="{D1A0BAFD-BF2B-4219-A183-4B7BC670E94E}"/>
-              </a:ext>
-            </a:extLst>
-          </p:cNvPr>
-          <p:cNvSpPr>
-            <a:spLocks noGrp="1"/>
-          </p:cNvSpPr>
-          <p:nvPr>
-            <p:ph idx="1"/>
-          </p:nvPr>
-        </p:nvSpPr>
-        <p:spPr/>
-        <p:txBody>
-          <a:bodyPr/>
-          <a:lstStyle/>
-          <a:p>
-            <a:endParaRPr lang="de-DE" dirty="0"/>
-          </a:p>
-        </p:txBody>
-      </p:sp>
+      <mc:AlternateContent xmlns:mc="http://schemas.openxmlformats.org/markup-compatibility/2006">
+        <mc:Choice xmlns:a14="http://schemas.microsoft.com/office/drawing/2010/main" Requires="a14">
+          <p:sp>
+            <p:nvSpPr>
+              <p:cNvPr id="3" name="Inhaltsplatzhalter 2">
+                <a:extLst>
+                  <a:ext uri="{FF2B5EF4-FFF2-40B4-BE49-F238E27FC236}">
+                    <a16:creationId xmlns:a16="http://schemas.microsoft.com/office/drawing/2014/main" id="{D1A0BAFD-BF2B-4219-A183-4B7BC670E94E}"/>
+                  </a:ext>
+                </a:extLst>
+              </p:cNvPr>
+              <p:cNvSpPr>
+                <a:spLocks noGrp="1"/>
+              </p:cNvSpPr>
+              <p:nvPr>
+                <p:ph idx="1"/>
+              </p:nvPr>
+            </p:nvSpPr>
+            <p:spPr/>
+            <p:txBody>
+              <a:bodyPr/>
+              <a:lstStyle/>
+              <a:p>
+                <a14:m>
+                  <m:oMath xmlns:m="http://schemas.openxmlformats.org/officeDocument/2006/math">
+                    <m:sSub>
+                      <m:sSubPr>
+                        <m:ctrlPr>
+                          <a:rPr lang="de-DE" b="0" i="1" smtClean="0">
+                            <a:latin typeface="Cambria Math" panose="02040503050406030204" pitchFamily="18" charset="0"/>
+                          </a:rPr>
+                        </m:ctrlPr>
+                      </m:sSubPr>
+                      <m:e>
+                        <m:r>
+                          <a:rPr lang="de-DE" b="0" i="1" smtClean="0">
+                            <a:latin typeface="Cambria Math" panose="02040503050406030204" pitchFamily="18" charset="0"/>
+                          </a:rPr>
+                          <m:t>𝜖</m:t>
+                        </m:r>
+                      </m:e>
+                      <m:sub>
+                        <m:r>
+                          <a:rPr lang="de-DE" b="0" i="1" smtClean="0">
+                            <a:latin typeface="Cambria Math" panose="02040503050406030204" pitchFamily="18" charset="0"/>
+                          </a:rPr>
+                          <m:t>𝑟𝑒𝑙</m:t>
+                        </m:r>
+                      </m:sub>
+                    </m:sSub>
+                    <m:r>
+                      <a:rPr lang="de-DE" b="0" i="1" smtClean="0">
+                        <a:latin typeface="Cambria Math" panose="02040503050406030204" pitchFamily="18" charset="0"/>
+                      </a:rPr>
+                      <m:t>= </m:t>
+                    </m:r>
+                    <m:f>
+                      <m:fPr>
+                        <m:ctrlPr>
+                          <a:rPr lang="de-DE" b="0" i="1" smtClean="0">
+                            <a:latin typeface="Cambria Math" panose="02040503050406030204" pitchFamily="18" charset="0"/>
+                          </a:rPr>
+                        </m:ctrlPr>
+                      </m:fPr>
+                      <m:num>
+                        <m:sSub>
+                          <m:sSubPr>
+                            <m:ctrlPr>
+                              <a:rPr lang="de-DE" b="0" i="1" smtClean="0">
+                                <a:latin typeface="Cambria Math" panose="02040503050406030204" pitchFamily="18" charset="0"/>
+                              </a:rPr>
+                            </m:ctrlPr>
+                          </m:sSubPr>
+                          <m:e>
+                            <m:r>
+                              <a:rPr lang="de-DE" b="0" i="1" smtClean="0">
+                                <a:latin typeface="Cambria Math" panose="02040503050406030204" pitchFamily="18" charset="0"/>
+                              </a:rPr>
+                              <m:t>𝜖</m:t>
+                            </m:r>
+                          </m:e>
+                          <m:sub>
+                            <m:r>
+                              <a:rPr lang="de-DE" b="0" i="1" smtClean="0">
+                                <a:latin typeface="Cambria Math" panose="02040503050406030204" pitchFamily="18" charset="0"/>
+                              </a:rPr>
+                              <m:t>𝑖</m:t>
+                            </m:r>
+                          </m:sub>
+                        </m:sSub>
+                      </m:num>
+                      <m:den>
+                        <m:sSub>
+                          <m:sSubPr>
+                            <m:ctrlPr>
+                              <a:rPr lang="de-DE" b="0" i="1" smtClean="0">
+                                <a:latin typeface="Cambria Math" panose="02040503050406030204" pitchFamily="18" charset="0"/>
+                              </a:rPr>
+                            </m:ctrlPr>
+                          </m:sSubPr>
+                          <m:e>
+                            <m:r>
+                              <a:rPr lang="de-DE" b="0" i="1" smtClean="0">
+                                <a:latin typeface="Cambria Math" panose="02040503050406030204" pitchFamily="18" charset="0"/>
+                              </a:rPr>
+                              <m:t>𝜖</m:t>
+                            </m:r>
+                          </m:e>
+                          <m:sub>
+                            <m:r>
+                              <a:rPr lang="de-DE" b="0" i="1" smtClean="0">
+                                <a:latin typeface="Cambria Math" panose="02040503050406030204" pitchFamily="18" charset="0"/>
+                              </a:rPr>
+                              <m:t>𝑠𝑐h𝑤𝑎𝑟𝑧</m:t>
+                            </m:r>
+                          </m:sub>
+                        </m:sSub>
+                      </m:den>
+                    </m:f>
+                    <m:r>
+                      <a:rPr lang="de-DE" b="0" i="1" smtClean="0">
+                        <a:latin typeface="Cambria Math" panose="02040503050406030204" pitchFamily="18" charset="0"/>
+                      </a:rPr>
+                      <m:t>=</m:t>
+                    </m:r>
+                    <m:f>
+                      <m:fPr>
+                        <m:ctrlPr>
+                          <a:rPr lang="de-DE" b="0" i="1" smtClean="0">
+                            <a:latin typeface="Cambria Math" panose="02040503050406030204" pitchFamily="18" charset="0"/>
+                          </a:rPr>
+                        </m:ctrlPr>
+                      </m:fPr>
+                      <m:num>
+                        <m:sSub>
+                          <m:sSubPr>
+                            <m:ctrlPr>
+                              <a:rPr lang="de-DE" b="0" i="1" smtClean="0">
+                                <a:latin typeface="Cambria Math" panose="02040503050406030204" pitchFamily="18" charset="0"/>
+                              </a:rPr>
+                            </m:ctrlPr>
+                          </m:sSubPr>
+                          <m:e>
+                            <m:r>
+                              <a:rPr lang="de-DE" b="0" i="1" smtClean="0">
+                                <a:latin typeface="Cambria Math" panose="02040503050406030204" pitchFamily="18" charset="0"/>
+                              </a:rPr>
+                              <m:t>𝑈</m:t>
+                            </m:r>
+                          </m:e>
+                          <m:sub>
+                            <m:r>
+                              <a:rPr lang="de-DE" b="0" i="1" smtClean="0">
+                                <a:latin typeface="Cambria Math" panose="02040503050406030204" pitchFamily="18" charset="0"/>
+                              </a:rPr>
+                              <m:t>𝑖</m:t>
+                            </m:r>
+                          </m:sub>
+                        </m:sSub>
+                      </m:num>
+                      <m:den>
+                        <m:sSub>
+                          <m:sSubPr>
+                            <m:ctrlPr>
+                              <a:rPr lang="de-DE" b="0" i="1" smtClean="0">
+                                <a:latin typeface="Cambria Math" panose="02040503050406030204" pitchFamily="18" charset="0"/>
+                              </a:rPr>
+                            </m:ctrlPr>
+                          </m:sSubPr>
+                          <m:e>
+                            <m:r>
+                              <a:rPr lang="de-DE" b="0" i="1" smtClean="0">
+                                <a:latin typeface="Cambria Math" panose="02040503050406030204" pitchFamily="18" charset="0"/>
+                              </a:rPr>
+                              <m:t>𝑈</m:t>
+                            </m:r>
+                          </m:e>
+                          <m:sub>
+                            <m:r>
+                              <a:rPr lang="de-DE" b="0" i="1" smtClean="0">
+                                <a:latin typeface="Cambria Math" panose="02040503050406030204" pitchFamily="18" charset="0"/>
+                              </a:rPr>
+                              <m:t>𝑠𝑐h𝑤𝑎𝑟𝑧</m:t>
+                            </m:r>
+                          </m:sub>
+                        </m:sSub>
+                      </m:den>
+                    </m:f>
+                    <m:f>
+                      <m:fPr>
+                        <m:ctrlPr>
+                          <a:rPr lang="de-DE" b="0" i="1" smtClean="0">
+                            <a:latin typeface="Cambria Math" panose="02040503050406030204" pitchFamily="18" charset="0"/>
+                          </a:rPr>
+                        </m:ctrlPr>
+                      </m:fPr>
+                      <m:num>
+                        <m:r>
+                          <a:rPr lang="de-DE" b="0" i="1" smtClean="0">
+                            <a:latin typeface="Cambria Math" panose="02040503050406030204" pitchFamily="18" charset="0"/>
+                          </a:rPr>
+                          <m:t>(</m:t>
+                        </m:r>
+                        <m:sSubSup>
+                          <m:sSubSupPr>
+                            <m:ctrlPr>
+                              <a:rPr lang="de-DE" b="0" i="1" smtClean="0">
+                                <a:latin typeface="Cambria Math" panose="02040503050406030204" pitchFamily="18" charset="0"/>
+                              </a:rPr>
+                            </m:ctrlPr>
+                          </m:sSubSupPr>
+                          <m:e>
+                            <m:r>
+                              <a:rPr lang="de-DE" b="0" i="1" smtClean="0">
+                                <a:latin typeface="Cambria Math" panose="02040503050406030204" pitchFamily="18" charset="0"/>
+                              </a:rPr>
+                              <m:t>𝑇</m:t>
+                            </m:r>
+                          </m:e>
+                          <m:sub>
+                            <m:r>
+                              <a:rPr lang="de-DE" b="0" i="1" smtClean="0">
+                                <a:latin typeface="Cambria Math" panose="02040503050406030204" pitchFamily="18" charset="0"/>
+                              </a:rPr>
+                              <m:t>𝑖</m:t>
+                            </m:r>
+                          </m:sub>
+                          <m:sup>
+                            <m:r>
+                              <a:rPr lang="de-DE" b="0" i="1" smtClean="0">
+                                <a:latin typeface="Cambria Math" panose="02040503050406030204" pitchFamily="18" charset="0"/>
+                              </a:rPr>
+                              <m:t>4</m:t>
+                            </m:r>
+                          </m:sup>
+                        </m:sSubSup>
+                        <m:r>
+                          <a:rPr lang="de-DE" b="0" i="1" smtClean="0">
+                            <a:latin typeface="Cambria Math" panose="02040503050406030204" pitchFamily="18" charset="0"/>
+                          </a:rPr>
+                          <m:t>−</m:t>
+                        </m:r>
+                        <m:sSubSup>
+                          <m:sSubSupPr>
+                            <m:ctrlPr>
+                              <a:rPr lang="de-DE" b="0" i="1" smtClean="0">
+                                <a:latin typeface="Cambria Math" panose="02040503050406030204" pitchFamily="18" charset="0"/>
+                              </a:rPr>
+                            </m:ctrlPr>
+                          </m:sSubSupPr>
+                          <m:e>
+                            <m:r>
+                              <a:rPr lang="de-DE" b="0" i="1" smtClean="0">
+                                <a:latin typeface="Cambria Math" panose="02040503050406030204" pitchFamily="18" charset="0"/>
+                              </a:rPr>
+                              <m:t>𝑇</m:t>
+                            </m:r>
+                          </m:e>
+                          <m:sub>
+                            <m:r>
+                              <a:rPr lang="de-DE" b="0" i="1" smtClean="0">
+                                <a:latin typeface="Cambria Math" panose="02040503050406030204" pitchFamily="18" charset="0"/>
+                              </a:rPr>
+                              <m:t>0</m:t>
+                            </m:r>
+                          </m:sub>
+                          <m:sup>
+                            <m:r>
+                              <a:rPr lang="de-DE" b="0" i="1" smtClean="0">
+                                <a:latin typeface="Cambria Math" panose="02040503050406030204" pitchFamily="18" charset="0"/>
+                              </a:rPr>
+                              <m:t>4</m:t>
+                            </m:r>
+                          </m:sup>
+                        </m:sSubSup>
+                        <m:r>
+                          <a:rPr lang="de-DE" b="0" i="1" smtClean="0">
+                            <a:latin typeface="Cambria Math" panose="02040503050406030204" pitchFamily="18" charset="0"/>
+                          </a:rPr>
+                          <m:t>)</m:t>
+                        </m:r>
+                      </m:num>
+                      <m:den>
+                        <m:r>
+                          <a:rPr lang="de-DE" b="0" i="1" smtClean="0">
+                            <a:latin typeface="Cambria Math" panose="02040503050406030204" pitchFamily="18" charset="0"/>
+                          </a:rPr>
+                          <m:t>(</m:t>
+                        </m:r>
+                        <m:sSubSup>
+                          <m:sSubSupPr>
+                            <m:ctrlPr>
+                              <a:rPr lang="de-DE" b="0" i="1" smtClean="0">
+                                <a:latin typeface="Cambria Math" panose="02040503050406030204" pitchFamily="18" charset="0"/>
+                              </a:rPr>
+                            </m:ctrlPr>
+                          </m:sSubSupPr>
+                          <m:e>
+                            <m:r>
+                              <a:rPr lang="de-DE" b="0" i="1" smtClean="0">
+                                <a:latin typeface="Cambria Math" panose="02040503050406030204" pitchFamily="18" charset="0"/>
+                              </a:rPr>
+                              <m:t>𝑇</m:t>
+                            </m:r>
+                          </m:e>
+                          <m:sub>
+                            <m:r>
+                              <a:rPr lang="de-DE" b="0" i="1" smtClean="0">
+                                <a:latin typeface="Cambria Math" panose="02040503050406030204" pitchFamily="18" charset="0"/>
+                              </a:rPr>
+                              <m:t>𝑠𝑐h𝑤𝑎𝑟𝑧</m:t>
+                            </m:r>
+                          </m:sub>
+                          <m:sup>
+                            <m:r>
+                              <a:rPr lang="de-DE" b="0" i="1" smtClean="0">
+                                <a:latin typeface="Cambria Math" panose="02040503050406030204" pitchFamily="18" charset="0"/>
+                              </a:rPr>
+                              <m:t>4</m:t>
+                            </m:r>
+                          </m:sup>
+                        </m:sSubSup>
+                        <m:r>
+                          <a:rPr lang="de-DE" b="0" i="1" smtClean="0">
+                            <a:latin typeface="Cambria Math" panose="02040503050406030204" pitchFamily="18" charset="0"/>
+                          </a:rPr>
+                          <m:t>−</m:t>
+                        </m:r>
+                        <m:sSubSup>
+                          <m:sSubSupPr>
+                            <m:ctrlPr>
+                              <a:rPr lang="de-DE" b="0" i="1" smtClean="0">
+                                <a:latin typeface="Cambria Math" panose="02040503050406030204" pitchFamily="18" charset="0"/>
+                              </a:rPr>
+                            </m:ctrlPr>
+                          </m:sSubSupPr>
+                          <m:e>
+                            <m:r>
+                              <a:rPr lang="de-DE" b="0" i="1" smtClean="0">
+                                <a:latin typeface="Cambria Math" panose="02040503050406030204" pitchFamily="18" charset="0"/>
+                              </a:rPr>
+                              <m:t>𝑇</m:t>
+                            </m:r>
+                          </m:e>
+                          <m:sub>
+                            <m:r>
+                              <a:rPr lang="de-DE" b="0" i="1" smtClean="0">
+                                <a:latin typeface="Cambria Math" panose="02040503050406030204" pitchFamily="18" charset="0"/>
+                              </a:rPr>
+                              <m:t>0</m:t>
+                            </m:r>
+                          </m:sub>
+                          <m:sup>
+                            <m:r>
+                              <a:rPr lang="de-DE" b="0" i="1" smtClean="0">
+                                <a:latin typeface="Cambria Math" panose="02040503050406030204" pitchFamily="18" charset="0"/>
+                              </a:rPr>
+                              <m:t>4</m:t>
+                            </m:r>
+                          </m:sup>
+                        </m:sSubSup>
+                        <m:r>
+                          <a:rPr lang="de-DE" b="0" i="1" smtClean="0">
+                            <a:latin typeface="Cambria Math" panose="02040503050406030204" pitchFamily="18" charset="0"/>
+                          </a:rPr>
+                          <m:t>)</m:t>
+                        </m:r>
+                      </m:den>
+                    </m:f>
+                  </m:oMath>
+                </a14:m>
+                <a:endParaRPr lang="de-DE" dirty="0"/>
+              </a:p>
+            </p:txBody>
+          </p:sp>
+        </mc:Choice>
+        <mc:Fallback>
+          <p:sp>
+            <p:nvSpPr>
+              <p:cNvPr id="3" name="Inhaltsplatzhalter 2">
+                <a:extLst>
+                  <a:ext uri="{FF2B5EF4-FFF2-40B4-BE49-F238E27FC236}">
+                    <a16:creationId xmlns:a16="http://schemas.microsoft.com/office/drawing/2014/main" id="{D1A0BAFD-BF2B-4219-A183-4B7BC670E94E}"/>
+                  </a:ext>
+                </a:extLst>
+              </p:cNvPr>
+              <p:cNvSpPr>
+                <a:spLocks noGrp="1" noRot="1" noChangeAspect="1" noMove="1" noResize="1" noEditPoints="1" noAdjustHandles="1" noChangeArrowheads="1" noChangeShapeType="1" noTextEdit="1"/>
+              </p:cNvSpPr>
+              <p:nvPr>
+                <p:ph idx="1"/>
+              </p:nvPr>
+            </p:nvSpPr>
+            <p:spPr>
+              <a:blipFill>
+                <a:blip r:embed="rId2"/>
+                <a:stretch>
+                  <a:fillRect/>
+                </a:stretch>
+              </a:blipFill>
+            </p:spPr>
+            <p:txBody>
+              <a:bodyPr/>
+              <a:lstStyle/>
+              <a:p>
+                <a:r>
+                  <a:rPr lang="de-DE">
+                    <a:noFill/>
+                  </a:rPr>
+                  <a:t> </a:t>
+                </a:r>
+              </a:p>
+            </p:txBody>
+          </p:sp>
+        </mc:Fallback>
+      </mc:AlternateContent>
       <p:sp>
         <p:nvSpPr>
           <p:cNvPr id="4" name="Foliennummernplatzhalter 3">
@@ -4773,8 +5358,8 @@
           </a:p>
         </p:txBody>
       </p:sp>
-      <mc:AlternateContent xmlns:mc="http://schemas.openxmlformats.org/markup-compatibility/2006">
-        <mc:Choice xmlns:a14="http://schemas.microsoft.com/office/drawing/2010/main" Requires="a14">
+      <mc:AlternateContent xmlns:mc="http://schemas.openxmlformats.org/markup-compatibility/2006" xmlns:a14="http://schemas.microsoft.com/office/drawing/2010/main">
+        <mc:Choice Requires="a14">
           <p:sp>
             <p:nvSpPr>
               <p:cNvPr id="3" name="Inhaltsplatzhalter 2">
@@ -5496,7 +6081,7 @@
             </p:txBody>
           </p:sp>
         </mc:Choice>
-        <mc:Fallback>
+        <mc:Fallback xmlns="">
           <p:sp>
             <p:nvSpPr>
               <p:cNvPr id="3" name="Inhaltsplatzhalter 2">
@@ -5813,7 +6398,10 @@
                     </m:r>
                   </m:oMath>
                 </a14:m>
-                <a:endParaRPr lang="de-DE" b="0" dirty="0"/>
+                <a:r>
+                  <a:rPr lang="de-DE" b="0" dirty="0"/>
+                  <a:t>29</a:t>
+                </a:r>
               </a:p>
               <a:p>
                 <a:pPr lvl="1"/>
@@ -6131,7 +6719,12 @@
             <p:ph type="title"/>
           </p:nvPr>
         </p:nvSpPr>
-        <p:spPr/>
+        <p:spPr>
+          <a:xfrm>
+            <a:off x="838200" y="351252"/>
+            <a:ext cx="10515600" cy="721553"/>
+          </a:xfrm>
+        </p:spPr>
         <p:txBody>
           <a:bodyPr/>
           <a:lstStyle/>
@@ -6159,10 +6752,22 @@
             <p:ph idx="1"/>
           </p:nvPr>
         </p:nvSpPr>
-        <p:spPr/>
-        <p:txBody>
-          <a:bodyPr/>
-          <a:lstStyle/>
+        <p:spPr>
+          <a:xfrm>
+            <a:off x="838200" y="1205948"/>
+            <a:ext cx="1560443" cy="530087"/>
+          </a:xfrm>
+        </p:spPr>
+        <p:txBody>
+          <a:bodyPr/>
+          <a:lstStyle/>
+          <a:p>
+            <a:r>
+              <a:rPr lang="de-DE" dirty="0" err="1"/>
+              <a:t>Bla</a:t>
+            </a:r>
+            <a:endParaRPr lang="de-DE" dirty="0"/>
+          </a:p>
           <a:p>
             <a:endParaRPr lang="de-DE" dirty="0"/>
           </a:p>
@@ -6253,6 +6858,78 @@
           </a:p>
         </p:txBody>
       </p:sp>
+      <p:pic>
+        <p:nvPicPr>
+          <p:cNvPr id="12" name="Grafik 11">
+            <a:extLst>
+              <a:ext uri="{FF2B5EF4-FFF2-40B4-BE49-F238E27FC236}">
+                <a16:creationId xmlns:a16="http://schemas.microsoft.com/office/drawing/2014/main" id="{E73E503F-0C47-478D-AB22-717B0AF12FE9}"/>
+              </a:ext>
+            </a:extLst>
+          </p:cNvPr>
+          <p:cNvPicPr>
+            <a:picLocks noChangeAspect="1"/>
+          </p:cNvPicPr>
+          <p:nvPr/>
+        </p:nvPicPr>
+        <p:blipFill>
+          <a:blip r:embed="rId2">
+            <a:extLst>
+              <a:ext uri="{28A0092B-C50C-407E-A947-70E740481C1C}">
+                <a14:useLocalDpi xmlns:a14="http://schemas.microsoft.com/office/drawing/2010/main" val="0"/>
+              </a:ext>
+            </a:extLst>
+          </a:blip>
+          <a:stretch>
+            <a:fillRect/>
+          </a:stretch>
+        </p:blipFill>
+        <p:spPr>
+          <a:xfrm>
+            <a:off x="655314" y="1855305"/>
+            <a:ext cx="5433391" cy="4007126"/>
+          </a:xfrm>
+          <a:prstGeom prst="rect">
+            <a:avLst/>
+          </a:prstGeom>
+        </p:spPr>
+      </p:pic>
+      <p:pic>
+        <p:nvPicPr>
+          <p:cNvPr id="14" name="Grafik 13">
+            <a:extLst>
+              <a:ext uri="{FF2B5EF4-FFF2-40B4-BE49-F238E27FC236}">
+                <a16:creationId xmlns:a16="http://schemas.microsoft.com/office/drawing/2014/main" id="{779695AB-F1CF-48C1-B8EB-60B486168DC9}"/>
+              </a:ext>
+            </a:extLst>
+          </p:cNvPr>
+          <p:cNvPicPr>
+            <a:picLocks noChangeAspect="1"/>
+          </p:cNvPicPr>
+          <p:nvPr/>
+        </p:nvPicPr>
+        <p:blipFill>
+          <a:blip r:embed="rId3">
+            <a:extLst>
+              <a:ext uri="{28A0092B-C50C-407E-A947-70E740481C1C}">
+                <a14:useLocalDpi xmlns:a14="http://schemas.microsoft.com/office/drawing/2010/main" val="0"/>
+              </a:ext>
+            </a:extLst>
+          </a:blip>
+          <a:stretch>
+            <a:fillRect/>
+          </a:stretch>
+        </p:blipFill>
+        <p:spPr>
+          <a:xfrm>
+            <a:off x="5920409" y="1855305"/>
+            <a:ext cx="5433391" cy="4007126"/>
+          </a:xfrm>
+          <a:prstGeom prst="rect">
+            <a:avLst/>
+          </a:prstGeom>
+        </p:spPr>
+      </p:pic>
     </p:spTree>
     <p:extLst>
       <p:ext uri="{BB962C8B-B14F-4D97-AF65-F5344CB8AC3E}">
@@ -6327,12 +7004,23 @@
             <p:ph idx="1"/>
           </p:nvPr>
         </p:nvSpPr>
-        <p:spPr/>
-        <p:txBody>
-          <a:bodyPr/>
-          <a:lstStyle/>
-          <a:p>
-            <a:endParaRPr lang="de-DE"/>
+        <p:spPr>
+          <a:xfrm>
+            <a:off x="838200" y="1825625"/>
+            <a:ext cx="2647122" cy="440497"/>
+          </a:xfrm>
+        </p:spPr>
+        <p:txBody>
+          <a:bodyPr>
+            <a:normAutofit lnSpcReduction="10000"/>
+          </a:bodyPr>
+          <a:lstStyle/>
+          <a:p>
+            <a:r>
+              <a:rPr lang="de-DE" dirty="0" err="1"/>
+              <a:t>Bla</a:t>
+            </a:r>
+            <a:endParaRPr lang="de-DE" dirty="0"/>
           </a:p>
         </p:txBody>
       </p:sp>
@@ -6421,6 +7109,78 @@
           </a:p>
         </p:txBody>
       </p:sp>
+      <p:pic>
+        <p:nvPicPr>
+          <p:cNvPr id="8" name="Grafik 7">
+            <a:extLst>
+              <a:ext uri="{FF2B5EF4-FFF2-40B4-BE49-F238E27FC236}">
+                <a16:creationId xmlns:a16="http://schemas.microsoft.com/office/drawing/2014/main" id="{D072E0B7-CDD5-4485-A02B-8A80814B2E7B}"/>
+              </a:ext>
+            </a:extLst>
+          </p:cNvPr>
+          <p:cNvPicPr>
+            <a:picLocks noChangeAspect="1"/>
+          </p:cNvPicPr>
+          <p:nvPr/>
+        </p:nvPicPr>
+        <p:blipFill>
+          <a:blip r:embed="rId2">
+            <a:extLst>
+              <a:ext uri="{28A0092B-C50C-407E-A947-70E740481C1C}">
+                <a14:useLocalDpi xmlns:a14="http://schemas.microsoft.com/office/drawing/2010/main" val="0"/>
+              </a:ext>
+            </a:extLst>
+          </a:blip>
+          <a:stretch>
+            <a:fillRect/>
+          </a:stretch>
+        </p:blipFill>
+        <p:spPr>
+          <a:xfrm>
+            <a:off x="838200" y="2031363"/>
+            <a:ext cx="5573207" cy="4110240"/>
+          </a:xfrm>
+          <a:prstGeom prst="rect">
+            <a:avLst/>
+          </a:prstGeom>
+        </p:spPr>
+      </p:pic>
+      <p:pic>
+        <p:nvPicPr>
+          <p:cNvPr id="10" name="Grafik 9">
+            <a:extLst>
+              <a:ext uri="{FF2B5EF4-FFF2-40B4-BE49-F238E27FC236}">
+                <a16:creationId xmlns:a16="http://schemas.microsoft.com/office/drawing/2014/main" id="{A2066F2A-BCED-4999-9527-7127BB387F55}"/>
+              </a:ext>
+            </a:extLst>
+          </p:cNvPr>
+          <p:cNvPicPr>
+            <a:picLocks noChangeAspect="1"/>
+          </p:cNvPicPr>
+          <p:nvPr/>
+        </p:nvPicPr>
+        <p:blipFill>
+          <a:blip r:embed="rId3">
+            <a:extLst>
+              <a:ext uri="{28A0092B-C50C-407E-A947-70E740481C1C}">
+                <a14:useLocalDpi xmlns:a14="http://schemas.microsoft.com/office/drawing/2010/main" val="0"/>
+              </a:ext>
+            </a:extLst>
+          </a:blip>
+          <a:stretch>
+            <a:fillRect/>
+          </a:stretch>
+        </p:blipFill>
+        <p:spPr>
+          <a:xfrm>
+            <a:off x="6177031" y="2031363"/>
+            <a:ext cx="5531933" cy="4079801"/>
+          </a:xfrm>
+          <a:prstGeom prst="rect">
+            <a:avLst/>
+          </a:prstGeom>
+        </p:spPr>
+      </p:pic>
     </p:spTree>
     <p:extLst>
       <p:ext uri="{BB962C8B-B14F-4D97-AF65-F5344CB8AC3E}">
@@ -6479,8 +7239,8 @@
           </a:p>
         </p:txBody>
       </p:sp>
-      <mc:AlternateContent xmlns:mc="http://schemas.openxmlformats.org/markup-compatibility/2006">
-        <mc:Choice xmlns:a14="http://schemas.microsoft.com/office/drawing/2010/main" Requires="a14">
+      <mc:AlternateContent xmlns:mc="http://schemas.openxmlformats.org/markup-compatibility/2006" xmlns:a14="http://schemas.microsoft.com/office/drawing/2010/main">
+        <mc:Choice Requires="a14">
           <p:sp>
             <p:nvSpPr>
               <p:cNvPr id="3" name="Inhaltsplatzhalter 2">
@@ -6704,7 +7464,7 @@
             </p:txBody>
           </p:sp>
         </mc:Choice>
-        <mc:Fallback>
+        <mc:Fallback xmlns="">
           <p:sp>
             <p:nvSpPr>
               <p:cNvPr id="3" name="Inhaltsplatzhalter 2">
@@ -6891,8 +7651,8 @@
           </a:p>
         </p:txBody>
       </p:sp>
-      <mc:AlternateContent xmlns:mc="http://schemas.openxmlformats.org/markup-compatibility/2006" xmlns:a14="http://schemas.microsoft.com/office/drawing/2010/main">
-        <mc:Choice Requires="a14">
+      <mc:AlternateContent xmlns:mc="http://schemas.openxmlformats.org/markup-compatibility/2006">
+        <mc:Choice xmlns:a14="http://schemas.microsoft.com/office/drawing/2010/main" Requires="a14">
           <p:sp>
             <p:nvSpPr>
               <p:cNvPr id="3" name="Inhaltsplatzhalter 2">
@@ -6912,7 +7672,7 @@
             <p:spPr>
               <a:xfrm>
                 <a:off x="838199" y="1825625"/>
-                <a:ext cx="3797596" cy="4245566"/>
+                <a:ext cx="3797596" cy="930827"/>
               </a:xfrm>
             </p:spPr>
             <p:txBody>
@@ -7047,20 +7807,10 @@
                 </a14:m>
                 <a:endParaRPr lang="de-DE" dirty="0"/>
               </a:p>
-              <a:p>
-                <a:endParaRPr lang="de-DE" dirty="0"/>
-              </a:p>
-              <a:p>
-                <a:r>
-                  <a:rPr lang="de-DE" dirty="0" err="1"/>
-                  <a:t>bla</a:t>
-                </a:r>
-                <a:endParaRPr lang="de-DE" dirty="0"/>
-              </a:p>
             </p:txBody>
           </p:sp>
         </mc:Choice>
-        <mc:Fallback xmlns="">
+        <mc:Fallback>
           <p:sp>
             <p:nvSpPr>
               <p:cNvPr id="3" name="Inhaltsplatzhalter 2">
@@ -7080,12 +7830,12 @@
             <p:spPr>
               <a:xfrm>
                 <a:off x="838199" y="1825625"/>
-                <a:ext cx="3797596" cy="4245566"/>
+                <a:ext cx="3797596" cy="930827"/>
               </a:xfrm>
               <a:blipFill>
                 <a:blip r:embed="rId2"/>
                 <a:stretch>
-                  <a:fillRect l="-2729" t="-2296"/>
+                  <a:fillRect l="-2729" t="-10458" b="-4575"/>
                 </a:stretch>
               </a:blipFill>
             </p:spPr>
@@ -7161,8 +7911,8 @@
         </p:blipFill>
         <p:spPr>
           <a:xfrm>
-            <a:off x="5796156" y="1445597"/>
-            <a:ext cx="5852172" cy="4370841"/>
+            <a:off x="5953544" y="1752546"/>
+            <a:ext cx="5583142" cy="4169909"/>
           </a:xfrm>
           <a:prstGeom prst="rect">
             <a:avLst/>
@@ -7225,6 +7975,42 @@
           </a:p>
         </p:txBody>
       </p:sp>
+      <p:pic>
+        <p:nvPicPr>
+          <p:cNvPr id="9" name="Grafik 8">
+            <a:extLst>
+              <a:ext uri="{FF2B5EF4-FFF2-40B4-BE49-F238E27FC236}">
+                <a16:creationId xmlns:a16="http://schemas.microsoft.com/office/drawing/2014/main" id="{A13DCFF3-0FF8-431E-99DE-53E57F5E6932}"/>
+              </a:ext>
+            </a:extLst>
+          </p:cNvPr>
+          <p:cNvPicPr>
+            <a:picLocks noChangeAspect="1"/>
+          </p:cNvPicPr>
+          <p:nvPr/>
+        </p:nvPicPr>
+        <p:blipFill>
+          <a:blip r:embed="rId4">
+            <a:extLst>
+              <a:ext uri="{28A0092B-C50C-407E-A947-70E740481C1C}">
+                <a14:useLocalDpi xmlns:a14="http://schemas.microsoft.com/office/drawing/2010/main" val="0"/>
+              </a:ext>
+            </a:extLst>
+          </a:blip>
+          <a:stretch>
+            <a:fillRect/>
+          </a:stretch>
+        </p:blipFill>
+        <p:spPr>
+          <a:xfrm>
+            <a:off x="980655" y="2756452"/>
+            <a:ext cx="5115345" cy="3525653"/>
+          </a:xfrm>
+          <a:prstGeom prst="rect">
+            <a:avLst/>
+          </a:prstGeom>
+        </p:spPr>
+      </p:pic>
     </p:spTree>
     <p:extLst>
       <p:ext uri="{BB962C8B-B14F-4D97-AF65-F5344CB8AC3E}">

--- a/grundpraktikum2/Atomphysik/Atomphysik.pptx
+++ b/grundpraktikum2/Atomphysik/Atomphysik.pptx
@@ -18,7 +18,7 @@
     <p:sldId id="260" r:id="rId9"/>
     <p:sldId id="265" r:id="rId10"/>
     <p:sldId id="261" r:id="rId11"/>
-    <p:sldId id="262" r:id="rId12"/>
+    <p:sldId id="269" r:id="rId12"/>
     <p:sldId id="263" r:id="rId13"/>
     <p:sldId id="264" r:id="rId14"/>
   </p:sldIdLst>
@@ -4033,8 +4033,8 @@
           </a:prstGeom>
         </p:spPr>
       </p:pic>
-      <mc:AlternateContent xmlns:mc="http://schemas.openxmlformats.org/markup-compatibility/2006">
-        <mc:Choice xmlns:a14="http://schemas.microsoft.com/office/drawing/2010/main" Requires="a14">
+      <mc:AlternateContent xmlns:mc="http://schemas.openxmlformats.org/markup-compatibility/2006" xmlns:a14="http://schemas.microsoft.com/office/drawing/2010/main">
+        <mc:Choice Requires="a14">
           <p:sp>
             <p:nvSpPr>
               <p:cNvPr id="12" name="Textfeld 11">
@@ -4131,7 +4131,7 @@
             </p:txBody>
           </p:sp>
         </mc:Choice>
-        <mc:Fallback>
+        <mc:Fallback xmlns="">
           <p:sp>
             <p:nvSpPr>
               <p:cNvPr id="12" name="Textfeld 11">
@@ -4234,20 +4234,342 @@
           </a:p>
         </p:txBody>
       </p:sp>
-      <p:sp>
-        <p:nvSpPr>
-          <p:cNvPr id="3" name="Inhaltsplatzhalter 2">
-            <a:extLst>
-              <a:ext uri="{FF2B5EF4-FFF2-40B4-BE49-F238E27FC236}">
-                <a16:creationId xmlns:a16="http://schemas.microsoft.com/office/drawing/2014/main" id="{CB07CF9B-C9B2-4961-8969-E9D66BB171E4}"/>
-              </a:ext>
-            </a:extLst>
-          </p:cNvPr>
-          <p:cNvSpPr>
-            <a:spLocks noGrp="1"/>
-          </p:cNvSpPr>
-          <p:nvPr>
-            <p:ph idx="1"/>
+      <mc:AlternateContent xmlns:mc="http://schemas.openxmlformats.org/markup-compatibility/2006">
+        <mc:Choice xmlns:a14="http://schemas.microsoft.com/office/drawing/2010/main" Requires="a14">
+          <p:sp>
+            <p:nvSpPr>
+              <p:cNvPr id="7" name="Inhaltsplatzhalter 6">
+                <a:extLst>
+                  <a:ext uri="{FF2B5EF4-FFF2-40B4-BE49-F238E27FC236}">
+                    <a16:creationId xmlns:a16="http://schemas.microsoft.com/office/drawing/2014/main" id="{7304A7FA-D9C3-471F-A822-EBF7CF25AF14}"/>
+                  </a:ext>
+                </a:extLst>
+              </p:cNvPr>
+              <p:cNvSpPr>
+                <a:spLocks noGrp="1"/>
+              </p:cNvSpPr>
+              <p:nvPr>
+                <p:ph sz="half" idx="1"/>
+              </p:nvPr>
+            </p:nvSpPr>
+            <p:spPr>
+              <a:xfrm>
+                <a:off x="838200" y="1825624"/>
+                <a:ext cx="10515600" cy="1611266"/>
+              </a:xfrm>
+            </p:spPr>
+            <p:txBody>
+              <a:bodyPr/>
+              <a:lstStyle/>
+              <a:p>
+                <a:r>
+                  <a:rPr lang="de-DE" dirty="0"/>
+                  <a:t>Punktweise berechnet und gewichtet gemittelt</a:t>
+                </a:r>
+              </a:p>
+              <a:p>
+                <a14:m>
+                  <m:oMath xmlns:m="http://schemas.openxmlformats.org/officeDocument/2006/math">
+                    <m:r>
+                      <a:rPr lang="de-DE" b="0" i="1" smtClean="0">
+                        <a:latin typeface="Cambria Math" panose="02040503050406030204" pitchFamily="18" charset="0"/>
+                      </a:rPr>
+                      <m:t>𝜖</m:t>
+                    </m:r>
+                    <m:r>
+                      <a:rPr lang="de-DE" b="0" i="1" smtClean="0">
+                        <a:latin typeface="Cambria Math" panose="02040503050406030204" pitchFamily="18" charset="0"/>
+                      </a:rPr>
+                      <m:t>= </m:t>
+                    </m:r>
+                    <m:f>
+                      <m:fPr>
+                        <m:ctrlPr>
+                          <a:rPr lang="de-DE" b="0" i="1" smtClean="0">
+                            <a:latin typeface="Cambria Math" panose="02040503050406030204" pitchFamily="18" charset="0"/>
+                          </a:rPr>
+                        </m:ctrlPr>
+                      </m:fPr>
+                      <m:num>
+                        <m:r>
+                          <a:rPr lang="de-DE" b="0" i="1" smtClean="0">
+                            <a:latin typeface="Cambria Math" panose="02040503050406030204" pitchFamily="18" charset="0"/>
+                          </a:rPr>
+                          <m:t>𝑈𝑣</m:t>
+                        </m:r>
+                        <m:sSup>
+                          <m:sSupPr>
+                            <m:ctrlPr>
+                              <a:rPr lang="de-DE" b="0" i="1" smtClean="0">
+                                <a:latin typeface="Cambria Math" panose="02040503050406030204" pitchFamily="18" charset="0"/>
+                              </a:rPr>
+                            </m:ctrlPr>
+                          </m:sSupPr>
+                          <m:e>
+                            <m:r>
+                              <a:rPr lang="de-DE" b="0" i="1" smtClean="0">
+                                <a:latin typeface="Cambria Math" panose="02040503050406030204" pitchFamily="18" charset="0"/>
+                              </a:rPr>
+                              <m:t>𝑟</m:t>
+                            </m:r>
+                          </m:e>
+                          <m:sup>
+                            <m:r>
+                              <a:rPr lang="de-DE" b="0" i="1" smtClean="0">
+                                <a:latin typeface="Cambria Math" panose="02040503050406030204" pitchFamily="18" charset="0"/>
+                              </a:rPr>
+                              <m:t>2</m:t>
+                            </m:r>
+                          </m:sup>
+                        </m:sSup>
+                        <m:r>
+                          <a:rPr lang="de-DE" b="0" i="1" smtClean="0">
+                            <a:latin typeface="Cambria Math" panose="02040503050406030204" pitchFamily="18" charset="0"/>
+                          </a:rPr>
+                          <m:t>𝜋</m:t>
+                        </m:r>
+                      </m:num>
+                      <m:den>
+                        <m:r>
+                          <a:rPr lang="de-DE" b="0" i="1" smtClean="0">
+                            <a:latin typeface="Cambria Math" panose="02040503050406030204" pitchFamily="18" charset="0"/>
+                          </a:rPr>
+                          <m:t>𝑘</m:t>
+                        </m:r>
+                        <m:sSub>
+                          <m:sSubPr>
+                            <m:ctrlPr>
+                              <a:rPr lang="de-DE" b="0" i="1" smtClean="0">
+                                <a:latin typeface="Cambria Math" panose="02040503050406030204" pitchFamily="18" charset="0"/>
+                              </a:rPr>
+                            </m:ctrlPr>
+                          </m:sSubPr>
+                          <m:e>
+                            <m:r>
+                              <a:rPr lang="de-DE" b="0" i="1" smtClean="0">
+                                <a:latin typeface="Cambria Math" panose="02040503050406030204" pitchFamily="18" charset="0"/>
+                              </a:rPr>
+                              <m:t>𝐴</m:t>
+                            </m:r>
+                          </m:e>
+                          <m:sub>
+                            <m:r>
+                              <a:rPr lang="de-DE" b="0" i="1" smtClean="0">
+                                <a:latin typeface="Cambria Math" panose="02040503050406030204" pitchFamily="18" charset="0"/>
+                              </a:rPr>
+                              <m:t>𝑠</m:t>
+                            </m:r>
+                          </m:sub>
+                        </m:sSub>
+                        <m:sSub>
+                          <m:sSubPr>
+                            <m:ctrlPr>
+                              <a:rPr lang="de-DE" b="0" i="1" smtClean="0">
+                                <a:latin typeface="Cambria Math" panose="02040503050406030204" pitchFamily="18" charset="0"/>
+                              </a:rPr>
+                            </m:ctrlPr>
+                          </m:sSubPr>
+                          <m:e>
+                            <m:r>
+                              <a:rPr lang="de-DE" b="0" i="1" smtClean="0">
+                                <a:latin typeface="Cambria Math" panose="02040503050406030204" pitchFamily="18" charset="0"/>
+                              </a:rPr>
+                              <m:t>𝐴</m:t>
+                            </m:r>
+                          </m:e>
+                          <m:sub>
+                            <m:r>
+                              <a:rPr lang="de-DE" b="0" i="1" smtClean="0">
+                                <a:latin typeface="Cambria Math" panose="02040503050406030204" pitchFamily="18" charset="0"/>
+                              </a:rPr>
+                              <m:t>𝑒</m:t>
+                            </m:r>
+                          </m:sub>
+                        </m:sSub>
+                        <m:r>
+                          <a:rPr lang="de-DE" b="0" i="1" smtClean="0">
+                            <a:latin typeface="Cambria Math" panose="02040503050406030204" pitchFamily="18" charset="0"/>
+                          </a:rPr>
+                          <m:t>𝜎</m:t>
+                        </m:r>
+                        <m:r>
+                          <a:rPr lang="de-DE" b="0" i="1" smtClean="0">
+                            <a:latin typeface="Cambria Math" panose="02040503050406030204" pitchFamily="18" charset="0"/>
+                          </a:rPr>
+                          <m:t>(</m:t>
+                        </m:r>
+                        <m:sSup>
+                          <m:sSupPr>
+                            <m:ctrlPr>
+                              <a:rPr lang="de-DE" b="0" i="1" smtClean="0">
+                                <a:latin typeface="Cambria Math" panose="02040503050406030204" pitchFamily="18" charset="0"/>
+                              </a:rPr>
+                            </m:ctrlPr>
+                          </m:sSupPr>
+                          <m:e>
+                            <m:r>
+                              <a:rPr lang="de-DE" b="0" i="1" smtClean="0">
+                                <a:latin typeface="Cambria Math" panose="02040503050406030204" pitchFamily="18" charset="0"/>
+                              </a:rPr>
+                              <m:t>𝑇</m:t>
+                            </m:r>
+                          </m:e>
+                          <m:sup>
+                            <m:r>
+                              <a:rPr lang="de-DE" b="0" i="1" smtClean="0">
+                                <a:latin typeface="Cambria Math" panose="02040503050406030204" pitchFamily="18" charset="0"/>
+                              </a:rPr>
+                              <m:t>4</m:t>
+                            </m:r>
+                          </m:sup>
+                        </m:sSup>
+                        <m:r>
+                          <a:rPr lang="de-DE" b="0" i="1" smtClean="0">
+                            <a:latin typeface="Cambria Math" panose="02040503050406030204" pitchFamily="18" charset="0"/>
+                          </a:rPr>
+                          <m:t>−</m:t>
+                        </m:r>
+                        <m:sSubSup>
+                          <m:sSubSupPr>
+                            <m:ctrlPr>
+                              <a:rPr lang="de-DE" b="0" i="1" smtClean="0">
+                                <a:latin typeface="Cambria Math" panose="02040503050406030204" pitchFamily="18" charset="0"/>
+                              </a:rPr>
+                            </m:ctrlPr>
+                          </m:sSubSupPr>
+                          <m:e>
+                            <m:r>
+                              <a:rPr lang="de-DE" b="0" i="1" smtClean="0">
+                                <a:latin typeface="Cambria Math" panose="02040503050406030204" pitchFamily="18" charset="0"/>
+                              </a:rPr>
+                              <m:t>𝑇</m:t>
+                            </m:r>
+                          </m:e>
+                          <m:sub>
+                            <m:r>
+                              <a:rPr lang="de-DE" b="0" i="1" smtClean="0">
+                                <a:latin typeface="Cambria Math" panose="02040503050406030204" pitchFamily="18" charset="0"/>
+                              </a:rPr>
+                              <m:t>0</m:t>
+                            </m:r>
+                          </m:sub>
+                          <m:sup>
+                            <m:r>
+                              <a:rPr lang="de-DE" b="0" i="1" smtClean="0">
+                                <a:latin typeface="Cambria Math" panose="02040503050406030204" pitchFamily="18" charset="0"/>
+                              </a:rPr>
+                              <m:t>4</m:t>
+                            </m:r>
+                          </m:sup>
+                        </m:sSubSup>
+                        <m:r>
+                          <a:rPr lang="de-DE" b="0" i="1" smtClean="0">
+                            <a:latin typeface="Cambria Math" panose="02040503050406030204" pitchFamily="18" charset="0"/>
+                          </a:rPr>
+                          <m:t>)</m:t>
+                        </m:r>
+                      </m:den>
+                    </m:f>
+                  </m:oMath>
+                </a14:m>
+                <a:endParaRPr lang="de-DE" dirty="0"/>
+              </a:p>
+            </p:txBody>
+          </p:sp>
+        </mc:Choice>
+        <mc:Fallback>
+          <p:sp>
+            <p:nvSpPr>
+              <p:cNvPr id="7" name="Inhaltsplatzhalter 6">
+                <a:extLst>
+                  <a:ext uri="{FF2B5EF4-FFF2-40B4-BE49-F238E27FC236}">
+                    <a16:creationId xmlns:a16="http://schemas.microsoft.com/office/drawing/2014/main" id="{7304A7FA-D9C3-471F-A822-EBF7CF25AF14}"/>
+                  </a:ext>
+                </a:extLst>
+              </p:cNvPr>
+              <p:cNvSpPr>
+                <a:spLocks noGrp="1" noRot="1" noChangeAspect="1" noMove="1" noResize="1" noEditPoints="1" noAdjustHandles="1" noChangeArrowheads="1" noChangeShapeType="1" noTextEdit="1"/>
+              </p:cNvSpPr>
+              <p:nvPr>
+                <p:ph sz="half" idx="1"/>
+              </p:nvPr>
+            </p:nvSpPr>
+            <p:spPr>
+              <a:xfrm>
+                <a:off x="838200" y="1825624"/>
+                <a:ext cx="10515600" cy="1611266"/>
+              </a:xfrm>
+              <a:blipFill>
+                <a:blip r:embed="rId2"/>
+                <a:stretch>
+                  <a:fillRect l="-1043" t="-6038"/>
+                </a:stretch>
+              </a:blipFill>
+            </p:spPr>
+            <p:txBody>
+              <a:bodyPr/>
+              <a:lstStyle/>
+              <a:p>
+                <a:r>
+                  <a:rPr lang="de-DE">
+                    <a:noFill/>
+                  </a:rPr>
+                  <a:t> </a:t>
+                </a:r>
+              </a:p>
+            </p:txBody>
+          </p:sp>
+        </mc:Fallback>
+      </mc:AlternateContent>
+      <p:pic>
+        <p:nvPicPr>
+          <p:cNvPr id="10" name="Inhaltsplatzhalter 9">
+            <a:extLst>
+              <a:ext uri="{FF2B5EF4-FFF2-40B4-BE49-F238E27FC236}">
+                <a16:creationId xmlns:a16="http://schemas.microsoft.com/office/drawing/2014/main" id="{F462EC20-BA2C-4883-B27C-27D4291FF74E}"/>
+              </a:ext>
+            </a:extLst>
+          </p:cNvPr>
+          <p:cNvPicPr>
+            <a:picLocks noGrp="1" noChangeAspect="1"/>
+          </p:cNvPicPr>
+          <p:nvPr>
+            <p:ph sz="half" idx="2"/>
+          </p:nvPr>
+        </p:nvPicPr>
+        <p:blipFill>
+          <a:blip r:embed="rId3">
+            <a:extLst>
+              <a:ext uri="{28A0092B-C50C-407E-A947-70E740481C1C}">
+                <a14:useLocalDpi xmlns:a14="http://schemas.microsoft.com/office/drawing/2010/main" val="0"/>
+              </a:ext>
+            </a:extLst>
+          </a:blip>
+          <a:stretch>
+            <a:fillRect/>
+          </a:stretch>
+        </p:blipFill>
+        <p:spPr>
+          <a:xfrm>
+            <a:off x="1232681" y="3676041"/>
+            <a:ext cx="9726637" cy="2441158"/>
+          </a:xfrm>
+        </p:spPr>
+      </p:pic>
+      <p:sp>
+        <p:nvSpPr>
+          <p:cNvPr id="5" name="Datumsplatzhalter 4">
+            <a:extLst>
+              <a:ext uri="{FF2B5EF4-FFF2-40B4-BE49-F238E27FC236}">
+                <a16:creationId xmlns:a16="http://schemas.microsoft.com/office/drawing/2014/main" id="{D2803811-14B3-4A0A-B3D2-9C91933F8AC5}"/>
+              </a:ext>
+            </a:extLst>
+          </p:cNvPr>
+          <p:cNvSpPr>
+            <a:spLocks noGrp="1"/>
+          </p:cNvSpPr>
+          <p:nvPr>
+            <p:ph type="dt" sz="half" idx="10"/>
           </p:nvPr>
         </p:nvSpPr>
         <p:spPr/>
@@ -4255,7 +4577,38 @@
           <a:bodyPr/>
           <a:lstStyle/>
           <a:p>
-            <a:endParaRPr lang="de-DE"/>
+            <a:r>
+              <a:rPr lang="de-DE"/>
+              <a:t>22.09.2017</a:t>
+            </a:r>
+          </a:p>
+        </p:txBody>
+      </p:sp>
+      <p:sp>
+        <p:nvSpPr>
+          <p:cNvPr id="6" name="Fußzeilenplatzhalter 5">
+            <a:extLst>
+              <a:ext uri="{FF2B5EF4-FFF2-40B4-BE49-F238E27FC236}">
+                <a16:creationId xmlns:a16="http://schemas.microsoft.com/office/drawing/2014/main" id="{EB43C465-31C1-4CB6-8D47-C4AFB5F55EBA}"/>
+              </a:ext>
+            </a:extLst>
+          </p:cNvPr>
+          <p:cNvSpPr>
+            <a:spLocks noGrp="1"/>
+          </p:cNvSpPr>
+          <p:nvPr>
+            <p:ph type="ftr" sz="quarter" idx="11"/>
+          </p:nvPr>
+        </p:nvSpPr>
+        <p:spPr/>
+        <p:txBody>
+          <a:bodyPr/>
+          <a:lstStyle/>
+          <a:p>
+            <a:r>
+              <a:rPr lang="de-DE"/>
+              <a:t>Sebastian Siebert</a:t>
+            </a:r>
           </a:p>
         </p:txBody>
       </p:sp>
@@ -4288,66 +4641,10 @@
           </a:p>
         </p:txBody>
       </p:sp>
-      <p:sp>
-        <p:nvSpPr>
-          <p:cNvPr id="5" name="Datumsplatzhalter 4">
-            <a:extLst>
-              <a:ext uri="{FF2B5EF4-FFF2-40B4-BE49-F238E27FC236}">
-                <a16:creationId xmlns:a16="http://schemas.microsoft.com/office/drawing/2014/main" id="{D2803811-14B3-4A0A-B3D2-9C91933F8AC5}"/>
-              </a:ext>
-            </a:extLst>
-          </p:cNvPr>
-          <p:cNvSpPr>
-            <a:spLocks noGrp="1"/>
-          </p:cNvSpPr>
-          <p:nvPr>
-            <p:ph type="dt" sz="half" idx="10"/>
-          </p:nvPr>
-        </p:nvSpPr>
-        <p:spPr/>
-        <p:txBody>
-          <a:bodyPr/>
-          <a:lstStyle/>
-          <a:p>
-            <a:r>
-              <a:rPr lang="de-DE"/>
-              <a:t>22.09.2017</a:t>
-            </a:r>
-          </a:p>
-        </p:txBody>
-      </p:sp>
-      <p:sp>
-        <p:nvSpPr>
-          <p:cNvPr id="6" name="Fußzeilenplatzhalter 5">
-            <a:extLst>
-              <a:ext uri="{FF2B5EF4-FFF2-40B4-BE49-F238E27FC236}">
-                <a16:creationId xmlns:a16="http://schemas.microsoft.com/office/drawing/2014/main" id="{EB43C465-31C1-4CB6-8D47-C4AFB5F55EBA}"/>
-              </a:ext>
-            </a:extLst>
-          </p:cNvPr>
-          <p:cNvSpPr>
-            <a:spLocks noGrp="1"/>
-          </p:cNvSpPr>
-          <p:nvPr>
-            <p:ph type="ftr" sz="quarter" idx="11"/>
-          </p:nvPr>
-        </p:nvSpPr>
-        <p:spPr/>
-        <p:txBody>
-          <a:bodyPr/>
-          <a:lstStyle/>
-          <a:p>
-            <a:r>
-              <a:rPr lang="de-DE"/>
-              <a:t>Sebastian Siebert</a:t>
-            </a:r>
-          </a:p>
-        </p:txBody>
-      </p:sp>
     </p:spTree>
     <p:extLst>
       <p:ext uri="{BB962C8B-B14F-4D97-AF65-F5344CB8AC3E}">
-        <p14:creationId xmlns:p14="http://schemas.microsoft.com/office/powerpoint/2010/main" val="541445421"/>
+        <p14:creationId xmlns:p14="http://schemas.microsoft.com/office/powerpoint/2010/main" val="3741590704"/>
       </p:ext>
     </p:extLst>
   </p:cSld>
@@ -4402,8 +4699,8 @@
           </a:p>
         </p:txBody>
       </p:sp>
-      <mc:AlternateContent xmlns:mc="http://schemas.openxmlformats.org/markup-compatibility/2006">
-        <mc:Choice xmlns:a14="http://schemas.microsoft.com/office/drawing/2010/main" Requires="a14">
+      <mc:AlternateContent xmlns:mc="http://schemas.openxmlformats.org/markup-compatibility/2006" xmlns:a14="http://schemas.microsoft.com/office/drawing/2010/main">
+        <mc:Choice Requires="a14">
           <p:sp>
             <p:nvSpPr>
               <p:cNvPr id="3" name="Inhaltsplatzhalter 2">
@@ -4778,7 +5075,7 @@
             </p:txBody>
           </p:sp>
         </mc:Choice>
-        <mc:Fallback>
+        <mc:Fallback xmlns="">
           <p:sp>
             <p:nvSpPr>
               <p:cNvPr id="3" name="Inhaltsplatzhalter 2">
@@ -6264,8 +6561,8 @@
           </a:p>
         </p:txBody>
       </p:sp>
-      <mc:AlternateContent xmlns:mc="http://schemas.openxmlformats.org/markup-compatibility/2006">
-        <mc:Choice xmlns:a14="http://schemas.microsoft.com/office/drawing/2010/main" Requires="a14">
+      <mc:AlternateContent xmlns:mc="http://schemas.openxmlformats.org/markup-compatibility/2006" xmlns:a14="http://schemas.microsoft.com/office/drawing/2010/main">
+        <mc:Choice Requires="a14">
           <p:sp>
             <p:nvSpPr>
               <p:cNvPr id="3" name="Inhaltsplatzhalter 2">
@@ -6508,7 +6805,7 @@
             </p:txBody>
           </p:sp>
         </mc:Choice>
-        <mc:Fallback>
+        <mc:Fallback xmlns="">
           <p:sp>
             <p:nvSpPr>
               <p:cNvPr id="3" name="Inhaltsplatzhalter 2">
@@ -7651,8 +7948,8 @@
           </a:p>
         </p:txBody>
       </p:sp>
-      <mc:AlternateContent xmlns:mc="http://schemas.openxmlformats.org/markup-compatibility/2006">
-        <mc:Choice xmlns:a14="http://schemas.microsoft.com/office/drawing/2010/main" Requires="a14">
+      <mc:AlternateContent xmlns:mc="http://schemas.openxmlformats.org/markup-compatibility/2006" xmlns:a14="http://schemas.microsoft.com/office/drawing/2010/main">
+        <mc:Choice Requires="a14">
           <p:sp>
             <p:nvSpPr>
               <p:cNvPr id="3" name="Inhaltsplatzhalter 2">
@@ -7810,7 +8107,7 @@
             </p:txBody>
           </p:sp>
         </mc:Choice>
-        <mc:Fallback>
+        <mc:Fallback xmlns="">
           <p:sp>
             <p:nvSpPr>
               <p:cNvPr id="3" name="Inhaltsplatzhalter 2">

--- a/grundpraktikum2/Atomphysik/Atomphysik.pptx
+++ b/grundpraktikum2/Atomphysik/Atomphysik.pptx
@@ -125,10 +125,6 @@
     </p:ext>
   </p:extLst>
 </p:presentation>
-</file>
-
-<file path=ppt/revisionInfo.xml><?xml version="1.0" encoding="utf-8"?>
-<p1510:revInfo xmlns:a="http://schemas.openxmlformats.org/drawingml/2006/main" xmlns:r="http://schemas.openxmlformats.org/officeDocument/2006/relationships" xmlns:p1510="http://schemas.microsoft.com/office/powerpoint/2015/10/main"/>
 </file>
 
 <file path=ppt/notesMasters/notesMaster1.xml><?xml version="1.0" encoding="utf-8"?>
@@ -4033,8 +4029,8 @@
           </a:prstGeom>
         </p:spPr>
       </p:pic>
-      <mc:AlternateContent xmlns:mc="http://schemas.openxmlformats.org/markup-compatibility/2006" xmlns:a14="http://schemas.microsoft.com/office/drawing/2010/main">
-        <mc:Choice Requires="a14">
+      <mc:AlternateContent xmlns:mc="http://schemas.openxmlformats.org/markup-compatibility/2006">
+        <mc:Choice xmlns:a14="http://schemas.microsoft.com/office/drawing/2010/main" Requires="a14">
           <p:sp>
             <p:nvSpPr>
               <p:cNvPr id="12" name="Textfeld 11">
@@ -4131,7 +4127,7 @@
             </p:txBody>
           </p:sp>
         </mc:Choice>
-        <mc:Fallback xmlns="">
+        <mc:Fallback>
           <p:sp>
             <p:nvSpPr>
               <p:cNvPr id="12" name="Textfeld 11">
@@ -4234,8 +4230,8 @@
           </a:p>
         </p:txBody>
       </p:sp>
-      <mc:AlternateContent xmlns:mc="http://schemas.openxmlformats.org/markup-compatibility/2006">
-        <mc:Choice xmlns:a14="http://schemas.microsoft.com/office/drawing/2010/main" Requires="a14">
+      <mc:AlternateContent xmlns:mc="http://schemas.openxmlformats.org/markup-compatibility/2006" xmlns:a14="http://schemas.microsoft.com/office/drawing/2010/main">
+        <mc:Choice Requires="a14">
           <p:sp>
             <p:nvSpPr>
               <p:cNvPr id="7" name="Inhaltsplatzhalter 6">
@@ -4477,7 +4473,7 @@
             </p:txBody>
           </p:sp>
         </mc:Choice>
-        <mc:Fallback>
+        <mc:Fallback xmlns="">
           <p:sp>
             <p:nvSpPr>
               <p:cNvPr id="7" name="Inhaltsplatzhalter 6">
@@ -4551,8 +4547,8 @@
         </p:blipFill>
         <p:spPr>
           <a:xfrm>
-            <a:off x="1232681" y="3676041"/>
-            <a:ext cx="9726637" cy="2441158"/>
+            <a:off x="1537252" y="3436889"/>
+            <a:ext cx="9644608" cy="2420571"/>
           </a:xfrm>
         </p:spPr>
       </p:pic>
@@ -4699,8 +4695,8 @@
           </a:p>
         </p:txBody>
       </p:sp>
-      <mc:AlternateContent xmlns:mc="http://schemas.openxmlformats.org/markup-compatibility/2006" xmlns:a14="http://schemas.microsoft.com/office/drawing/2010/main">
-        <mc:Choice Requires="a14">
+      <mc:AlternateContent xmlns:mc="http://schemas.openxmlformats.org/markup-compatibility/2006">
+        <mc:Choice xmlns:a14="http://schemas.microsoft.com/office/drawing/2010/main" Requires="a14">
           <p:sp>
             <p:nvSpPr>
               <p:cNvPr id="3" name="Inhaltsplatzhalter 2">
@@ -4737,7 +4733,7 @@
                           <a:rPr lang="de-DE" b="0" i="1" smtClean="0">
                             <a:latin typeface="Cambria Math" panose="02040503050406030204" pitchFamily="18" charset="0"/>
                           </a:rPr>
-                          <m:t>𝜖</m:t>
+                          <m:t>𝜀</m:t>
                         </m:r>
                       </m:e>
                       <m:sub>
@@ -4777,7 +4773,7 @@
                               <a:rPr lang="de-DE" b="0" i="1" smtClean="0">
                                 <a:latin typeface="Cambria Math" panose="02040503050406030204" pitchFamily="18" charset="0"/>
                               </a:rPr>
-                              <m:t>𝜖</m:t>
+                              <m:t>𝜀</m:t>
                             </m:r>
                           </m:e>
                           <m:sub>
@@ -4804,7 +4800,7 @@
                               <a:rPr lang="de-DE" b="0" i="1" smtClean="0">
                                 <a:latin typeface="Cambria Math" panose="02040503050406030204" pitchFamily="18" charset="0"/>
                               </a:rPr>
-                              <m:t>𝜖</m:t>
+                              <m:t>𝜀</m:t>
                             </m:r>
                           </m:e>
                           <m:sub>
@@ -5075,7 +5071,7 @@
             </p:txBody>
           </p:sp>
         </mc:Choice>
-        <mc:Fallback xmlns="">
+        <mc:Fallback>
           <p:sp>
             <p:nvSpPr>
               <p:cNvPr id="3" name="Inhaltsplatzhalter 2">
@@ -5200,6 +5196,42 @@
           </a:p>
         </p:txBody>
       </p:sp>
+      <p:pic>
+        <p:nvPicPr>
+          <p:cNvPr id="8" name="Grafik 7">
+            <a:extLst>
+              <a:ext uri="{FF2B5EF4-FFF2-40B4-BE49-F238E27FC236}">
+                <a16:creationId xmlns:a16="http://schemas.microsoft.com/office/drawing/2014/main" id="{9BA7349F-8940-410B-A8A9-E7FE380DCBA3}"/>
+              </a:ext>
+            </a:extLst>
+          </p:cNvPr>
+          <p:cNvPicPr>
+            <a:picLocks noChangeAspect="1"/>
+          </p:cNvPicPr>
+          <p:nvPr/>
+        </p:nvPicPr>
+        <p:blipFill>
+          <a:blip r:embed="rId3">
+            <a:extLst>
+              <a:ext uri="{28A0092B-C50C-407E-A947-70E740481C1C}">
+                <a14:useLocalDpi xmlns:a14="http://schemas.microsoft.com/office/drawing/2010/main" val="0"/>
+              </a:ext>
+            </a:extLst>
+          </a:blip>
+          <a:stretch>
+            <a:fillRect/>
+          </a:stretch>
+        </p:blipFill>
+        <p:spPr>
+          <a:xfrm>
+            <a:off x="2131997" y="3310635"/>
+            <a:ext cx="7722433" cy="1923974"/>
+          </a:xfrm>
+          <a:prstGeom prst="rect">
+            <a:avLst/>
+          </a:prstGeom>
+        </p:spPr>
+      </p:pic>
     </p:spTree>
     <p:extLst>
       <p:ext uri="{BB962C8B-B14F-4D97-AF65-F5344CB8AC3E}">
@@ -5655,8 +5687,8 @@
           </a:p>
         </p:txBody>
       </p:sp>
-      <mc:AlternateContent xmlns:mc="http://schemas.openxmlformats.org/markup-compatibility/2006" xmlns:a14="http://schemas.microsoft.com/office/drawing/2010/main">
-        <mc:Choice Requires="a14">
+      <mc:AlternateContent xmlns:mc="http://schemas.openxmlformats.org/markup-compatibility/2006">
+        <mc:Choice xmlns:a14="http://schemas.microsoft.com/office/drawing/2010/main" Requires="a14">
           <p:sp>
             <p:nvSpPr>
               <p:cNvPr id="3" name="Inhaltsplatzhalter 2">
@@ -6047,338 +6079,369 @@
                   <a:buNone/>
                 </a:pPr>
                 <a14:m>
-                  <m:oMathPara xmlns:m="http://schemas.openxmlformats.org/officeDocument/2006/math">
-                    <m:oMathParaPr>
-                      <m:jc m:val="centerGroup"/>
-                    </m:oMathParaPr>
-                    <m:oMath xmlns:m="http://schemas.openxmlformats.org/officeDocument/2006/math">
-                      <m:sSub>
-                        <m:sSubPr>
-                          <m:ctrlPr>
-                            <a:rPr lang="de-DE" b="0" i="1" smtClean="0">
-                              <a:latin typeface="Cambria Math" panose="02040503050406030204" pitchFamily="18" charset="0"/>
-                            </a:rPr>
-                          </m:ctrlPr>
-                        </m:sSubPr>
-                        <m:e>
-                          <m:r>
-                            <a:rPr lang="de-DE" b="0" i="1" smtClean="0">
-                              <a:latin typeface="Cambria Math" panose="02040503050406030204" pitchFamily="18" charset="0"/>
-                            </a:rPr>
-                            <m:t>𝑃</m:t>
-                          </m:r>
-                        </m:e>
-                        <m:sub>
-                          <m:r>
-                            <a:rPr lang="de-DE" b="0" i="1" smtClean="0">
-                              <a:latin typeface="Cambria Math" panose="02040503050406030204" pitchFamily="18" charset="0"/>
-                            </a:rPr>
-                            <m:t>𝑖𝑑𝑒𝑎𝑙</m:t>
-                          </m:r>
-                        </m:sub>
-                      </m:sSub>
-                      <m:r>
-                        <a:rPr lang="de-DE" b="0" i="1" smtClean="0">
-                          <a:latin typeface="Cambria Math" panose="02040503050406030204" pitchFamily="18" charset="0"/>
-                        </a:rPr>
-                        <m:t>=</m:t>
-                      </m:r>
-                      <m:f>
-                        <m:fPr>
-                          <m:ctrlPr>
-                            <a:rPr lang="de-DE" b="0" i="1" smtClean="0">
-                              <a:latin typeface="Cambria Math" panose="02040503050406030204" pitchFamily="18" charset="0"/>
-                            </a:rPr>
-                          </m:ctrlPr>
-                        </m:fPr>
-                        <m:num>
-                          <m:sSub>
-                            <m:sSubPr>
-                              <m:ctrlPr>
-                                <a:rPr lang="de-DE" i="1">
-                                  <a:latin typeface="Cambria Math" panose="02040503050406030204" pitchFamily="18" charset="0"/>
-                                </a:rPr>
-                              </m:ctrlPr>
-                            </m:sSubPr>
-                            <m:e>
-                              <m:r>
-                                <a:rPr lang="de-DE" i="1">
-                                  <a:latin typeface="Cambria Math" panose="02040503050406030204" pitchFamily="18" charset="0"/>
-                                </a:rPr>
-                                <m:t>𝐴</m:t>
-                              </m:r>
-                            </m:e>
-                            <m:sub>
-                              <m:r>
-                                <a:rPr lang="de-DE" i="1">
-                                  <a:latin typeface="Cambria Math" panose="02040503050406030204" pitchFamily="18" charset="0"/>
-                                </a:rPr>
-                                <m:t>𝑠</m:t>
-                              </m:r>
-                            </m:sub>
-                          </m:sSub>
-                          <m:sSub>
-                            <m:sSubPr>
-                              <m:ctrlPr>
-                                <a:rPr lang="de-DE" i="1">
-                                  <a:latin typeface="Cambria Math" panose="02040503050406030204" pitchFamily="18" charset="0"/>
-                                </a:rPr>
-                              </m:ctrlPr>
-                            </m:sSubPr>
-                            <m:e>
-                              <m:r>
-                                <a:rPr lang="de-DE" i="1">
-                                  <a:latin typeface="Cambria Math" panose="02040503050406030204" pitchFamily="18" charset="0"/>
-                                </a:rPr>
-                                <m:t>𝐴</m:t>
-                              </m:r>
-                            </m:e>
-                            <m:sub>
-                              <m:r>
-                                <a:rPr lang="de-DE" i="1">
-                                  <a:latin typeface="Cambria Math" panose="02040503050406030204" pitchFamily="18" charset="0"/>
-                                </a:rPr>
-                                <m:t>𝑒</m:t>
-                              </m:r>
-                              <m:r>
-                                <a:rPr lang="de-DE" b="0" i="1" smtClean="0">
-                                  <a:latin typeface="Cambria Math" panose="02040503050406030204" pitchFamily="18" charset="0"/>
-                                </a:rPr>
-                                <m:t> </m:t>
-                              </m:r>
-                            </m:sub>
-                          </m:sSub>
-                        </m:num>
-                        <m:den>
-                          <m:sSup>
-                            <m:sSupPr>
-                              <m:ctrlPr>
-                                <a:rPr lang="de-DE" b="0" i="1" smtClean="0">
-                                  <a:latin typeface="Cambria Math" panose="02040503050406030204" pitchFamily="18" charset="0"/>
-                                </a:rPr>
-                              </m:ctrlPr>
-                            </m:sSupPr>
-                            <m:e>
-                              <m:r>
-                                <a:rPr lang="de-DE" b="0" i="1" smtClean="0">
-                                  <a:latin typeface="Cambria Math" panose="02040503050406030204" pitchFamily="18" charset="0"/>
-                                </a:rPr>
-                                <m:t>𝑟</m:t>
-                              </m:r>
-                            </m:e>
-                            <m:sup>
-                              <m:r>
-                                <a:rPr lang="de-DE" b="0" i="1" smtClean="0">
-                                  <a:latin typeface="Cambria Math" panose="02040503050406030204" pitchFamily="18" charset="0"/>
-                                </a:rPr>
-                                <m:t>2</m:t>
-                              </m:r>
-                            </m:sup>
-                          </m:sSup>
-                        </m:den>
-                      </m:f>
-                      <m:r>
-                        <a:rPr lang="de-DE" b="0" i="1" smtClean="0">
-                          <a:latin typeface="Cambria Math" panose="02040503050406030204" pitchFamily="18" charset="0"/>
-                        </a:rPr>
-                        <m:t> </m:t>
-                      </m:r>
-                      <m:f>
-                        <m:fPr>
-                          <m:ctrlPr>
-                            <a:rPr lang="de-DE" b="0" i="1" smtClean="0">
-                              <a:latin typeface="Cambria Math" panose="02040503050406030204" pitchFamily="18" charset="0"/>
-                            </a:rPr>
-                          </m:ctrlPr>
-                        </m:fPr>
-                        <m:num>
-                          <m:r>
-                            <a:rPr lang="de-DE" b="0" i="1" smtClean="0">
-                              <a:latin typeface="Cambria Math" panose="02040503050406030204" pitchFamily="18" charset="0"/>
-                            </a:rPr>
-                            <m:t>𝜎</m:t>
-                          </m:r>
-                        </m:num>
-                        <m:den>
-                          <m:r>
-                            <a:rPr lang="de-DE" b="0" i="1" smtClean="0">
-                              <a:latin typeface="Cambria Math" panose="02040503050406030204" pitchFamily="18" charset="0"/>
-                            </a:rPr>
-                            <m:t>𝜋</m:t>
-                          </m:r>
-                        </m:den>
-                      </m:f>
-                      <m:d>
-                        <m:dPr>
-                          <m:ctrlPr>
-                            <a:rPr lang="de-DE" b="0" i="1" smtClean="0">
-                              <a:latin typeface="Cambria Math" panose="02040503050406030204" pitchFamily="18" charset="0"/>
-                            </a:rPr>
-                          </m:ctrlPr>
-                        </m:dPr>
-                        <m:e>
-                          <m:sSup>
-                            <m:sSupPr>
-                              <m:ctrlPr>
-                                <a:rPr lang="de-DE" b="0" i="1" smtClean="0">
-                                  <a:latin typeface="Cambria Math" panose="02040503050406030204" pitchFamily="18" charset="0"/>
-                                </a:rPr>
-                              </m:ctrlPr>
-                            </m:sSupPr>
-                            <m:e>
-                              <m:r>
-                                <a:rPr lang="de-DE" b="0" i="1" smtClean="0">
-                                  <a:latin typeface="Cambria Math" panose="02040503050406030204" pitchFamily="18" charset="0"/>
-                                </a:rPr>
-                                <m:t>𝑇</m:t>
-                              </m:r>
-                            </m:e>
-                            <m:sup>
-                              <m:r>
-                                <a:rPr lang="de-DE" b="0" i="1" smtClean="0">
-                                  <a:latin typeface="Cambria Math" panose="02040503050406030204" pitchFamily="18" charset="0"/>
-                                </a:rPr>
-                                <m:t>4</m:t>
-                              </m:r>
-                            </m:sup>
-                          </m:sSup>
-                          <m:r>
-                            <a:rPr lang="de-DE" b="0" i="1" smtClean="0">
-                              <a:latin typeface="Cambria Math" panose="02040503050406030204" pitchFamily="18" charset="0"/>
-                            </a:rPr>
-                            <m:t>−</m:t>
-                          </m:r>
-                          <m:sSubSup>
-                            <m:sSubSupPr>
-                              <m:ctrlPr>
-                                <a:rPr lang="de-DE" b="0" i="1" smtClean="0">
-                                  <a:latin typeface="Cambria Math" panose="02040503050406030204" pitchFamily="18" charset="0"/>
-                                </a:rPr>
-                              </m:ctrlPr>
-                            </m:sSubSupPr>
-                            <m:e>
-                              <m:r>
-                                <a:rPr lang="de-DE" b="0" i="1" smtClean="0">
-                                  <a:latin typeface="Cambria Math" panose="02040503050406030204" pitchFamily="18" charset="0"/>
-                                </a:rPr>
-                                <m:t>𝑇</m:t>
-                              </m:r>
-                            </m:e>
-                            <m:sub>
-                              <m:r>
-                                <a:rPr lang="de-DE" b="0" i="1" smtClean="0">
-                                  <a:latin typeface="Cambria Math" panose="02040503050406030204" pitchFamily="18" charset="0"/>
-                                </a:rPr>
-                                <m:t>0</m:t>
-                              </m:r>
-                            </m:sub>
-                            <m:sup>
-                              <m:r>
-                                <a:rPr lang="de-DE" b="0" i="1" smtClean="0">
-                                  <a:latin typeface="Cambria Math" panose="02040503050406030204" pitchFamily="18" charset="0"/>
-                                </a:rPr>
-                                <m:t>4</m:t>
-                              </m:r>
-                            </m:sup>
-                          </m:sSubSup>
-                        </m:e>
-                      </m:d>
-                      <m:r>
-                        <a:rPr lang="de-DE" b="0" i="1" smtClean="0">
-                          <a:latin typeface="Cambria Math" panose="02040503050406030204" pitchFamily="18" charset="0"/>
-                        </a:rPr>
-                        <m:t>          ⇒         </m:t>
-                      </m:r>
-                      <m:r>
-                        <a:rPr lang="de-DE" b="0" i="1" smtClean="0">
-                          <a:latin typeface="Cambria Math" panose="02040503050406030204" pitchFamily="18" charset="0"/>
-                        </a:rPr>
-                        <m:t>𝜖</m:t>
-                      </m:r>
-                      <m:r>
-                        <a:rPr lang="de-DE" b="0" i="1" smtClean="0">
-                          <a:latin typeface="Cambria Math" panose="02040503050406030204" pitchFamily="18" charset="0"/>
-                        </a:rPr>
-                        <m:t>= </m:t>
-                      </m:r>
-                      <m:f>
-                        <m:fPr>
-                          <m:ctrlPr>
-                            <a:rPr lang="de-DE" b="0" i="1" smtClean="0">
-                              <a:latin typeface="Cambria Math" panose="02040503050406030204" pitchFamily="18" charset="0"/>
-                            </a:rPr>
-                          </m:ctrlPr>
-                        </m:fPr>
-                        <m:num>
-                          <m:sSub>
-                            <m:sSubPr>
-                              <m:ctrlPr>
-                                <a:rPr lang="de-DE" b="0" i="1" smtClean="0">
-                                  <a:latin typeface="Cambria Math" panose="02040503050406030204" pitchFamily="18" charset="0"/>
-                                </a:rPr>
-                              </m:ctrlPr>
-                            </m:sSubPr>
-                            <m:e>
-                              <m:r>
-                                <a:rPr lang="de-DE" b="0" i="1" smtClean="0">
-                                  <a:latin typeface="Cambria Math" panose="02040503050406030204" pitchFamily="18" charset="0"/>
-                                </a:rPr>
-                                <m:t>𝑃</m:t>
-                              </m:r>
-                            </m:e>
-                            <m:sub>
-                              <m:r>
-                                <a:rPr lang="de-DE" b="0" i="1" smtClean="0">
-                                  <a:latin typeface="Cambria Math" panose="02040503050406030204" pitchFamily="18" charset="0"/>
-                                </a:rPr>
-                                <m:t>𝑔𝑒𝑚𝑒𝑠𝑠𝑒𝑛</m:t>
-                              </m:r>
-                            </m:sub>
-                          </m:sSub>
-                        </m:num>
-                        <m:den>
-                          <m:sSub>
-                            <m:sSubPr>
-                              <m:ctrlPr>
-                                <a:rPr lang="de-DE" b="0" i="1" smtClean="0">
-                                  <a:latin typeface="Cambria Math" panose="02040503050406030204" pitchFamily="18" charset="0"/>
-                                </a:rPr>
-                              </m:ctrlPr>
-                            </m:sSubPr>
-                            <m:e>
-                              <m:r>
-                                <a:rPr lang="de-DE" b="0" i="1" smtClean="0">
-                                  <a:latin typeface="Cambria Math" panose="02040503050406030204" pitchFamily="18" charset="0"/>
-                                </a:rPr>
-                                <m:t>𝑃</m:t>
-                              </m:r>
-                            </m:e>
-                            <m:sub>
-                              <m:r>
-                                <a:rPr lang="de-DE" b="0" i="1" smtClean="0">
-                                  <a:latin typeface="Cambria Math" panose="02040503050406030204" pitchFamily="18" charset="0"/>
-                                </a:rPr>
-                                <m:t>𝑖𝑑𝑒𝑎𝑙</m:t>
-                              </m:r>
-                            </m:sub>
-                          </m:sSub>
-                        </m:den>
-                      </m:f>
-                      <m:r>
-                        <a:rPr lang="de-DE" b="0" i="1" smtClean="0">
-                          <a:latin typeface="Cambria Math" panose="02040503050406030204" pitchFamily="18" charset="0"/>
-                        </a:rPr>
-                        <m:t> </m:t>
-                      </m:r>
-                    </m:oMath>
-                  </m:oMathPara>
+                  <m:oMath xmlns:m="http://schemas.openxmlformats.org/officeDocument/2006/math">
+                    <m:sSub>
+                      <m:sSubPr>
+                        <m:ctrlPr>
+                          <a:rPr lang="de-DE" b="0" i="1" smtClean="0">
+                            <a:latin typeface="Cambria Math" panose="02040503050406030204" pitchFamily="18" charset="0"/>
+                          </a:rPr>
+                        </m:ctrlPr>
+                      </m:sSubPr>
+                      <m:e>
+                        <m:r>
+                          <a:rPr lang="de-DE" b="0" i="1" smtClean="0">
+                            <a:latin typeface="Cambria Math" panose="02040503050406030204" pitchFamily="18" charset="0"/>
+                          </a:rPr>
+                          <m:t>𝑃</m:t>
+                        </m:r>
+                      </m:e>
+                      <m:sub>
+                        <m:r>
+                          <a:rPr lang="de-DE" b="0" i="1" smtClean="0">
+                            <a:latin typeface="Cambria Math" panose="02040503050406030204" pitchFamily="18" charset="0"/>
+                          </a:rPr>
+                          <m:t>𝑖𝑑𝑒𝑎𝑙</m:t>
+                        </m:r>
+                      </m:sub>
+                    </m:sSub>
+                    <m:r>
+                      <a:rPr lang="de-DE" b="0" i="1" smtClean="0">
+                        <a:latin typeface="Cambria Math" panose="02040503050406030204" pitchFamily="18" charset="0"/>
+                      </a:rPr>
+                      <m:t>=</m:t>
+                    </m:r>
+                    <m:f>
+                      <m:fPr>
+                        <m:ctrlPr>
+                          <a:rPr lang="de-DE" b="0" i="1" smtClean="0">
+                            <a:latin typeface="Cambria Math" panose="02040503050406030204" pitchFamily="18" charset="0"/>
+                          </a:rPr>
+                        </m:ctrlPr>
+                      </m:fPr>
+                      <m:num>
+                        <m:sSub>
+                          <m:sSubPr>
+                            <m:ctrlPr>
+                              <a:rPr lang="de-DE" i="1">
+                                <a:latin typeface="Cambria Math" panose="02040503050406030204" pitchFamily="18" charset="0"/>
+                              </a:rPr>
+                            </m:ctrlPr>
+                          </m:sSubPr>
+                          <m:e>
+                            <m:r>
+                              <a:rPr lang="de-DE" i="1">
+                                <a:latin typeface="Cambria Math" panose="02040503050406030204" pitchFamily="18" charset="0"/>
+                              </a:rPr>
+                              <m:t>𝐴</m:t>
+                            </m:r>
+                          </m:e>
+                          <m:sub>
+                            <m:r>
+                              <a:rPr lang="de-DE" i="1">
+                                <a:latin typeface="Cambria Math" panose="02040503050406030204" pitchFamily="18" charset="0"/>
+                              </a:rPr>
+                              <m:t>𝑠</m:t>
+                            </m:r>
+                          </m:sub>
+                        </m:sSub>
+                        <m:sSub>
+                          <m:sSubPr>
+                            <m:ctrlPr>
+                              <a:rPr lang="de-DE" i="1">
+                                <a:latin typeface="Cambria Math" panose="02040503050406030204" pitchFamily="18" charset="0"/>
+                              </a:rPr>
+                            </m:ctrlPr>
+                          </m:sSubPr>
+                          <m:e>
+                            <m:r>
+                              <a:rPr lang="de-DE" i="1">
+                                <a:latin typeface="Cambria Math" panose="02040503050406030204" pitchFamily="18" charset="0"/>
+                              </a:rPr>
+                              <m:t>𝐴</m:t>
+                            </m:r>
+                          </m:e>
+                          <m:sub>
+                            <m:r>
+                              <a:rPr lang="de-DE" i="1">
+                                <a:latin typeface="Cambria Math" panose="02040503050406030204" pitchFamily="18" charset="0"/>
+                              </a:rPr>
+                              <m:t>𝑒</m:t>
+                            </m:r>
+                            <m:r>
+                              <a:rPr lang="de-DE" b="0" i="1" smtClean="0">
+                                <a:latin typeface="Cambria Math" panose="02040503050406030204" pitchFamily="18" charset="0"/>
+                              </a:rPr>
+                              <m:t> </m:t>
+                            </m:r>
+                          </m:sub>
+                        </m:sSub>
+                      </m:num>
+                      <m:den>
+                        <m:sSup>
+                          <m:sSupPr>
+                            <m:ctrlPr>
+                              <a:rPr lang="de-DE" b="0" i="1" smtClean="0">
+                                <a:latin typeface="Cambria Math" panose="02040503050406030204" pitchFamily="18" charset="0"/>
+                              </a:rPr>
+                            </m:ctrlPr>
+                          </m:sSupPr>
+                          <m:e>
+                            <m:r>
+                              <a:rPr lang="de-DE" b="0" i="1" smtClean="0">
+                                <a:latin typeface="Cambria Math" panose="02040503050406030204" pitchFamily="18" charset="0"/>
+                              </a:rPr>
+                              <m:t>𝑟</m:t>
+                            </m:r>
+                          </m:e>
+                          <m:sup>
+                            <m:r>
+                              <a:rPr lang="de-DE" b="0" i="1" smtClean="0">
+                                <a:latin typeface="Cambria Math" panose="02040503050406030204" pitchFamily="18" charset="0"/>
+                              </a:rPr>
+                              <m:t>2</m:t>
+                            </m:r>
+                          </m:sup>
+                        </m:sSup>
+                      </m:den>
+                    </m:f>
+                    <m:r>
+                      <a:rPr lang="de-DE" b="0" i="1" smtClean="0">
+                        <a:latin typeface="Cambria Math" panose="02040503050406030204" pitchFamily="18" charset="0"/>
+                      </a:rPr>
+                      <m:t> </m:t>
+                    </m:r>
+                    <m:f>
+                      <m:fPr>
+                        <m:ctrlPr>
+                          <a:rPr lang="de-DE" b="0" i="1" smtClean="0">
+                            <a:latin typeface="Cambria Math" panose="02040503050406030204" pitchFamily="18" charset="0"/>
+                          </a:rPr>
+                        </m:ctrlPr>
+                      </m:fPr>
+                      <m:num>
+                        <m:r>
+                          <a:rPr lang="de-DE" b="0" i="1" smtClean="0">
+                            <a:latin typeface="Cambria Math" panose="02040503050406030204" pitchFamily="18" charset="0"/>
+                          </a:rPr>
+                          <m:t>𝜎</m:t>
+                        </m:r>
+                      </m:num>
+                      <m:den>
+                        <m:r>
+                          <a:rPr lang="de-DE" b="0" i="1" smtClean="0">
+                            <a:latin typeface="Cambria Math" panose="02040503050406030204" pitchFamily="18" charset="0"/>
+                          </a:rPr>
+                          <m:t>𝜋</m:t>
+                        </m:r>
+                      </m:den>
+                    </m:f>
+                    <m:d>
+                      <m:dPr>
+                        <m:ctrlPr>
+                          <a:rPr lang="de-DE" b="0" i="1" smtClean="0">
+                            <a:latin typeface="Cambria Math" panose="02040503050406030204" pitchFamily="18" charset="0"/>
+                          </a:rPr>
+                        </m:ctrlPr>
+                      </m:dPr>
+                      <m:e>
+                        <m:sSup>
+                          <m:sSupPr>
+                            <m:ctrlPr>
+                              <a:rPr lang="de-DE" b="0" i="1" smtClean="0">
+                                <a:latin typeface="Cambria Math" panose="02040503050406030204" pitchFamily="18" charset="0"/>
+                              </a:rPr>
+                            </m:ctrlPr>
+                          </m:sSupPr>
+                          <m:e>
+                            <m:r>
+                              <a:rPr lang="de-DE" b="0" i="1" smtClean="0">
+                                <a:latin typeface="Cambria Math" panose="02040503050406030204" pitchFamily="18" charset="0"/>
+                              </a:rPr>
+                              <m:t>𝑇</m:t>
+                            </m:r>
+                          </m:e>
+                          <m:sup>
+                            <m:r>
+                              <a:rPr lang="de-DE" b="0" i="1" smtClean="0">
+                                <a:latin typeface="Cambria Math" panose="02040503050406030204" pitchFamily="18" charset="0"/>
+                              </a:rPr>
+                              <m:t>4</m:t>
+                            </m:r>
+                          </m:sup>
+                        </m:sSup>
+                        <m:r>
+                          <a:rPr lang="de-DE" b="0" i="1" smtClean="0">
+                            <a:latin typeface="Cambria Math" panose="02040503050406030204" pitchFamily="18" charset="0"/>
+                          </a:rPr>
+                          <m:t>−</m:t>
+                        </m:r>
+                        <m:sSubSup>
+                          <m:sSubSupPr>
+                            <m:ctrlPr>
+                              <a:rPr lang="de-DE" b="0" i="1" smtClean="0">
+                                <a:latin typeface="Cambria Math" panose="02040503050406030204" pitchFamily="18" charset="0"/>
+                              </a:rPr>
+                            </m:ctrlPr>
+                          </m:sSubSupPr>
+                          <m:e>
+                            <m:r>
+                              <a:rPr lang="de-DE" b="0" i="1" smtClean="0">
+                                <a:latin typeface="Cambria Math" panose="02040503050406030204" pitchFamily="18" charset="0"/>
+                              </a:rPr>
+                              <m:t>𝑇</m:t>
+                            </m:r>
+                          </m:e>
+                          <m:sub>
+                            <m:r>
+                              <a:rPr lang="de-DE" b="0" i="1" smtClean="0">
+                                <a:latin typeface="Cambria Math" panose="02040503050406030204" pitchFamily="18" charset="0"/>
+                              </a:rPr>
+                              <m:t>0</m:t>
+                            </m:r>
+                          </m:sub>
+                          <m:sup>
+                            <m:r>
+                              <a:rPr lang="de-DE" b="0" i="1" smtClean="0">
+                                <a:latin typeface="Cambria Math" panose="02040503050406030204" pitchFamily="18" charset="0"/>
+                              </a:rPr>
+                              <m:t>4</m:t>
+                            </m:r>
+                          </m:sup>
+                        </m:sSubSup>
+                      </m:e>
+                    </m:d>
+                    <m:r>
+                      <a:rPr lang="de-DE" b="0" i="1" smtClean="0">
+                        <a:latin typeface="Cambria Math" panose="02040503050406030204" pitchFamily="18" charset="0"/>
+                      </a:rPr>
+                      <m:t>    </m:t>
+                    </m:r>
+                    <m:r>
+                      <a:rPr lang="de-DE" b="0" i="1" smtClean="0">
+                        <a:latin typeface="Cambria Math" panose="02040503050406030204" pitchFamily="18" charset="0"/>
+                      </a:rPr>
+                      <m:t> </m:t>
+                    </m:r>
+                    <m:r>
+                      <a:rPr lang="de-DE" b="0" i="1" smtClean="0">
+                        <a:latin typeface="Cambria Math" panose="02040503050406030204" pitchFamily="18" charset="0"/>
+                      </a:rPr>
+                      <m:t>      </m:t>
+                    </m:r>
+                  </m:oMath>
                 </a14:m>
-                <a:endParaRPr lang="de-DE" dirty="0"/>
+                <a:r>
+                  <a:rPr lang="de-DE" b="0" i="1" dirty="0">
+                    <a:latin typeface="Cambria Math" panose="02040503050406030204" pitchFamily="18" charset="0"/>
+                  </a:rPr>
+                  <a:t> </a:t>
+                </a:r>
+              </a:p>
+              <a:p>
+                <a:pPr marL="457200" lvl="1" indent="0">
+                  <a:buNone/>
+                </a:pPr>
+                <a14:m>
+                  <m:oMath xmlns:m="http://schemas.openxmlformats.org/officeDocument/2006/math">
+                    <m:r>
+                      <a:rPr lang="de-DE" b="0" i="1" smtClean="0">
+                        <a:latin typeface="Cambria Math" panose="02040503050406030204" pitchFamily="18" charset="0"/>
+                      </a:rPr>
+                      <m:t>⇒         </m:t>
+                    </m:r>
+                    <m:r>
+                      <a:rPr lang="de-DE" b="0" i="1" smtClean="0">
+                        <a:latin typeface="Cambria Math" panose="02040503050406030204" pitchFamily="18" charset="0"/>
+                      </a:rPr>
+                      <m:t>𝜀</m:t>
+                    </m:r>
+                    <m:r>
+                      <a:rPr lang="de-DE" b="0" i="1" smtClean="0">
+                        <a:latin typeface="Cambria Math" panose="02040503050406030204" pitchFamily="18" charset="0"/>
+                      </a:rPr>
+                      <m:t>= </m:t>
+                    </m:r>
+                    <m:f>
+                      <m:fPr>
+                        <m:ctrlPr>
+                          <a:rPr lang="de-DE" b="0" i="1" smtClean="0">
+                            <a:latin typeface="Cambria Math" panose="02040503050406030204" pitchFamily="18" charset="0"/>
+                          </a:rPr>
+                        </m:ctrlPr>
+                      </m:fPr>
+                      <m:num>
+                        <m:sSub>
+                          <m:sSubPr>
+                            <m:ctrlPr>
+                              <a:rPr lang="de-DE" b="0" i="1" smtClean="0">
+                                <a:latin typeface="Cambria Math" panose="02040503050406030204" pitchFamily="18" charset="0"/>
+                              </a:rPr>
+                            </m:ctrlPr>
+                          </m:sSubPr>
+                          <m:e>
+                            <m:r>
+                              <a:rPr lang="de-DE" b="0" i="1" smtClean="0">
+                                <a:latin typeface="Cambria Math" panose="02040503050406030204" pitchFamily="18" charset="0"/>
+                              </a:rPr>
+                              <m:t>𝑃</m:t>
+                            </m:r>
+                          </m:e>
+                          <m:sub>
+                            <m:r>
+                              <a:rPr lang="de-DE" b="0" i="1" smtClean="0">
+                                <a:latin typeface="Cambria Math" panose="02040503050406030204" pitchFamily="18" charset="0"/>
+                              </a:rPr>
+                              <m:t>𝑔𝑒𝑚𝑒𝑠𝑠𝑒𝑛</m:t>
+                            </m:r>
+                          </m:sub>
+                        </m:sSub>
+                      </m:num>
+                      <m:den>
+                        <m:sSub>
+                          <m:sSubPr>
+                            <m:ctrlPr>
+                              <a:rPr lang="de-DE" b="0" i="1" smtClean="0">
+                                <a:latin typeface="Cambria Math" panose="02040503050406030204" pitchFamily="18" charset="0"/>
+                              </a:rPr>
+                            </m:ctrlPr>
+                          </m:sSubPr>
+                          <m:e>
+                            <m:r>
+                              <a:rPr lang="de-DE" b="0" i="1" smtClean="0">
+                                <a:latin typeface="Cambria Math" panose="02040503050406030204" pitchFamily="18" charset="0"/>
+                              </a:rPr>
+                              <m:t>𝑃</m:t>
+                            </m:r>
+                          </m:e>
+                          <m:sub>
+                            <m:r>
+                              <a:rPr lang="de-DE" b="0" i="1" smtClean="0">
+                                <a:latin typeface="Cambria Math" panose="02040503050406030204" pitchFamily="18" charset="0"/>
+                              </a:rPr>
+                              <m:t>𝑖𝑑𝑒𝑎𝑙</m:t>
+                            </m:r>
+                          </m:sub>
+                        </m:sSub>
+                      </m:den>
+                    </m:f>
+                    <m:r>
+                      <a:rPr lang="de-DE" b="0" i="1" smtClean="0">
+                        <a:latin typeface="Cambria Math" panose="02040503050406030204" pitchFamily="18" charset="0"/>
+                      </a:rPr>
+                      <m:t> </m:t>
+                    </m:r>
+                  </m:oMath>
+                </a14:m>
+                <a:r>
+                  <a:rPr lang="de-DE" dirty="0"/>
+                  <a:t> </a:t>
+                </a:r>
               </a:p>
             </p:txBody>
           </p:sp>
         </mc:Choice>
-        <mc:Fallback xmlns="">
+        <mc:Fallback>
           <p:sp>
             <p:nvSpPr>
               <p:cNvPr id="3" name="Inhaltsplatzhalter 2">
@@ -6503,6 +6566,42 @@
           </a:p>
         </p:txBody>
       </p:sp>
+      <p:pic>
+        <p:nvPicPr>
+          <p:cNvPr id="8" name="Grafik 7">
+            <a:extLst>
+              <a:ext uri="{FF2B5EF4-FFF2-40B4-BE49-F238E27FC236}">
+                <a16:creationId xmlns:a16="http://schemas.microsoft.com/office/drawing/2014/main" id="{6CA59528-72BA-475F-BA05-8E62204BFED9}"/>
+              </a:ext>
+            </a:extLst>
+          </p:cNvPr>
+          <p:cNvPicPr>
+            <a:picLocks noChangeAspect="1"/>
+          </p:cNvPicPr>
+          <p:nvPr/>
+        </p:nvPicPr>
+        <p:blipFill>
+          <a:blip r:embed="rId3">
+            <a:extLst>
+              <a:ext uri="{28A0092B-C50C-407E-A947-70E740481C1C}">
+                <a14:useLocalDpi xmlns:a14="http://schemas.microsoft.com/office/drawing/2010/main" val="0"/>
+              </a:ext>
+            </a:extLst>
+          </a:blip>
+          <a:stretch>
+            <a:fillRect/>
+          </a:stretch>
+        </p:blipFill>
+        <p:spPr>
+          <a:xfrm>
+            <a:off x="6696644" y="2212409"/>
+            <a:ext cx="4657156" cy="3964554"/>
+          </a:xfrm>
+          <a:prstGeom prst="rect">
+            <a:avLst/>
+          </a:prstGeom>
+        </p:spPr>
+      </p:pic>
     </p:spTree>
     <p:extLst>
       <p:ext uri="{BB962C8B-B14F-4D97-AF65-F5344CB8AC3E}">
@@ -6561,8 +6660,8 @@
           </a:p>
         </p:txBody>
       </p:sp>
-      <mc:AlternateContent xmlns:mc="http://schemas.openxmlformats.org/markup-compatibility/2006" xmlns:a14="http://schemas.microsoft.com/office/drawing/2010/main">
-        <mc:Choice Requires="a14">
+      <mc:AlternateContent xmlns:mc="http://schemas.openxmlformats.org/markup-compatibility/2006">
+        <mc:Choice xmlns:a14="http://schemas.microsoft.com/office/drawing/2010/main" Requires="a14">
           <p:sp>
             <p:nvSpPr>
               <p:cNvPr id="3" name="Inhaltsplatzhalter 2">
@@ -6805,7 +6904,7 @@
             </p:txBody>
           </p:sp>
         </mc:Choice>
-        <mc:Fallback xmlns="">
+        <mc:Fallback>
           <p:sp>
             <p:nvSpPr>
               <p:cNvPr id="3" name="Inhaltsplatzhalter 2">
@@ -7948,8 +8047,8 @@
           </a:p>
         </p:txBody>
       </p:sp>
-      <mc:AlternateContent xmlns:mc="http://schemas.openxmlformats.org/markup-compatibility/2006" xmlns:a14="http://schemas.microsoft.com/office/drawing/2010/main">
-        <mc:Choice Requires="a14">
+      <mc:AlternateContent xmlns:mc="http://schemas.openxmlformats.org/markup-compatibility/2006">
+        <mc:Choice xmlns:a14="http://schemas.microsoft.com/office/drawing/2010/main" Requires="a14">
           <p:sp>
             <p:nvSpPr>
               <p:cNvPr id="3" name="Inhaltsplatzhalter 2">
@@ -7968,8 +8067,8 @@
             </p:nvSpPr>
             <p:spPr>
               <a:xfrm>
-                <a:off x="838199" y="1825625"/>
-                <a:ext cx="3797596" cy="930827"/>
+                <a:off x="838200" y="1735692"/>
+                <a:ext cx="6543262" cy="602935"/>
               </a:xfrm>
             </p:spPr>
             <p:txBody>
@@ -7980,134 +8079,124 @@
               <a:p>
                 <a:r>
                   <a:rPr lang="de-DE" dirty="0"/>
-                  <a:t>Linearer Fit:</a:t>
+                  <a:t>Linearer Fit: </a:t>
                 </a:r>
-              </a:p>
-              <a:p>
-                <a:pPr marL="0" indent="0">
-                  <a:buNone/>
-                </a:pPr>
                 <a14:m>
-                  <m:oMathPara xmlns:m="http://schemas.openxmlformats.org/officeDocument/2006/math">
-                    <m:oMathParaPr>
-                      <m:jc m:val="centerGroup"/>
-                    </m:oMathParaPr>
-                    <m:oMath xmlns:m="http://schemas.openxmlformats.org/officeDocument/2006/math">
-                      <m:r>
-                        <a:rPr lang="de-DE" b="0" i="1" smtClean="0">
-                          <a:latin typeface="Cambria Math" panose="02040503050406030204" pitchFamily="18" charset="0"/>
-                        </a:rPr>
-                        <m:t>𝑈</m:t>
-                      </m:r>
-                      <m:r>
-                        <a:rPr lang="de-DE" b="0" i="1" smtClean="0">
-                          <a:latin typeface="Cambria Math" panose="02040503050406030204" pitchFamily="18" charset="0"/>
-                        </a:rPr>
-                        <m:t>=</m:t>
-                      </m:r>
-                      <m:r>
-                        <a:rPr lang="de-DE" b="0" i="1" smtClean="0">
-                          <a:latin typeface="Cambria Math" panose="02040503050406030204" pitchFamily="18" charset="0"/>
-                        </a:rPr>
-                        <m:t>𝑎</m:t>
-                      </m:r>
-                      <m:r>
-                        <a:rPr lang="de-DE" b="0" i="1" smtClean="0">
-                          <a:latin typeface="Cambria Math" panose="02040503050406030204" pitchFamily="18" charset="0"/>
-                        </a:rPr>
-                        <m:t>⋅</m:t>
-                      </m:r>
-                      <m:sSup>
-                        <m:sSupPr>
-                          <m:ctrlPr>
-                            <a:rPr lang="de-DE" b="0" i="1" smtClean="0">
-                              <a:latin typeface="Cambria Math" panose="02040503050406030204" pitchFamily="18" charset="0"/>
-                            </a:rPr>
-                          </m:ctrlPr>
-                        </m:sSupPr>
-                        <m:e>
-                          <m:r>
-                            <a:rPr lang="de-DE" b="0" i="1" smtClean="0">
-                              <a:latin typeface="Cambria Math" panose="02040503050406030204" pitchFamily="18" charset="0"/>
-                            </a:rPr>
-                            <m:t>(</m:t>
-                          </m:r>
-                          <m:r>
-                            <a:rPr lang="de-DE" b="0" i="1" smtClean="0">
-                              <a:latin typeface="Cambria Math" panose="02040503050406030204" pitchFamily="18" charset="0"/>
-                            </a:rPr>
-                            <m:t>𝑇</m:t>
-                          </m:r>
-                        </m:e>
-                        <m:sup>
-                          <m:r>
-                            <a:rPr lang="de-DE" b="0" i="1" smtClean="0">
-                              <a:latin typeface="Cambria Math" panose="02040503050406030204" pitchFamily="18" charset="0"/>
-                            </a:rPr>
-                            <m:t>4</m:t>
-                          </m:r>
-                        </m:sup>
-                      </m:sSup>
-                      <m:r>
-                        <a:rPr lang="de-DE" b="0" i="1" smtClean="0">
-                          <a:latin typeface="Cambria Math" panose="02040503050406030204" pitchFamily="18" charset="0"/>
-                        </a:rPr>
-                        <m:t> −</m:t>
-                      </m:r>
-                      <m:sSubSup>
-                        <m:sSubSupPr>
-                          <m:ctrlPr>
-                            <a:rPr lang="de-DE" b="0" i="1" smtClean="0">
-                              <a:latin typeface="Cambria Math" panose="02040503050406030204" pitchFamily="18" charset="0"/>
-                            </a:rPr>
-                          </m:ctrlPr>
-                        </m:sSubSupPr>
-                        <m:e>
-                          <m:r>
-                            <a:rPr lang="de-DE" b="0" i="1" smtClean="0">
-                              <a:latin typeface="Cambria Math" panose="02040503050406030204" pitchFamily="18" charset="0"/>
-                            </a:rPr>
-                            <m:t>𝑇</m:t>
-                          </m:r>
-                        </m:e>
-                        <m:sub>
-                          <m:r>
-                            <a:rPr lang="de-DE" b="0" i="1" smtClean="0">
-                              <a:latin typeface="Cambria Math" panose="02040503050406030204" pitchFamily="18" charset="0"/>
-                            </a:rPr>
-                            <m:t>0</m:t>
-                          </m:r>
-                        </m:sub>
-                        <m:sup>
-                          <m:r>
-                            <a:rPr lang="de-DE" b="0" i="1" smtClean="0">
-                              <a:latin typeface="Cambria Math" panose="02040503050406030204" pitchFamily="18" charset="0"/>
-                            </a:rPr>
-                            <m:t>4</m:t>
-                          </m:r>
-                        </m:sup>
-                      </m:sSubSup>
-                      <m:r>
-                        <a:rPr lang="de-DE" b="0" i="1" smtClean="0">
-                          <a:latin typeface="Cambria Math" panose="02040503050406030204" pitchFamily="18" charset="0"/>
-                        </a:rPr>
-                        <m:t>)+</m:t>
-                      </m:r>
-                      <m:r>
-                        <a:rPr lang="de-DE" b="0" i="1" smtClean="0">
-                          <a:latin typeface="Cambria Math" panose="02040503050406030204" pitchFamily="18" charset="0"/>
-                        </a:rPr>
-                        <m:t>𝑏</m:t>
-                      </m:r>
-                    </m:oMath>
-                  </m:oMathPara>
+                  <m:oMath xmlns:m="http://schemas.openxmlformats.org/officeDocument/2006/math">
+                    <m:r>
+                      <a:rPr lang="de-DE" b="0" i="1" smtClean="0">
+                        <a:latin typeface="Cambria Math" panose="02040503050406030204" pitchFamily="18" charset="0"/>
+                      </a:rPr>
+                      <m:t>𝑈</m:t>
+                    </m:r>
+                    <m:r>
+                      <a:rPr lang="de-DE" b="0" i="1" smtClean="0">
+                        <a:latin typeface="Cambria Math" panose="02040503050406030204" pitchFamily="18" charset="0"/>
+                      </a:rPr>
+                      <m:t>=</m:t>
+                    </m:r>
+                    <m:r>
+                      <a:rPr lang="de-DE" b="0" i="1" smtClean="0">
+                        <a:latin typeface="Cambria Math" panose="02040503050406030204" pitchFamily="18" charset="0"/>
+                      </a:rPr>
+                      <m:t>𝑎</m:t>
+                    </m:r>
+                    <m:r>
+                      <a:rPr lang="de-DE" b="0" i="1" smtClean="0">
+                        <a:latin typeface="Cambria Math" panose="02040503050406030204" pitchFamily="18" charset="0"/>
+                      </a:rPr>
+                      <m:t>⋅</m:t>
+                    </m:r>
+                    <m:sSup>
+                      <m:sSupPr>
+                        <m:ctrlPr>
+                          <a:rPr lang="de-DE" b="0" i="1" smtClean="0">
+                            <a:latin typeface="Cambria Math" panose="02040503050406030204" pitchFamily="18" charset="0"/>
+                          </a:rPr>
+                        </m:ctrlPr>
+                      </m:sSupPr>
+                      <m:e>
+                        <m:r>
+                          <a:rPr lang="de-DE" b="0" i="1" smtClean="0">
+                            <a:latin typeface="Cambria Math" panose="02040503050406030204" pitchFamily="18" charset="0"/>
+                          </a:rPr>
+                          <m:t>(</m:t>
+                        </m:r>
+                        <m:r>
+                          <a:rPr lang="de-DE" b="0" i="1" smtClean="0">
+                            <a:latin typeface="Cambria Math" panose="02040503050406030204" pitchFamily="18" charset="0"/>
+                          </a:rPr>
+                          <m:t>𝑇</m:t>
+                        </m:r>
+                      </m:e>
+                      <m:sup>
+                        <m:r>
+                          <a:rPr lang="de-DE" b="0" i="1" smtClean="0">
+                            <a:latin typeface="Cambria Math" panose="02040503050406030204" pitchFamily="18" charset="0"/>
+                          </a:rPr>
+                          <m:t>4</m:t>
+                        </m:r>
+                      </m:sup>
+                    </m:sSup>
+                    <m:r>
+                      <a:rPr lang="de-DE" b="0" i="1" smtClean="0">
+                        <a:latin typeface="Cambria Math" panose="02040503050406030204" pitchFamily="18" charset="0"/>
+                      </a:rPr>
+                      <m:t> −</m:t>
+                    </m:r>
+                    <m:sSubSup>
+                      <m:sSubSupPr>
+                        <m:ctrlPr>
+                          <a:rPr lang="de-DE" b="0" i="1" smtClean="0">
+                            <a:latin typeface="Cambria Math" panose="02040503050406030204" pitchFamily="18" charset="0"/>
+                          </a:rPr>
+                        </m:ctrlPr>
+                      </m:sSubSupPr>
+                      <m:e>
+                        <m:r>
+                          <a:rPr lang="de-DE" b="0" i="1" smtClean="0">
+                            <a:latin typeface="Cambria Math" panose="02040503050406030204" pitchFamily="18" charset="0"/>
+                          </a:rPr>
+                          <m:t>𝑇</m:t>
+                        </m:r>
+                      </m:e>
+                      <m:sub>
+                        <m:r>
+                          <a:rPr lang="de-DE" b="0" i="1" smtClean="0">
+                            <a:latin typeface="Cambria Math" panose="02040503050406030204" pitchFamily="18" charset="0"/>
+                          </a:rPr>
+                          <m:t>0</m:t>
+                        </m:r>
+                      </m:sub>
+                      <m:sup>
+                        <m:r>
+                          <a:rPr lang="de-DE" b="0" i="1" smtClean="0">
+                            <a:latin typeface="Cambria Math" panose="02040503050406030204" pitchFamily="18" charset="0"/>
+                          </a:rPr>
+                          <m:t>4</m:t>
+                        </m:r>
+                      </m:sup>
+                    </m:sSubSup>
+                    <m:r>
+                      <a:rPr lang="de-DE" b="0" i="1" smtClean="0">
+                        <a:latin typeface="Cambria Math" panose="02040503050406030204" pitchFamily="18" charset="0"/>
+                      </a:rPr>
+                      <m:t>)+</m:t>
+                    </m:r>
+                    <m:r>
+                      <a:rPr lang="de-DE" b="0" i="1" smtClean="0">
+                        <a:latin typeface="Cambria Math" panose="02040503050406030204" pitchFamily="18" charset="0"/>
+                      </a:rPr>
+                      <m:t>𝑏</m:t>
+                    </m:r>
+                  </m:oMath>
                 </a14:m>
                 <a:endParaRPr lang="de-DE" dirty="0"/>
               </a:p>
             </p:txBody>
           </p:sp>
         </mc:Choice>
-        <mc:Fallback xmlns="">
+        <mc:Fallback>
           <p:sp>
             <p:nvSpPr>
               <p:cNvPr id="3" name="Inhaltsplatzhalter 2">
@@ -8126,13 +8215,13 @@
             </p:nvSpPr>
             <p:spPr>
               <a:xfrm>
-                <a:off x="838199" y="1825625"/>
-                <a:ext cx="3797596" cy="930827"/>
+                <a:off x="838200" y="1735692"/>
+                <a:ext cx="6543262" cy="602935"/>
               </a:xfrm>
               <a:blipFill>
                 <a:blip r:embed="rId2"/>
                 <a:stretch>
-                  <a:fillRect l="-2729" t="-10458" b="-4575"/>
+                  <a:fillRect l="-1678" t="-16162" b="-9091"/>
                 </a:stretch>
               </a:blipFill>
             </p:spPr>
@@ -8180,12 +8269,68 @@
           </a:p>
         </p:txBody>
       </p:sp>
+      <p:sp>
+        <p:nvSpPr>
+          <p:cNvPr id="5" name="Datumsplatzhalter 4">
+            <a:extLst>
+              <a:ext uri="{FF2B5EF4-FFF2-40B4-BE49-F238E27FC236}">
+                <a16:creationId xmlns:a16="http://schemas.microsoft.com/office/drawing/2014/main" id="{4E1D1659-FD2F-437A-852A-88943470CD5F}"/>
+              </a:ext>
+            </a:extLst>
+          </p:cNvPr>
+          <p:cNvSpPr>
+            <a:spLocks noGrp="1"/>
+          </p:cNvSpPr>
+          <p:nvPr>
+            <p:ph type="dt" sz="half" idx="10"/>
+          </p:nvPr>
+        </p:nvSpPr>
+        <p:spPr/>
+        <p:txBody>
+          <a:bodyPr/>
+          <a:lstStyle/>
+          <a:p>
+            <a:r>
+              <a:rPr lang="de-DE"/>
+              <a:t>22.09.2017</a:t>
+            </a:r>
+          </a:p>
+        </p:txBody>
+      </p:sp>
+      <p:sp>
+        <p:nvSpPr>
+          <p:cNvPr id="7" name="Fußzeilenplatzhalter 6">
+            <a:extLst>
+              <a:ext uri="{FF2B5EF4-FFF2-40B4-BE49-F238E27FC236}">
+                <a16:creationId xmlns:a16="http://schemas.microsoft.com/office/drawing/2014/main" id="{86EBE65C-3C72-4D02-823B-DF2C0DB9505C}"/>
+              </a:ext>
+            </a:extLst>
+          </p:cNvPr>
+          <p:cNvSpPr>
+            <a:spLocks noGrp="1"/>
+          </p:cNvSpPr>
+          <p:nvPr>
+            <p:ph type="ftr" sz="quarter" idx="11"/>
+          </p:nvPr>
+        </p:nvSpPr>
+        <p:spPr/>
+        <p:txBody>
+          <a:bodyPr/>
+          <a:lstStyle/>
+          <a:p>
+            <a:r>
+              <a:rPr lang="de-DE"/>
+              <a:t>Sebastian Siebert</a:t>
+            </a:r>
+          </a:p>
+        </p:txBody>
+      </p:sp>
       <p:pic>
         <p:nvPicPr>
-          <p:cNvPr id="6" name="Grafik 5">
-            <a:extLst>
-              <a:ext uri="{FF2B5EF4-FFF2-40B4-BE49-F238E27FC236}">
-                <a16:creationId xmlns:a16="http://schemas.microsoft.com/office/drawing/2014/main" id="{0DB897D0-66FD-4982-9C77-4774C9B1E983}"/>
+          <p:cNvPr id="9" name="Grafik 8">
+            <a:extLst>
+              <a:ext uri="{FF2B5EF4-FFF2-40B4-BE49-F238E27FC236}">
+                <a16:creationId xmlns:a16="http://schemas.microsoft.com/office/drawing/2014/main" id="{A13DCFF3-0FF8-431E-99DE-53E57F5E6932}"/>
               </a:ext>
             </a:extLst>
           </p:cNvPr>
@@ -8208,76 +8353,20 @@
         </p:blipFill>
         <p:spPr>
           <a:xfrm>
-            <a:off x="5953544" y="1752546"/>
-            <a:ext cx="5583142" cy="4169909"/>
+            <a:off x="6229190" y="2218605"/>
+            <a:ext cx="5740168" cy="3956300"/>
           </a:xfrm>
           <a:prstGeom prst="rect">
             <a:avLst/>
           </a:prstGeom>
         </p:spPr>
       </p:pic>
-      <p:sp>
-        <p:nvSpPr>
-          <p:cNvPr id="5" name="Datumsplatzhalter 4">
-            <a:extLst>
-              <a:ext uri="{FF2B5EF4-FFF2-40B4-BE49-F238E27FC236}">
-                <a16:creationId xmlns:a16="http://schemas.microsoft.com/office/drawing/2014/main" id="{4E1D1659-FD2F-437A-852A-88943470CD5F}"/>
-              </a:ext>
-            </a:extLst>
-          </p:cNvPr>
-          <p:cNvSpPr>
-            <a:spLocks noGrp="1"/>
-          </p:cNvSpPr>
-          <p:nvPr>
-            <p:ph type="dt" sz="half" idx="10"/>
-          </p:nvPr>
-        </p:nvSpPr>
-        <p:spPr/>
-        <p:txBody>
-          <a:bodyPr/>
-          <a:lstStyle/>
-          <a:p>
-            <a:r>
-              <a:rPr lang="de-DE"/>
-              <a:t>22.09.2017</a:t>
-            </a:r>
-          </a:p>
-        </p:txBody>
-      </p:sp>
-      <p:sp>
-        <p:nvSpPr>
-          <p:cNvPr id="7" name="Fußzeilenplatzhalter 6">
-            <a:extLst>
-              <a:ext uri="{FF2B5EF4-FFF2-40B4-BE49-F238E27FC236}">
-                <a16:creationId xmlns:a16="http://schemas.microsoft.com/office/drawing/2014/main" id="{86EBE65C-3C72-4D02-823B-DF2C0DB9505C}"/>
-              </a:ext>
-            </a:extLst>
-          </p:cNvPr>
-          <p:cNvSpPr>
-            <a:spLocks noGrp="1"/>
-          </p:cNvSpPr>
-          <p:nvPr>
-            <p:ph type="ftr" sz="quarter" idx="11"/>
-          </p:nvPr>
-        </p:nvSpPr>
-        <p:spPr/>
-        <p:txBody>
-          <a:bodyPr/>
-          <a:lstStyle/>
-          <a:p>
-            <a:r>
-              <a:rPr lang="de-DE"/>
-              <a:t>Sebastian Siebert</a:t>
-            </a:r>
-          </a:p>
-        </p:txBody>
-      </p:sp>
       <p:pic>
         <p:nvPicPr>
-          <p:cNvPr id="9" name="Grafik 8">
-            <a:extLst>
-              <a:ext uri="{FF2B5EF4-FFF2-40B4-BE49-F238E27FC236}">
-                <a16:creationId xmlns:a16="http://schemas.microsoft.com/office/drawing/2014/main" id="{A13DCFF3-0FF8-431E-99DE-53E57F5E6932}"/>
+          <p:cNvPr id="11" name="Grafik 10">
+            <a:extLst>
+              <a:ext uri="{FF2B5EF4-FFF2-40B4-BE49-F238E27FC236}">
+                <a16:creationId xmlns:a16="http://schemas.microsoft.com/office/drawing/2014/main" id="{686EBA6E-2750-4208-B734-1932EBE7113C}"/>
               </a:ext>
             </a:extLst>
           </p:cNvPr>
@@ -8300,8 +8389,8 @@
         </p:blipFill>
         <p:spPr>
           <a:xfrm>
-            <a:off x="980655" y="2756452"/>
-            <a:ext cx="5115345" cy="3525653"/>
+            <a:off x="689112" y="2218605"/>
+            <a:ext cx="5540077" cy="4137745"/>
           </a:xfrm>
           <a:prstGeom prst="rect">
             <a:avLst/>
@@ -8365,31 +8454,6 @@
       </p:sp>
       <p:sp>
         <p:nvSpPr>
-          <p:cNvPr id="3" name="Inhaltsplatzhalter 2">
-            <a:extLst>
-              <a:ext uri="{FF2B5EF4-FFF2-40B4-BE49-F238E27FC236}">
-                <a16:creationId xmlns:a16="http://schemas.microsoft.com/office/drawing/2014/main" id="{DAA7DBC6-D843-424C-AC18-D9B84DFF5CE1}"/>
-              </a:ext>
-            </a:extLst>
-          </p:cNvPr>
-          <p:cNvSpPr>
-            <a:spLocks noGrp="1"/>
-          </p:cNvSpPr>
-          <p:nvPr>
-            <p:ph idx="1"/>
-          </p:nvPr>
-        </p:nvSpPr>
-        <p:spPr/>
-        <p:txBody>
-          <a:bodyPr/>
-          <a:lstStyle/>
-          <a:p>
-            <a:endParaRPr lang="de-DE"/>
-          </a:p>
-        </p:txBody>
-      </p:sp>
-      <p:sp>
-        <p:nvSpPr>
           <p:cNvPr id="4" name="Foliennummernplatzhalter 3">
             <a:extLst>
               <a:ext uri="{FF2B5EF4-FFF2-40B4-BE49-F238E27FC236}">
@@ -8473,6 +8537,114 @@
           </a:p>
         </p:txBody>
       </p:sp>
+      <p:sp>
+        <p:nvSpPr>
+          <p:cNvPr id="10" name="Inhaltsplatzhalter 9">
+            <a:extLst>
+              <a:ext uri="{FF2B5EF4-FFF2-40B4-BE49-F238E27FC236}">
+                <a16:creationId xmlns:a16="http://schemas.microsoft.com/office/drawing/2014/main" id="{349BCE5E-FA7B-4893-83DB-241F92B01BE2}"/>
+              </a:ext>
+            </a:extLst>
+          </p:cNvPr>
+          <p:cNvSpPr>
+            <a:spLocks noGrp="1"/>
+          </p:cNvSpPr>
+          <p:nvPr>
+            <p:ph idx="1"/>
+          </p:nvPr>
+        </p:nvSpPr>
+        <p:spPr>
+          <a:xfrm>
+            <a:off x="838200" y="1825625"/>
+            <a:ext cx="10515600" cy="467001"/>
+          </a:xfrm>
+        </p:spPr>
+        <p:txBody>
+          <a:bodyPr>
+            <a:normAutofit lnSpcReduction="10000"/>
+          </a:bodyPr>
+          <a:lstStyle/>
+          <a:p>
+            <a:r>
+              <a:rPr lang="de-DE" dirty="0" err="1"/>
+              <a:t>Bla</a:t>
+            </a:r>
+            <a:endParaRPr lang="de-DE" dirty="0"/>
+          </a:p>
+        </p:txBody>
+      </p:sp>
+      <p:pic>
+        <p:nvPicPr>
+          <p:cNvPr id="14" name="Grafik 13">
+            <a:extLst>
+              <a:ext uri="{FF2B5EF4-FFF2-40B4-BE49-F238E27FC236}">
+                <a16:creationId xmlns:a16="http://schemas.microsoft.com/office/drawing/2014/main" id="{03CB5902-4339-4786-8AB5-4E4E23552CF4}"/>
+              </a:ext>
+            </a:extLst>
+          </p:cNvPr>
+          <p:cNvPicPr>
+            <a:picLocks noChangeAspect="1"/>
+          </p:cNvPicPr>
+          <p:nvPr/>
+        </p:nvPicPr>
+        <p:blipFill>
+          <a:blip r:embed="rId2">
+            <a:extLst>
+              <a:ext uri="{28A0092B-C50C-407E-A947-70E740481C1C}">
+                <a14:useLocalDpi xmlns:a14="http://schemas.microsoft.com/office/drawing/2010/main" val="0"/>
+              </a:ext>
+            </a:extLst>
+          </a:blip>
+          <a:stretch>
+            <a:fillRect/>
+          </a:stretch>
+        </p:blipFill>
+        <p:spPr>
+          <a:xfrm>
+            <a:off x="838200" y="2292626"/>
+            <a:ext cx="5125278" cy="3827942"/>
+          </a:xfrm>
+          <a:prstGeom prst="rect">
+            <a:avLst/>
+          </a:prstGeom>
+        </p:spPr>
+      </p:pic>
+      <p:pic>
+        <p:nvPicPr>
+          <p:cNvPr id="16" name="Grafik 15">
+            <a:extLst>
+              <a:ext uri="{FF2B5EF4-FFF2-40B4-BE49-F238E27FC236}">
+                <a16:creationId xmlns:a16="http://schemas.microsoft.com/office/drawing/2014/main" id="{F72C5DCB-3927-4A5F-A039-C393A92AFE71}"/>
+              </a:ext>
+            </a:extLst>
+          </p:cNvPr>
+          <p:cNvPicPr>
+            <a:picLocks noChangeAspect="1"/>
+          </p:cNvPicPr>
+          <p:nvPr/>
+        </p:nvPicPr>
+        <p:blipFill>
+          <a:blip r:embed="rId3">
+            <a:extLst>
+              <a:ext uri="{28A0092B-C50C-407E-A947-70E740481C1C}">
+                <a14:useLocalDpi xmlns:a14="http://schemas.microsoft.com/office/drawing/2010/main" val="0"/>
+              </a:ext>
+            </a:extLst>
+          </a:blip>
+          <a:stretch>
+            <a:fillRect/>
+          </a:stretch>
+        </p:blipFill>
+        <p:spPr>
+          <a:xfrm>
+            <a:off x="6166899" y="2259830"/>
+            <a:ext cx="5943612" cy="4096520"/>
+          </a:xfrm>
+          <a:prstGeom prst="rect">
+            <a:avLst/>
+          </a:prstGeom>
+        </p:spPr>
+      </p:pic>
     </p:spTree>
     <p:extLst>
       <p:ext uri="{BB962C8B-B14F-4D97-AF65-F5344CB8AC3E}">

--- a/grundpraktikum2/Atomphysik/Atomphysik.pptx
+++ b/grundpraktikum2/Atomphysik/Atomphysik.pptx
@@ -12,8 +12,8 @@
     <p:sldId id="257" r:id="rId3"/>
     <p:sldId id="258" r:id="rId4"/>
     <p:sldId id="259" r:id="rId5"/>
-    <p:sldId id="266" r:id="rId6"/>
-    <p:sldId id="267" r:id="rId7"/>
+    <p:sldId id="270" r:id="rId6"/>
+    <p:sldId id="271" r:id="rId7"/>
     <p:sldId id="268" r:id="rId8"/>
     <p:sldId id="260" r:id="rId9"/>
     <p:sldId id="265" r:id="rId10"/>
@@ -125,6 +125,10 @@
     </p:ext>
   </p:extLst>
 </p:presentation>
+</file>
+
+<file path=ppt/revisionInfo.xml><?xml version="1.0" encoding="utf-8"?>
+<p1510:revInfo xmlns:a="http://schemas.openxmlformats.org/drawingml/2006/main" xmlns:r="http://schemas.openxmlformats.org/officeDocument/2006/relationships" xmlns:p1510="http://schemas.microsoft.com/office/powerpoint/2015/10/main"/>
 </file>
 
 <file path=ppt/notesMasters/notesMaster1.xml><?xml version="1.0" encoding="utf-8"?>
@@ -4029,8 +4033,8 @@
           </a:prstGeom>
         </p:spPr>
       </p:pic>
-      <mc:AlternateContent xmlns:mc="http://schemas.openxmlformats.org/markup-compatibility/2006">
-        <mc:Choice xmlns:a14="http://schemas.microsoft.com/office/drawing/2010/main" Requires="a14">
+      <mc:AlternateContent xmlns:mc="http://schemas.openxmlformats.org/markup-compatibility/2006" xmlns:a14="http://schemas.microsoft.com/office/drawing/2010/main">
+        <mc:Choice Requires="a14">
           <p:sp>
             <p:nvSpPr>
               <p:cNvPr id="12" name="Textfeld 11">
@@ -4127,7 +4131,7 @@
             </p:txBody>
           </p:sp>
         </mc:Choice>
-        <mc:Fallback>
+        <mc:Fallback xmlns="">
           <p:sp>
             <p:nvSpPr>
               <p:cNvPr id="12" name="Textfeld 11">
@@ -4695,8 +4699,8 @@
           </a:p>
         </p:txBody>
       </p:sp>
-      <mc:AlternateContent xmlns:mc="http://schemas.openxmlformats.org/markup-compatibility/2006">
-        <mc:Choice xmlns:a14="http://schemas.microsoft.com/office/drawing/2010/main" Requires="a14">
+      <mc:AlternateContent xmlns:mc="http://schemas.openxmlformats.org/markup-compatibility/2006" xmlns:a14="http://schemas.microsoft.com/office/drawing/2010/main">
+        <mc:Choice Requires="a14">
           <p:sp>
             <p:nvSpPr>
               <p:cNvPr id="3" name="Inhaltsplatzhalter 2">
@@ -5071,7 +5075,7 @@
             </p:txBody>
           </p:sp>
         </mc:Choice>
-        <mc:Fallback>
+        <mc:Fallback xmlns="">
           <p:sp>
             <p:nvSpPr>
               <p:cNvPr id="3" name="Inhaltsplatzhalter 2">
@@ -5687,8 +5691,8 @@
           </a:p>
         </p:txBody>
       </p:sp>
-      <mc:AlternateContent xmlns:mc="http://schemas.openxmlformats.org/markup-compatibility/2006">
-        <mc:Choice xmlns:a14="http://schemas.microsoft.com/office/drawing/2010/main" Requires="a14">
+      <mc:AlternateContent xmlns:mc="http://schemas.openxmlformats.org/markup-compatibility/2006" xmlns:a14="http://schemas.microsoft.com/office/drawing/2010/main">
+        <mc:Choice Requires="a14">
           <p:sp>
             <p:nvSpPr>
               <p:cNvPr id="3" name="Inhaltsplatzhalter 2">
@@ -6315,19 +6319,7 @@
                       <a:rPr lang="de-DE" b="0" i="1" smtClean="0">
                         <a:latin typeface="Cambria Math" panose="02040503050406030204" pitchFamily="18" charset="0"/>
                       </a:rPr>
-                      <m:t>    </m:t>
-                    </m:r>
-                    <m:r>
-                      <a:rPr lang="de-DE" b="0" i="1" smtClean="0">
-                        <a:latin typeface="Cambria Math" panose="02040503050406030204" pitchFamily="18" charset="0"/>
-                      </a:rPr>
-                      <m:t> </m:t>
-                    </m:r>
-                    <m:r>
-                      <a:rPr lang="de-DE" b="0" i="1" smtClean="0">
-                        <a:latin typeface="Cambria Math" panose="02040503050406030204" pitchFamily="18" charset="0"/>
-                      </a:rPr>
-                      <m:t>      </m:t>
+                      <m:t>           </m:t>
                     </m:r>
                   </m:oMath>
                 </a14:m>
@@ -6441,7 +6433,7 @@
             </p:txBody>
           </p:sp>
         </mc:Choice>
-        <mc:Fallback>
+        <mc:Fallback xmlns="">
           <p:sp>
             <p:nvSpPr>
               <p:cNvPr id="3" name="Inhaltsplatzhalter 2">
@@ -6660,8 +6652,8 @@
           </a:p>
         </p:txBody>
       </p:sp>
-      <mc:AlternateContent xmlns:mc="http://schemas.openxmlformats.org/markup-compatibility/2006">
-        <mc:Choice xmlns:a14="http://schemas.microsoft.com/office/drawing/2010/main" Requires="a14">
+      <mc:AlternateContent xmlns:mc="http://schemas.openxmlformats.org/markup-compatibility/2006" xmlns:a14="http://schemas.microsoft.com/office/drawing/2010/main">
+        <mc:Choice Requires="a14">
           <p:sp>
             <p:nvSpPr>
               <p:cNvPr id="3" name="Inhaltsplatzhalter 2">
@@ -6904,7 +6896,7 @@
             </p:txBody>
           </p:sp>
         </mc:Choice>
-        <mc:Fallback>
+        <mc:Fallback xmlns="">
           <p:sp>
             <p:nvSpPr>
               <p:cNvPr id="3" name="Inhaltsplatzhalter 2">
@@ -7115,12 +7107,7 @@
             <p:ph type="title"/>
           </p:nvPr>
         </p:nvSpPr>
-        <p:spPr>
-          <a:xfrm>
-            <a:off x="838200" y="351252"/>
-            <a:ext cx="10515600" cy="721553"/>
-          </a:xfrm>
-        </p:spPr>
+        <p:spPr/>
         <p:txBody>
           <a:bodyPr/>
           <a:lstStyle/>
@@ -7134,55 +7121,18 @@
       </p:sp>
       <p:sp>
         <p:nvSpPr>
-          <p:cNvPr id="3" name="Inhaltsplatzhalter 2">
-            <a:extLst>
-              <a:ext uri="{FF2B5EF4-FFF2-40B4-BE49-F238E27FC236}">
-                <a16:creationId xmlns:a16="http://schemas.microsoft.com/office/drawing/2014/main" id="{FB1CD3A5-C8CF-486D-9F71-7321469C93B4}"/>
-              </a:ext>
-            </a:extLst>
-          </p:cNvPr>
-          <p:cNvSpPr>
-            <a:spLocks noGrp="1"/>
-          </p:cNvSpPr>
-          <p:nvPr>
-            <p:ph idx="1"/>
-          </p:nvPr>
-        </p:nvSpPr>
-        <p:spPr>
-          <a:xfrm>
-            <a:off x="838200" y="1205948"/>
-            <a:ext cx="1560443" cy="530087"/>
-          </a:xfrm>
-        </p:spPr>
-        <p:txBody>
-          <a:bodyPr/>
-          <a:lstStyle/>
-          <a:p>
-            <a:r>
-              <a:rPr lang="de-DE" dirty="0" err="1"/>
-              <a:t>Bla</a:t>
-            </a:r>
-            <a:endParaRPr lang="de-DE" dirty="0"/>
-          </a:p>
-          <a:p>
-            <a:endParaRPr lang="de-DE" dirty="0"/>
-          </a:p>
-        </p:txBody>
-      </p:sp>
-      <p:sp>
-        <p:nvSpPr>
-          <p:cNvPr id="4" name="Datumsplatzhalter 3">
-            <a:extLst>
-              <a:ext uri="{FF2B5EF4-FFF2-40B4-BE49-F238E27FC236}">
-                <a16:creationId xmlns:a16="http://schemas.microsoft.com/office/drawing/2014/main" id="{2E1AB41B-CD00-4284-A3D0-7CC12FD80C04}"/>
-              </a:ext>
-            </a:extLst>
-          </p:cNvPr>
-          <p:cNvSpPr>
-            <a:spLocks noGrp="1"/>
-          </p:cNvSpPr>
-          <p:nvPr>
-            <p:ph type="dt" sz="half" idx="10"/>
+          <p:cNvPr id="11" name="Textplatzhalter 10">
+            <a:extLst>
+              <a:ext uri="{FF2B5EF4-FFF2-40B4-BE49-F238E27FC236}">
+                <a16:creationId xmlns:a16="http://schemas.microsoft.com/office/drawing/2014/main" id="{14CEE210-7435-4DB9-BE2C-F741D471338F}"/>
+              </a:ext>
+            </a:extLst>
+          </p:cNvPr>
+          <p:cNvSpPr>
+            <a:spLocks noGrp="1"/>
+          </p:cNvSpPr>
+          <p:nvPr>
+            <p:ph type="body" idx="1"/>
           </p:nvPr>
         </p:nvSpPr>
         <p:spPr/>
@@ -7191,82 +7141,27 @@
           <a:lstStyle/>
           <a:p>
             <a:r>
-              <a:rPr lang="de-DE"/>
-              <a:t>22.09.2017</a:t>
-            </a:r>
-          </a:p>
-        </p:txBody>
-      </p:sp>
-      <p:sp>
-        <p:nvSpPr>
-          <p:cNvPr id="5" name="Fußzeilenplatzhalter 4">
-            <a:extLst>
-              <a:ext uri="{FF2B5EF4-FFF2-40B4-BE49-F238E27FC236}">
-                <a16:creationId xmlns:a16="http://schemas.microsoft.com/office/drawing/2014/main" id="{8B59F121-D9F6-40B4-920F-54B04B7A214F}"/>
-              </a:ext>
-            </a:extLst>
-          </p:cNvPr>
-          <p:cNvSpPr>
-            <a:spLocks noGrp="1"/>
-          </p:cNvSpPr>
-          <p:nvPr>
-            <p:ph type="ftr" sz="quarter" idx="11"/>
-          </p:nvPr>
-        </p:nvSpPr>
-        <p:spPr/>
-        <p:txBody>
-          <a:bodyPr/>
-          <a:lstStyle/>
-          <a:p>
-            <a:r>
-              <a:rPr lang="de-DE"/>
-              <a:t>Sebastian Siebert</a:t>
-            </a:r>
-          </a:p>
-        </p:txBody>
-      </p:sp>
-      <p:sp>
-        <p:nvSpPr>
-          <p:cNvPr id="6" name="Foliennummernplatzhalter 5">
-            <a:extLst>
-              <a:ext uri="{FF2B5EF4-FFF2-40B4-BE49-F238E27FC236}">
-                <a16:creationId xmlns:a16="http://schemas.microsoft.com/office/drawing/2014/main" id="{64CF98A4-F3BD-49D0-A766-2FEC6CF09A9F}"/>
-              </a:ext>
-            </a:extLst>
-          </p:cNvPr>
-          <p:cNvSpPr>
-            <a:spLocks noGrp="1"/>
-          </p:cNvSpPr>
-          <p:nvPr>
-            <p:ph type="sldNum" sz="quarter" idx="12"/>
-          </p:nvPr>
-        </p:nvSpPr>
-        <p:spPr/>
-        <p:txBody>
-          <a:bodyPr/>
-          <a:lstStyle/>
-          <a:p>
-            <a:fld id="{E276D0E3-8A91-4195-9D97-D4903B6F688B}" type="slidenum">
-              <a:rPr lang="de-DE" smtClean="0"/>
-              <a:t>5</a:t>
-            </a:fld>
-            <a:endParaRPr lang="de-DE"/>
+              <a:rPr lang="de-DE" dirty="0"/>
+              <a:t>Gruppe A:</a:t>
+            </a:r>
           </a:p>
         </p:txBody>
       </p:sp>
       <p:pic>
         <p:nvPicPr>
-          <p:cNvPr id="12" name="Grafik 11">
-            <a:extLst>
-              <a:ext uri="{FF2B5EF4-FFF2-40B4-BE49-F238E27FC236}">
-                <a16:creationId xmlns:a16="http://schemas.microsoft.com/office/drawing/2014/main" id="{E73E503F-0C47-478D-AB22-717B0AF12FE9}"/>
+          <p:cNvPr id="8" name="Inhaltsplatzhalter 7">
+            <a:extLst>
+              <a:ext uri="{FF2B5EF4-FFF2-40B4-BE49-F238E27FC236}">
+                <a16:creationId xmlns:a16="http://schemas.microsoft.com/office/drawing/2014/main" id="{085AA82E-4493-4EAD-AFA2-04295C5948BD}"/>
               </a:ext>
             </a:extLst>
           </p:cNvPr>
           <p:cNvPicPr>
-            <a:picLocks noChangeAspect="1"/>
+            <a:picLocks noGrp="1" noChangeAspect="1"/>
           </p:cNvPicPr>
-          <p:nvPr/>
+          <p:nvPr>
+            <p:ph sz="half" idx="2"/>
+          </p:nvPr>
         </p:nvPicPr>
         <p:blipFill>
           <a:blip r:embed="rId2">
@@ -7282,20 +7177,130 @@
         </p:blipFill>
         <p:spPr>
           <a:xfrm>
-            <a:off x="655314" y="1855305"/>
-            <a:ext cx="5433391" cy="4007126"/>
+            <a:off x="6357749" y="2505127"/>
+            <a:ext cx="4996051" cy="3684588"/>
           </a:xfrm>
-          <a:prstGeom prst="rect">
-            <a:avLst/>
-          </a:prstGeom>
         </p:spPr>
       </p:pic>
+      <p:sp>
+        <p:nvSpPr>
+          <p:cNvPr id="12" name="Textplatzhalter 11">
+            <a:extLst>
+              <a:ext uri="{FF2B5EF4-FFF2-40B4-BE49-F238E27FC236}">
+                <a16:creationId xmlns:a16="http://schemas.microsoft.com/office/drawing/2014/main" id="{7A67D170-C9BA-451F-A4EA-68F7160573DD}"/>
+              </a:ext>
+            </a:extLst>
+          </p:cNvPr>
+          <p:cNvSpPr>
+            <a:spLocks noGrp="1"/>
+          </p:cNvSpPr>
+          <p:nvPr>
+            <p:ph type="body" sz="quarter" idx="3"/>
+          </p:nvPr>
+        </p:nvSpPr>
+        <p:spPr/>
+        <p:txBody>
+          <a:bodyPr/>
+          <a:lstStyle/>
+          <a:p>
+            <a:r>
+              <a:rPr lang="de-DE" dirty="0"/>
+              <a:t>Gruppe B:</a:t>
+            </a:r>
+          </a:p>
+        </p:txBody>
+      </p:sp>
+      <p:sp>
+        <p:nvSpPr>
+          <p:cNvPr id="4" name="Datumsplatzhalter 3">
+            <a:extLst>
+              <a:ext uri="{FF2B5EF4-FFF2-40B4-BE49-F238E27FC236}">
+                <a16:creationId xmlns:a16="http://schemas.microsoft.com/office/drawing/2014/main" id="{2E1AB41B-CD00-4284-A3D0-7CC12FD80C04}"/>
+              </a:ext>
+            </a:extLst>
+          </p:cNvPr>
+          <p:cNvSpPr>
+            <a:spLocks noGrp="1"/>
+          </p:cNvSpPr>
+          <p:nvPr>
+            <p:ph type="dt" sz="half" idx="10"/>
+          </p:nvPr>
+        </p:nvSpPr>
+        <p:spPr/>
+        <p:txBody>
+          <a:bodyPr/>
+          <a:lstStyle/>
+          <a:p>
+            <a:r>
+              <a:rPr lang="de-DE"/>
+              <a:t>22.09.2017</a:t>
+            </a:r>
+          </a:p>
+        </p:txBody>
+      </p:sp>
+      <p:sp>
+        <p:nvSpPr>
+          <p:cNvPr id="5" name="Fußzeilenplatzhalter 4">
+            <a:extLst>
+              <a:ext uri="{FF2B5EF4-FFF2-40B4-BE49-F238E27FC236}">
+                <a16:creationId xmlns:a16="http://schemas.microsoft.com/office/drawing/2014/main" id="{8B59F121-D9F6-40B4-920F-54B04B7A214F}"/>
+              </a:ext>
+            </a:extLst>
+          </p:cNvPr>
+          <p:cNvSpPr>
+            <a:spLocks noGrp="1"/>
+          </p:cNvSpPr>
+          <p:nvPr>
+            <p:ph type="ftr" sz="quarter" idx="11"/>
+          </p:nvPr>
+        </p:nvSpPr>
+        <p:spPr/>
+        <p:txBody>
+          <a:bodyPr/>
+          <a:lstStyle/>
+          <a:p>
+            <a:r>
+              <a:rPr lang="de-DE"/>
+              <a:t>Sebastian Siebert</a:t>
+            </a:r>
+          </a:p>
+        </p:txBody>
+      </p:sp>
+      <p:sp>
+        <p:nvSpPr>
+          <p:cNvPr id="6" name="Foliennummernplatzhalter 5">
+            <a:extLst>
+              <a:ext uri="{FF2B5EF4-FFF2-40B4-BE49-F238E27FC236}">
+                <a16:creationId xmlns:a16="http://schemas.microsoft.com/office/drawing/2014/main" id="{64CF98A4-F3BD-49D0-A766-2FEC6CF09A9F}"/>
+              </a:ext>
+            </a:extLst>
+          </p:cNvPr>
+          <p:cNvSpPr>
+            <a:spLocks noGrp="1"/>
+          </p:cNvSpPr>
+          <p:nvPr>
+            <p:ph type="sldNum" sz="quarter" idx="12"/>
+          </p:nvPr>
+        </p:nvSpPr>
+        <p:spPr/>
+        <p:txBody>
+          <a:bodyPr/>
+          <a:lstStyle/>
+          <a:p>
+            <a:fld id="{E276D0E3-8A91-4195-9D97-D4903B6F688B}" type="slidenum">
+              <a:rPr lang="de-DE" smtClean="0"/>
+              <a:t>5</a:t>
+            </a:fld>
+            <a:endParaRPr lang="de-DE"/>
+          </a:p>
+        </p:txBody>
+      </p:sp>
       <p:pic>
         <p:nvPicPr>
-          <p:cNvPr id="14" name="Grafik 13">
-            <a:extLst>
-              <a:ext uri="{FF2B5EF4-FFF2-40B4-BE49-F238E27FC236}">
-                <a16:creationId xmlns:a16="http://schemas.microsoft.com/office/drawing/2014/main" id="{779695AB-F1CF-48C1-B8EB-60B486168DC9}"/>
+          <p:cNvPr id="10" name="Grafik 9">
+            <a:extLst>
+              <a:ext uri="{FF2B5EF4-FFF2-40B4-BE49-F238E27FC236}">
+                <a16:creationId xmlns:a16="http://schemas.microsoft.com/office/drawing/2014/main" id="{BE6BF722-B32C-4A0A-9DC3-FD71864A1415}"/>
               </a:ext>
             </a:extLst>
           </p:cNvPr>
@@ -7318,14 +7323,96 @@
         </p:blipFill>
         <p:spPr>
           <a:xfrm>
-            <a:off x="5920409" y="1855305"/>
-            <a:ext cx="5433391" cy="4007126"/>
+            <a:off x="920726" y="2505179"/>
+            <a:ext cx="4995909" cy="3684483"/>
           </a:xfrm>
           <a:prstGeom prst="rect">
             <a:avLst/>
           </a:prstGeom>
         </p:spPr>
       </p:pic>
+      <p:sp>
+        <p:nvSpPr>
+          <p:cNvPr id="14" name="Textfeld 13">
+            <a:extLst>
+              <a:ext uri="{FF2B5EF4-FFF2-40B4-BE49-F238E27FC236}">
+                <a16:creationId xmlns:a16="http://schemas.microsoft.com/office/drawing/2014/main" id="{049D87ED-C835-4270-947F-CD71869524F3}"/>
+              </a:ext>
+            </a:extLst>
+          </p:cNvPr>
+          <p:cNvSpPr txBox="1"/>
+          <p:nvPr/>
+        </p:nvSpPr>
+        <p:spPr>
+          <a:xfrm>
+            <a:off x="2899006" y="2025379"/>
+            <a:ext cx="2012282" cy="646331"/>
+          </a:xfrm>
+          <a:prstGeom prst="rect">
+            <a:avLst/>
+          </a:prstGeom>
+          <a:noFill/>
+        </p:spPr>
+        <p:txBody>
+          <a:bodyPr wrap="none" rtlCol="0">
+            <a:spAutoFit/>
+          </a:bodyPr>
+          <a:lstStyle/>
+          <a:p>
+            <a:r>
+              <a:rPr lang="de-DE" dirty="0"/>
+              <a:t>Mittelwert: 8.102V </a:t>
+            </a:r>
+          </a:p>
+          <a:p>
+            <a:r>
+              <a:rPr lang="de-DE" dirty="0"/>
+              <a:t>Fehler: 0.0004V</a:t>
+            </a:r>
+          </a:p>
+        </p:txBody>
+      </p:sp>
+      <p:sp>
+        <p:nvSpPr>
+          <p:cNvPr id="15" name="Textfeld 14">
+            <a:extLst>
+              <a:ext uri="{FF2B5EF4-FFF2-40B4-BE49-F238E27FC236}">
+                <a16:creationId xmlns:a16="http://schemas.microsoft.com/office/drawing/2014/main" id="{9B1E6E6E-30DB-4CBE-9549-3E4CDB4E7298}"/>
+              </a:ext>
+            </a:extLst>
+          </p:cNvPr>
+          <p:cNvSpPr txBox="1"/>
+          <p:nvPr/>
+        </p:nvSpPr>
+        <p:spPr>
+          <a:xfrm>
+            <a:off x="7969918" y="1942061"/>
+            <a:ext cx="2129301" cy="646331"/>
+          </a:xfrm>
+          <a:prstGeom prst="rect">
+            <a:avLst/>
+          </a:prstGeom>
+          <a:noFill/>
+        </p:spPr>
+        <p:txBody>
+          <a:bodyPr wrap="none" rtlCol="0">
+            <a:spAutoFit/>
+          </a:bodyPr>
+          <a:lstStyle/>
+          <a:p>
+            <a:r>
+              <a:rPr lang="de-DE" dirty="0"/>
+              <a:t>Mittelwert: 1.1458V </a:t>
+            </a:r>
+          </a:p>
+          <a:p>
+            <a:r>
+              <a:rPr lang="de-DE" dirty="0"/>
+              <a:t>Fehler: 0.0002V</a:t>
+            </a:r>
+          </a:p>
+        </p:txBody>
+      </p:sp>
     </p:spTree>
     <p:extLst>
       <p:ext uri="{BB962C8B-B14F-4D97-AF65-F5344CB8AC3E}">
@@ -7386,54 +7473,18 @@
       </p:sp>
       <p:sp>
         <p:nvSpPr>
-          <p:cNvPr id="3" name="Inhaltsplatzhalter 2">
-            <a:extLst>
-              <a:ext uri="{FF2B5EF4-FFF2-40B4-BE49-F238E27FC236}">
-                <a16:creationId xmlns:a16="http://schemas.microsoft.com/office/drawing/2014/main" id="{883F059D-1A12-4E8F-859F-5516BC04BBC9}"/>
-              </a:ext>
-            </a:extLst>
-          </p:cNvPr>
-          <p:cNvSpPr>
-            <a:spLocks noGrp="1"/>
-          </p:cNvSpPr>
-          <p:nvPr>
-            <p:ph idx="1"/>
-          </p:nvPr>
-        </p:nvSpPr>
-        <p:spPr>
-          <a:xfrm>
-            <a:off x="838200" y="1825625"/>
-            <a:ext cx="2647122" cy="440497"/>
-          </a:xfrm>
-        </p:spPr>
-        <p:txBody>
-          <a:bodyPr>
-            <a:normAutofit lnSpcReduction="10000"/>
-          </a:bodyPr>
-          <a:lstStyle/>
-          <a:p>
-            <a:r>
-              <a:rPr lang="de-DE" dirty="0" err="1"/>
-              <a:t>Bla</a:t>
-            </a:r>
-            <a:endParaRPr lang="de-DE" dirty="0"/>
-          </a:p>
-        </p:txBody>
-      </p:sp>
-      <p:sp>
-        <p:nvSpPr>
-          <p:cNvPr id="4" name="Datumsplatzhalter 3">
-            <a:extLst>
-              <a:ext uri="{FF2B5EF4-FFF2-40B4-BE49-F238E27FC236}">
-                <a16:creationId xmlns:a16="http://schemas.microsoft.com/office/drawing/2014/main" id="{3E09CC28-4447-496D-A230-377FBD7F84AE}"/>
-              </a:ext>
-            </a:extLst>
-          </p:cNvPr>
-          <p:cNvSpPr>
-            <a:spLocks noGrp="1"/>
-          </p:cNvSpPr>
-          <p:nvPr>
-            <p:ph type="dt" sz="half" idx="10"/>
+          <p:cNvPr id="7" name="Textplatzhalter 6">
+            <a:extLst>
+              <a:ext uri="{FF2B5EF4-FFF2-40B4-BE49-F238E27FC236}">
+                <a16:creationId xmlns:a16="http://schemas.microsoft.com/office/drawing/2014/main" id="{554092D1-B8FF-4D09-8C96-F47881C228EF}"/>
+              </a:ext>
+            </a:extLst>
+          </p:cNvPr>
+          <p:cNvSpPr>
+            <a:spLocks noGrp="1"/>
+          </p:cNvSpPr>
+          <p:nvPr>
+            <p:ph type="body" idx="1"/>
           </p:nvPr>
         </p:nvSpPr>
         <p:spPr/>
@@ -7442,82 +7493,27 @@
           <a:lstStyle/>
           <a:p>
             <a:r>
-              <a:rPr lang="de-DE"/>
-              <a:t>22.09.2017</a:t>
-            </a:r>
-          </a:p>
-        </p:txBody>
-      </p:sp>
-      <p:sp>
-        <p:nvSpPr>
-          <p:cNvPr id="5" name="Fußzeilenplatzhalter 4">
-            <a:extLst>
-              <a:ext uri="{FF2B5EF4-FFF2-40B4-BE49-F238E27FC236}">
-                <a16:creationId xmlns:a16="http://schemas.microsoft.com/office/drawing/2014/main" id="{B9D263D6-408D-4AD8-87B0-96B24AE22433}"/>
-              </a:ext>
-            </a:extLst>
-          </p:cNvPr>
-          <p:cNvSpPr>
-            <a:spLocks noGrp="1"/>
-          </p:cNvSpPr>
-          <p:nvPr>
-            <p:ph type="ftr" sz="quarter" idx="11"/>
-          </p:nvPr>
-        </p:nvSpPr>
-        <p:spPr/>
-        <p:txBody>
-          <a:bodyPr/>
-          <a:lstStyle/>
-          <a:p>
-            <a:r>
-              <a:rPr lang="de-DE"/>
-              <a:t>Sebastian Siebert</a:t>
-            </a:r>
-          </a:p>
-        </p:txBody>
-      </p:sp>
-      <p:sp>
-        <p:nvSpPr>
-          <p:cNvPr id="6" name="Foliennummernplatzhalter 5">
-            <a:extLst>
-              <a:ext uri="{FF2B5EF4-FFF2-40B4-BE49-F238E27FC236}">
-                <a16:creationId xmlns:a16="http://schemas.microsoft.com/office/drawing/2014/main" id="{E5323E5A-3CB8-4BBC-AF6C-B7DD6579DD6B}"/>
-              </a:ext>
-            </a:extLst>
-          </p:cNvPr>
-          <p:cNvSpPr>
-            <a:spLocks noGrp="1"/>
-          </p:cNvSpPr>
-          <p:nvPr>
-            <p:ph type="sldNum" sz="quarter" idx="12"/>
-          </p:nvPr>
-        </p:nvSpPr>
-        <p:spPr/>
-        <p:txBody>
-          <a:bodyPr/>
-          <a:lstStyle/>
-          <a:p>
-            <a:fld id="{E276D0E3-8A91-4195-9D97-D4903B6F688B}" type="slidenum">
-              <a:rPr lang="de-DE" smtClean="0"/>
-              <a:t>6</a:t>
-            </a:fld>
-            <a:endParaRPr lang="de-DE"/>
+              <a:rPr lang="de-DE" dirty="0"/>
+              <a:t>Gruppe A:</a:t>
+            </a:r>
           </a:p>
         </p:txBody>
       </p:sp>
       <p:pic>
         <p:nvPicPr>
-          <p:cNvPr id="8" name="Grafik 7">
-            <a:extLst>
-              <a:ext uri="{FF2B5EF4-FFF2-40B4-BE49-F238E27FC236}">
-                <a16:creationId xmlns:a16="http://schemas.microsoft.com/office/drawing/2014/main" id="{D072E0B7-CDD5-4485-A02B-8A80814B2E7B}"/>
+          <p:cNvPr id="12" name="Inhaltsplatzhalter 11">
+            <a:extLst>
+              <a:ext uri="{FF2B5EF4-FFF2-40B4-BE49-F238E27FC236}">
+                <a16:creationId xmlns:a16="http://schemas.microsoft.com/office/drawing/2014/main" id="{DBCC8EC0-D834-40B3-AD01-17270DB56AE1}"/>
               </a:ext>
             </a:extLst>
           </p:cNvPr>
           <p:cNvPicPr>
-            <a:picLocks noChangeAspect="1"/>
+            <a:picLocks noGrp="1" noChangeAspect="1"/>
           </p:cNvPicPr>
-          <p:nvPr/>
+          <p:nvPr>
+            <p:ph sz="half" idx="2"/>
+          </p:nvPr>
         </p:nvPicPr>
         <p:blipFill>
           <a:blip r:embed="rId2">
@@ -7533,27 +7529,54 @@
         </p:blipFill>
         <p:spPr>
           <a:xfrm>
-            <a:off x="838200" y="2031363"/>
-            <a:ext cx="5573207" cy="4110240"/>
+            <a:off x="6359837" y="2505075"/>
+            <a:ext cx="4996051" cy="3684588"/>
           </a:xfrm>
-          <a:prstGeom prst="rect">
-            <a:avLst/>
-          </a:prstGeom>
         </p:spPr>
       </p:pic>
+      <p:sp>
+        <p:nvSpPr>
+          <p:cNvPr id="9" name="Textplatzhalter 8">
+            <a:extLst>
+              <a:ext uri="{FF2B5EF4-FFF2-40B4-BE49-F238E27FC236}">
+                <a16:creationId xmlns:a16="http://schemas.microsoft.com/office/drawing/2014/main" id="{E7BF70D2-36A3-44AA-A3A0-192F0EF0797A}"/>
+              </a:ext>
+            </a:extLst>
+          </p:cNvPr>
+          <p:cNvSpPr>
+            <a:spLocks noGrp="1"/>
+          </p:cNvSpPr>
+          <p:nvPr>
+            <p:ph type="body" sz="quarter" idx="3"/>
+          </p:nvPr>
+        </p:nvSpPr>
+        <p:spPr/>
+        <p:txBody>
+          <a:bodyPr/>
+          <a:lstStyle/>
+          <a:p>
+            <a:r>
+              <a:rPr lang="de-DE" dirty="0"/>
+              <a:t>Gruppe B:</a:t>
+            </a:r>
+          </a:p>
+        </p:txBody>
+      </p:sp>
       <p:pic>
         <p:nvPicPr>
-          <p:cNvPr id="10" name="Grafik 9">
-            <a:extLst>
-              <a:ext uri="{FF2B5EF4-FFF2-40B4-BE49-F238E27FC236}">
-                <a16:creationId xmlns:a16="http://schemas.microsoft.com/office/drawing/2014/main" id="{A2066F2A-BCED-4999-9527-7127BB387F55}"/>
+          <p:cNvPr id="14" name="Inhaltsplatzhalter 13">
+            <a:extLst>
+              <a:ext uri="{FF2B5EF4-FFF2-40B4-BE49-F238E27FC236}">
+                <a16:creationId xmlns:a16="http://schemas.microsoft.com/office/drawing/2014/main" id="{28ED0DBE-964A-4F19-80E5-52A5D665EAF4}"/>
               </a:ext>
             </a:extLst>
           </p:cNvPr>
           <p:cNvPicPr>
-            <a:picLocks noChangeAspect="1"/>
+            <a:picLocks noGrp="1" noChangeAspect="1"/>
           </p:cNvPicPr>
-          <p:nvPr/>
+          <p:nvPr>
+            <p:ph sz="quarter" idx="4"/>
+          </p:nvPr>
         </p:nvPicPr>
         <p:blipFill>
           <a:blip r:embed="rId3">
@@ -7569,14 +7592,178 @@
         </p:blipFill>
         <p:spPr>
           <a:xfrm>
-            <a:off x="6177031" y="2031363"/>
-            <a:ext cx="5531933" cy="4079801"/>
+            <a:off x="665163" y="2505075"/>
+            <a:ext cx="4996051" cy="3684588"/>
+          </a:xfrm>
+        </p:spPr>
+      </p:pic>
+      <p:sp>
+        <p:nvSpPr>
+          <p:cNvPr id="4" name="Datumsplatzhalter 3">
+            <a:extLst>
+              <a:ext uri="{FF2B5EF4-FFF2-40B4-BE49-F238E27FC236}">
+                <a16:creationId xmlns:a16="http://schemas.microsoft.com/office/drawing/2014/main" id="{3E09CC28-4447-496D-A230-377FBD7F84AE}"/>
+              </a:ext>
+            </a:extLst>
+          </p:cNvPr>
+          <p:cNvSpPr>
+            <a:spLocks noGrp="1"/>
+          </p:cNvSpPr>
+          <p:nvPr>
+            <p:ph type="dt" sz="half" idx="10"/>
+          </p:nvPr>
+        </p:nvSpPr>
+        <p:spPr/>
+        <p:txBody>
+          <a:bodyPr/>
+          <a:lstStyle/>
+          <a:p>
+            <a:r>
+              <a:rPr lang="de-DE"/>
+              <a:t>22.09.2017</a:t>
+            </a:r>
+          </a:p>
+        </p:txBody>
+      </p:sp>
+      <p:sp>
+        <p:nvSpPr>
+          <p:cNvPr id="5" name="Fußzeilenplatzhalter 4">
+            <a:extLst>
+              <a:ext uri="{FF2B5EF4-FFF2-40B4-BE49-F238E27FC236}">
+                <a16:creationId xmlns:a16="http://schemas.microsoft.com/office/drawing/2014/main" id="{B9D263D6-408D-4AD8-87B0-96B24AE22433}"/>
+              </a:ext>
+            </a:extLst>
+          </p:cNvPr>
+          <p:cNvSpPr>
+            <a:spLocks noGrp="1"/>
+          </p:cNvSpPr>
+          <p:nvPr>
+            <p:ph type="ftr" sz="quarter" idx="11"/>
+          </p:nvPr>
+        </p:nvSpPr>
+        <p:spPr/>
+        <p:txBody>
+          <a:bodyPr/>
+          <a:lstStyle/>
+          <a:p>
+            <a:r>
+              <a:rPr lang="de-DE"/>
+              <a:t>Sebastian Siebert</a:t>
+            </a:r>
+          </a:p>
+        </p:txBody>
+      </p:sp>
+      <p:sp>
+        <p:nvSpPr>
+          <p:cNvPr id="6" name="Foliennummernplatzhalter 5">
+            <a:extLst>
+              <a:ext uri="{FF2B5EF4-FFF2-40B4-BE49-F238E27FC236}">
+                <a16:creationId xmlns:a16="http://schemas.microsoft.com/office/drawing/2014/main" id="{E5323E5A-3CB8-4BBC-AF6C-B7DD6579DD6B}"/>
+              </a:ext>
+            </a:extLst>
+          </p:cNvPr>
+          <p:cNvSpPr>
+            <a:spLocks noGrp="1"/>
+          </p:cNvSpPr>
+          <p:nvPr>
+            <p:ph type="sldNum" sz="quarter" idx="12"/>
+          </p:nvPr>
+        </p:nvSpPr>
+        <p:spPr/>
+        <p:txBody>
+          <a:bodyPr/>
+          <a:lstStyle/>
+          <a:p>
+            <a:fld id="{E276D0E3-8A91-4195-9D97-D4903B6F688B}" type="slidenum">
+              <a:rPr lang="de-DE" smtClean="0"/>
+              <a:t>6</a:t>
+            </a:fld>
+            <a:endParaRPr lang="de-DE"/>
+          </a:p>
+        </p:txBody>
+      </p:sp>
+      <p:sp>
+        <p:nvSpPr>
+          <p:cNvPr id="15" name="Textfeld 14">
+            <a:extLst>
+              <a:ext uri="{FF2B5EF4-FFF2-40B4-BE49-F238E27FC236}">
+                <a16:creationId xmlns:a16="http://schemas.microsoft.com/office/drawing/2014/main" id="{D0143155-BFE4-4B40-ACBE-EFFD837EEAAA}"/>
+              </a:ext>
+            </a:extLst>
+          </p:cNvPr>
+          <p:cNvSpPr txBox="1"/>
+          <p:nvPr/>
+        </p:nvSpPr>
+        <p:spPr>
+          <a:xfrm>
+            <a:off x="8153400" y="1942087"/>
+            <a:ext cx="2199833" cy="646331"/>
           </a:xfrm>
           <a:prstGeom prst="rect">
             <a:avLst/>
           </a:prstGeom>
+          <a:noFill/>
         </p:spPr>
-      </p:pic>
+        <p:txBody>
+          <a:bodyPr wrap="none" rtlCol="0">
+            <a:spAutoFit/>
+          </a:bodyPr>
+          <a:lstStyle/>
+          <a:p>
+            <a:r>
+              <a:rPr lang="de-DE" dirty="0"/>
+              <a:t>Mittelwert: 69.139°C </a:t>
+            </a:r>
+          </a:p>
+          <a:p>
+            <a:r>
+              <a:rPr lang="de-DE" dirty="0"/>
+              <a:t>Fehler: 0.005°C</a:t>
+            </a:r>
+          </a:p>
+        </p:txBody>
+      </p:sp>
+      <p:sp>
+        <p:nvSpPr>
+          <p:cNvPr id="16" name="Textfeld 15">
+            <a:extLst>
+              <a:ext uri="{FF2B5EF4-FFF2-40B4-BE49-F238E27FC236}">
+                <a16:creationId xmlns:a16="http://schemas.microsoft.com/office/drawing/2014/main" id="{67BB73E2-D1A5-4773-82E4-07B12AF8389D}"/>
+              </a:ext>
+            </a:extLst>
+          </p:cNvPr>
+          <p:cNvSpPr txBox="1"/>
+          <p:nvPr/>
+        </p:nvSpPr>
+        <p:spPr>
+          <a:xfrm>
+            <a:off x="2643041" y="1942087"/>
+            <a:ext cx="2082814" cy="646331"/>
+          </a:xfrm>
+          <a:prstGeom prst="rect">
+            <a:avLst/>
+          </a:prstGeom>
+          <a:noFill/>
+        </p:spPr>
+        <p:txBody>
+          <a:bodyPr wrap="none" rtlCol="0">
+            <a:spAutoFit/>
+          </a:bodyPr>
+          <a:lstStyle/>
+          <a:p>
+            <a:r>
+              <a:rPr lang="de-DE" dirty="0"/>
+              <a:t>Mittelwert: 68.09°C </a:t>
+            </a:r>
+          </a:p>
+          <a:p>
+            <a:r>
+              <a:rPr lang="de-DE" dirty="0"/>
+              <a:t>Fehler: 0.16°C</a:t>
+            </a:r>
+          </a:p>
+        </p:txBody>
+      </p:sp>
     </p:spTree>
     <p:extLst>
       <p:ext uri="{BB962C8B-B14F-4D97-AF65-F5344CB8AC3E}">
@@ -8047,8 +8234,8 @@
           </a:p>
         </p:txBody>
       </p:sp>
-      <mc:AlternateContent xmlns:mc="http://schemas.openxmlformats.org/markup-compatibility/2006">
-        <mc:Choice xmlns:a14="http://schemas.microsoft.com/office/drawing/2010/main" Requires="a14">
+      <mc:AlternateContent xmlns:mc="http://schemas.openxmlformats.org/markup-compatibility/2006" xmlns:a14="http://schemas.microsoft.com/office/drawing/2010/main">
+        <mc:Choice Requires="a14">
           <p:sp>
             <p:nvSpPr>
               <p:cNvPr id="3" name="Inhaltsplatzhalter 2">
@@ -8196,7 +8383,7 @@
             </p:txBody>
           </p:sp>
         </mc:Choice>
-        <mc:Fallback>
+        <mc:Fallback xmlns="">
           <p:sp>
             <p:nvSpPr>
               <p:cNvPr id="3" name="Inhaltsplatzhalter 2">

--- a/grundpraktikum2/Atomphysik/Atomphysik.pptx
+++ b/grundpraktikum2/Atomphysik/Atomphysik.pptx
@@ -3863,7 +3863,7 @@
         <p:spPr>
           <a:xfrm>
             <a:off x="991275" y="377901"/>
-            <a:ext cx="10515600" cy="1325563"/>
+            <a:ext cx="10515600" cy="771379"/>
           </a:xfrm>
         </p:spPr>
         <p:txBody>
@@ -3872,7 +3872,7 @@
           <a:p>
             <a:r>
               <a:rPr lang="de-DE" dirty="0"/>
-              <a:t>Stefan-Boltzmann  - nichtlinear</a:t>
+              <a:t>Stefan-Boltzmann – nichtlinear</a:t>
             </a:r>
           </a:p>
         </p:txBody>
@@ -4033,8 +4033,8 @@
           </a:prstGeom>
         </p:spPr>
       </p:pic>
-      <mc:AlternateContent xmlns:mc="http://schemas.openxmlformats.org/markup-compatibility/2006" xmlns:a14="http://schemas.microsoft.com/office/drawing/2010/main">
-        <mc:Choice Requires="a14">
+      <mc:AlternateContent xmlns:mc="http://schemas.openxmlformats.org/markup-compatibility/2006">
+        <mc:Choice xmlns:a14="http://schemas.microsoft.com/office/drawing/2010/main" Requires="a14">
           <p:sp>
             <p:nvSpPr>
               <p:cNvPr id="12" name="Textfeld 11">
@@ -4049,7 +4049,7 @@
             </p:nvSpPr>
             <p:spPr>
               <a:xfrm>
-                <a:off x="1537252" y="1817709"/>
+                <a:off x="1431235" y="1320490"/>
                 <a:ext cx="2743200" cy="461665"/>
               </a:xfrm>
               <a:prstGeom prst="rect">
@@ -4131,7 +4131,7 @@
             </p:txBody>
           </p:sp>
         </mc:Choice>
-        <mc:Fallback xmlns="">
+        <mc:Fallback>
           <p:sp>
             <p:nvSpPr>
               <p:cNvPr id="12" name="Textfeld 11">
@@ -4148,7 +4148,7 @@
             </p:nvSpPr>
             <p:spPr>
               <a:xfrm>
-                <a:off x="1537252" y="1817709"/>
+                <a:off x="1431235" y="1320490"/>
                 <a:ext cx="2743200" cy="461665"/>
               </a:xfrm>
               <a:prstGeom prst="rect">
@@ -4157,7 +4157,7 @@
               <a:blipFill>
                 <a:blip r:embed="rId4"/>
                 <a:stretch>
-                  <a:fillRect l="-2889" t="-6579" b="-23684"/>
+                  <a:fillRect l="-3111" t="-6667" b="-25333"/>
                 </a:stretch>
               </a:blipFill>
             </p:spPr>
@@ -4176,6 +4176,413 @@
           </p:sp>
         </mc:Fallback>
       </mc:AlternateContent>
+      <p:sp>
+        <p:nvSpPr>
+          <p:cNvPr id="11" name="Inhaltsplatzhalter 9">
+            <a:extLst>
+              <a:ext uri="{FF2B5EF4-FFF2-40B4-BE49-F238E27FC236}">
+                <a16:creationId xmlns:a16="http://schemas.microsoft.com/office/drawing/2014/main" id="{F46DAB4D-8CFC-4BDF-935B-4FFE4EC86E50}"/>
+              </a:ext>
+            </a:extLst>
+          </p:cNvPr>
+          <p:cNvSpPr txBox="1">
+            <a:spLocks/>
+          </p:cNvSpPr>
+          <p:nvPr/>
+        </p:nvSpPr>
+        <p:spPr>
+          <a:xfrm>
+            <a:off x="1431235" y="1950697"/>
+            <a:ext cx="5125278" cy="467001"/>
+          </a:xfrm>
+          <a:prstGeom prst="rect">
+            <a:avLst/>
+          </a:prstGeom>
+        </p:spPr>
+        <p:txBody>
+          <a:bodyPr vert="horz" lIns="91440" tIns="45720" rIns="91440" bIns="45720" rtlCol="0">
+            <a:normAutofit/>
+          </a:bodyPr>
+          <a:lstStyle>
+            <a:lvl1pPr marL="228600" indent="-228600" algn="l" defTabSz="914400" rtl="0" eaLnBrk="1" latinLnBrk="0" hangingPunct="1">
+              <a:lnSpc>
+                <a:spcPct val="90000"/>
+              </a:lnSpc>
+              <a:spcBef>
+                <a:spcPts val="1000"/>
+              </a:spcBef>
+              <a:buFont typeface="Arial" panose="020B0604020202020204" pitchFamily="34" charset="0"/>
+              <a:buChar char="•"/>
+              <a:defRPr sz="2800" kern="1200">
+                <a:solidFill>
+                  <a:schemeClr val="tx1"/>
+                </a:solidFill>
+                <a:latin typeface="+mn-lt"/>
+                <a:ea typeface="+mn-ea"/>
+                <a:cs typeface="+mn-cs"/>
+              </a:defRPr>
+            </a:lvl1pPr>
+            <a:lvl2pPr marL="685800" indent="-228600" algn="l" defTabSz="914400" rtl="0" eaLnBrk="1" latinLnBrk="0" hangingPunct="1">
+              <a:lnSpc>
+                <a:spcPct val="90000"/>
+              </a:lnSpc>
+              <a:spcBef>
+                <a:spcPts val="500"/>
+              </a:spcBef>
+              <a:buFont typeface="Arial" panose="020B0604020202020204" pitchFamily="34" charset="0"/>
+              <a:buChar char="•"/>
+              <a:defRPr sz="2400" kern="1200">
+                <a:solidFill>
+                  <a:schemeClr val="tx1"/>
+                </a:solidFill>
+                <a:latin typeface="+mn-lt"/>
+                <a:ea typeface="+mn-ea"/>
+                <a:cs typeface="+mn-cs"/>
+              </a:defRPr>
+            </a:lvl2pPr>
+            <a:lvl3pPr marL="1143000" indent="-228600" algn="l" defTabSz="914400" rtl="0" eaLnBrk="1" latinLnBrk="0" hangingPunct="1">
+              <a:lnSpc>
+                <a:spcPct val="90000"/>
+              </a:lnSpc>
+              <a:spcBef>
+                <a:spcPts val="500"/>
+              </a:spcBef>
+              <a:buFont typeface="Arial" panose="020B0604020202020204" pitchFamily="34" charset="0"/>
+              <a:buChar char="•"/>
+              <a:defRPr sz="2000" kern="1200">
+                <a:solidFill>
+                  <a:schemeClr val="tx1"/>
+                </a:solidFill>
+                <a:latin typeface="+mn-lt"/>
+                <a:ea typeface="+mn-ea"/>
+                <a:cs typeface="+mn-cs"/>
+              </a:defRPr>
+            </a:lvl3pPr>
+            <a:lvl4pPr marL="1600200" indent="-228600" algn="l" defTabSz="914400" rtl="0" eaLnBrk="1" latinLnBrk="0" hangingPunct="1">
+              <a:lnSpc>
+                <a:spcPct val="90000"/>
+              </a:lnSpc>
+              <a:spcBef>
+                <a:spcPts val="500"/>
+              </a:spcBef>
+              <a:buFont typeface="Arial" panose="020B0604020202020204" pitchFamily="34" charset="0"/>
+              <a:buChar char="•"/>
+              <a:defRPr sz="1800" kern="1200">
+                <a:solidFill>
+                  <a:schemeClr val="tx1"/>
+                </a:solidFill>
+                <a:latin typeface="+mn-lt"/>
+                <a:ea typeface="+mn-ea"/>
+                <a:cs typeface="+mn-cs"/>
+              </a:defRPr>
+            </a:lvl4pPr>
+            <a:lvl5pPr marL="2057400" indent="-228600" algn="l" defTabSz="914400" rtl="0" eaLnBrk="1" latinLnBrk="0" hangingPunct="1">
+              <a:lnSpc>
+                <a:spcPct val="90000"/>
+              </a:lnSpc>
+              <a:spcBef>
+                <a:spcPts val="500"/>
+              </a:spcBef>
+              <a:buFont typeface="Arial" panose="020B0604020202020204" pitchFamily="34" charset="0"/>
+              <a:buChar char="•"/>
+              <a:defRPr sz="1800" kern="1200">
+                <a:solidFill>
+                  <a:schemeClr val="tx1"/>
+                </a:solidFill>
+                <a:latin typeface="+mn-lt"/>
+                <a:ea typeface="+mn-ea"/>
+                <a:cs typeface="+mn-cs"/>
+              </a:defRPr>
+            </a:lvl5pPr>
+            <a:lvl6pPr marL="2514600" indent="-228600" algn="l" defTabSz="914400" rtl="0" eaLnBrk="1" latinLnBrk="0" hangingPunct="1">
+              <a:lnSpc>
+                <a:spcPct val="90000"/>
+              </a:lnSpc>
+              <a:spcBef>
+                <a:spcPts val="500"/>
+              </a:spcBef>
+              <a:buFont typeface="Arial" panose="020B0604020202020204" pitchFamily="34" charset="0"/>
+              <a:buChar char="•"/>
+              <a:defRPr sz="1800" kern="1200">
+                <a:solidFill>
+                  <a:schemeClr val="tx1"/>
+                </a:solidFill>
+                <a:latin typeface="+mn-lt"/>
+                <a:ea typeface="+mn-ea"/>
+                <a:cs typeface="+mn-cs"/>
+              </a:defRPr>
+            </a:lvl6pPr>
+            <a:lvl7pPr marL="2971800" indent="-228600" algn="l" defTabSz="914400" rtl="0" eaLnBrk="1" latinLnBrk="0" hangingPunct="1">
+              <a:lnSpc>
+                <a:spcPct val="90000"/>
+              </a:lnSpc>
+              <a:spcBef>
+                <a:spcPts val="500"/>
+              </a:spcBef>
+              <a:buFont typeface="Arial" panose="020B0604020202020204" pitchFamily="34" charset="0"/>
+              <a:buChar char="•"/>
+              <a:defRPr sz="1800" kern="1200">
+                <a:solidFill>
+                  <a:schemeClr val="tx1"/>
+                </a:solidFill>
+                <a:latin typeface="+mn-lt"/>
+                <a:ea typeface="+mn-ea"/>
+                <a:cs typeface="+mn-cs"/>
+              </a:defRPr>
+            </a:lvl7pPr>
+            <a:lvl8pPr marL="3429000" indent="-228600" algn="l" defTabSz="914400" rtl="0" eaLnBrk="1" latinLnBrk="0" hangingPunct="1">
+              <a:lnSpc>
+                <a:spcPct val="90000"/>
+              </a:lnSpc>
+              <a:spcBef>
+                <a:spcPts val="500"/>
+              </a:spcBef>
+              <a:buFont typeface="Arial" panose="020B0604020202020204" pitchFamily="34" charset="0"/>
+              <a:buChar char="•"/>
+              <a:defRPr sz="1800" kern="1200">
+                <a:solidFill>
+                  <a:schemeClr val="tx1"/>
+                </a:solidFill>
+                <a:latin typeface="+mn-lt"/>
+                <a:ea typeface="+mn-ea"/>
+                <a:cs typeface="+mn-cs"/>
+              </a:defRPr>
+            </a:lvl8pPr>
+            <a:lvl9pPr marL="3886200" indent="-228600" algn="l" defTabSz="914400" rtl="0" eaLnBrk="1" latinLnBrk="0" hangingPunct="1">
+              <a:lnSpc>
+                <a:spcPct val="90000"/>
+              </a:lnSpc>
+              <a:spcBef>
+                <a:spcPts val="500"/>
+              </a:spcBef>
+              <a:buFont typeface="Arial" panose="020B0604020202020204" pitchFamily="34" charset="0"/>
+              <a:buChar char="•"/>
+              <a:defRPr sz="1800" kern="1200">
+                <a:solidFill>
+                  <a:schemeClr val="tx1"/>
+                </a:solidFill>
+                <a:latin typeface="+mn-lt"/>
+                <a:ea typeface="+mn-ea"/>
+                <a:cs typeface="+mn-cs"/>
+              </a:defRPr>
+            </a:lvl9pPr>
+          </a:lstStyle>
+          <a:p>
+            <a:pPr marL="0" indent="0">
+              <a:buFont typeface="Arial" panose="020B0604020202020204" pitchFamily="34" charset="0"/>
+              <a:buNone/>
+            </a:pPr>
+            <a:r>
+              <a:rPr lang="de-DE" sz="2400" b="1"/>
+              <a:t>Gruppe A</a:t>
+            </a:r>
+            <a:endParaRPr lang="de-DE" sz="2400" b="1" dirty="0"/>
+          </a:p>
+        </p:txBody>
+      </p:sp>
+      <p:sp>
+        <p:nvSpPr>
+          <p:cNvPr id="13" name="Inhaltsplatzhalter 9">
+            <a:extLst>
+              <a:ext uri="{FF2B5EF4-FFF2-40B4-BE49-F238E27FC236}">
+                <a16:creationId xmlns:a16="http://schemas.microsoft.com/office/drawing/2014/main" id="{05F09D0E-05F3-473D-A070-8CCCF4BFF1EE}"/>
+              </a:ext>
+            </a:extLst>
+          </p:cNvPr>
+          <p:cNvSpPr txBox="1">
+            <a:spLocks/>
+          </p:cNvSpPr>
+          <p:nvPr/>
+        </p:nvSpPr>
+        <p:spPr>
+          <a:xfrm>
+            <a:off x="6529355" y="1950697"/>
+            <a:ext cx="5125278" cy="467001"/>
+          </a:xfrm>
+          <a:prstGeom prst="rect">
+            <a:avLst/>
+          </a:prstGeom>
+        </p:spPr>
+        <p:txBody>
+          <a:bodyPr vert="horz" lIns="91440" tIns="45720" rIns="91440" bIns="45720" rtlCol="0">
+            <a:normAutofit/>
+          </a:bodyPr>
+          <a:lstStyle>
+            <a:lvl1pPr marL="228600" indent="-228600" algn="l" defTabSz="914400" rtl="0" eaLnBrk="1" latinLnBrk="0" hangingPunct="1">
+              <a:lnSpc>
+                <a:spcPct val="90000"/>
+              </a:lnSpc>
+              <a:spcBef>
+                <a:spcPts val="1000"/>
+              </a:spcBef>
+              <a:buFont typeface="Arial" panose="020B0604020202020204" pitchFamily="34" charset="0"/>
+              <a:buChar char="•"/>
+              <a:defRPr sz="2800" kern="1200">
+                <a:solidFill>
+                  <a:schemeClr val="tx1"/>
+                </a:solidFill>
+                <a:latin typeface="+mn-lt"/>
+                <a:ea typeface="+mn-ea"/>
+                <a:cs typeface="+mn-cs"/>
+              </a:defRPr>
+            </a:lvl1pPr>
+            <a:lvl2pPr marL="685800" indent="-228600" algn="l" defTabSz="914400" rtl="0" eaLnBrk="1" latinLnBrk="0" hangingPunct="1">
+              <a:lnSpc>
+                <a:spcPct val="90000"/>
+              </a:lnSpc>
+              <a:spcBef>
+                <a:spcPts val="500"/>
+              </a:spcBef>
+              <a:buFont typeface="Arial" panose="020B0604020202020204" pitchFamily="34" charset="0"/>
+              <a:buChar char="•"/>
+              <a:defRPr sz="2400" kern="1200">
+                <a:solidFill>
+                  <a:schemeClr val="tx1"/>
+                </a:solidFill>
+                <a:latin typeface="+mn-lt"/>
+                <a:ea typeface="+mn-ea"/>
+                <a:cs typeface="+mn-cs"/>
+              </a:defRPr>
+            </a:lvl2pPr>
+            <a:lvl3pPr marL="1143000" indent="-228600" algn="l" defTabSz="914400" rtl="0" eaLnBrk="1" latinLnBrk="0" hangingPunct="1">
+              <a:lnSpc>
+                <a:spcPct val="90000"/>
+              </a:lnSpc>
+              <a:spcBef>
+                <a:spcPts val="500"/>
+              </a:spcBef>
+              <a:buFont typeface="Arial" panose="020B0604020202020204" pitchFamily="34" charset="0"/>
+              <a:buChar char="•"/>
+              <a:defRPr sz="2000" kern="1200">
+                <a:solidFill>
+                  <a:schemeClr val="tx1"/>
+                </a:solidFill>
+                <a:latin typeface="+mn-lt"/>
+                <a:ea typeface="+mn-ea"/>
+                <a:cs typeface="+mn-cs"/>
+              </a:defRPr>
+            </a:lvl3pPr>
+            <a:lvl4pPr marL="1600200" indent="-228600" algn="l" defTabSz="914400" rtl="0" eaLnBrk="1" latinLnBrk="0" hangingPunct="1">
+              <a:lnSpc>
+                <a:spcPct val="90000"/>
+              </a:lnSpc>
+              <a:spcBef>
+                <a:spcPts val="500"/>
+              </a:spcBef>
+              <a:buFont typeface="Arial" panose="020B0604020202020204" pitchFamily="34" charset="0"/>
+              <a:buChar char="•"/>
+              <a:defRPr sz="1800" kern="1200">
+                <a:solidFill>
+                  <a:schemeClr val="tx1"/>
+                </a:solidFill>
+                <a:latin typeface="+mn-lt"/>
+                <a:ea typeface="+mn-ea"/>
+                <a:cs typeface="+mn-cs"/>
+              </a:defRPr>
+            </a:lvl4pPr>
+            <a:lvl5pPr marL="2057400" indent="-228600" algn="l" defTabSz="914400" rtl="0" eaLnBrk="1" latinLnBrk="0" hangingPunct="1">
+              <a:lnSpc>
+                <a:spcPct val="90000"/>
+              </a:lnSpc>
+              <a:spcBef>
+                <a:spcPts val="500"/>
+              </a:spcBef>
+              <a:buFont typeface="Arial" panose="020B0604020202020204" pitchFamily="34" charset="0"/>
+              <a:buChar char="•"/>
+              <a:defRPr sz="1800" kern="1200">
+                <a:solidFill>
+                  <a:schemeClr val="tx1"/>
+                </a:solidFill>
+                <a:latin typeface="+mn-lt"/>
+                <a:ea typeface="+mn-ea"/>
+                <a:cs typeface="+mn-cs"/>
+              </a:defRPr>
+            </a:lvl5pPr>
+            <a:lvl6pPr marL="2514600" indent="-228600" algn="l" defTabSz="914400" rtl="0" eaLnBrk="1" latinLnBrk="0" hangingPunct="1">
+              <a:lnSpc>
+                <a:spcPct val="90000"/>
+              </a:lnSpc>
+              <a:spcBef>
+                <a:spcPts val="500"/>
+              </a:spcBef>
+              <a:buFont typeface="Arial" panose="020B0604020202020204" pitchFamily="34" charset="0"/>
+              <a:buChar char="•"/>
+              <a:defRPr sz="1800" kern="1200">
+                <a:solidFill>
+                  <a:schemeClr val="tx1"/>
+                </a:solidFill>
+                <a:latin typeface="+mn-lt"/>
+                <a:ea typeface="+mn-ea"/>
+                <a:cs typeface="+mn-cs"/>
+              </a:defRPr>
+            </a:lvl6pPr>
+            <a:lvl7pPr marL="2971800" indent="-228600" algn="l" defTabSz="914400" rtl="0" eaLnBrk="1" latinLnBrk="0" hangingPunct="1">
+              <a:lnSpc>
+                <a:spcPct val="90000"/>
+              </a:lnSpc>
+              <a:spcBef>
+                <a:spcPts val="500"/>
+              </a:spcBef>
+              <a:buFont typeface="Arial" panose="020B0604020202020204" pitchFamily="34" charset="0"/>
+              <a:buChar char="•"/>
+              <a:defRPr sz="1800" kern="1200">
+                <a:solidFill>
+                  <a:schemeClr val="tx1"/>
+                </a:solidFill>
+                <a:latin typeface="+mn-lt"/>
+                <a:ea typeface="+mn-ea"/>
+                <a:cs typeface="+mn-cs"/>
+              </a:defRPr>
+            </a:lvl7pPr>
+            <a:lvl8pPr marL="3429000" indent="-228600" algn="l" defTabSz="914400" rtl="0" eaLnBrk="1" latinLnBrk="0" hangingPunct="1">
+              <a:lnSpc>
+                <a:spcPct val="90000"/>
+              </a:lnSpc>
+              <a:spcBef>
+                <a:spcPts val="500"/>
+              </a:spcBef>
+              <a:buFont typeface="Arial" panose="020B0604020202020204" pitchFamily="34" charset="0"/>
+              <a:buChar char="•"/>
+              <a:defRPr sz="1800" kern="1200">
+                <a:solidFill>
+                  <a:schemeClr val="tx1"/>
+                </a:solidFill>
+                <a:latin typeface="+mn-lt"/>
+                <a:ea typeface="+mn-ea"/>
+                <a:cs typeface="+mn-cs"/>
+              </a:defRPr>
+            </a:lvl8pPr>
+            <a:lvl9pPr marL="3886200" indent="-228600" algn="l" defTabSz="914400" rtl="0" eaLnBrk="1" latinLnBrk="0" hangingPunct="1">
+              <a:lnSpc>
+                <a:spcPct val="90000"/>
+              </a:lnSpc>
+              <a:spcBef>
+                <a:spcPts val="500"/>
+              </a:spcBef>
+              <a:buFont typeface="Arial" panose="020B0604020202020204" pitchFamily="34" charset="0"/>
+              <a:buChar char="•"/>
+              <a:defRPr sz="1800" kern="1200">
+                <a:solidFill>
+                  <a:schemeClr val="tx1"/>
+                </a:solidFill>
+                <a:latin typeface="+mn-lt"/>
+                <a:ea typeface="+mn-ea"/>
+                <a:cs typeface="+mn-cs"/>
+              </a:defRPr>
+            </a:lvl9pPr>
+          </a:lstStyle>
+          <a:p>
+            <a:pPr marL="0" indent="0">
+              <a:buFont typeface="Arial" panose="020B0604020202020204" pitchFamily="34" charset="0"/>
+              <a:buNone/>
+            </a:pPr>
+            <a:r>
+              <a:rPr lang="de-DE" sz="2400" b="1" dirty="0"/>
+              <a:t>Gruppe B</a:t>
+            </a:r>
+          </a:p>
+        </p:txBody>
+      </p:sp>
     </p:spTree>
     <p:extLst>
       <p:ext uri="{BB962C8B-B14F-4D97-AF65-F5344CB8AC3E}">
@@ -4551,8 +4958,8 @@
         </p:blipFill>
         <p:spPr>
           <a:xfrm>
-            <a:off x="1537252" y="3436889"/>
-            <a:ext cx="9644608" cy="2420571"/>
+            <a:off x="2067340" y="3569488"/>
+            <a:ext cx="8292886" cy="2081320"/>
           </a:xfrm>
         </p:spPr>
       </p:pic>
@@ -5321,12 +5728,33 @@
             </a:r>
           </a:p>
           <a:p>
+            <a:pPr lvl="1"/>
+            <a:r>
+              <a:rPr lang="de-DE" dirty="0"/>
+              <a:t>Große bzw. kleine Fehler</a:t>
+            </a:r>
+          </a:p>
+          <a:p>
             <a:endParaRPr lang="de-DE" dirty="0"/>
           </a:p>
           <a:p>
             <a:r>
               <a:rPr lang="de-DE" dirty="0"/>
-              <a:t>Bestimmung der Emissionsgrade</a:t>
+              <a:t>Bestimmung der Emissionskoeffizienten in sinnvollem Rahmen</a:t>
+            </a:r>
+          </a:p>
+          <a:p>
+            <a:pPr lvl="1"/>
+            <a:r>
+              <a:rPr lang="de-DE" dirty="0"/>
+              <a:t>Systematisch dominiert</a:t>
+            </a:r>
+          </a:p>
+          <a:p>
+            <a:pPr lvl="1"/>
+            <a:r>
+              <a:rPr lang="de-DE" dirty="0"/>
+              <a:t>Koeffizienten stimmen für Schwarz und Weiß überein</a:t>
             </a:r>
           </a:p>
         </p:txBody>
@@ -5523,7 +5951,21 @@
             <a:pPr lvl="1"/>
             <a:r>
               <a:rPr lang="de-DE" dirty="0"/>
-              <a:t>Bestätigung Stefan-Boltzmann Gesetz</a:t>
+              <a:t>Stefan-Boltzmann Gesetz</a:t>
+            </a:r>
+          </a:p>
+          <a:p>
+            <a:pPr lvl="2"/>
+            <a:r>
+              <a:rPr lang="de-DE" dirty="0"/>
+              <a:t>Linearer Fit</a:t>
+            </a:r>
+          </a:p>
+          <a:p>
+            <a:pPr lvl="2"/>
+            <a:r>
+              <a:rPr lang="de-DE" dirty="0"/>
+              <a:t>Nicht-linearer Fit</a:t>
             </a:r>
           </a:p>
           <a:p>
@@ -5531,13 +5973,6 @@
             <a:r>
               <a:rPr lang="de-DE" dirty="0"/>
               <a:t>Berechnung Emissionsgrad</a:t>
-            </a:r>
-          </a:p>
-          <a:p>
-            <a:pPr lvl="1"/>
-            <a:r>
-              <a:rPr lang="de-DE" dirty="0"/>
-              <a:t>Nicht-linearer Fit</a:t>
             </a:r>
           </a:p>
           <a:p>
@@ -5686,13 +6121,13 @@
           <a:p>
             <a:r>
               <a:rPr lang="de-DE" dirty="0"/>
-              <a:t>Versuchsziele</a:t>
-            </a:r>
-          </a:p>
-        </p:txBody>
-      </p:sp>
-      <mc:AlternateContent xmlns:mc="http://schemas.openxmlformats.org/markup-compatibility/2006" xmlns:a14="http://schemas.microsoft.com/office/drawing/2010/main">
-        <mc:Choice Requires="a14">
+              <a:t>Grundlagen</a:t>
+            </a:r>
+          </a:p>
+        </p:txBody>
+      </p:sp>
+      <mc:AlternateContent xmlns:mc="http://schemas.openxmlformats.org/markup-compatibility/2006">
+        <mc:Choice xmlns:a14="http://schemas.microsoft.com/office/drawing/2010/main" Requires="a14">
           <p:sp>
             <p:nvSpPr>
               <p:cNvPr id="3" name="Inhaltsplatzhalter 2">
@@ -5716,7 +6151,7 @@
               <a:p>
                 <a:r>
                   <a:rPr lang="de-DE" dirty="0"/>
-                  <a:t>Bestätigung des Stefan-Boltzmann Gesetzes:</a:t>
+                  <a:t>Bestätigung des Stefan-Boltzmann Gesetzes</a:t>
                 </a:r>
               </a:p>
               <a:p>
@@ -6433,7 +6868,7 @@
             </p:txBody>
           </p:sp>
         </mc:Choice>
-        <mc:Fallback xmlns="">
+        <mc:Fallback>
           <p:sp>
             <p:nvSpPr>
               <p:cNvPr id="3" name="Inhaltsplatzhalter 2">
@@ -6586,7 +7021,7 @@
         </p:blipFill>
         <p:spPr>
           <a:xfrm>
-            <a:off x="6696644" y="2212409"/>
+            <a:off x="6696644" y="2199157"/>
             <a:ext cx="4657156" cy="3964554"/>
           </a:xfrm>
           <a:prstGeom prst="rect">
@@ -6647,7 +7082,7 @@
           <a:p>
             <a:r>
               <a:rPr lang="de-DE" dirty="0"/>
-              <a:t>Aufbau</a:t>
+              <a:t>Aufbau und Durchführung</a:t>
             </a:r>
           </a:p>
         </p:txBody>
@@ -6997,8 +7432,8 @@
         </p:blipFill>
         <p:spPr>
           <a:xfrm>
-            <a:off x="4486345" y="1127886"/>
-            <a:ext cx="7197287" cy="5049077"/>
+            <a:off x="5333024" y="1334872"/>
+            <a:ext cx="6555151" cy="4598603"/>
           </a:xfrm>
           <a:prstGeom prst="rect">
             <a:avLst/>
@@ -7061,6 +7496,200 @@
           </a:p>
         </p:txBody>
       </p:sp>
+      <p:graphicFrame>
+        <p:nvGraphicFramePr>
+          <p:cNvPr id="5" name="Tabelle 4">
+            <a:extLst>
+              <a:ext uri="{FF2B5EF4-FFF2-40B4-BE49-F238E27FC236}">
+                <a16:creationId xmlns:a16="http://schemas.microsoft.com/office/drawing/2014/main" id="{A1CCA57D-E120-4AA5-B823-6CF2BF2DEC15}"/>
+              </a:ext>
+            </a:extLst>
+          </p:cNvPr>
+          <p:cNvGraphicFramePr>
+            <a:graphicFrameLocks noGrp="1"/>
+          </p:cNvGraphicFramePr>
+          <p:nvPr>
+            <p:extLst>
+              <p:ext uri="{D42A27DB-BD31-4B8C-83A1-F6EECF244321}">
+                <p14:modId xmlns:p14="http://schemas.microsoft.com/office/powerpoint/2010/main" val="3039505885"/>
+              </p:ext>
+            </p:extLst>
+          </p:nvPr>
+        </p:nvGraphicFramePr>
+        <p:xfrm>
+          <a:off x="286391" y="4922555"/>
+          <a:ext cx="4910792" cy="1010920"/>
+        </p:xfrm>
+        <a:graphic>
+          <a:graphicData uri="http://schemas.openxmlformats.org/drawingml/2006/table">
+            <a:tbl>
+              <a:tblPr firstRow="1" bandRow="1">
+                <a:tableStyleId>{5940675A-B579-460E-94D1-54222C63F5DA}</a:tableStyleId>
+              </a:tblPr>
+              <a:tblGrid>
+                <a:gridCol w="1584496">
+                  <a:extLst>
+                    <a:ext uri="{9D8B030D-6E8A-4147-A177-3AD203B41FA5}">
+                      <a16:colId xmlns:a16="http://schemas.microsoft.com/office/drawing/2014/main" val="1605594519"/>
+                    </a:ext>
+                  </a:extLst>
+                </a:gridCol>
+                <a:gridCol w="1020418">
+                  <a:extLst>
+                    <a:ext uri="{9D8B030D-6E8A-4147-A177-3AD203B41FA5}">
+                      <a16:colId xmlns:a16="http://schemas.microsoft.com/office/drawing/2014/main" val="3529116300"/>
+                    </a:ext>
+                  </a:extLst>
+                </a:gridCol>
+                <a:gridCol w="1285461">
+                  <a:extLst>
+                    <a:ext uri="{9D8B030D-6E8A-4147-A177-3AD203B41FA5}">
+                      <a16:colId xmlns:a16="http://schemas.microsoft.com/office/drawing/2014/main" val="4061290547"/>
+                    </a:ext>
+                  </a:extLst>
+                </a:gridCol>
+                <a:gridCol w="1020417">
+                  <a:extLst>
+                    <a:ext uri="{9D8B030D-6E8A-4147-A177-3AD203B41FA5}">
+                      <a16:colId xmlns:a16="http://schemas.microsoft.com/office/drawing/2014/main" val="1199354625"/>
+                    </a:ext>
+                  </a:extLst>
+                </a:gridCol>
+              </a:tblGrid>
+              <a:tr h="370840">
+                <a:tc>
+                  <a:txBody>
+                    <a:bodyPr/>
+                    <a:lstStyle/>
+                    <a:p>
+                      <a:r>
+                        <a:rPr lang="de-DE" dirty="0"/>
+                        <a:t>Messbereich</a:t>
+                      </a:r>
+                    </a:p>
+                  </a:txBody>
+                  <a:tcPr/>
+                </a:tc>
+                <a:tc>
+                  <a:txBody>
+                    <a:bodyPr/>
+                    <a:lstStyle/>
+                    <a:p>
+                      <a:r>
+                        <a:rPr lang="de-DE" dirty="0"/>
+                        <a:t>Intervall</a:t>
+                      </a:r>
+                    </a:p>
+                  </a:txBody>
+                  <a:tcPr/>
+                </a:tc>
+                <a:tc>
+                  <a:txBody>
+                    <a:bodyPr/>
+                    <a:lstStyle/>
+                    <a:p>
+                      <a:r>
+                        <a:rPr lang="de-DE" dirty="0"/>
+                        <a:t>Messungen</a:t>
+                      </a:r>
+                    </a:p>
+                  </a:txBody>
+                  <a:tcPr/>
+                </a:tc>
+                <a:tc>
+                  <a:txBody>
+                    <a:bodyPr/>
+                    <a:lstStyle/>
+                    <a:p>
+                      <a:r>
+                        <a:rPr lang="de-DE" dirty="0" err="1"/>
+                        <a:t>Messzeit</a:t>
+                      </a:r>
+                      <a:endParaRPr lang="de-DE" dirty="0"/>
+                    </a:p>
+                  </a:txBody>
+                  <a:tcPr/>
+                </a:tc>
+                <a:extLst>
+                  <a:ext uri="{0D108BD9-81ED-4DB2-BD59-A6C34878D82A}">
+                    <a16:rowId xmlns:a16="http://schemas.microsoft.com/office/drawing/2014/main" val="4017204030"/>
+                  </a:ext>
+                </a:extLst>
+              </a:tr>
+              <a:tr h="370840">
+                <a:tc>
+                  <a:txBody>
+                    <a:bodyPr/>
+                    <a:lstStyle/>
+                    <a:p>
+                      <a:r>
+                        <a:rPr lang="de-DE" dirty="0"/>
+                        <a:t>-10V bis 10 V / </a:t>
+                      </a:r>
+                    </a:p>
+                    <a:p>
+                      <a:r>
+                        <a:rPr lang="de-DE" dirty="0"/>
+                        <a:t>-30V bis 30V</a:t>
+                      </a:r>
+                    </a:p>
+                  </a:txBody>
+                  <a:tcPr/>
+                </a:tc>
+                <a:tc>
+                  <a:txBody>
+                    <a:bodyPr/>
+                    <a:lstStyle/>
+                    <a:p>
+                      <a:r>
+                        <a:rPr lang="de-DE" dirty="0"/>
+                        <a:t>50 </a:t>
+                      </a:r>
+                      <a:r>
+                        <a:rPr lang="de-DE" dirty="0" err="1"/>
+                        <a:t>ms</a:t>
+                      </a:r>
+                      <a:endParaRPr lang="de-DE" dirty="0"/>
+                    </a:p>
+                  </a:txBody>
+                  <a:tcPr/>
+                </a:tc>
+                <a:tc>
+                  <a:txBody>
+                    <a:bodyPr/>
+                    <a:lstStyle/>
+                    <a:p>
+                      <a:r>
+                        <a:rPr lang="de-DE" dirty="0"/>
+                        <a:t>125</a:t>
+                      </a:r>
+                    </a:p>
+                  </a:txBody>
+                  <a:tcPr/>
+                </a:tc>
+                <a:tc>
+                  <a:txBody>
+                    <a:bodyPr/>
+                    <a:lstStyle/>
+                    <a:p>
+                      <a:r>
+                        <a:rPr lang="de-DE" dirty="0"/>
+                        <a:t>6.25 s</a:t>
+                      </a:r>
+                    </a:p>
+                  </a:txBody>
+                  <a:tcPr/>
+                </a:tc>
+                <a:extLst>
+                  <a:ext uri="{0D108BD9-81ED-4DB2-BD59-A6C34878D82A}">
+                    <a16:rowId xmlns:a16="http://schemas.microsoft.com/office/drawing/2014/main" val="2896402028"/>
+                  </a:ext>
+                </a:extLst>
+              </a:tr>
+            </a:tbl>
+          </a:graphicData>
+        </a:graphic>
+      </p:graphicFrame>
     </p:spTree>
     <p:extLst>
       <p:ext uri="{BB962C8B-B14F-4D97-AF65-F5344CB8AC3E}">
@@ -7817,13 +8446,13 @@
           <a:p>
             <a:r>
               <a:rPr lang="de-DE" dirty="0"/>
-              <a:t>Kalibration</a:t>
-            </a:r>
-          </a:p>
-        </p:txBody>
-      </p:sp>
-      <mc:AlternateContent xmlns:mc="http://schemas.openxmlformats.org/markup-compatibility/2006" xmlns:a14="http://schemas.microsoft.com/office/drawing/2010/main">
-        <mc:Choice Requires="a14">
+              <a:t>Kalibration Thermometer</a:t>
+            </a:r>
+          </a:p>
+        </p:txBody>
+      </p:sp>
+      <mc:AlternateContent xmlns:mc="http://schemas.openxmlformats.org/markup-compatibility/2006">
+        <mc:Choice xmlns:a14="http://schemas.microsoft.com/office/drawing/2010/main" Requires="a14">
           <p:sp>
             <p:nvSpPr>
               <p:cNvPr id="3" name="Inhaltsplatzhalter 2">
@@ -7849,6 +8478,95 @@
             <p:txBody>
               <a:bodyPr/>
               <a:lstStyle/>
+              <a:p>
+                <a14:m>
+                  <m:oMath xmlns:m="http://schemas.openxmlformats.org/officeDocument/2006/math">
+                    <m:sSub>
+                      <m:sSubPr>
+                        <m:ctrlPr>
+                          <a:rPr lang="de-DE" b="0" i="1" smtClean="0">
+                            <a:latin typeface="Cambria Math" panose="02040503050406030204" pitchFamily="18" charset="0"/>
+                          </a:rPr>
+                        </m:ctrlPr>
+                      </m:sSubPr>
+                      <m:e>
+                        <m:r>
+                          <a:rPr lang="de-DE" b="0" i="1" smtClean="0">
+                            <a:latin typeface="Cambria Math" panose="02040503050406030204" pitchFamily="18" charset="0"/>
+                          </a:rPr>
+                          <m:t>𝑇</m:t>
+                        </m:r>
+                      </m:e>
+                      <m:sub>
+                        <m:r>
+                          <a:rPr lang="de-DE" b="0" i="1" smtClean="0">
+                            <a:latin typeface="Cambria Math" panose="02040503050406030204" pitchFamily="18" charset="0"/>
+                          </a:rPr>
+                          <m:t>𝑟𝑒𝑎𝑙</m:t>
+                        </m:r>
+                      </m:sub>
+                    </m:sSub>
+                    <m:r>
+                      <a:rPr lang="de-DE" b="0" i="1" smtClean="0">
+                        <a:latin typeface="Cambria Math" panose="02040503050406030204" pitchFamily="18" charset="0"/>
+                      </a:rPr>
+                      <m:t>=</m:t>
+                    </m:r>
+                    <m:r>
+                      <a:rPr lang="de-DE" b="0" i="1" smtClean="0">
+                        <a:latin typeface="Cambria Math" panose="02040503050406030204" pitchFamily="18" charset="0"/>
+                      </a:rPr>
+                      <m:t>𝑎</m:t>
+                    </m:r>
+                    <m:r>
+                      <a:rPr lang="de-DE" b="0" i="1" smtClean="0">
+                        <a:latin typeface="Cambria Math" panose="02040503050406030204" pitchFamily="18" charset="0"/>
+                      </a:rPr>
+                      <m:t> </m:t>
+                    </m:r>
+                    <m:sSub>
+                      <m:sSubPr>
+                        <m:ctrlPr>
+                          <a:rPr lang="de-DE" b="0" i="1" smtClean="0">
+                            <a:latin typeface="Cambria Math" panose="02040503050406030204" pitchFamily="18" charset="0"/>
+                          </a:rPr>
+                        </m:ctrlPr>
+                      </m:sSubPr>
+                      <m:e>
+                        <m:r>
+                          <a:rPr lang="de-DE" b="0" i="1" smtClean="0">
+                            <a:latin typeface="Cambria Math" panose="02040503050406030204" pitchFamily="18" charset="0"/>
+                          </a:rPr>
+                          <m:t>𝑇</m:t>
+                        </m:r>
+                      </m:e>
+                      <m:sub>
+                        <m:r>
+                          <a:rPr lang="de-DE" b="0" i="1" smtClean="0">
+                            <a:latin typeface="Cambria Math" panose="02040503050406030204" pitchFamily="18" charset="0"/>
+                          </a:rPr>
+                          <m:t>𝐶𝐴𝑆𝑆𝑌</m:t>
+                        </m:r>
+                      </m:sub>
+                    </m:sSub>
+                    <m:r>
+                      <a:rPr lang="de-DE" b="0" i="1" smtClean="0">
+                        <a:latin typeface="Cambria Math" panose="02040503050406030204" pitchFamily="18" charset="0"/>
+                      </a:rPr>
+                      <m:t>+</m:t>
+                    </m:r>
+                    <m:r>
+                      <a:rPr lang="de-DE" b="0" i="1" smtClean="0">
+                        <a:latin typeface="Cambria Math" panose="02040503050406030204" pitchFamily="18" charset="0"/>
+                      </a:rPr>
+                      <m:t>𝑏</m:t>
+                    </m:r>
+                  </m:oMath>
+                </a14:m>
+                <a:endParaRPr lang="de-DE" b="0" i="1" dirty="0">
+                  <a:latin typeface="Cambria Math" panose="02040503050406030204" pitchFamily="18" charset="0"/>
+                </a:endParaRPr>
+              </a:p>
               <a:p>
                 <a14:m>
                   <m:oMath xmlns:m="http://schemas.openxmlformats.org/officeDocument/2006/math">
@@ -7955,8 +8673,17 @@
                       <a:rPr lang="de-DE" b="0" i="1" smtClean="0">
                         <a:latin typeface="Cambria Math" panose="02040503050406030204" pitchFamily="18" charset="0"/>
                       </a:rPr>
-                      <m:t>,  </m:t>
+                      <m:t>,</m:t>
                     </m:r>
+                  </m:oMath>
+                </a14:m>
+                <a:endParaRPr lang="de-DE" b="0" i="1" dirty="0">
+                  <a:latin typeface="Cambria Math" panose="02040503050406030204" pitchFamily="18" charset="0"/>
+                </a:endParaRPr>
+              </a:p>
+              <a:p>
+                <a14:m>
+                  <m:oMath xmlns:m="http://schemas.openxmlformats.org/officeDocument/2006/math">
                     <m:r>
                       <a:rPr lang="de-DE" b="0" i="1" smtClean="0">
                         <a:latin typeface="Cambria Math" panose="02040503050406030204" pitchFamily="18" charset="0"/>
@@ -8047,7 +8774,7 @@
             </p:txBody>
           </p:sp>
         </mc:Choice>
-        <mc:Fallback xmlns="">
+        <mc:Fallback>
           <p:sp>
             <p:nvSpPr>
               <p:cNvPr id="3" name="Inhaltsplatzhalter 2">
@@ -8176,6 +8903,114 @@
           </a:p>
         </p:txBody>
       </p:sp>
+      <p:pic>
+        <p:nvPicPr>
+          <p:cNvPr id="8" name="Grafik 7">
+            <a:extLst>
+              <a:ext uri="{FF2B5EF4-FFF2-40B4-BE49-F238E27FC236}">
+                <a16:creationId xmlns:a16="http://schemas.microsoft.com/office/drawing/2014/main" id="{54C52E15-F5B8-4EEE-8A66-37864E637CD7}"/>
+              </a:ext>
+            </a:extLst>
+          </p:cNvPr>
+          <p:cNvPicPr>
+            <a:picLocks noChangeAspect="1"/>
+          </p:cNvPicPr>
+          <p:nvPr/>
+        </p:nvPicPr>
+        <p:blipFill>
+          <a:blip r:embed="rId3">
+            <a:extLst>
+              <a:ext uri="{28A0092B-C50C-407E-A947-70E740481C1C}">
+                <a14:useLocalDpi xmlns:a14="http://schemas.microsoft.com/office/drawing/2010/main" val="0"/>
+              </a:ext>
+            </a:extLst>
+          </a:blip>
+          <a:stretch>
+            <a:fillRect/>
+          </a:stretch>
+        </p:blipFill>
+        <p:spPr>
+          <a:xfrm>
+            <a:off x="5777948" y="1512336"/>
+            <a:ext cx="5841564" cy="4362918"/>
+          </a:xfrm>
+          <a:prstGeom prst="rect">
+            <a:avLst/>
+          </a:prstGeom>
+        </p:spPr>
+      </p:pic>
+      <p:pic>
+        <p:nvPicPr>
+          <p:cNvPr id="10" name="Grafik 9">
+            <a:extLst>
+              <a:ext uri="{FF2B5EF4-FFF2-40B4-BE49-F238E27FC236}">
+                <a16:creationId xmlns:a16="http://schemas.microsoft.com/office/drawing/2014/main" id="{ADF121EE-827D-4FC5-B9A2-549281101748}"/>
+              </a:ext>
+            </a:extLst>
+          </p:cNvPr>
+          <p:cNvPicPr>
+            <a:picLocks noChangeAspect="1"/>
+          </p:cNvPicPr>
+          <p:nvPr/>
+        </p:nvPicPr>
+        <p:blipFill>
+          <a:blip r:embed="rId4">
+            <a:extLst>
+              <a:ext uri="{28A0092B-C50C-407E-A947-70E740481C1C}">
+                <a14:useLocalDpi xmlns:a14="http://schemas.microsoft.com/office/drawing/2010/main" val="0"/>
+              </a:ext>
+            </a:extLst>
+          </a:blip>
+          <a:stretch>
+            <a:fillRect/>
+          </a:stretch>
+        </p:blipFill>
+        <p:spPr>
+          <a:xfrm>
+            <a:off x="1633354" y="3685885"/>
+            <a:ext cx="3639657" cy="1150132"/>
+          </a:xfrm>
+          <a:prstGeom prst="rect">
+            <a:avLst/>
+          </a:prstGeom>
+        </p:spPr>
+      </p:pic>
+      <p:pic>
+        <p:nvPicPr>
+          <p:cNvPr id="12" name="Grafik 11">
+            <a:extLst>
+              <a:ext uri="{FF2B5EF4-FFF2-40B4-BE49-F238E27FC236}">
+                <a16:creationId xmlns:a16="http://schemas.microsoft.com/office/drawing/2014/main" id="{2729302F-489F-4CF8-8A7B-5CD6DAB5FE8F}"/>
+              </a:ext>
+            </a:extLst>
+          </p:cNvPr>
+          <p:cNvPicPr>
+            <a:picLocks noChangeAspect="1"/>
+          </p:cNvPicPr>
+          <p:nvPr/>
+        </p:nvPicPr>
+        <p:blipFill>
+          <a:blip r:embed="rId5">
+            <a:extLst>
+              <a:ext uri="{28A0092B-C50C-407E-A947-70E740481C1C}">
+                <a14:useLocalDpi xmlns:a14="http://schemas.microsoft.com/office/drawing/2010/main" val="0"/>
+              </a:ext>
+            </a:extLst>
+          </a:blip>
+          <a:stretch>
+            <a:fillRect/>
+          </a:stretch>
+        </p:blipFill>
+        <p:spPr>
+          <a:xfrm>
+            <a:off x="1633354" y="4836017"/>
+            <a:ext cx="3639657" cy="1030813"/>
+          </a:xfrm>
+          <a:prstGeom prst="rect">
+            <a:avLst/>
+          </a:prstGeom>
+        </p:spPr>
+      </p:pic>
     </p:spTree>
     <p:extLst>
       <p:ext uri="{BB962C8B-B14F-4D97-AF65-F5344CB8AC3E}">
@@ -8222,20 +9057,27 @@
             <p:ph type="title"/>
           </p:nvPr>
         </p:nvSpPr>
-        <p:spPr/>
-        <p:txBody>
-          <a:bodyPr/>
+        <p:spPr>
+          <a:xfrm>
+            <a:off x="838200" y="365125"/>
+            <a:ext cx="10515600" cy="621461"/>
+          </a:xfrm>
+        </p:spPr>
+        <p:txBody>
+          <a:bodyPr>
+            <a:normAutofit fontScale="90000"/>
+          </a:bodyPr>
           <a:lstStyle/>
           <a:p>
             <a:r>
               <a:rPr lang="de-DE" dirty="0"/>
-              <a:t>Auswertung - Stefan-Boltzmann Gesetz</a:t>
-            </a:r>
-          </a:p>
-        </p:txBody>
-      </p:sp>
-      <mc:AlternateContent xmlns:mc="http://schemas.openxmlformats.org/markup-compatibility/2006" xmlns:a14="http://schemas.microsoft.com/office/drawing/2010/main">
-        <mc:Choice Requires="a14">
+              <a:t>Auswertung – Stefan-Boltzmann Gesetz</a:t>
+            </a:r>
+          </a:p>
+        </p:txBody>
+      </p:sp>
+      <mc:AlternateContent xmlns:mc="http://schemas.openxmlformats.org/markup-compatibility/2006">
+        <mc:Choice xmlns:a14="http://schemas.microsoft.com/office/drawing/2010/main" Requires="a14">
           <p:sp>
             <p:nvSpPr>
               <p:cNvPr id="3" name="Inhaltsplatzhalter 2">
@@ -8254,7 +9096,7 @@
             </p:nvSpPr>
             <p:spPr>
               <a:xfrm>
-                <a:off x="838200" y="1735692"/>
+                <a:off x="689112" y="1168031"/>
                 <a:ext cx="6543262" cy="602935"/>
               </a:xfrm>
             </p:spPr>
@@ -8383,7 +9225,7 @@
             </p:txBody>
           </p:sp>
         </mc:Choice>
-        <mc:Fallback xmlns="">
+        <mc:Fallback>
           <p:sp>
             <p:nvSpPr>
               <p:cNvPr id="3" name="Inhaltsplatzhalter 2">
@@ -8402,7 +9244,7 @@
             </p:nvSpPr>
             <p:spPr>
               <a:xfrm>
-                <a:off x="838200" y="1735692"/>
+                <a:off x="689112" y="1168031"/>
                 <a:ext cx="6543262" cy="602935"/>
               </a:xfrm>
               <a:blipFill>
@@ -8584,6 +9426,421 @@
           </a:prstGeom>
         </p:spPr>
       </p:pic>
+      <p:sp>
+        <p:nvSpPr>
+          <p:cNvPr id="10" name="Inhaltsplatzhalter 9">
+            <a:extLst>
+              <a:ext uri="{FF2B5EF4-FFF2-40B4-BE49-F238E27FC236}">
+                <a16:creationId xmlns:a16="http://schemas.microsoft.com/office/drawing/2014/main" id="{0AFE6727-187F-4408-9D56-F46C41E62BDB}"/>
+              </a:ext>
+            </a:extLst>
+          </p:cNvPr>
+          <p:cNvSpPr txBox="1">
+            <a:spLocks/>
+          </p:cNvSpPr>
+          <p:nvPr/>
+        </p:nvSpPr>
+        <p:spPr>
+          <a:xfrm>
+            <a:off x="1103911" y="1925228"/>
+            <a:ext cx="5125278" cy="467001"/>
+          </a:xfrm>
+          <a:prstGeom prst="rect">
+            <a:avLst/>
+          </a:prstGeom>
+        </p:spPr>
+        <p:txBody>
+          <a:bodyPr vert="horz" lIns="91440" tIns="45720" rIns="91440" bIns="45720" rtlCol="0">
+            <a:normAutofit/>
+          </a:bodyPr>
+          <a:lstStyle>
+            <a:lvl1pPr marL="228600" indent="-228600" algn="l" defTabSz="914400" rtl="0" eaLnBrk="1" latinLnBrk="0" hangingPunct="1">
+              <a:lnSpc>
+                <a:spcPct val="90000"/>
+              </a:lnSpc>
+              <a:spcBef>
+                <a:spcPts val="1000"/>
+              </a:spcBef>
+              <a:buFont typeface="Arial" panose="020B0604020202020204" pitchFamily="34" charset="0"/>
+              <a:buChar char="•"/>
+              <a:defRPr sz="2800" kern="1200">
+                <a:solidFill>
+                  <a:schemeClr val="tx1"/>
+                </a:solidFill>
+                <a:latin typeface="+mn-lt"/>
+                <a:ea typeface="+mn-ea"/>
+                <a:cs typeface="+mn-cs"/>
+              </a:defRPr>
+            </a:lvl1pPr>
+            <a:lvl2pPr marL="685800" indent="-228600" algn="l" defTabSz="914400" rtl="0" eaLnBrk="1" latinLnBrk="0" hangingPunct="1">
+              <a:lnSpc>
+                <a:spcPct val="90000"/>
+              </a:lnSpc>
+              <a:spcBef>
+                <a:spcPts val="500"/>
+              </a:spcBef>
+              <a:buFont typeface="Arial" panose="020B0604020202020204" pitchFamily="34" charset="0"/>
+              <a:buChar char="•"/>
+              <a:defRPr sz="2400" kern="1200">
+                <a:solidFill>
+                  <a:schemeClr val="tx1"/>
+                </a:solidFill>
+                <a:latin typeface="+mn-lt"/>
+                <a:ea typeface="+mn-ea"/>
+                <a:cs typeface="+mn-cs"/>
+              </a:defRPr>
+            </a:lvl2pPr>
+            <a:lvl3pPr marL="1143000" indent="-228600" algn="l" defTabSz="914400" rtl="0" eaLnBrk="1" latinLnBrk="0" hangingPunct="1">
+              <a:lnSpc>
+                <a:spcPct val="90000"/>
+              </a:lnSpc>
+              <a:spcBef>
+                <a:spcPts val="500"/>
+              </a:spcBef>
+              <a:buFont typeface="Arial" panose="020B0604020202020204" pitchFamily="34" charset="0"/>
+              <a:buChar char="•"/>
+              <a:defRPr sz="2000" kern="1200">
+                <a:solidFill>
+                  <a:schemeClr val="tx1"/>
+                </a:solidFill>
+                <a:latin typeface="+mn-lt"/>
+                <a:ea typeface="+mn-ea"/>
+                <a:cs typeface="+mn-cs"/>
+              </a:defRPr>
+            </a:lvl3pPr>
+            <a:lvl4pPr marL="1600200" indent="-228600" algn="l" defTabSz="914400" rtl="0" eaLnBrk="1" latinLnBrk="0" hangingPunct="1">
+              <a:lnSpc>
+                <a:spcPct val="90000"/>
+              </a:lnSpc>
+              <a:spcBef>
+                <a:spcPts val="500"/>
+              </a:spcBef>
+              <a:buFont typeface="Arial" panose="020B0604020202020204" pitchFamily="34" charset="0"/>
+              <a:buChar char="•"/>
+              <a:defRPr sz="1800" kern="1200">
+                <a:solidFill>
+                  <a:schemeClr val="tx1"/>
+                </a:solidFill>
+                <a:latin typeface="+mn-lt"/>
+                <a:ea typeface="+mn-ea"/>
+                <a:cs typeface="+mn-cs"/>
+              </a:defRPr>
+            </a:lvl4pPr>
+            <a:lvl5pPr marL="2057400" indent="-228600" algn="l" defTabSz="914400" rtl="0" eaLnBrk="1" latinLnBrk="0" hangingPunct="1">
+              <a:lnSpc>
+                <a:spcPct val="90000"/>
+              </a:lnSpc>
+              <a:spcBef>
+                <a:spcPts val="500"/>
+              </a:spcBef>
+              <a:buFont typeface="Arial" panose="020B0604020202020204" pitchFamily="34" charset="0"/>
+              <a:buChar char="•"/>
+              <a:defRPr sz="1800" kern="1200">
+                <a:solidFill>
+                  <a:schemeClr val="tx1"/>
+                </a:solidFill>
+                <a:latin typeface="+mn-lt"/>
+                <a:ea typeface="+mn-ea"/>
+                <a:cs typeface="+mn-cs"/>
+              </a:defRPr>
+            </a:lvl5pPr>
+            <a:lvl6pPr marL="2514600" indent="-228600" algn="l" defTabSz="914400" rtl="0" eaLnBrk="1" latinLnBrk="0" hangingPunct="1">
+              <a:lnSpc>
+                <a:spcPct val="90000"/>
+              </a:lnSpc>
+              <a:spcBef>
+                <a:spcPts val="500"/>
+              </a:spcBef>
+              <a:buFont typeface="Arial" panose="020B0604020202020204" pitchFamily="34" charset="0"/>
+              <a:buChar char="•"/>
+              <a:defRPr sz="1800" kern="1200">
+                <a:solidFill>
+                  <a:schemeClr val="tx1"/>
+                </a:solidFill>
+                <a:latin typeface="+mn-lt"/>
+                <a:ea typeface="+mn-ea"/>
+                <a:cs typeface="+mn-cs"/>
+              </a:defRPr>
+            </a:lvl6pPr>
+            <a:lvl7pPr marL="2971800" indent="-228600" algn="l" defTabSz="914400" rtl="0" eaLnBrk="1" latinLnBrk="0" hangingPunct="1">
+              <a:lnSpc>
+                <a:spcPct val="90000"/>
+              </a:lnSpc>
+              <a:spcBef>
+                <a:spcPts val="500"/>
+              </a:spcBef>
+              <a:buFont typeface="Arial" panose="020B0604020202020204" pitchFamily="34" charset="0"/>
+              <a:buChar char="•"/>
+              <a:defRPr sz="1800" kern="1200">
+                <a:solidFill>
+                  <a:schemeClr val="tx1"/>
+                </a:solidFill>
+                <a:latin typeface="+mn-lt"/>
+                <a:ea typeface="+mn-ea"/>
+                <a:cs typeface="+mn-cs"/>
+              </a:defRPr>
+            </a:lvl7pPr>
+            <a:lvl8pPr marL="3429000" indent="-228600" algn="l" defTabSz="914400" rtl="0" eaLnBrk="1" latinLnBrk="0" hangingPunct="1">
+              <a:lnSpc>
+                <a:spcPct val="90000"/>
+              </a:lnSpc>
+              <a:spcBef>
+                <a:spcPts val="500"/>
+              </a:spcBef>
+              <a:buFont typeface="Arial" panose="020B0604020202020204" pitchFamily="34" charset="0"/>
+              <a:buChar char="•"/>
+              <a:defRPr sz="1800" kern="1200">
+                <a:solidFill>
+                  <a:schemeClr val="tx1"/>
+                </a:solidFill>
+                <a:latin typeface="+mn-lt"/>
+                <a:ea typeface="+mn-ea"/>
+                <a:cs typeface="+mn-cs"/>
+              </a:defRPr>
+            </a:lvl8pPr>
+            <a:lvl9pPr marL="3886200" indent="-228600" algn="l" defTabSz="914400" rtl="0" eaLnBrk="1" latinLnBrk="0" hangingPunct="1">
+              <a:lnSpc>
+                <a:spcPct val="90000"/>
+              </a:lnSpc>
+              <a:spcBef>
+                <a:spcPts val="500"/>
+              </a:spcBef>
+              <a:buFont typeface="Arial" panose="020B0604020202020204" pitchFamily="34" charset="0"/>
+              <a:buChar char="•"/>
+              <a:defRPr sz="1800" kern="1200">
+                <a:solidFill>
+                  <a:schemeClr val="tx1"/>
+                </a:solidFill>
+                <a:latin typeface="+mn-lt"/>
+                <a:ea typeface="+mn-ea"/>
+                <a:cs typeface="+mn-cs"/>
+              </a:defRPr>
+            </a:lvl9pPr>
+          </a:lstStyle>
+          <a:p>
+            <a:pPr marL="0" indent="0">
+              <a:buFont typeface="Arial" panose="020B0604020202020204" pitchFamily="34" charset="0"/>
+              <a:buNone/>
+            </a:pPr>
+            <a:r>
+              <a:rPr lang="de-DE" sz="2400" b="1" dirty="0"/>
+              <a:t>Gruppe A </a:t>
+            </a:r>
+            <a:r>
+              <a:rPr lang="de-DE" sz="2400" dirty="0"/>
+              <a:t>schwarze Seite</a:t>
+            </a:r>
+          </a:p>
+        </p:txBody>
+      </p:sp>
+      <p:sp>
+        <p:nvSpPr>
+          <p:cNvPr id="12" name="Inhaltsplatzhalter 9">
+            <a:extLst>
+              <a:ext uri="{FF2B5EF4-FFF2-40B4-BE49-F238E27FC236}">
+                <a16:creationId xmlns:a16="http://schemas.microsoft.com/office/drawing/2014/main" id="{86445B20-EB4D-42A0-9CCB-A08BFAF018BA}"/>
+              </a:ext>
+            </a:extLst>
+          </p:cNvPr>
+          <p:cNvSpPr txBox="1">
+            <a:spLocks/>
+          </p:cNvSpPr>
+          <p:nvPr/>
+        </p:nvSpPr>
+        <p:spPr>
+          <a:xfrm>
+            <a:off x="6844080" y="1925228"/>
+            <a:ext cx="5125278" cy="467001"/>
+          </a:xfrm>
+          <a:prstGeom prst="rect">
+            <a:avLst/>
+          </a:prstGeom>
+        </p:spPr>
+        <p:txBody>
+          <a:bodyPr vert="horz" lIns="91440" tIns="45720" rIns="91440" bIns="45720" rtlCol="0">
+            <a:normAutofit/>
+          </a:bodyPr>
+          <a:lstStyle>
+            <a:lvl1pPr marL="228600" indent="-228600" algn="l" defTabSz="914400" rtl="0" eaLnBrk="1" latinLnBrk="0" hangingPunct="1">
+              <a:lnSpc>
+                <a:spcPct val="90000"/>
+              </a:lnSpc>
+              <a:spcBef>
+                <a:spcPts val="1000"/>
+              </a:spcBef>
+              <a:buFont typeface="Arial" panose="020B0604020202020204" pitchFamily="34" charset="0"/>
+              <a:buChar char="•"/>
+              <a:defRPr sz="2800" kern="1200">
+                <a:solidFill>
+                  <a:schemeClr val="tx1"/>
+                </a:solidFill>
+                <a:latin typeface="+mn-lt"/>
+                <a:ea typeface="+mn-ea"/>
+                <a:cs typeface="+mn-cs"/>
+              </a:defRPr>
+            </a:lvl1pPr>
+            <a:lvl2pPr marL="685800" indent="-228600" algn="l" defTabSz="914400" rtl="0" eaLnBrk="1" latinLnBrk="0" hangingPunct="1">
+              <a:lnSpc>
+                <a:spcPct val="90000"/>
+              </a:lnSpc>
+              <a:spcBef>
+                <a:spcPts val="500"/>
+              </a:spcBef>
+              <a:buFont typeface="Arial" panose="020B0604020202020204" pitchFamily="34" charset="0"/>
+              <a:buChar char="•"/>
+              <a:defRPr sz="2400" kern="1200">
+                <a:solidFill>
+                  <a:schemeClr val="tx1"/>
+                </a:solidFill>
+                <a:latin typeface="+mn-lt"/>
+                <a:ea typeface="+mn-ea"/>
+                <a:cs typeface="+mn-cs"/>
+              </a:defRPr>
+            </a:lvl2pPr>
+            <a:lvl3pPr marL="1143000" indent="-228600" algn="l" defTabSz="914400" rtl="0" eaLnBrk="1" latinLnBrk="0" hangingPunct="1">
+              <a:lnSpc>
+                <a:spcPct val="90000"/>
+              </a:lnSpc>
+              <a:spcBef>
+                <a:spcPts val="500"/>
+              </a:spcBef>
+              <a:buFont typeface="Arial" panose="020B0604020202020204" pitchFamily="34" charset="0"/>
+              <a:buChar char="•"/>
+              <a:defRPr sz="2000" kern="1200">
+                <a:solidFill>
+                  <a:schemeClr val="tx1"/>
+                </a:solidFill>
+                <a:latin typeface="+mn-lt"/>
+                <a:ea typeface="+mn-ea"/>
+                <a:cs typeface="+mn-cs"/>
+              </a:defRPr>
+            </a:lvl3pPr>
+            <a:lvl4pPr marL="1600200" indent="-228600" algn="l" defTabSz="914400" rtl="0" eaLnBrk="1" latinLnBrk="0" hangingPunct="1">
+              <a:lnSpc>
+                <a:spcPct val="90000"/>
+              </a:lnSpc>
+              <a:spcBef>
+                <a:spcPts val="500"/>
+              </a:spcBef>
+              <a:buFont typeface="Arial" panose="020B0604020202020204" pitchFamily="34" charset="0"/>
+              <a:buChar char="•"/>
+              <a:defRPr sz="1800" kern="1200">
+                <a:solidFill>
+                  <a:schemeClr val="tx1"/>
+                </a:solidFill>
+                <a:latin typeface="+mn-lt"/>
+                <a:ea typeface="+mn-ea"/>
+                <a:cs typeface="+mn-cs"/>
+              </a:defRPr>
+            </a:lvl4pPr>
+            <a:lvl5pPr marL="2057400" indent="-228600" algn="l" defTabSz="914400" rtl="0" eaLnBrk="1" latinLnBrk="0" hangingPunct="1">
+              <a:lnSpc>
+                <a:spcPct val="90000"/>
+              </a:lnSpc>
+              <a:spcBef>
+                <a:spcPts val="500"/>
+              </a:spcBef>
+              <a:buFont typeface="Arial" panose="020B0604020202020204" pitchFamily="34" charset="0"/>
+              <a:buChar char="•"/>
+              <a:defRPr sz="1800" kern="1200">
+                <a:solidFill>
+                  <a:schemeClr val="tx1"/>
+                </a:solidFill>
+                <a:latin typeface="+mn-lt"/>
+                <a:ea typeface="+mn-ea"/>
+                <a:cs typeface="+mn-cs"/>
+              </a:defRPr>
+            </a:lvl5pPr>
+            <a:lvl6pPr marL="2514600" indent="-228600" algn="l" defTabSz="914400" rtl="0" eaLnBrk="1" latinLnBrk="0" hangingPunct="1">
+              <a:lnSpc>
+                <a:spcPct val="90000"/>
+              </a:lnSpc>
+              <a:spcBef>
+                <a:spcPts val="500"/>
+              </a:spcBef>
+              <a:buFont typeface="Arial" panose="020B0604020202020204" pitchFamily="34" charset="0"/>
+              <a:buChar char="•"/>
+              <a:defRPr sz="1800" kern="1200">
+                <a:solidFill>
+                  <a:schemeClr val="tx1"/>
+                </a:solidFill>
+                <a:latin typeface="+mn-lt"/>
+                <a:ea typeface="+mn-ea"/>
+                <a:cs typeface="+mn-cs"/>
+              </a:defRPr>
+            </a:lvl6pPr>
+            <a:lvl7pPr marL="2971800" indent="-228600" algn="l" defTabSz="914400" rtl="0" eaLnBrk="1" latinLnBrk="0" hangingPunct="1">
+              <a:lnSpc>
+                <a:spcPct val="90000"/>
+              </a:lnSpc>
+              <a:spcBef>
+                <a:spcPts val="500"/>
+              </a:spcBef>
+              <a:buFont typeface="Arial" panose="020B0604020202020204" pitchFamily="34" charset="0"/>
+              <a:buChar char="•"/>
+              <a:defRPr sz="1800" kern="1200">
+                <a:solidFill>
+                  <a:schemeClr val="tx1"/>
+                </a:solidFill>
+                <a:latin typeface="+mn-lt"/>
+                <a:ea typeface="+mn-ea"/>
+                <a:cs typeface="+mn-cs"/>
+              </a:defRPr>
+            </a:lvl7pPr>
+            <a:lvl8pPr marL="3429000" indent="-228600" algn="l" defTabSz="914400" rtl="0" eaLnBrk="1" latinLnBrk="0" hangingPunct="1">
+              <a:lnSpc>
+                <a:spcPct val="90000"/>
+              </a:lnSpc>
+              <a:spcBef>
+                <a:spcPts val="500"/>
+              </a:spcBef>
+              <a:buFont typeface="Arial" panose="020B0604020202020204" pitchFamily="34" charset="0"/>
+              <a:buChar char="•"/>
+              <a:defRPr sz="1800" kern="1200">
+                <a:solidFill>
+                  <a:schemeClr val="tx1"/>
+                </a:solidFill>
+                <a:latin typeface="+mn-lt"/>
+                <a:ea typeface="+mn-ea"/>
+                <a:cs typeface="+mn-cs"/>
+              </a:defRPr>
+            </a:lvl8pPr>
+            <a:lvl9pPr marL="3886200" indent="-228600" algn="l" defTabSz="914400" rtl="0" eaLnBrk="1" latinLnBrk="0" hangingPunct="1">
+              <a:lnSpc>
+                <a:spcPct val="90000"/>
+              </a:lnSpc>
+              <a:spcBef>
+                <a:spcPts val="500"/>
+              </a:spcBef>
+              <a:buFont typeface="Arial" panose="020B0604020202020204" pitchFamily="34" charset="0"/>
+              <a:buChar char="•"/>
+              <a:defRPr sz="1800" kern="1200">
+                <a:solidFill>
+                  <a:schemeClr val="tx1"/>
+                </a:solidFill>
+                <a:latin typeface="+mn-lt"/>
+                <a:ea typeface="+mn-ea"/>
+                <a:cs typeface="+mn-cs"/>
+              </a:defRPr>
+            </a:lvl9pPr>
+          </a:lstStyle>
+          <a:p>
+            <a:pPr marL="0" indent="0">
+              <a:buFont typeface="Arial" panose="020B0604020202020204" pitchFamily="34" charset="0"/>
+              <a:buNone/>
+            </a:pPr>
+            <a:r>
+              <a:rPr lang="de-DE" sz="2400" b="1" dirty="0"/>
+              <a:t>Gruppe B </a:t>
+            </a:r>
+            <a:r>
+              <a:rPr lang="de-DE" sz="2400" dirty="0"/>
+              <a:t>schwarze Seite</a:t>
+            </a:r>
+            <a:endParaRPr lang="de-DE" sz="2400" b="1" dirty="0"/>
+          </a:p>
+        </p:txBody>
+      </p:sp>
     </p:spTree>
     <p:extLst>
       <p:ext uri="{BB962C8B-B14F-4D97-AF65-F5344CB8AC3E}">
@@ -8630,12 +9887,20 @@
             <p:ph type="title"/>
           </p:nvPr>
         </p:nvSpPr>
-        <p:spPr/>
+        <p:spPr>
+          <a:xfrm>
+            <a:off x="838200" y="365126"/>
+            <a:ext cx="10515600" cy="1052858"/>
+          </a:xfrm>
+        </p:spPr>
         <p:txBody>
           <a:bodyPr/>
           <a:lstStyle/>
           <a:p>
-            <a:endParaRPr lang="de-DE"/>
+            <a:r>
+              <a:rPr lang="de-DE" dirty="0"/>
+              <a:t>Linearer Fit – spiegelnde Seite</a:t>
+            </a:r>
           </a:p>
         </p:txBody>
       </p:sp>
@@ -8742,21 +10007,23 @@
         </p:nvSpPr>
         <p:spPr>
           <a:xfrm>
-            <a:off x="838200" y="1825625"/>
-            <a:ext cx="10515600" cy="467001"/>
+            <a:off x="1104569" y="1620663"/>
+            <a:ext cx="5125278" cy="467001"/>
           </a:xfrm>
         </p:spPr>
         <p:txBody>
           <a:bodyPr>
-            <a:normAutofit lnSpcReduction="10000"/>
+            <a:normAutofit/>
           </a:bodyPr>
           <a:lstStyle/>
           <a:p>
-            <a:r>
-              <a:rPr lang="de-DE" dirty="0" err="1"/>
-              <a:t>Bla</a:t>
-            </a:r>
-            <a:endParaRPr lang="de-DE" dirty="0"/>
+            <a:pPr marL="0" indent="0">
+              <a:buNone/>
+            </a:pPr>
+            <a:r>
+              <a:rPr lang="de-DE" sz="2400" b="1" dirty="0"/>
+              <a:t>Gruppe A</a:t>
+            </a:r>
           </a:p>
         </p:txBody>
       </p:sp>
@@ -8788,8 +10055,8 @@
         </p:blipFill>
         <p:spPr>
           <a:xfrm>
-            <a:off x="838200" y="2292626"/>
-            <a:ext cx="5125278" cy="3827942"/>
+            <a:off x="473735" y="2018133"/>
+            <a:ext cx="5489743" cy="4100152"/>
           </a:xfrm>
           <a:prstGeom prst="rect">
             <a:avLst/>
@@ -8824,14 +10091,217 @@
         </p:blipFill>
         <p:spPr>
           <a:xfrm>
-            <a:off x="6166899" y="2259830"/>
-            <a:ext cx="5943612" cy="4096520"/>
+            <a:off x="5963478" y="2018133"/>
+            <a:ext cx="6147033" cy="4236724"/>
           </a:xfrm>
           <a:prstGeom prst="rect">
             <a:avLst/>
           </a:prstGeom>
         </p:spPr>
       </p:pic>
+      <p:sp>
+        <p:nvSpPr>
+          <p:cNvPr id="9" name="Inhaltsplatzhalter 9">
+            <a:extLst>
+              <a:ext uri="{FF2B5EF4-FFF2-40B4-BE49-F238E27FC236}">
+                <a16:creationId xmlns:a16="http://schemas.microsoft.com/office/drawing/2014/main" id="{9226B08B-CDA7-4DDC-8F50-A874CC63A881}"/>
+              </a:ext>
+            </a:extLst>
+          </p:cNvPr>
+          <p:cNvSpPr txBox="1">
+            <a:spLocks/>
+          </p:cNvSpPr>
+          <p:nvPr/>
+        </p:nvSpPr>
+        <p:spPr>
+          <a:xfrm>
+            <a:off x="6576066" y="1551514"/>
+            <a:ext cx="5125278" cy="467001"/>
+          </a:xfrm>
+          <a:prstGeom prst="rect">
+            <a:avLst/>
+          </a:prstGeom>
+        </p:spPr>
+        <p:txBody>
+          <a:bodyPr vert="horz" lIns="91440" tIns="45720" rIns="91440" bIns="45720" rtlCol="0">
+            <a:normAutofit/>
+          </a:bodyPr>
+          <a:lstStyle>
+            <a:lvl1pPr marL="228600" indent="-228600" algn="l" defTabSz="914400" rtl="0" eaLnBrk="1" latinLnBrk="0" hangingPunct="1">
+              <a:lnSpc>
+                <a:spcPct val="90000"/>
+              </a:lnSpc>
+              <a:spcBef>
+                <a:spcPts val="1000"/>
+              </a:spcBef>
+              <a:buFont typeface="Arial" panose="020B0604020202020204" pitchFamily="34" charset="0"/>
+              <a:buChar char="•"/>
+              <a:defRPr sz="2800" kern="1200">
+                <a:solidFill>
+                  <a:schemeClr val="tx1"/>
+                </a:solidFill>
+                <a:latin typeface="+mn-lt"/>
+                <a:ea typeface="+mn-ea"/>
+                <a:cs typeface="+mn-cs"/>
+              </a:defRPr>
+            </a:lvl1pPr>
+            <a:lvl2pPr marL="685800" indent="-228600" algn="l" defTabSz="914400" rtl="0" eaLnBrk="1" latinLnBrk="0" hangingPunct="1">
+              <a:lnSpc>
+                <a:spcPct val="90000"/>
+              </a:lnSpc>
+              <a:spcBef>
+                <a:spcPts val="500"/>
+              </a:spcBef>
+              <a:buFont typeface="Arial" panose="020B0604020202020204" pitchFamily="34" charset="0"/>
+              <a:buChar char="•"/>
+              <a:defRPr sz="2400" kern="1200">
+                <a:solidFill>
+                  <a:schemeClr val="tx1"/>
+                </a:solidFill>
+                <a:latin typeface="+mn-lt"/>
+                <a:ea typeface="+mn-ea"/>
+                <a:cs typeface="+mn-cs"/>
+              </a:defRPr>
+            </a:lvl2pPr>
+            <a:lvl3pPr marL="1143000" indent="-228600" algn="l" defTabSz="914400" rtl="0" eaLnBrk="1" latinLnBrk="0" hangingPunct="1">
+              <a:lnSpc>
+                <a:spcPct val="90000"/>
+              </a:lnSpc>
+              <a:spcBef>
+                <a:spcPts val="500"/>
+              </a:spcBef>
+              <a:buFont typeface="Arial" panose="020B0604020202020204" pitchFamily="34" charset="0"/>
+              <a:buChar char="•"/>
+              <a:defRPr sz="2000" kern="1200">
+                <a:solidFill>
+                  <a:schemeClr val="tx1"/>
+                </a:solidFill>
+                <a:latin typeface="+mn-lt"/>
+                <a:ea typeface="+mn-ea"/>
+                <a:cs typeface="+mn-cs"/>
+              </a:defRPr>
+            </a:lvl3pPr>
+            <a:lvl4pPr marL="1600200" indent="-228600" algn="l" defTabSz="914400" rtl="0" eaLnBrk="1" latinLnBrk="0" hangingPunct="1">
+              <a:lnSpc>
+                <a:spcPct val="90000"/>
+              </a:lnSpc>
+              <a:spcBef>
+                <a:spcPts val="500"/>
+              </a:spcBef>
+              <a:buFont typeface="Arial" panose="020B0604020202020204" pitchFamily="34" charset="0"/>
+              <a:buChar char="•"/>
+              <a:defRPr sz="1800" kern="1200">
+                <a:solidFill>
+                  <a:schemeClr val="tx1"/>
+                </a:solidFill>
+                <a:latin typeface="+mn-lt"/>
+                <a:ea typeface="+mn-ea"/>
+                <a:cs typeface="+mn-cs"/>
+              </a:defRPr>
+            </a:lvl4pPr>
+            <a:lvl5pPr marL="2057400" indent="-228600" algn="l" defTabSz="914400" rtl="0" eaLnBrk="1" latinLnBrk="0" hangingPunct="1">
+              <a:lnSpc>
+                <a:spcPct val="90000"/>
+              </a:lnSpc>
+              <a:spcBef>
+                <a:spcPts val="500"/>
+              </a:spcBef>
+              <a:buFont typeface="Arial" panose="020B0604020202020204" pitchFamily="34" charset="0"/>
+              <a:buChar char="•"/>
+              <a:defRPr sz="1800" kern="1200">
+                <a:solidFill>
+                  <a:schemeClr val="tx1"/>
+                </a:solidFill>
+                <a:latin typeface="+mn-lt"/>
+                <a:ea typeface="+mn-ea"/>
+                <a:cs typeface="+mn-cs"/>
+              </a:defRPr>
+            </a:lvl5pPr>
+            <a:lvl6pPr marL="2514600" indent="-228600" algn="l" defTabSz="914400" rtl="0" eaLnBrk="1" latinLnBrk="0" hangingPunct="1">
+              <a:lnSpc>
+                <a:spcPct val="90000"/>
+              </a:lnSpc>
+              <a:spcBef>
+                <a:spcPts val="500"/>
+              </a:spcBef>
+              <a:buFont typeface="Arial" panose="020B0604020202020204" pitchFamily="34" charset="0"/>
+              <a:buChar char="•"/>
+              <a:defRPr sz="1800" kern="1200">
+                <a:solidFill>
+                  <a:schemeClr val="tx1"/>
+                </a:solidFill>
+                <a:latin typeface="+mn-lt"/>
+                <a:ea typeface="+mn-ea"/>
+                <a:cs typeface="+mn-cs"/>
+              </a:defRPr>
+            </a:lvl6pPr>
+            <a:lvl7pPr marL="2971800" indent="-228600" algn="l" defTabSz="914400" rtl="0" eaLnBrk="1" latinLnBrk="0" hangingPunct="1">
+              <a:lnSpc>
+                <a:spcPct val="90000"/>
+              </a:lnSpc>
+              <a:spcBef>
+                <a:spcPts val="500"/>
+              </a:spcBef>
+              <a:buFont typeface="Arial" panose="020B0604020202020204" pitchFamily="34" charset="0"/>
+              <a:buChar char="•"/>
+              <a:defRPr sz="1800" kern="1200">
+                <a:solidFill>
+                  <a:schemeClr val="tx1"/>
+                </a:solidFill>
+                <a:latin typeface="+mn-lt"/>
+                <a:ea typeface="+mn-ea"/>
+                <a:cs typeface="+mn-cs"/>
+              </a:defRPr>
+            </a:lvl7pPr>
+            <a:lvl8pPr marL="3429000" indent="-228600" algn="l" defTabSz="914400" rtl="0" eaLnBrk="1" latinLnBrk="0" hangingPunct="1">
+              <a:lnSpc>
+                <a:spcPct val="90000"/>
+              </a:lnSpc>
+              <a:spcBef>
+                <a:spcPts val="500"/>
+              </a:spcBef>
+              <a:buFont typeface="Arial" panose="020B0604020202020204" pitchFamily="34" charset="0"/>
+              <a:buChar char="•"/>
+              <a:defRPr sz="1800" kern="1200">
+                <a:solidFill>
+                  <a:schemeClr val="tx1"/>
+                </a:solidFill>
+                <a:latin typeface="+mn-lt"/>
+                <a:ea typeface="+mn-ea"/>
+                <a:cs typeface="+mn-cs"/>
+              </a:defRPr>
+            </a:lvl8pPr>
+            <a:lvl9pPr marL="3886200" indent="-228600" algn="l" defTabSz="914400" rtl="0" eaLnBrk="1" latinLnBrk="0" hangingPunct="1">
+              <a:lnSpc>
+                <a:spcPct val="90000"/>
+              </a:lnSpc>
+              <a:spcBef>
+                <a:spcPts val="500"/>
+              </a:spcBef>
+              <a:buFont typeface="Arial" panose="020B0604020202020204" pitchFamily="34" charset="0"/>
+              <a:buChar char="•"/>
+              <a:defRPr sz="1800" kern="1200">
+                <a:solidFill>
+                  <a:schemeClr val="tx1"/>
+                </a:solidFill>
+                <a:latin typeface="+mn-lt"/>
+                <a:ea typeface="+mn-ea"/>
+                <a:cs typeface="+mn-cs"/>
+              </a:defRPr>
+            </a:lvl9pPr>
+          </a:lstStyle>
+          <a:p>
+            <a:pPr marL="0" indent="0">
+              <a:buFont typeface="Arial" panose="020B0604020202020204" pitchFamily="34" charset="0"/>
+              <a:buNone/>
+            </a:pPr>
+            <a:r>
+              <a:rPr lang="de-DE" sz="2400" b="1" dirty="0"/>
+              <a:t>Gruppe B</a:t>
+            </a:r>
+          </a:p>
+        </p:txBody>
+      </p:sp>
     </p:spTree>
     <p:extLst>
       <p:ext uri="{BB962C8B-B14F-4D97-AF65-F5344CB8AC3E}">
